--- a/code/Jichong/Weekly results.pptx
+++ b/code/Jichong/Weekly results.pptx
@@ -6,16 +6,17 @@
   </p:sldMasterIdLst>
   <p:sldIdLst>
     <p:sldId id="262" r:id="rId2"/>
-    <p:sldId id="258" r:id="rId3"/>
-    <p:sldId id="266" r:id="rId4"/>
-    <p:sldId id="261" r:id="rId5"/>
-    <p:sldId id="259" r:id="rId6"/>
-    <p:sldId id="263" r:id="rId7"/>
-    <p:sldId id="264" r:id="rId8"/>
-    <p:sldId id="260" r:id="rId9"/>
-    <p:sldId id="265" r:id="rId10"/>
-    <p:sldId id="256" r:id="rId11"/>
-    <p:sldId id="257" r:id="rId12"/>
+    <p:sldId id="267" r:id="rId3"/>
+    <p:sldId id="258" r:id="rId4"/>
+    <p:sldId id="266" r:id="rId5"/>
+    <p:sldId id="261" r:id="rId6"/>
+    <p:sldId id="259" r:id="rId7"/>
+    <p:sldId id="263" r:id="rId8"/>
+    <p:sldId id="264" r:id="rId9"/>
+    <p:sldId id="260" r:id="rId10"/>
+    <p:sldId id="265" r:id="rId11"/>
+    <p:sldId id="256" r:id="rId12"/>
+    <p:sldId id="257" r:id="rId13"/>
   </p:sldIdLst>
   <p:sldSz cx="12192000" cy="6858000"/>
   <p:notesSz cx="6858000" cy="9144000"/>
@@ -269,7 +270,7 @@
           <a:p>
             <a:fld id="{5D3A6126-C81C-4F37-BE1D-0082D1C68D80}" type="datetimeFigureOut">
               <a:rPr lang="en-US" smtClean="0"/>
-              <a:t>2/23/2024</a:t>
+              <a:t>3/6/2024</a:t>
             </a:fld>
             <a:endParaRPr lang="en-US"/>
           </a:p>
@@ -467,7 +468,7 @@
           <a:p>
             <a:fld id="{5D3A6126-C81C-4F37-BE1D-0082D1C68D80}" type="datetimeFigureOut">
               <a:rPr lang="en-US" smtClean="0"/>
-              <a:t>2/23/2024</a:t>
+              <a:t>3/6/2024</a:t>
             </a:fld>
             <a:endParaRPr lang="en-US"/>
           </a:p>
@@ -675,7 +676,7 @@
           <a:p>
             <a:fld id="{5D3A6126-C81C-4F37-BE1D-0082D1C68D80}" type="datetimeFigureOut">
               <a:rPr lang="en-US" smtClean="0"/>
-              <a:t>2/23/2024</a:t>
+              <a:t>3/6/2024</a:t>
             </a:fld>
             <a:endParaRPr lang="en-US"/>
           </a:p>
@@ -873,7 +874,7 @@
           <a:p>
             <a:fld id="{5D3A6126-C81C-4F37-BE1D-0082D1C68D80}" type="datetimeFigureOut">
               <a:rPr lang="en-US" smtClean="0"/>
-              <a:t>2/23/2024</a:t>
+              <a:t>3/6/2024</a:t>
             </a:fld>
             <a:endParaRPr lang="en-US"/>
           </a:p>
@@ -1148,7 +1149,7 @@
           <a:p>
             <a:fld id="{5D3A6126-C81C-4F37-BE1D-0082D1C68D80}" type="datetimeFigureOut">
               <a:rPr lang="en-US" smtClean="0"/>
-              <a:t>2/23/2024</a:t>
+              <a:t>3/6/2024</a:t>
             </a:fld>
             <a:endParaRPr lang="en-US"/>
           </a:p>
@@ -1413,7 +1414,7 @@
           <a:p>
             <a:fld id="{5D3A6126-C81C-4F37-BE1D-0082D1C68D80}" type="datetimeFigureOut">
               <a:rPr lang="en-US" smtClean="0"/>
-              <a:t>2/23/2024</a:t>
+              <a:t>3/6/2024</a:t>
             </a:fld>
             <a:endParaRPr lang="en-US"/>
           </a:p>
@@ -1825,7 +1826,7 @@
           <a:p>
             <a:fld id="{5D3A6126-C81C-4F37-BE1D-0082D1C68D80}" type="datetimeFigureOut">
               <a:rPr lang="en-US" smtClean="0"/>
-              <a:t>2/23/2024</a:t>
+              <a:t>3/6/2024</a:t>
             </a:fld>
             <a:endParaRPr lang="en-US"/>
           </a:p>
@@ -1966,7 +1967,7 @@
           <a:p>
             <a:fld id="{5D3A6126-C81C-4F37-BE1D-0082D1C68D80}" type="datetimeFigureOut">
               <a:rPr lang="en-US" smtClean="0"/>
-              <a:t>2/23/2024</a:t>
+              <a:t>3/6/2024</a:t>
             </a:fld>
             <a:endParaRPr lang="en-US"/>
           </a:p>
@@ -2079,7 +2080,7 @@
           <a:p>
             <a:fld id="{5D3A6126-C81C-4F37-BE1D-0082D1C68D80}" type="datetimeFigureOut">
               <a:rPr lang="en-US" smtClean="0"/>
-              <a:t>2/23/2024</a:t>
+              <a:t>3/6/2024</a:t>
             </a:fld>
             <a:endParaRPr lang="en-US"/>
           </a:p>
@@ -2390,7 +2391,7 @@
           <a:p>
             <a:fld id="{5D3A6126-C81C-4F37-BE1D-0082D1C68D80}" type="datetimeFigureOut">
               <a:rPr lang="en-US" smtClean="0"/>
-              <a:t>2/23/2024</a:t>
+              <a:t>3/6/2024</a:t>
             </a:fld>
             <a:endParaRPr lang="en-US"/>
           </a:p>
@@ -2678,7 +2679,7 @@
           <a:p>
             <a:fld id="{5D3A6126-C81C-4F37-BE1D-0082D1C68D80}" type="datetimeFigureOut">
               <a:rPr lang="en-US" smtClean="0"/>
-              <a:t>2/23/2024</a:t>
+              <a:t>3/6/2024</a:t>
             </a:fld>
             <a:endParaRPr lang="en-US"/>
           </a:p>
@@ -2919,7 +2920,7 @@
           <a:p>
             <a:fld id="{5D3A6126-C81C-4F37-BE1D-0082D1C68D80}" type="datetimeFigureOut">
               <a:rPr lang="en-US" smtClean="0"/>
-              <a:t>2/23/2024</a:t>
+              <a:t>3/6/2024</a:t>
             </a:fld>
             <a:endParaRPr lang="en-US"/>
           </a:p>
@@ -3505,6 +3506,72 @@
       </p:grpSpPr>
       <p:sp>
         <p:nvSpPr>
+          <p:cNvPr id="3" name="Content Placeholder 2">
+            <a:extLst>
+              <a:ext uri="{FF2B5EF4-FFF2-40B4-BE49-F238E27FC236}">
+                <a16:creationId xmlns:a16="http://schemas.microsoft.com/office/drawing/2014/main" id="{D0768018-3C4D-A040-23EB-1C0E20A06E77}"/>
+              </a:ext>
+            </a:extLst>
+          </p:cNvPr>
+          <p:cNvSpPr>
+            <a:spLocks noGrp="1"/>
+          </p:cNvSpPr>
+          <p:nvPr>
+            <p:ph idx="1"/>
+          </p:nvPr>
+        </p:nvSpPr>
+        <p:spPr>
+          <a:xfrm>
+            <a:off x="4479681" y="3109302"/>
+            <a:ext cx="3232638" cy="856029"/>
+          </a:xfrm>
+        </p:spPr>
+        <p:txBody>
+          <a:bodyPr/>
+          <a:lstStyle/>
+          <a:p>
+            <a:pPr marL="0" indent="0">
+              <a:buNone/>
+            </a:pPr>
+            <a:r>
+              <a:rPr lang="en-US" dirty="0"/>
+              <a:t>Backup Slides</a:t>
+            </a:r>
+          </a:p>
+        </p:txBody>
+      </p:sp>
+    </p:spTree>
+    <p:extLst>
+      <p:ext uri="{BB962C8B-B14F-4D97-AF65-F5344CB8AC3E}">
+        <p14:creationId xmlns:p14="http://schemas.microsoft.com/office/powerpoint/2010/main" val="4215953954"/>
+      </p:ext>
+    </p:extLst>
+  </p:cSld>
+  <p:clrMapOvr>
+    <a:masterClrMapping/>
+  </p:clrMapOvr>
+</p:sld>
+</file>
+
+<file path=ppt/slides/slide11.xml><?xml version="1.0" encoding="utf-8"?>
+<p:sld xmlns:a="http://schemas.openxmlformats.org/drawingml/2006/main" xmlns:r="http://schemas.openxmlformats.org/officeDocument/2006/relationships" xmlns:p="http://schemas.openxmlformats.org/presentationml/2006/main">
+  <p:cSld>
+    <p:spTree>
+      <p:nvGrpSpPr>
+        <p:cNvPr id="1" name=""/>
+        <p:cNvGrpSpPr/>
+        <p:nvPr/>
+      </p:nvGrpSpPr>
+      <p:grpSpPr>
+        <a:xfrm>
+          <a:off x="0" y="0"/>
+          <a:ext cx="0" cy="0"/>
+          <a:chOff x="0" y="0"/>
+          <a:chExt cx="0" cy="0"/>
+        </a:xfrm>
+      </p:grpSpPr>
+      <p:sp>
+        <p:nvSpPr>
           <p:cNvPr id="4" name="Rectangle: Rounded Corners 3">
             <a:extLst>
               <a:ext uri="{FF2B5EF4-FFF2-40B4-BE49-F238E27FC236}">
@@ -4062,7 +4129,7 @@
 </p:sld>
 </file>
 
-<file path=ppt/slides/slide11.xml><?xml version="1.0" encoding="utf-8"?>
+<file path=ppt/slides/slide12.xml><?xml version="1.0" encoding="utf-8"?>
 <p:sld xmlns:a="http://schemas.openxmlformats.org/drawingml/2006/main" xmlns:r="http://schemas.openxmlformats.org/officeDocument/2006/relationships" xmlns:p="http://schemas.openxmlformats.org/presentationml/2006/main">
   <p:cSld>
     <p:spTree>
@@ -4273,61 +4340,34 @@
           <a:chExt cx="0" cy="0"/>
         </a:xfrm>
       </p:grpSpPr>
-      <p:pic>
-        <p:nvPicPr>
-          <p:cNvPr id="7" name="Picture 6">
-            <a:extLst>
-              <a:ext uri="{FF2B5EF4-FFF2-40B4-BE49-F238E27FC236}">
-                <a16:creationId xmlns:a16="http://schemas.microsoft.com/office/drawing/2014/main" id="{BF13E590-8890-6AD7-27EA-5951C1D3C45C}"/>
-              </a:ext>
-            </a:extLst>
-          </p:cNvPr>
-          <p:cNvPicPr>
-            <a:picLocks noChangeAspect="1"/>
-          </p:cNvPicPr>
-          <p:nvPr/>
-        </p:nvPicPr>
-        <p:blipFill>
-          <a:blip r:embed="rId2"/>
-          <a:stretch>
-            <a:fillRect/>
-          </a:stretch>
-        </p:blipFill>
-        <p:spPr>
-          <a:xfrm>
-            <a:off x="289249" y="1809023"/>
-            <a:ext cx="11749598" cy="1999406"/>
+      <p:sp>
+        <p:nvSpPr>
+          <p:cNvPr id="50" name="Rectangle 49">
+            <a:extLst>
+              <a:ext uri="{FF2B5EF4-FFF2-40B4-BE49-F238E27FC236}">
+                <a16:creationId xmlns:a16="http://schemas.microsoft.com/office/drawing/2014/main" id="{9E8F94BF-8D79-1AD4-F776-09A87A1D74CF}"/>
+              </a:ext>
+            </a:extLst>
+          </p:cNvPr>
+          <p:cNvSpPr/>
+          <p:nvPr/>
+        </p:nvSpPr>
+        <p:spPr>
+          <a:xfrm>
+            <a:off x="593490" y="5909937"/>
+            <a:ext cx="11113477" cy="765998"/>
           </a:xfrm>
           <a:prstGeom prst="rect">
             <a:avLst/>
           </a:prstGeom>
-        </p:spPr>
-      </p:pic>
-      <p:sp>
-        <p:nvSpPr>
-          <p:cNvPr id="8" name="Rectangle 7">
-            <a:extLst>
-              <a:ext uri="{FF2B5EF4-FFF2-40B4-BE49-F238E27FC236}">
-                <a16:creationId xmlns:a16="http://schemas.microsoft.com/office/drawing/2014/main" id="{BD37BE26-7B67-87CC-3F27-67FC1777EC1E}"/>
-              </a:ext>
-            </a:extLst>
-          </p:cNvPr>
-          <p:cNvSpPr/>
-          <p:nvPr/>
-        </p:nvSpPr>
-        <p:spPr>
-          <a:xfrm>
-            <a:off x="688157" y="3506771"/>
-            <a:ext cx="10708849" cy="169683"/>
-          </a:xfrm>
-          <a:prstGeom prst="rect">
-            <a:avLst/>
-          </a:prstGeom>
-          <a:noFill/>
-          <a:ln w="28575">
-            <a:solidFill>
-              <a:srgbClr val="FFFF00"/>
-            </a:solidFill>
+          <a:solidFill>
+            <a:schemeClr val="accent5">
+              <a:lumMod val="20000"/>
+              <a:lumOff val="80000"/>
+            </a:schemeClr>
+          </a:solidFill>
+          <a:ln>
+            <a:noFill/>
           </a:ln>
         </p:spPr>
         <p:style>
@@ -4355,57 +4395,12 @@
           </a:p>
         </p:txBody>
       </p:sp>
-      <p:cxnSp>
-        <p:nvCxnSpPr>
-          <p:cNvPr id="11" name="Straight Connector 10">
-            <a:extLst>
-              <a:ext uri="{FF2B5EF4-FFF2-40B4-BE49-F238E27FC236}">
-                <a16:creationId xmlns:a16="http://schemas.microsoft.com/office/drawing/2014/main" id="{E99D9A17-1A23-8F2D-9196-A9631B90723C}"/>
-              </a:ext>
-            </a:extLst>
-          </p:cNvPr>
-          <p:cNvCxnSpPr/>
-          <p:nvPr/>
-        </p:nvCxnSpPr>
-        <p:spPr>
-          <a:xfrm>
-            <a:off x="688157" y="3297115"/>
-            <a:ext cx="10601166" cy="0"/>
-          </a:xfrm>
-          <a:prstGeom prst="line">
-            <a:avLst/>
-          </a:prstGeom>
-          <a:ln w="28575">
-            <a:solidFill>
-              <a:schemeClr val="accent4">
-                <a:lumMod val="20000"/>
-                <a:lumOff val="80000"/>
-              </a:schemeClr>
-            </a:solidFill>
-            <a:prstDash val="dash"/>
-          </a:ln>
-        </p:spPr>
-        <p:style>
-          <a:lnRef idx="1">
-            <a:schemeClr val="accent1"/>
-          </a:lnRef>
-          <a:fillRef idx="0">
-            <a:schemeClr val="accent1"/>
-          </a:fillRef>
-          <a:effectRef idx="0">
-            <a:schemeClr val="accent1"/>
-          </a:effectRef>
-          <a:fontRef idx="minor">
-            <a:schemeClr val="tx1"/>
-          </a:fontRef>
-        </p:style>
-      </p:cxnSp>
-      <p:sp>
-        <p:nvSpPr>
-          <p:cNvPr id="12" name="Rectangle 11">
-            <a:extLst>
-              <a:ext uri="{FF2B5EF4-FFF2-40B4-BE49-F238E27FC236}">
-                <a16:creationId xmlns:a16="http://schemas.microsoft.com/office/drawing/2014/main" id="{A3549DC4-40BA-1272-B8DE-5D02C5F561F5}"/>
+      <p:sp>
+        <p:nvSpPr>
+          <p:cNvPr id="49" name="Rectangle 48">
+            <a:extLst>
+              <a:ext uri="{FF2B5EF4-FFF2-40B4-BE49-F238E27FC236}">
+                <a16:creationId xmlns:a16="http://schemas.microsoft.com/office/drawing/2014/main" id="{737D9853-C583-64C9-5CE8-79EAACFE6945}"/>
               </a:ext>
             </a:extLst>
           </p:cNvPr>
@@ -4414,17 +4409,20 @@
         </p:nvSpPr>
         <p:spPr>
           <a:xfrm>
-            <a:off x="289249" y="4380140"/>
-            <a:ext cx="572397" cy="191860"/>
+            <a:off x="593490" y="5016315"/>
+            <a:ext cx="11113477" cy="765998"/>
           </a:xfrm>
           <a:prstGeom prst="rect">
             <a:avLst/>
           </a:prstGeom>
-          <a:noFill/>
-          <a:ln w="28575">
-            <a:solidFill>
-              <a:schemeClr val="accent4"/>
-            </a:solidFill>
+          <a:solidFill>
+            <a:schemeClr val="accent6">
+              <a:lumMod val="20000"/>
+              <a:lumOff val="80000"/>
+            </a:schemeClr>
+          </a:solidFill>
+          <a:ln>
+            <a:noFill/>
           </a:ln>
         </p:spPr>
         <p:style>
@@ -4454,10 +4452,1320 @@
       </p:sp>
       <p:sp>
         <p:nvSpPr>
-          <p:cNvPr id="13" name="TextBox 12">
-            <a:extLst>
-              <a:ext uri="{FF2B5EF4-FFF2-40B4-BE49-F238E27FC236}">
-                <a16:creationId xmlns:a16="http://schemas.microsoft.com/office/drawing/2014/main" id="{4259E792-13EE-CA79-5EB0-A062683BBBC8}"/>
+          <p:cNvPr id="48" name="Rectangle 47">
+            <a:extLst>
+              <a:ext uri="{FF2B5EF4-FFF2-40B4-BE49-F238E27FC236}">
+                <a16:creationId xmlns:a16="http://schemas.microsoft.com/office/drawing/2014/main" id="{4CE5DD2E-FE93-3015-DB7F-2AAC4E2C0FB4}"/>
+              </a:ext>
+            </a:extLst>
+          </p:cNvPr>
+          <p:cNvSpPr/>
+          <p:nvPr/>
+        </p:nvSpPr>
+        <p:spPr>
+          <a:xfrm>
+            <a:off x="593491" y="4123793"/>
+            <a:ext cx="11113477" cy="765998"/>
+          </a:xfrm>
+          <a:prstGeom prst="rect">
+            <a:avLst/>
+          </a:prstGeom>
+          <a:solidFill>
+            <a:schemeClr val="accent2">
+              <a:lumMod val="20000"/>
+              <a:lumOff val="80000"/>
+            </a:schemeClr>
+          </a:solidFill>
+          <a:ln>
+            <a:noFill/>
+          </a:ln>
+        </p:spPr>
+        <p:style>
+          <a:lnRef idx="2">
+            <a:schemeClr val="accent1">
+              <a:shade val="15000"/>
+            </a:schemeClr>
+          </a:lnRef>
+          <a:fillRef idx="1">
+            <a:schemeClr val="accent1"/>
+          </a:fillRef>
+          <a:effectRef idx="0">
+            <a:schemeClr val="accent1"/>
+          </a:effectRef>
+          <a:fontRef idx="minor">
+            <a:schemeClr val="lt1"/>
+          </a:fontRef>
+        </p:style>
+        <p:txBody>
+          <a:bodyPr rtlCol="0" anchor="ctr"/>
+          <a:lstStyle/>
+          <a:p>
+            <a:pPr algn="ctr"/>
+            <a:endParaRPr lang="en-US"/>
+          </a:p>
+        </p:txBody>
+      </p:sp>
+      <p:sp>
+        <p:nvSpPr>
+          <p:cNvPr id="47" name="Rectangle 46">
+            <a:extLst>
+              <a:ext uri="{FF2B5EF4-FFF2-40B4-BE49-F238E27FC236}">
+                <a16:creationId xmlns:a16="http://schemas.microsoft.com/office/drawing/2014/main" id="{0C05C0A5-7CF2-497F-4FF7-50D430F34A5C}"/>
+              </a:ext>
+            </a:extLst>
+          </p:cNvPr>
+          <p:cNvSpPr/>
+          <p:nvPr/>
+        </p:nvSpPr>
+        <p:spPr>
+          <a:xfrm>
+            <a:off x="593491" y="3275247"/>
+            <a:ext cx="11113477" cy="765998"/>
+          </a:xfrm>
+          <a:prstGeom prst="rect">
+            <a:avLst/>
+          </a:prstGeom>
+          <a:solidFill>
+            <a:schemeClr val="accent2">
+              <a:lumMod val="20000"/>
+              <a:lumOff val="80000"/>
+            </a:schemeClr>
+          </a:solidFill>
+          <a:ln>
+            <a:noFill/>
+          </a:ln>
+        </p:spPr>
+        <p:style>
+          <a:lnRef idx="2">
+            <a:schemeClr val="accent1">
+              <a:shade val="15000"/>
+            </a:schemeClr>
+          </a:lnRef>
+          <a:fillRef idx="1">
+            <a:schemeClr val="accent1"/>
+          </a:fillRef>
+          <a:effectRef idx="0">
+            <a:schemeClr val="accent1"/>
+          </a:effectRef>
+          <a:fontRef idx="minor">
+            <a:schemeClr val="lt1"/>
+          </a:fontRef>
+        </p:style>
+        <p:txBody>
+          <a:bodyPr rtlCol="0" anchor="ctr"/>
+          <a:lstStyle/>
+          <a:p>
+            <a:pPr algn="ctr"/>
+            <a:endParaRPr lang="en-US"/>
+          </a:p>
+        </p:txBody>
+      </p:sp>
+      <p:sp>
+        <p:nvSpPr>
+          <p:cNvPr id="35" name="Rectangle 34">
+            <a:extLst>
+              <a:ext uri="{FF2B5EF4-FFF2-40B4-BE49-F238E27FC236}">
+                <a16:creationId xmlns:a16="http://schemas.microsoft.com/office/drawing/2014/main" id="{7BA54EE1-D6AE-96B6-7F5D-6A70902A853B}"/>
+              </a:ext>
+            </a:extLst>
+          </p:cNvPr>
+          <p:cNvSpPr/>
+          <p:nvPr/>
+        </p:nvSpPr>
+        <p:spPr>
+          <a:xfrm>
+            <a:off x="593492" y="2410114"/>
+            <a:ext cx="11113477" cy="765998"/>
+          </a:xfrm>
+          <a:prstGeom prst="rect">
+            <a:avLst/>
+          </a:prstGeom>
+          <a:solidFill>
+            <a:schemeClr val="accent2">
+              <a:lumMod val="20000"/>
+              <a:lumOff val="80000"/>
+            </a:schemeClr>
+          </a:solidFill>
+          <a:ln>
+            <a:noFill/>
+          </a:ln>
+        </p:spPr>
+        <p:style>
+          <a:lnRef idx="2">
+            <a:schemeClr val="accent1">
+              <a:shade val="15000"/>
+            </a:schemeClr>
+          </a:lnRef>
+          <a:fillRef idx="1">
+            <a:schemeClr val="accent1"/>
+          </a:fillRef>
+          <a:effectRef idx="0">
+            <a:schemeClr val="accent1"/>
+          </a:effectRef>
+          <a:fontRef idx="minor">
+            <a:schemeClr val="lt1"/>
+          </a:fontRef>
+        </p:style>
+        <p:txBody>
+          <a:bodyPr rtlCol="0" anchor="ctr"/>
+          <a:lstStyle/>
+          <a:p>
+            <a:pPr algn="ctr"/>
+            <a:endParaRPr lang="en-US"/>
+          </a:p>
+        </p:txBody>
+      </p:sp>
+      <p:sp>
+        <p:nvSpPr>
+          <p:cNvPr id="34" name="Rectangle 33">
+            <a:extLst>
+              <a:ext uri="{FF2B5EF4-FFF2-40B4-BE49-F238E27FC236}">
+                <a16:creationId xmlns:a16="http://schemas.microsoft.com/office/drawing/2014/main" id="{39E9E919-B7E3-1987-F227-9422B5AC431B}"/>
+              </a:ext>
+            </a:extLst>
+          </p:cNvPr>
+          <p:cNvSpPr/>
+          <p:nvPr/>
+        </p:nvSpPr>
+        <p:spPr>
+          <a:xfrm>
+            <a:off x="593492" y="1583299"/>
+            <a:ext cx="11113477" cy="765998"/>
+          </a:xfrm>
+          <a:prstGeom prst="rect">
+            <a:avLst/>
+          </a:prstGeom>
+          <a:solidFill>
+            <a:schemeClr val="accent2">
+              <a:lumMod val="20000"/>
+              <a:lumOff val="80000"/>
+            </a:schemeClr>
+          </a:solidFill>
+          <a:ln>
+            <a:noFill/>
+          </a:ln>
+        </p:spPr>
+        <p:style>
+          <a:lnRef idx="2">
+            <a:schemeClr val="accent1">
+              <a:shade val="15000"/>
+            </a:schemeClr>
+          </a:lnRef>
+          <a:fillRef idx="1">
+            <a:schemeClr val="accent1"/>
+          </a:fillRef>
+          <a:effectRef idx="0">
+            <a:schemeClr val="accent1"/>
+          </a:effectRef>
+          <a:fontRef idx="minor">
+            <a:schemeClr val="lt1"/>
+          </a:fontRef>
+        </p:style>
+        <p:txBody>
+          <a:bodyPr rtlCol="0" anchor="ctr"/>
+          <a:lstStyle/>
+          <a:p>
+            <a:pPr algn="ctr"/>
+            <a:endParaRPr lang="en-US" dirty="0"/>
+          </a:p>
+        </p:txBody>
+      </p:sp>
+      <p:sp>
+        <p:nvSpPr>
+          <p:cNvPr id="28" name="Rectangle 27">
+            <a:extLst>
+              <a:ext uri="{FF2B5EF4-FFF2-40B4-BE49-F238E27FC236}">
+                <a16:creationId xmlns:a16="http://schemas.microsoft.com/office/drawing/2014/main" id="{273FAD57-A013-8437-C9A9-3FF73DA71CBD}"/>
+              </a:ext>
+            </a:extLst>
+          </p:cNvPr>
+          <p:cNvSpPr/>
+          <p:nvPr/>
+        </p:nvSpPr>
+        <p:spPr>
+          <a:xfrm>
+            <a:off x="593492" y="754793"/>
+            <a:ext cx="11113477" cy="765998"/>
+          </a:xfrm>
+          <a:prstGeom prst="rect">
+            <a:avLst/>
+          </a:prstGeom>
+          <a:solidFill>
+            <a:schemeClr val="accent2">
+              <a:lumMod val="20000"/>
+              <a:lumOff val="80000"/>
+            </a:schemeClr>
+          </a:solidFill>
+          <a:ln>
+            <a:noFill/>
+          </a:ln>
+        </p:spPr>
+        <p:style>
+          <a:lnRef idx="2">
+            <a:schemeClr val="accent1">
+              <a:shade val="15000"/>
+            </a:schemeClr>
+          </a:lnRef>
+          <a:fillRef idx="1">
+            <a:schemeClr val="accent1"/>
+          </a:fillRef>
+          <a:effectRef idx="0">
+            <a:schemeClr val="accent1"/>
+          </a:effectRef>
+          <a:fontRef idx="minor">
+            <a:schemeClr val="lt1"/>
+          </a:fontRef>
+        </p:style>
+        <p:txBody>
+          <a:bodyPr rtlCol="0" anchor="ctr"/>
+          <a:lstStyle/>
+          <a:p>
+            <a:pPr algn="ctr"/>
+            <a:endParaRPr lang="en-US"/>
+          </a:p>
+        </p:txBody>
+      </p:sp>
+      <p:sp>
+        <p:nvSpPr>
+          <p:cNvPr id="2" name="Rectangle: Rounded Corners 1">
+            <a:extLst>
+              <a:ext uri="{FF2B5EF4-FFF2-40B4-BE49-F238E27FC236}">
+                <a16:creationId xmlns:a16="http://schemas.microsoft.com/office/drawing/2014/main" id="{67F7D612-5530-C39D-D087-651EF120E0B2}"/>
+              </a:ext>
+            </a:extLst>
+          </p:cNvPr>
+          <p:cNvSpPr/>
+          <p:nvPr/>
+        </p:nvSpPr>
+        <p:spPr>
+          <a:xfrm>
+            <a:off x="485031" y="865866"/>
+            <a:ext cx="2057403" cy="576072"/>
+          </a:xfrm>
+          <a:prstGeom prst="roundRect">
+            <a:avLst/>
+          </a:prstGeom>
+          <a:noFill/>
+          <a:ln w="28575">
+            <a:noFill/>
+          </a:ln>
+        </p:spPr>
+        <p:style>
+          <a:lnRef idx="2">
+            <a:schemeClr val="accent1">
+              <a:shade val="15000"/>
+            </a:schemeClr>
+          </a:lnRef>
+          <a:fillRef idx="1">
+            <a:schemeClr val="accent1"/>
+          </a:fillRef>
+          <a:effectRef idx="0">
+            <a:schemeClr val="accent1"/>
+          </a:effectRef>
+          <a:fontRef idx="minor">
+            <a:schemeClr val="lt1"/>
+          </a:fontRef>
+        </p:style>
+        <p:txBody>
+          <a:bodyPr rtlCol="0" anchor="ctr"/>
+          <a:lstStyle/>
+          <a:p>
+            <a:pPr algn="ctr"/>
+            <a:r>
+              <a:rPr lang="en-US" sz="1400" b="1" dirty="0">
+                <a:solidFill>
+                  <a:schemeClr val="tx1"/>
+                </a:solidFill>
+              </a:rPr>
+              <a:t>Pro-processing</a:t>
+            </a:r>
+            <a:endParaRPr lang="en-US" sz="2000" b="1" dirty="0">
+              <a:solidFill>
+                <a:schemeClr val="tx1"/>
+              </a:solidFill>
+            </a:endParaRPr>
+          </a:p>
+        </p:txBody>
+      </p:sp>
+      <p:sp>
+        <p:nvSpPr>
+          <p:cNvPr id="3" name="Rectangle: Rounded Corners 2">
+            <a:extLst>
+              <a:ext uri="{FF2B5EF4-FFF2-40B4-BE49-F238E27FC236}">
+                <a16:creationId xmlns:a16="http://schemas.microsoft.com/office/drawing/2014/main" id="{4266C54E-53EB-E4EF-B7FF-D94993CA5C71}"/>
+              </a:ext>
+            </a:extLst>
+          </p:cNvPr>
+          <p:cNvSpPr/>
+          <p:nvPr/>
+        </p:nvSpPr>
+        <p:spPr>
+          <a:xfrm>
+            <a:off x="485032" y="1676395"/>
+            <a:ext cx="2057403" cy="576072"/>
+          </a:xfrm>
+          <a:prstGeom prst="roundRect">
+            <a:avLst/>
+          </a:prstGeom>
+          <a:noFill/>
+          <a:ln w="28575">
+            <a:noFill/>
+          </a:ln>
+        </p:spPr>
+        <p:style>
+          <a:lnRef idx="2">
+            <a:schemeClr val="accent1">
+              <a:shade val="15000"/>
+            </a:schemeClr>
+          </a:lnRef>
+          <a:fillRef idx="1">
+            <a:schemeClr val="accent1"/>
+          </a:fillRef>
+          <a:effectRef idx="0">
+            <a:schemeClr val="accent1"/>
+          </a:effectRef>
+          <a:fontRef idx="minor">
+            <a:schemeClr val="lt1"/>
+          </a:fontRef>
+        </p:style>
+        <p:txBody>
+          <a:bodyPr rtlCol="0" anchor="ctr"/>
+          <a:lstStyle/>
+          <a:p>
+            <a:pPr algn="ctr"/>
+            <a:r>
+              <a:rPr lang="en-US" sz="1400" b="1" dirty="0">
+                <a:solidFill>
+                  <a:schemeClr val="tx1"/>
+                </a:solidFill>
+              </a:rPr>
+              <a:t>Baseline</a:t>
+            </a:r>
+            <a:endParaRPr lang="en-US" sz="2000" b="1" dirty="0">
+              <a:solidFill>
+                <a:schemeClr val="tx1"/>
+              </a:solidFill>
+            </a:endParaRPr>
+          </a:p>
+        </p:txBody>
+      </p:sp>
+      <p:sp>
+        <p:nvSpPr>
+          <p:cNvPr id="5" name="Rectangle: Rounded Corners 4">
+            <a:extLst>
+              <a:ext uri="{FF2B5EF4-FFF2-40B4-BE49-F238E27FC236}">
+                <a16:creationId xmlns:a16="http://schemas.microsoft.com/office/drawing/2014/main" id="{FAB975E1-9473-604C-5897-8FB7403C2459}"/>
+              </a:ext>
+            </a:extLst>
+          </p:cNvPr>
+          <p:cNvSpPr/>
+          <p:nvPr/>
+        </p:nvSpPr>
+        <p:spPr>
+          <a:xfrm>
+            <a:off x="485031" y="2495114"/>
+            <a:ext cx="2057403" cy="576072"/>
+          </a:xfrm>
+          <a:prstGeom prst="roundRect">
+            <a:avLst/>
+          </a:prstGeom>
+          <a:noFill/>
+          <a:ln w="28575">
+            <a:noFill/>
+          </a:ln>
+        </p:spPr>
+        <p:style>
+          <a:lnRef idx="2">
+            <a:schemeClr val="accent1">
+              <a:shade val="15000"/>
+            </a:schemeClr>
+          </a:lnRef>
+          <a:fillRef idx="1">
+            <a:schemeClr val="accent1"/>
+          </a:fillRef>
+          <a:effectRef idx="0">
+            <a:schemeClr val="accent1"/>
+          </a:effectRef>
+          <a:fontRef idx="minor">
+            <a:schemeClr val="lt1"/>
+          </a:fontRef>
+        </p:style>
+        <p:txBody>
+          <a:bodyPr rtlCol="0" anchor="ctr"/>
+          <a:lstStyle/>
+          <a:p>
+            <a:pPr algn="ctr"/>
+            <a:r>
+              <a:rPr lang="en-US" sz="1400" b="1" dirty="0">
+                <a:solidFill>
+                  <a:schemeClr val="tx1"/>
+                </a:solidFill>
+              </a:rPr>
+              <a:t>Feature Selection</a:t>
+            </a:r>
+          </a:p>
+        </p:txBody>
+      </p:sp>
+      <p:sp>
+        <p:nvSpPr>
+          <p:cNvPr id="6" name="Rectangle: Rounded Corners 5">
+            <a:extLst>
+              <a:ext uri="{FF2B5EF4-FFF2-40B4-BE49-F238E27FC236}">
+                <a16:creationId xmlns:a16="http://schemas.microsoft.com/office/drawing/2014/main" id="{4CC4C955-AAB9-F2BB-C933-5898643BFDFC}"/>
+              </a:ext>
+            </a:extLst>
+          </p:cNvPr>
+          <p:cNvSpPr/>
+          <p:nvPr/>
+        </p:nvSpPr>
+        <p:spPr>
+          <a:xfrm>
+            <a:off x="485031" y="3357795"/>
+            <a:ext cx="2057403" cy="576072"/>
+          </a:xfrm>
+          <a:prstGeom prst="roundRect">
+            <a:avLst/>
+          </a:prstGeom>
+          <a:noFill/>
+          <a:ln w="28575">
+            <a:noFill/>
+          </a:ln>
+        </p:spPr>
+        <p:style>
+          <a:lnRef idx="2">
+            <a:schemeClr val="accent1">
+              <a:shade val="15000"/>
+            </a:schemeClr>
+          </a:lnRef>
+          <a:fillRef idx="1">
+            <a:schemeClr val="accent1"/>
+          </a:fillRef>
+          <a:effectRef idx="0">
+            <a:schemeClr val="accent1"/>
+          </a:effectRef>
+          <a:fontRef idx="minor">
+            <a:schemeClr val="lt1"/>
+          </a:fontRef>
+        </p:style>
+        <p:txBody>
+          <a:bodyPr rtlCol="0" anchor="ctr"/>
+          <a:lstStyle/>
+          <a:p>
+            <a:pPr algn="ctr"/>
+            <a:r>
+              <a:rPr lang="en-US" sz="1400" b="1" dirty="0">
+                <a:solidFill>
+                  <a:schemeClr val="tx1"/>
+                </a:solidFill>
+              </a:rPr>
+              <a:t>Feature Engineering</a:t>
+            </a:r>
+          </a:p>
+        </p:txBody>
+      </p:sp>
+      <p:sp>
+        <p:nvSpPr>
+          <p:cNvPr id="7" name="Rectangle: Rounded Corners 6">
+            <a:extLst>
+              <a:ext uri="{FF2B5EF4-FFF2-40B4-BE49-F238E27FC236}">
+                <a16:creationId xmlns:a16="http://schemas.microsoft.com/office/drawing/2014/main" id="{43592253-69E2-19CD-4360-90A9E0131FF9}"/>
+              </a:ext>
+            </a:extLst>
+          </p:cNvPr>
+          <p:cNvSpPr/>
+          <p:nvPr/>
+        </p:nvSpPr>
+        <p:spPr>
+          <a:xfrm>
+            <a:off x="485031" y="4229062"/>
+            <a:ext cx="2057403" cy="571552"/>
+          </a:xfrm>
+          <a:prstGeom prst="roundRect">
+            <a:avLst/>
+          </a:prstGeom>
+          <a:noFill/>
+          <a:ln w="28575">
+            <a:noFill/>
+          </a:ln>
+        </p:spPr>
+        <p:style>
+          <a:lnRef idx="2">
+            <a:schemeClr val="accent1">
+              <a:shade val="15000"/>
+            </a:schemeClr>
+          </a:lnRef>
+          <a:fillRef idx="1">
+            <a:schemeClr val="accent1"/>
+          </a:fillRef>
+          <a:effectRef idx="0">
+            <a:schemeClr val="accent1"/>
+          </a:effectRef>
+          <a:fontRef idx="minor">
+            <a:schemeClr val="lt1"/>
+          </a:fontRef>
+        </p:style>
+        <p:txBody>
+          <a:bodyPr rtlCol="0" anchor="ctr"/>
+          <a:lstStyle/>
+          <a:p>
+            <a:pPr algn="ctr"/>
+            <a:r>
+              <a:rPr lang="en-US" sz="1400" b="1" dirty="0">
+                <a:solidFill>
+                  <a:schemeClr val="tx1"/>
+                </a:solidFill>
+              </a:rPr>
+              <a:t>Auto ML</a:t>
+            </a:r>
+          </a:p>
+        </p:txBody>
+      </p:sp>
+      <p:sp>
+        <p:nvSpPr>
+          <p:cNvPr id="9" name="Rectangle: Rounded Corners 8">
+            <a:extLst>
+              <a:ext uri="{FF2B5EF4-FFF2-40B4-BE49-F238E27FC236}">
+                <a16:creationId xmlns:a16="http://schemas.microsoft.com/office/drawing/2014/main" id="{6E8CF98C-5B3A-1A15-0740-AA7D73AFC2AD}"/>
+              </a:ext>
+            </a:extLst>
+          </p:cNvPr>
+          <p:cNvSpPr/>
+          <p:nvPr/>
+        </p:nvSpPr>
+        <p:spPr>
+          <a:xfrm>
+            <a:off x="485031" y="5137645"/>
+            <a:ext cx="2057403" cy="571553"/>
+          </a:xfrm>
+          <a:prstGeom prst="roundRect">
+            <a:avLst/>
+          </a:prstGeom>
+          <a:noFill/>
+          <a:ln w="28575">
+            <a:noFill/>
+          </a:ln>
+        </p:spPr>
+        <p:style>
+          <a:lnRef idx="2">
+            <a:schemeClr val="accent1">
+              <a:shade val="15000"/>
+            </a:schemeClr>
+          </a:lnRef>
+          <a:fillRef idx="1">
+            <a:schemeClr val="accent1"/>
+          </a:fillRef>
+          <a:effectRef idx="0">
+            <a:schemeClr val="accent1"/>
+          </a:effectRef>
+          <a:fontRef idx="minor">
+            <a:schemeClr val="lt1"/>
+          </a:fontRef>
+        </p:style>
+        <p:txBody>
+          <a:bodyPr rtlCol="0" anchor="ctr"/>
+          <a:lstStyle/>
+          <a:p>
+            <a:pPr algn="ctr"/>
+            <a:r>
+              <a:rPr lang="en-US" sz="1400" b="1" dirty="0">
+                <a:solidFill>
+                  <a:schemeClr val="tx1"/>
+                </a:solidFill>
+              </a:rPr>
+              <a:t>Post-training Analysis &amp; Feature Importance</a:t>
+            </a:r>
+          </a:p>
+        </p:txBody>
+      </p:sp>
+      <p:sp>
+        <p:nvSpPr>
+          <p:cNvPr id="10" name="Rectangle: Rounded Corners 9">
+            <a:extLst>
+              <a:ext uri="{FF2B5EF4-FFF2-40B4-BE49-F238E27FC236}">
+                <a16:creationId xmlns:a16="http://schemas.microsoft.com/office/drawing/2014/main" id="{8AB2AFC4-FC04-6BAD-A7B3-F269BA8DFD7A}"/>
+              </a:ext>
+            </a:extLst>
+          </p:cNvPr>
+          <p:cNvSpPr/>
+          <p:nvPr/>
+        </p:nvSpPr>
+        <p:spPr>
+          <a:xfrm>
+            <a:off x="3141784" y="865866"/>
+            <a:ext cx="1802423" cy="576072"/>
+          </a:xfrm>
+          <a:prstGeom prst="roundRect">
+            <a:avLst/>
+          </a:prstGeom>
+          <a:noFill/>
+          <a:ln w="28575">
+            <a:solidFill>
+              <a:srgbClr val="002060"/>
+            </a:solidFill>
+          </a:ln>
+        </p:spPr>
+        <p:style>
+          <a:lnRef idx="2">
+            <a:schemeClr val="accent1">
+              <a:shade val="15000"/>
+            </a:schemeClr>
+          </a:lnRef>
+          <a:fillRef idx="1">
+            <a:schemeClr val="accent1"/>
+          </a:fillRef>
+          <a:effectRef idx="0">
+            <a:schemeClr val="accent1"/>
+          </a:effectRef>
+          <a:fontRef idx="minor">
+            <a:schemeClr val="lt1"/>
+          </a:fontRef>
+        </p:style>
+        <p:txBody>
+          <a:bodyPr rtlCol="0" anchor="ctr"/>
+          <a:lstStyle/>
+          <a:p>
+            <a:pPr algn="ctr"/>
+            <a:r>
+              <a:rPr lang="en-US" sz="1200" b="1" dirty="0">
+                <a:solidFill>
+                  <a:schemeClr val="tx1"/>
+                </a:solidFill>
+              </a:rPr>
+              <a:t>Imputation</a:t>
+            </a:r>
+            <a:endParaRPr lang="en-US" b="1" dirty="0">
+              <a:solidFill>
+                <a:schemeClr val="tx1"/>
+              </a:solidFill>
+            </a:endParaRPr>
+          </a:p>
+        </p:txBody>
+      </p:sp>
+      <p:sp>
+        <p:nvSpPr>
+          <p:cNvPr id="11" name="Rectangle: Rounded Corners 10">
+            <a:extLst>
+              <a:ext uri="{FF2B5EF4-FFF2-40B4-BE49-F238E27FC236}">
+                <a16:creationId xmlns:a16="http://schemas.microsoft.com/office/drawing/2014/main" id="{FF47F619-3D64-6793-7903-B309AE851786}"/>
+              </a:ext>
+            </a:extLst>
+          </p:cNvPr>
+          <p:cNvSpPr/>
+          <p:nvPr/>
+        </p:nvSpPr>
+        <p:spPr>
+          <a:xfrm>
+            <a:off x="7704995" y="865866"/>
+            <a:ext cx="1802423" cy="576072"/>
+          </a:xfrm>
+          <a:prstGeom prst="roundRect">
+            <a:avLst/>
+          </a:prstGeom>
+          <a:noFill/>
+          <a:ln w="28575">
+            <a:solidFill>
+              <a:srgbClr val="002060"/>
+            </a:solidFill>
+          </a:ln>
+        </p:spPr>
+        <p:style>
+          <a:lnRef idx="2">
+            <a:schemeClr val="accent1">
+              <a:shade val="15000"/>
+            </a:schemeClr>
+          </a:lnRef>
+          <a:fillRef idx="1">
+            <a:schemeClr val="accent1"/>
+          </a:fillRef>
+          <a:effectRef idx="0">
+            <a:schemeClr val="accent1"/>
+          </a:effectRef>
+          <a:fontRef idx="minor">
+            <a:schemeClr val="lt1"/>
+          </a:fontRef>
+        </p:style>
+        <p:txBody>
+          <a:bodyPr rtlCol="0" anchor="ctr"/>
+          <a:lstStyle/>
+          <a:p>
+            <a:pPr algn="ctr"/>
+            <a:r>
+              <a:rPr lang="en-US" sz="1200" b="1" dirty="0">
+                <a:solidFill>
+                  <a:schemeClr val="tx1"/>
+                </a:solidFill>
+              </a:rPr>
+              <a:t>Standardization</a:t>
+            </a:r>
+            <a:endParaRPr lang="en-US" b="1" dirty="0">
+              <a:solidFill>
+                <a:schemeClr val="tx1"/>
+              </a:solidFill>
+            </a:endParaRPr>
+          </a:p>
+        </p:txBody>
+      </p:sp>
+      <p:sp>
+        <p:nvSpPr>
+          <p:cNvPr id="12" name="Rectangle: Rounded Corners 11">
+            <a:extLst>
+              <a:ext uri="{FF2B5EF4-FFF2-40B4-BE49-F238E27FC236}">
+                <a16:creationId xmlns:a16="http://schemas.microsoft.com/office/drawing/2014/main" id="{C44D7D54-7324-4565-D62B-2127277D503D}"/>
+              </a:ext>
+            </a:extLst>
+          </p:cNvPr>
+          <p:cNvSpPr/>
+          <p:nvPr/>
+        </p:nvSpPr>
+        <p:spPr>
+          <a:xfrm>
+            <a:off x="5423389" y="865866"/>
+            <a:ext cx="1802423" cy="576072"/>
+          </a:xfrm>
+          <a:prstGeom prst="roundRect">
+            <a:avLst/>
+          </a:prstGeom>
+          <a:noFill/>
+          <a:ln w="28575">
+            <a:solidFill>
+              <a:srgbClr val="002060"/>
+            </a:solidFill>
+          </a:ln>
+        </p:spPr>
+        <p:style>
+          <a:lnRef idx="2">
+            <a:schemeClr val="accent1">
+              <a:shade val="15000"/>
+            </a:schemeClr>
+          </a:lnRef>
+          <a:fillRef idx="1">
+            <a:schemeClr val="accent1"/>
+          </a:fillRef>
+          <a:effectRef idx="0">
+            <a:schemeClr val="accent1"/>
+          </a:effectRef>
+          <a:fontRef idx="minor">
+            <a:schemeClr val="lt1"/>
+          </a:fontRef>
+        </p:style>
+        <p:txBody>
+          <a:bodyPr rtlCol="0" anchor="ctr"/>
+          <a:lstStyle/>
+          <a:p>
+            <a:pPr algn="ctr"/>
+            <a:r>
+              <a:rPr lang="en-US" sz="1200" b="1" dirty="0">
+                <a:solidFill>
+                  <a:schemeClr val="tx1"/>
+                </a:solidFill>
+              </a:rPr>
+              <a:t>Encoding</a:t>
+            </a:r>
+            <a:endParaRPr lang="en-US" b="1" dirty="0">
+              <a:solidFill>
+                <a:schemeClr val="tx1"/>
+              </a:solidFill>
+            </a:endParaRPr>
+          </a:p>
+        </p:txBody>
+      </p:sp>
+      <p:sp>
+        <p:nvSpPr>
+          <p:cNvPr id="13" name="Rectangle: Rounded Corners 12">
+            <a:extLst>
+              <a:ext uri="{FF2B5EF4-FFF2-40B4-BE49-F238E27FC236}">
+                <a16:creationId xmlns:a16="http://schemas.microsoft.com/office/drawing/2014/main" id="{C530973E-51CA-4721-8595-B969089E66CE}"/>
+              </a:ext>
+            </a:extLst>
+          </p:cNvPr>
+          <p:cNvSpPr/>
+          <p:nvPr/>
+        </p:nvSpPr>
+        <p:spPr>
+          <a:xfrm>
+            <a:off x="3141783" y="1676395"/>
+            <a:ext cx="1802423" cy="576072"/>
+          </a:xfrm>
+          <a:prstGeom prst="roundRect">
+            <a:avLst/>
+          </a:prstGeom>
+          <a:noFill/>
+          <a:ln w="28575">
+            <a:solidFill>
+              <a:srgbClr val="002060"/>
+            </a:solidFill>
+          </a:ln>
+        </p:spPr>
+        <p:style>
+          <a:lnRef idx="2">
+            <a:schemeClr val="accent1">
+              <a:shade val="15000"/>
+            </a:schemeClr>
+          </a:lnRef>
+          <a:fillRef idx="1">
+            <a:schemeClr val="accent1"/>
+          </a:fillRef>
+          <a:effectRef idx="0">
+            <a:schemeClr val="accent1"/>
+          </a:effectRef>
+          <a:fontRef idx="minor">
+            <a:schemeClr val="lt1"/>
+          </a:fontRef>
+        </p:style>
+        <p:txBody>
+          <a:bodyPr rtlCol="0" anchor="ctr"/>
+          <a:lstStyle/>
+          <a:p>
+            <a:pPr algn="ctr"/>
+            <a:r>
+              <a:rPr lang="en-US" sz="1200" b="1" dirty="0">
+                <a:solidFill>
+                  <a:schemeClr val="tx1"/>
+                </a:solidFill>
+              </a:rPr>
+              <a:t>2018-2020</a:t>
+            </a:r>
+          </a:p>
+          <a:p>
+            <a:pPr algn="ctr"/>
+            <a:r>
+              <a:rPr lang="en-US" sz="1200" b="1" dirty="0">
+                <a:solidFill>
+                  <a:schemeClr val="tx1"/>
+                </a:solidFill>
+              </a:rPr>
+              <a:t>126 features</a:t>
+            </a:r>
+            <a:endParaRPr lang="en-US" b="1" dirty="0">
+              <a:solidFill>
+                <a:schemeClr val="tx1"/>
+              </a:solidFill>
+            </a:endParaRPr>
+          </a:p>
+        </p:txBody>
+      </p:sp>
+      <p:sp>
+        <p:nvSpPr>
+          <p:cNvPr id="14" name="Rectangle: Rounded Corners 13">
+            <a:extLst>
+              <a:ext uri="{FF2B5EF4-FFF2-40B4-BE49-F238E27FC236}">
+                <a16:creationId xmlns:a16="http://schemas.microsoft.com/office/drawing/2014/main" id="{88B8F387-AEE8-D7CE-ADA8-D0BF2473E64A}"/>
+              </a:ext>
+            </a:extLst>
+          </p:cNvPr>
+          <p:cNvSpPr/>
+          <p:nvPr/>
+        </p:nvSpPr>
+        <p:spPr>
+          <a:xfrm>
+            <a:off x="5423387" y="1676395"/>
+            <a:ext cx="1802423" cy="576072"/>
+          </a:xfrm>
+          <a:prstGeom prst="roundRect">
+            <a:avLst/>
+          </a:prstGeom>
+          <a:noFill/>
+          <a:ln w="28575">
+            <a:solidFill>
+              <a:srgbClr val="002060"/>
+            </a:solidFill>
+          </a:ln>
+        </p:spPr>
+        <p:style>
+          <a:lnRef idx="2">
+            <a:schemeClr val="accent1">
+              <a:shade val="15000"/>
+            </a:schemeClr>
+          </a:lnRef>
+          <a:fillRef idx="1">
+            <a:schemeClr val="accent1"/>
+          </a:fillRef>
+          <a:effectRef idx="0">
+            <a:schemeClr val="accent1"/>
+          </a:effectRef>
+          <a:fontRef idx="minor">
+            <a:schemeClr val="lt1"/>
+          </a:fontRef>
+        </p:style>
+        <p:txBody>
+          <a:bodyPr rtlCol="0" anchor="ctr"/>
+          <a:lstStyle/>
+          <a:p>
+            <a:pPr algn="ctr"/>
+            <a:r>
+              <a:rPr lang="en-US" sz="1200" b="1" dirty="0">
+                <a:solidFill>
+                  <a:schemeClr val="tx1"/>
+                </a:solidFill>
+              </a:rPr>
+              <a:t>2018-2022</a:t>
+            </a:r>
+          </a:p>
+          <a:p>
+            <a:pPr algn="ctr"/>
+            <a:r>
+              <a:rPr lang="en-US" sz="1200" b="1">
+                <a:solidFill>
+                  <a:schemeClr val="tx1"/>
+                </a:solidFill>
+              </a:rPr>
+              <a:t>126 </a:t>
+            </a:r>
+            <a:r>
+              <a:rPr lang="en-US" sz="1200" b="1" dirty="0">
+                <a:solidFill>
+                  <a:schemeClr val="tx1"/>
+                </a:solidFill>
+              </a:rPr>
+              <a:t>features</a:t>
+            </a:r>
+            <a:endParaRPr lang="en-US" b="1" dirty="0">
+              <a:solidFill>
+                <a:schemeClr val="tx1"/>
+              </a:solidFill>
+            </a:endParaRPr>
+          </a:p>
+        </p:txBody>
+      </p:sp>
+      <p:sp>
+        <p:nvSpPr>
+          <p:cNvPr id="15" name="Rectangle: Rounded Corners 14">
+            <a:extLst>
+              <a:ext uri="{FF2B5EF4-FFF2-40B4-BE49-F238E27FC236}">
+                <a16:creationId xmlns:a16="http://schemas.microsoft.com/office/drawing/2014/main" id="{55E0A476-5B25-189F-FAE5-1F07E3841568}"/>
+              </a:ext>
+            </a:extLst>
+          </p:cNvPr>
+          <p:cNvSpPr/>
+          <p:nvPr/>
+        </p:nvSpPr>
+        <p:spPr>
+          <a:xfrm>
+            <a:off x="3141782" y="3357795"/>
+            <a:ext cx="1802423" cy="576072"/>
+          </a:xfrm>
+          <a:prstGeom prst="roundRect">
+            <a:avLst/>
+          </a:prstGeom>
+          <a:noFill/>
+          <a:ln w="28575">
+            <a:solidFill>
+              <a:srgbClr val="002060"/>
+            </a:solidFill>
+          </a:ln>
+        </p:spPr>
+        <p:style>
+          <a:lnRef idx="2">
+            <a:schemeClr val="accent1">
+              <a:shade val="15000"/>
+            </a:schemeClr>
+          </a:lnRef>
+          <a:fillRef idx="1">
+            <a:schemeClr val="accent1"/>
+          </a:fillRef>
+          <a:effectRef idx="0">
+            <a:schemeClr val="accent1"/>
+          </a:effectRef>
+          <a:fontRef idx="minor">
+            <a:schemeClr val="lt1"/>
+          </a:fontRef>
+        </p:style>
+        <p:txBody>
+          <a:bodyPr rtlCol="0" anchor="ctr"/>
+          <a:lstStyle/>
+          <a:p>
+            <a:pPr algn="ctr"/>
+            <a:r>
+              <a:rPr lang="en-US" sz="1200" b="1" dirty="0" err="1">
+                <a:solidFill>
+                  <a:schemeClr val="tx1"/>
+                </a:solidFill>
+              </a:rPr>
+              <a:t>AutoFeat</a:t>
+            </a:r>
+            <a:endParaRPr lang="en-US" b="1" dirty="0">
+              <a:solidFill>
+                <a:schemeClr val="tx1"/>
+              </a:solidFill>
+            </a:endParaRPr>
+          </a:p>
+        </p:txBody>
+      </p:sp>
+      <p:sp>
+        <p:nvSpPr>
+          <p:cNvPr id="16" name="Rectangle: Rounded Corners 15">
+            <a:extLst>
+              <a:ext uri="{FF2B5EF4-FFF2-40B4-BE49-F238E27FC236}">
+                <a16:creationId xmlns:a16="http://schemas.microsoft.com/office/drawing/2014/main" id="{E12B602D-66AA-37AA-E5CF-0F45A478FA17}"/>
+              </a:ext>
+            </a:extLst>
+          </p:cNvPr>
+          <p:cNvSpPr/>
+          <p:nvPr/>
+        </p:nvSpPr>
+        <p:spPr>
+          <a:xfrm>
+            <a:off x="3141782" y="4229062"/>
+            <a:ext cx="1802423" cy="576072"/>
+          </a:xfrm>
+          <a:prstGeom prst="roundRect">
+            <a:avLst/>
+          </a:prstGeom>
+          <a:noFill/>
+          <a:ln w="28575">
+            <a:solidFill>
+              <a:srgbClr val="002060"/>
+            </a:solidFill>
+          </a:ln>
+        </p:spPr>
+        <p:style>
+          <a:lnRef idx="2">
+            <a:schemeClr val="accent1">
+              <a:shade val="15000"/>
+            </a:schemeClr>
+          </a:lnRef>
+          <a:fillRef idx="1">
+            <a:schemeClr val="accent1"/>
+          </a:fillRef>
+          <a:effectRef idx="0">
+            <a:schemeClr val="accent1"/>
+          </a:effectRef>
+          <a:fontRef idx="minor">
+            <a:schemeClr val="lt1"/>
+          </a:fontRef>
+        </p:style>
+        <p:txBody>
+          <a:bodyPr rtlCol="0" anchor="ctr"/>
+          <a:lstStyle/>
+          <a:p>
+            <a:pPr algn="ctr"/>
+            <a:r>
+              <a:rPr lang="en-US" sz="1200" b="1" dirty="0">
+                <a:solidFill>
+                  <a:schemeClr val="tx1"/>
+                </a:solidFill>
+              </a:rPr>
+              <a:t>TPOT</a:t>
+            </a:r>
+            <a:endParaRPr lang="en-US" b="1" dirty="0">
+              <a:solidFill>
+                <a:schemeClr val="tx1"/>
+              </a:solidFill>
+            </a:endParaRPr>
+          </a:p>
+        </p:txBody>
+      </p:sp>
+      <p:sp>
+        <p:nvSpPr>
+          <p:cNvPr id="17" name="Rectangle: Rounded Corners 16">
+            <a:extLst>
+              <a:ext uri="{FF2B5EF4-FFF2-40B4-BE49-F238E27FC236}">
+                <a16:creationId xmlns:a16="http://schemas.microsoft.com/office/drawing/2014/main" id="{9A40FBB1-3DD5-9468-51BC-86BD927035E9}"/>
+              </a:ext>
+            </a:extLst>
+          </p:cNvPr>
+          <p:cNvSpPr/>
+          <p:nvPr/>
+        </p:nvSpPr>
+        <p:spPr>
+          <a:xfrm>
+            <a:off x="5423386" y="3357795"/>
+            <a:ext cx="1979737" cy="576072"/>
+          </a:xfrm>
+          <a:prstGeom prst="roundRect">
+            <a:avLst/>
+          </a:prstGeom>
+          <a:noFill/>
+          <a:ln w="28575">
+            <a:solidFill>
+              <a:srgbClr val="002060"/>
+            </a:solidFill>
+          </a:ln>
+        </p:spPr>
+        <p:style>
+          <a:lnRef idx="2">
+            <a:schemeClr val="accent1">
+              <a:shade val="15000"/>
+            </a:schemeClr>
+          </a:lnRef>
+          <a:fillRef idx="1">
+            <a:schemeClr val="accent1"/>
+          </a:fillRef>
+          <a:effectRef idx="0">
+            <a:schemeClr val="accent1"/>
+          </a:effectRef>
+          <a:fontRef idx="minor">
+            <a:schemeClr val="lt1"/>
+          </a:fontRef>
+        </p:style>
+        <p:txBody>
+          <a:bodyPr rtlCol="0" anchor="ctr"/>
+          <a:lstStyle/>
+          <a:p>
+            <a:pPr algn="ctr"/>
+            <a:r>
+              <a:rPr lang="en-US" sz="1200" b="1" dirty="0">
+                <a:solidFill>
+                  <a:schemeClr val="tx1"/>
+                </a:solidFill>
+              </a:rPr>
+              <a:t>Synthetic Data Generation</a:t>
+            </a:r>
+          </a:p>
+          <a:p>
+            <a:pPr algn="ctr"/>
+            <a:r>
+              <a:rPr lang="en-US" sz="1200" b="1" dirty="0">
+                <a:solidFill>
+                  <a:schemeClr val="tx1"/>
+                </a:solidFill>
+              </a:rPr>
+              <a:t>GANs</a:t>
+            </a:r>
+            <a:endParaRPr lang="en-US" b="1" dirty="0">
+              <a:solidFill>
+                <a:schemeClr val="tx1"/>
+              </a:solidFill>
+            </a:endParaRPr>
+          </a:p>
+        </p:txBody>
+      </p:sp>
+      <p:sp>
+        <p:nvSpPr>
+          <p:cNvPr id="18" name="Rectangle: Rounded Corners 17">
+            <a:extLst>
+              <a:ext uri="{FF2B5EF4-FFF2-40B4-BE49-F238E27FC236}">
+                <a16:creationId xmlns:a16="http://schemas.microsoft.com/office/drawing/2014/main" id="{5AB5B445-182A-A747-9021-25E8F2E3B691}"/>
+              </a:ext>
+            </a:extLst>
+          </p:cNvPr>
+          <p:cNvSpPr/>
+          <p:nvPr/>
+        </p:nvSpPr>
+        <p:spPr>
+          <a:xfrm>
+            <a:off x="7704995" y="3357795"/>
+            <a:ext cx="1979737" cy="576072"/>
+          </a:xfrm>
+          <a:prstGeom prst="roundRect">
+            <a:avLst/>
+          </a:prstGeom>
+          <a:noFill/>
+          <a:ln w="28575">
+            <a:solidFill>
+              <a:srgbClr val="002060"/>
+            </a:solidFill>
+          </a:ln>
+        </p:spPr>
+        <p:style>
+          <a:lnRef idx="2">
+            <a:schemeClr val="accent1">
+              <a:shade val="15000"/>
+            </a:schemeClr>
+          </a:lnRef>
+          <a:fillRef idx="1">
+            <a:schemeClr val="accent1"/>
+          </a:fillRef>
+          <a:effectRef idx="0">
+            <a:schemeClr val="accent1"/>
+          </a:effectRef>
+          <a:fontRef idx="minor">
+            <a:schemeClr val="lt1"/>
+          </a:fontRef>
+        </p:style>
+        <p:txBody>
+          <a:bodyPr rtlCol="0" anchor="ctr"/>
+          <a:lstStyle/>
+          <a:p>
+            <a:pPr algn="ctr"/>
+            <a:r>
+              <a:rPr lang="en-US" sz="1200" b="1" dirty="0">
+                <a:solidFill>
+                  <a:schemeClr val="tx1"/>
+                </a:solidFill>
+              </a:rPr>
+              <a:t>Synthetic Data Generation</a:t>
+            </a:r>
+          </a:p>
+          <a:p>
+            <a:pPr algn="ctr"/>
+            <a:r>
+              <a:rPr lang="en-US" sz="1200" b="1" dirty="0">
+                <a:solidFill>
+                  <a:schemeClr val="tx1"/>
+                </a:solidFill>
+              </a:rPr>
+              <a:t>Bayesian</a:t>
+            </a:r>
+            <a:endParaRPr lang="en-US" b="1" dirty="0">
+              <a:solidFill>
+                <a:schemeClr val="tx1"/>
+              </a:solidFill>
+            </a:endParaRPr>
+          </a:p>
+        </p:txBody>
+      </p:sp>
+      <p:sp>
+        <p:nvSpPr>
+          <p:cNvPr id="19" name="Arrow: Down 18">
+            <a:extLst>
+              <a:ext uri="{FF2B5EF4-FFF2-40B4-BE49-F238E27FC236}">
+                <a16:creationId xmlns:a16="http://schemas.microsoft.com/office/drawing/2014/main" id="{0A49A726-EA9D-5994-592D-FDAF3115B4C3}"/>
+              </a:ext>
+            </a:extLst>
+          </p:cNvPr>
+          <p:cNvSpPr/>
+          <p:nvPr/>
+        </p:nvSpPr>
+        <p:spPr>
+          <a:xfrm>
+            <a:off x="4889555" y="334433"/>
+            <a:ext cx="2946677" cy="461665"/>
+          </a:xfrm>
+          <a:prstGeom prst="downArrow">
+            <a:avLst>
+              <a:gd name="adj1" fmla="val 42242"/>
+              <a:gd name="adj2" fmla="val 49362"/>
+            </a:avLst>
+          </a:prstGeom>
+          <a:solidFill>
+            <a:schemeClr val="bg2"/>
+          </a:solidFill>
+          <a:ln>
+            <a:noFill/>
+          </a:ln>
+        </p:spPr>
+        <p:style>
+          <a:lnRef idx="2">
+            <a:schemeClr val="accent1">
+              <a:shade val="15000"/>
+            </a:schemeClr>
+          </a:lnRef>
+          <a:fillRef idx="1">
+            <a:schemeClr val="accent1"/>
+          </a:fillRef>
+          <a:effectRef idx="0">
+            <a:schemeClr val="accent1"/>
+          </a:effectRef>
+          <a:fontRef idx="minor">
+            <a:schemeClr val="lt1"/>
+          </a:fontRef>
+        </p:style>
+        <p:txBody>
+          <a:bodyPr rtlCol="0" anchor="ctr"/>
+          <a:lstStyle/>
+          <a:p>
+            <a:pPr algn="ctr"/>
+            <a:endParaRPr lang="en-US"/>
+          </a:p>
+        </p:txBody>
+      </p:sp>
+      <p:sp>
+        <p:nvSpPr>
+          <p:cNvPr id="4" name="TextBox 3">
+            <a:extLst>
+              <a:ext uri="{FF2B5EF4-FFF2-40B4-BE49-F238E27FC236}">
+                <a16:creationId xmlns:a16="http://schemas.microsoft.com/office/drawing/2014/main" id="{6A6636DC-C571-EDD2-B273-2EE0A9D68482}"/>
               </a:ext>
             </a:extLst>
           </p:cNvPr>
@@ -4466,8 +5774,8 @@
         </p:nvSpPr>
         <p:spPr>
           <a:xfrm>
-            <a:off x="1037493" y="4255422"/>
-            <a:ext cx="1238481" cy="369332"/>
+            <a:off x="5810674" y="92013"/>
+            <a:ext cx="1027845" cy="461665"/>
           </a:xfrm>
           <a:prstGeom prst="rect">
             <a:avLst/>
@@ -4481,82 +5789,699 @@
           <a:lstStyle/>
           <a:p>
             <a:r>
-              <a:rPr lang="en-US" dirty="0"/>
-              <a:t>Best model</a:t>
-            </a:r>
-          </a:p>
-        </p:txBody>
-      </p:sp>
-      <p:sp>
-        <p:nvSpPr>
-          <p:cNvPr id="14" name="TextBox 13">
-            <a:extLst>
-              <a:ext uri="{FF2B5EF4-FFF2-40B4-BE49-F238E27FC236}">
-                <a16:creationId xmlns:a16="http://schemas.microsoft.com/office/drawing/2014/main" id="{49F066A8-9957-6751-AD8A-343910BB811D}"/>
-              </a:ext>
-            </a:extLst>
-          </p:cNvPr>
-          <p:cNvSpPr txBox="1"/>
-          <p:nvPr/>
-        </p:nvSpPr>
-        <p:spPr>
-          <a:xfrm>
-            <a:off x="1037493" y="4713400"/>
-            <a:ext cx="1568699" cy="369332"/>
-          </a:xfrm>
-          <a:prstGeom prst="rect">
+              <a:rPr lang="en-US" sz="2400" dirty="0">
+                <a:latin typeface="Verdana Pro Black" panose="020B0A04030504040204" pitchFamily="34" charset="0"/>
+              </a:rPr>
+              <a:t>Data</a:t>
+            </a:r>
+          </a:p>
+        </p:txBody>
+      </p:sp>
+      <p:sp>
+        <p:nvSpPr>
+          <p:cNvPr id="20" name="Rectangle: Rounded Corners 19">
+            <a:extLst>
+              <a:ext uri="{FF2B5EF4-FFF2-40B4-BE49-F238E27FC236}">
+                <a16:creationId xmlns:a16="http://schemas.microsoft.com/office/drawing/2014/main" id="{D2C40EBE-F971-688C-25F0-1F9AD43D1166}"/>
+              </a:ext>
+            </a:extLst>
+          </p:cNvPr>
+          <p:cNvSpPr/>
+          <p:nvPr/>
+        </p:nvSpPr>
+        <p:spPr>
+          <a:xfrm>
+            <a:off x="6744773" y="2500406"/>
+            <a:ext cx="908535" cy="576072"/>
+          </a:xfrm>
+          <a:prstGeom prst="roundRect">
             <a:avLst/>
           </a:prstGeom>
           <a:noFill/>
-        </p:spPr>
-        <p:txBody>
-          <a:bodyPr wrap="none" rtlCol="0">
-            <a:spAutoFit/>
-          </a:bodyPr>
-          <a:lstStyle/>
-          <a:p>
-            <a:r>
-              <a:rPr lang="en-US" dirty="0"/>
-              <a:t>2</a:t>
-            </a:r>
-            <a:r>
-              <a:rPr lang="en-US" baseline="30000" dirty="0"/>
-              <a:t>nd</a:t>
-            </a:r>
-            <a:r>
-              <a:rPr lang="en-US" dirty="0"/>
-              <a:t> Best model</a:t>
-            </a:r>
+          <a:ln w="28575">
+            <a:solidFill>
+              <a:srgbClr val="002060"/>
+            </a:solidFill>
+          </a:ln>
+        </p:spPr>
+        <p:style>
+          <a:lnRef idx="2">
+            <a:schemeClr val="accent1">
+              <a:shade val="15000"/>
+            </a:schemeClr>
+          </a:lnRef>
+          <a:fillRef idx="1">
+            <a:schemeClr val="accent1"/>
+          </a:fillRef>
+          <a:effectRef idx="0">
+            <a:schemeClr val="accent1"/>
+          </a:effectRef>
+          <a:fontRef idx="minor">
+            <a:schemeClr val="lt1"/>
+          </a:fontRef>
+        </p:style>
+        <p:txBody>
+          <a:bodyPr rtlCol="0" anchor="ctr"/>
+          <a:lstStyle/>
+          <a:p>
+            <a:pPr algn="ctr"/>
+            <a:r>
+              <a:rPr lang="en-US" sz="1200" b="1" dirty="0">
+                <a:solidFill>
+                  <a:schemeClr val="tx1"/>
+                </a:solidFill>
+              </a:rPr>
+              <a:t>PCA</a:t>
+            </a:r>
+            <a:endParaRPr lang="en-US" b="1" dirty="0">
+              <a:solidFill>
+                <a:schemeClr val="tx1"/>
+              </a:solidFill>
+            </a:endParaRPr>
+          </a:p>
+        </p:txBody>
+      </p:sp>
+      <p:sp>
+        <p:nvSpPr>
+          <p:cNvPr id="21" name="Rectangle: Rounded Corners 20">
+            <a:extLst>
+              <a:ext uri="{FF2B5EF4-FFF2-40B4-BE49-F238E27FC236}">
+                <a16:creationId xmlns:a16="http://schemas.microsoft.com/office/drawing/2014/main" id="{5BBC5284-3970-9983-CC02-3B0746DA380A}"/>
+              </a:ext>
+            </a:extLst>
+          </p:cNvPr>
+          <p:cNvSpPr/>
+          <p:nvPr/>
+        </p:nvSpPr>
+        <p:spPr>
+          <a:xfrm>
+            <a:off x="7807529" y="2503208"/>
+            <a:ext cx="1345264" cy="576072"/>
+          </a:xfrm>
+          <a:prstGeom prst="roundRect">
+            <a:avLst/>
+          </a:prstGeom>
+          <a:noFill/>
+          <a:ln w="28575">
+            <a:solidFill>
+              <a:srgbClr val="002060"/>
+            </a:solidFill>
+          </a:ln>
+        </p:spPr>
+        <p:style>
+          <a:lnRef idx="2">
+            <a:schemeClr val="accent1">
+              <a:shade val="15000"/>
+            </a:schemeClr>
+          </a:lnRef>
+          <a:fillRef idx="1">
+            <a:schemeClr val="accent1"/>
+          </a:fillRef>
+          <a:effectRef idx="0">
+            <a:schemeClr val="accent1"/>
+          </a:effectRef>
+          <a:fontRef idx="minor">
+            <a:schemeClr val="lt1"/>
+          </a:fontRef>
+        </p:style>
+        <p:txBody>
+          <a:bodyPr rtlCol="0" anchor="ctr"/>
+          <a:lstStyle/>
+          <a:p>
+            <a:pPr algn="ctr"/>
+            <a:r>
+              <a:rPr lang="en-US" sz="1200" b="1" dirty="0" err="1">
+                <a:solidFill>
+                  <a:schemeClr val="tx1"/>
+                </a:solidFill>
+              </a:rPr>
+              <a:t>Featurewiz</a:t>
+            </a:r>
+            <a:endParaRPr lang="en-US" b="1" dirty="0">
+              <a:solidFill>
+                <a:schemeClr val="tx1"/>
+              </a:solidFill>
+            </a:endParaRPr>
+          </a:p>
+        </p:txBody>
+      </p:sp>
+      <p:sp>
+        <p:nvSpPr>
+          <p:cNvPr id="22" name="Rectangle: Rounded Corners 21">
+            <a:extLst>
+              <a:ext uri="{FF2B5EF4-FFF2-40B4-BE49-F238E27FC236}">
+                <a16:creationId xmlns:a16="http://schemas.microsoft.com/office/drawing/2014/main" id="{4F888577-EF61-21C0-9163-CB8217AB3B9C}"/>
+              </a:ext>
+            </a:extLst>
+          </p:cNvPr>
+          <p:cNvSpPr/>
+          <p:nvPr/>
+        </p:nvSpPr>
+        <p:spPr>
+          <a:xfrm>
+            <a:off x="4788130" y="2503262"/>
+            <a:ext cx="1802423" cy="576072"/>
+          </a:xfrm>
+          <a:prstGeom prst="roundRect">
+            <a:avLst/>
+          </a:prstGeom>
+          <a:noFill/>
+          <a:ln w="28575">
+            <a:solidFill>
+              <a:srgbClr val="002060"/>
+            </a:solidFill>
+          </a:ln>
+        </p:spPr>
+        <p:style>
+          <a:lnRef idx="2">
+            <a:schemeClr val="accent1">
+              <a:shade val="15000"/>
+            </a:schemeClr>
+          </a:lnRef>
+          <a:fillRef idx="1">
+            <a:schemeClr val="accent1"/>
+          </a:fillRef>
+          <a:effectRef idx="0">
+            <a:schemeClr val="accent1"/>
+          </a:effectRef>
+          <a:fontRef idx="minor">
+            <a:schemeClr val="lt1"/>
+          </a:fontRef>
+        </p:style>
+        <p:txBody>
+          <a:bodyPr rtlCol="0" anchor="ctr"/>
+          <a:lstStyle/>
+          <a:p>
+            <a:pPr algn="ctr"/>
+            <a:r>
+              <a:rPr lang="en-US" sz="1100" b="1" dirty="0" err="1">
+                <a:solidFill>
+                  <a:schemeClr val="tx1"/>
+                </a:solidFill>
+              </a:rPr>
+              <a:t>sklearn.feature_selection</a:t>
+            </a:r>
+            <a:endParaRPr lang="en-US" sz="1100" b="1" dirty="0">
+              <a:solidFill>
+                <a:schemeClr val="tx1"/>
+              </a:solidFill>
+            </a:endParaRPr>
+          </a:p>
+        </p:txBody>
+      </p:sp>
+      <p:sp>
+        <p:nvSpPr>
+          <p:cNvPr id="26" name="Rectangle: Rounded Corners 25">
+            <a:extLst>
+              <a:ext uri="{FF2B5EF4-FFF2-40B4-BE49-F238E27FC236}">
+                <a16:creationId xmlns:a16="http://schemas.microsoft.com/office/drawing/2014/main" id="{1A8C62A1-B6D1-CE3F-7CF9-1071E8327437}"/>
+              </a:ext>
+            </a:extLst>
+          </p:cNvPr>
+          <p:cNvSpPr/>
+          <p:nvPr/>
+        </p:nvSpPr>
+        <p:spPr>
+          <a:xfrm>
+            <a:off x="9309952" y="2503208"/>
+            <a:ext cx="1345265" cy="576072"/>
+          </a:xfrm>
+          <a:prstGeom prst="roundRect">
+            <a:avLst/>
+          </a:prstGeom>
+          <a:noFill/>
+          <a:ln w="28575">
+            <a:solidFill>
+              <a:srgbClr val="002060"/>
+            </a:solidFill>
+          </a:ln>
+        </p:spPr>
+        <p:style>
+          <a:lnRef idx="2">
+            <a:schemeClr val="accent1">
+              <a:shade val="15000"/>
+            </a:schemeClr>
+          </a:lnRef>
+          <a:fillRef idx="1">
+            <a:schemeClr val="accent1"/>
+          </a:fillRef>
+          <a:effectRef idx="0">
+            <a:schemeClr val="accent1"/>
+          </a:effectRef>
+          <a:fontRef idx="minor">
+            <a:schemeClr val="lt1"/>
+          </a:fontRef>
+        </p:style>
+        <p:txBody>
+          <a:bodyPr rtlCol="0" anchor="ctr"/>
+          <a:lstStyle/>
+          <a:p>
+            <a:pPr algn="ctr"/>
+            <a:r>
+              <a:rPr lang="en-US" sz="1100" b="1" dirty="0" err="1">
+                <a:solidFill>
+                  <a:schemeClr val="tx1"/>
+                </a:solidFill>
+              </a:rPr>
+              <a:t>Featuretools</a:t>
+            </a:r>
+            <a:r>
+              <a:rPr lang="en-US" sz="1100" b="1" dirty="0">
+                <a:solidFill>
+                  <a:schemeClr val="tx1"/>
+                </a:solidFill>
+              </a:rPr>
+              <a:t> </a:t>
+            </a:r>
+          </a:p>
+        </p:txBody>
+      </p:sp>
+      <p:sp>
+        <p:nvSpPr>
+          <p:cNvPr id="30" name="Rectangle: Rounded Corners 29">
+            <a:extLst>
+              <a:ext uri="{FF2B5EF4-FFF2-40B4-BE49-F238E27FC236}">
+                <a16:creationId xmlns:a16="http://schemas.microsoft.com/office/drawing/2014/main" id="{836C9720-FF6D-4DCE-3DF7-87367353F21A}"/>
+              </a:ext>
+            </a:extLst>
+          </p:cNvPr>
+          <p:cNvSpPr/>
+          <p:nvPr/>
+        </p:nvSpPr>
+        <p:spPr>
+          <a:xfrm>
+            <a:off x="7688897" y="5119932"/>
+            <a:ext cx="1802423" cy="576072"/>
+          </a:xfrm>
+          <a:prstGeom prst="roundRect">
+            <a:avLst/>
+          </a:prstGeom>
+          <a:noFill/>
+          <a:ln w="28575">
+            <a:solidFill>
+              <a:srgbClr val="002060"/>
+            </a:solidFill>
+          </a:ln>
+        </p:spPr>
+        <p:style>
+          <a:lnRef idx="2">
+            <a:schemeClr val="accent1">
+              <a:shade val="15000"/>
+            </a:schemeClr>
+          </a:lnRef>
+          <a:fillRef idx="1">
+            <a:schemeClr val="accent1"/>
+          </a:fillRef>
+          <a:effectRef idx="0">
+            <a:schemeClr val="accent1"/>
+          </a:effectRef>
+          <a:fontRef idx="minor">
+            <a:schemeClr val="lt1"/>
+          </a:fontRef>
+        </p:style>
+        <p:txBody>
+          <a:bodyPr rtlCol="0" anchor="ctr"/>
+          <a:lstStyle/>
+          <a:p>
+            <a:pPr algn="ctr"/>
+            <a:r>
+              <a:rPr lang="en-US" sz="1200" b="1" dirty="0">
+                <a:solidFill>
+                  <a:schemeClr val="tx1"/>
+                </a:solidFill>
+              </a:rPr>
+              <a:t>SHAP</a:t>
+            </a:r>
+            <a:endParaRPr lang="en-US" b="1" dirty="0">
+              <a:solidFill>
+                <a:schemeClr val="tx1"/>
+              </a:solidFill>
+            </a:endParaRPr>
+          </a:p>
+        </p:txBody>
+      </p:sp>
+      <p:sp>
+        <p:nvSpPr>
+          <p:cNvPr id="31" name="Rectangle: Rounded Corners 30">
+            <a:extLst>
+              <a:ext uri="{FF2B5EF4-FFF2-40B4-BE49-F238E27FC236}">
+                <a16:creationId xmlns:a16="http://schemas.microsoft.com/office/drawing/2014/main" id="{02B50660-29CB-2366-F2AE-F3B81498EDE4}"/>
+              </a:ext>
+            </a:extLst>
+          </p:cNvPr>
+          <p:cNvSpPr/>
+          <p:nvPr/>
+        </p:nvSpPr>
+        <p:spPr>
+          <a:xfrm>
+            <a:off x="9785866" y="5133126"/>
+            <a:ext cx="1802423" cy="576072"/>
+          </a:xfrm>
+          <a:prstGeom prst="roundRect">
+            <a:avLst/>
+          </a:prstGeom>
+          <a:noFill/>
+          <a:ln w="28575">
+            <a:solidFill>
+              <a:srgbClr val="002060"/>
+            </a:solidFill>
+          </a:ln>
+        </p:spPr>
+        <p:style>
+          <a:lnRef idx="2">
+            <a:schemeClr val="accent1">
+              <a:shade val="15000"/>
+            </a:schemeClr>
+          </a:lnRef>
+          <a:fillRef idx="1">
+            <a:schemeClr val="accent1"/>
+          </a:fillRef>
+          <a:effectRef idx="0">
+            <a:schemeClr val="accent1"/>
+          </a:effectRef>
+          <a:fontRef idx="minor">
+            <a:schemeClr val="lt1"/>
+          </a:fontRef>
+        </p:style>
+        <p:txBody>
+          <a:bodyPr rtlCol="0" anchor="ctr"/>
+          <a:lstStyle/>
+          <a:p>
+            <a:pPr algn="ctr"/>
+            <a:r>
+              <a:rPr lang="en-US" sz="1200" b="1" dirty="0">
+                <a:solidFill>
+                  <a:schemeClr val="tx1"/>
+                </a:solidFill>
+              </a:rPr>
+              <a:t>LIME</a:t>
+            </a:r>
+            <a:endParaRPr lang="en-US" b="1" dirty="0">
+              <a:solidFill>
+                <a:schemeClr val="tx1"/>
+              </a:solidFill>
+            </a:endParaRPr>
+          </a:p>
+        </p:txBody>
+      </p:sp>
+      <p:sp>
+        <p:nvSpPr>
+          <p:cNvPr id="32" name="Rectangle: Rounded Corners 31">
+            <a:extLst>
+              <a:ext uri="{FF2B5EF4-FFF2-40B4-BE49-F238E27FC236}">
+                <a16:creationId xmlns:a16="http://schemas.microsoft.com/office/drawing/2014/main" id="{B56CE608-B7CE-EFD2-A8AE-873A9CE6CF42}"/>
+              </a:ext>
+            </a:extLst>
+          </p:cNvPr>
+          <p:cNvSpPr/>
+          <p:nvPr/>
+        </p:nvSpPr>
+        <p:spPr>
+          <a:xfrm>
+            <a:off x="5404348" y="5133126"/>
+            <a:ext cx="1802423" cy="576072"/>
+          </a:xfrm>
+          <a:prstGeom prst="roundRect">
+            <a:avLst/>
+          </a:prstGeom>
+          <a:noFill/>
+          <a:ln w="28575">
+            <a:solidFill>
+              <a:srgbClr val="002060"/>
+            </a:solidFill>
+          </a:ln>
+        </p:spPr>
+        <p:style>
+          <a:lnRef idx="2">
+            <a:schemeClr val="accent1">
+              <a:shade val="15000"/>
+            </a:schemeClr>
+          </a:lnRef>
+          <a:fillRef idx="1">
+            <a:schemeClr val="accent1"/>
+          </a:fillRef>
+          <a:effectRef idx="0">
+            <a:schemeClr val="accent1"/>
+          </a:effectRef>
+          <a:fontRef idx="minor">
+            <a:schemeClr val="lt1"/>
+          </a:fontRef>
+        </p:style>
+        <p:txBody>
+          <a:bodyPr rtlCol="0" anchor="ctr"/>
+          <a:lstStyle/>
+          <a:p>
+            <a:pPr algn="ctr"/>
+            <a:r>
+              <a:rPr lang="en-US" sz="1200" b="1" dirty="0">
+                <a:solidFill>
+                  <a:schemeClr val="tx1"/>
+                </a:solidFill>
+              </a:rPr>
+              <a:t>VIF</a:t>
+            </a:r>
+          </a:p>
+          <a:p>
+            <a:pPr algn="ctr"/>
+            <a:r>
+              <a:rPr lang="en-US" sz="1200" b="1" dirty="0" err="1">
+                <a:solidFill>
+                  <a:schemeClr val="tx1"/>
+                </a:solidFill>
+              </a:rPr>
+              <a:t>Corr</a:t>
+            </a:r>
+            <a:r>
+              <a:rPr lang="en-US" sz="1200" b="1" dirty="0">
+                <a:solidFill>
+                  <a:schemeClr val="tx1"/>
+                </a:solidFill>
+              </a:rPr>
+              <a:t> Matrix</a:t>
+            </a:r>
+            <a:endParaRPr lang="en-US" b="1" dirty="0">
+              <a:solidFill>
+                <a:schemeClr val="tx1"/>
+              </a:solidFill>
+            </a:endParaRPr>
+          </a:p>
+        </p:txBody>
+      </p:sp>
+      <p:sp>
+        <p:nvSpPr>
+          <p:cNvPr id="33" name="Rectangle: Rounded Corners 32">
+            <a:extLst>
+              <a:ext uri="{FF2B5EF4-FFF2-40B4-BE49-F238E27FC236}">
+                <a16:creationId xmlns:a16="http://schemas.microsoft.com/office/drawing/2014/main" id="{86B76A73-E9A6-4C80-C975-5431FAFECA52}"/>
+              </a:ext>
+            </a:extLst>
+          </p:cNvPr>
+          <p:cNvSpPr/>
+          <p:nvPr/>
+        </p:nvSpPr>
+        <p:spPr>
+          <a:xfrm>
+            <a:off x="3141781" y="5133126"/>
+            <a:ext cx="1802423" cy="576072"/>
+          </a:xfrm>
+          <a:prstGeom prst="roundRect">
+            <a:avLst/>
+          </a:prstGeom>
+          <a:noFill/>
+          <a:ln w="28575">
+            <a:solidFill>
+              <a:srgbClr val="002060"/>
+            </a:solidFill>
+          </a:ln>
+        </p:spPr>
+        <p:style>
+          <a:lnRef idx="2">
+            <a:schemeClr val="accent1">
+              <a:shade val="15000"/>
+            </a:schemeClr>
+          </a:lnRef>
+          <a:fillRef idx="1">
+            <a:schemeClr val="accent1"/>
+          </a:fillRef>
+          <a:effectRef idx="0">
+            <a:schemeClr val="accent1"/>
+          </a:effectRef>
+          <a:fontRef idx="minor">
+            <a:schemeClr val="lt1"/>
+          </a:fontRef>
+        </p:style>
+        <p:txBody>
+          <a:bodyPr rtlCol="0" anchor="ctr"/>
+          <a:lstStyle/>
+          <a:p>
+            <a:pPr algn="ctr"/>
+            <a:r>
+              <a:rPr lang="en-US" sz="1200" b="1" dirty="0">
+                <a:solidFill>
+                  <a:schemeClr val="tx1"/>
+                </a:solidFill>
+              </a:rPr>
+              <a:t>Model Report</a:t>
+            </a:r>
+            <a:endParaRPr lang="en-US" b="1" dirty="0">
+              <a:solidFill>
+                <a:schemeClr val="tx1"/>
+              </a:solidFill>
+            </a:endParaRPr>
+          </a:p>
+        </p:txBody>
+      </p:sp>
+      <p:sp>
+        <p:nvSpPr>
+          <p:cNvPr id="36" name="Rectangle: Rounded Corners 35">
+            <a:extLst>
+              <a:ext uri="{FF2B5EF4-FFF2-40B4-BE49-F238E27FC236}">
+                <a16:creationId xmlns:a16="http://schemas.microsoft.com/office/drawing/2014/main" id="{D86443AC-4FC7-A83D-7697-900771FC8F90}"/>
+              </a:ext>
+            </a:extLst>
+          </p:cNvPr>
+          <p:cNvSpPr/>
+          <p:nvPr/>
+        </p:nvSpPr>
+        <p:spPr>
+          <a:xfrm>
+            <a:off x="3443280" y="1441938"/>
+            <a:ext cx="1199423" cy="303263"/>
+          </a:xfrm>
+          <a:prstGeom prst="roundRect">
+            <a:avLst/>
+          </a:prstGeom>
+          <a:noFill/>
+          <a:ln w="28575">
+            <a:noFill/>
+          </a:ln>
+        </p:spPr>
+        <p:style>
+          <a:lnRef idx="2">
+            <a:schemeClr val="accent1">
+              <a:shade val="15000"/>
+            </a:schemeClr>
+          </a:lnRef>
+          <a:fillRef idx="1">
+            <a:schemeClr val="accent1"/>
+          </a:fillRef>
+          <a:effectRef idx="0">
+            <a:schemeClr val="accent1"/>
+          </a:effectRef>
+          <a:fontRef idx="minor">
+            <a:schemeClr val="lt1"/>
+          </a:fontRef>
+        </p:style>
+        <p:txBody>
+          <a:bodyPr rtlCol="0" anchor="ctr"/>
+          <a:lstStyle/>
+          <a:p>
+            <a:pPr algn="ctr"/>
+            <a:r>
+              <a:rPr lang="en-US" sz="1400" b="1" dirty="0">
+                <a:solidFill>
+                  <a:srgbClr val="FF0000"/>
+                </a:solidFill>
+              </a:rPr>
+              <a:t>10 models</a:t>
+            </a:r>
+            <a:endParaRPr lang="en-US" sz="2000" b="1" dirty="0">
+              <a:solidFill>
+                <a:srgbClr val="FF0000"/>
+              </a:solidFill>
+            </a:endParaRPr>
+          </a:p>
+        </p:txBody>
+      </p:sp>
+      <p:sp>
+        <p:nvSpPr>
+          <p:cNvPr id="37" name="Rectangle: Rounded Corners 36">
+            <a:extLst>
+              <a:ext uri="{FF2B5EF4-FFF2-40B4-BE49-F238E27FC236}">
+                <a16:creationId xmlns:a16="http://schemas.microsoft.com/office/drawing/2014/main" id="{678411EE-FFF2-2E9B-27AE-31F2EDB615C4}"/>
+              </a:ext>
+            </a:extLst>
+          </p:cNvPr>
+          <p:cNvSpPr/>
+          <p:nvPr/>
+        </p:nvSpPr>
+        <p:spPr>
+          <a:xfrm>
+            <a:off x="5723424" y="1433922"/>
+            <a:ext cx="1199423" cy="303263"/>
+          </a:xfrm>
+          <a:prstGeom prst="roundRect">
+            <a:avLst/>
+          </a:prstGeom>
+          <a:noFill/>
+          <a:ln w="28575">
+            <a:noFill/>
+          </a:ln>
+        </p:spPr>
+        <p:style>
+          <a:lnRef idx="2">
+            <a:schemeClr val="accent1">
+              <a:shade val="15000"/>
+            </a:schemeClr>
+          </a:lnRef>
+          <a:fillRef idx="1">
+            <a:schemeClr val="accent1"/>
+          </a:fillRef>
+          <a:effectRef idx="0">
+            <a:schemeClr val="accent1"/>
+          </a:effectRef>
+          <a:fontRef idx="minor">
+            <a:schemeClr val="lt1"/>
+          </a:fontRef>
+        </p:style>
+        <p:txBody>
+          <a:bodyPr rtlCol="0" anchor="ctr"/>
+          <a:lstStyle/>
+          <a:p>
+            <a:pPr algn="ctr"/>
+            <a:r>
+              <a:rPr lang="en-US" sz="1400" b="1" dirty="0">
+                <a:solidFill>
+                  <a:srgbClr val="FF0000"/>
+                </a:solidFill>
+              </a:rPr>
+              <a:t>10 models</a:t>
+            </a:r>
+            <a:endParaRPr lang="en-US" sz="2000" b="1" dirty="0">
+              <a:solidFill>
+                <a:srgbClr val="FF0000"/>
+              </a:solidFill>
+            </a:endParaRPr>
           </a:p>
         </p:txBody>
       </p:sp>
       <p:cxnSp>
         <p:nvCxnSpPr>
-          <p:cNvPr id="15" name="Straight Connector 14">
-            <a:extLst>
-              <a:ext uri="{FF2B5EF4-FFF2-40B4-BE49-F238E27FC236}">
-                <a16:creationId xmlns:a16="http://schemas.microsoft.com/office/drawing/2014/main" id="{066A4A5F-3CD2-30C3-AF21-81CD605CE74D}"/>
+          <p:cNvPr id="39" name="Connector: Curved 38">
+            <a:extLst>
+              <a:ext uri="{FF2B5EF4-FFF2-40B4-BE49-F238E27FC236}">
+                <a16:creationId xmlns:a16="http://schemas.microsoft.com/office/drawing/2014/main" id="{56D8B4B8-7EB4-493E-C8F8-295659607F98}"/>
               </a:ext>
             </a:extLst>
           </p:cNvPr>
           <p:cNvCxnSpPr>
-            <a:cxnSpLocks/>
+            <a:stCxn id="9" idx="1"/>
+            <a:endCxn id="3" idx="1"/>
           </p:cNvCxnSpPr>
           <p:nvPr/>
         </p:nvCxnSpPr>
         <p:spPr>
-          <a:xfrm>
-            <a:off x="289249" y="4898066"/>
-            <a:ext cx="572397" cy="0"/>
-          </a:xfrm>
-          <a:prstGeom prst="line">
-            <a:avLst/>
-          </a:prstGeom>
-          <a:ln w="28575">
-            <a:solidFill>
-              <a:schemeClr val="accent4"/>
-            </a:solidFill>
-            <a:prstDash val="dash"/>
+          <a:xfrm rot="10800000" flipH="1">
+            <a:off x="485030" y="1964432"/>
+            <a:ext cx="1" cy="3458991"/>
+          </a:xfrm>
+          <a:prstGeom prst="curvedConnector3">
+            <a:avLst>
+              <a:gd name="adj1" fmla="val -22860000000"/>
+            </a:avLst>
+          </a:prstGeom>
+          <a:ln w="38100">
+            <a:tailEnd type="triangle"/>
           </a:ln>
         </p:spPr>
         <p:style>
@@ -4576,63 +6501,402 @@
       </p:cxnSp>
       <p:sp>
         <p:nvSpPr>
-          <p:cNvPr id="17" name="TextBox 16">
-            <a:extLst>
-              <a:ext uri="{FF2B5EF4-FFF2-40B4-BE49-F238E27FC236}">
-                <a16:creationId xmlns:a16="http://schemas.microsoft.com/office/drawing/2014/main" id="{370F4DFF-C31F-D441-B981-B144D4E5D343}"/>
-              </a:ext>
-            </a:extLst>
-          </p:cNvPr>
-          <p:cNvSpPr txBox="1"/>
-          <p:nvPr/>
-        </p:nvSpPr>
-        <p:spPr>
-          <a:xfrm>
-            <a:off x="1142560" y="611007"/>
-            <a:ext cx="9906879" cy="907941"/>
-          </a:xfrm>
-          <a:prstGeom prst="rect">
+          <p:cNvPr id="44" name="Rectangle: Rounded Corners 43">
+            <a:extLst>
+              <a:ext uri="{FF2B5EF4-FFF2-40B4-BE49-F238E27FC236}">
+                <a16:creationId xmlns:a16="http://schemas.microsoft.com/office/drawing/2014/main" id="{6078DAA1-03A5-E2CE-0B96-9721D8DEA747}"/>
+              </a:ext>
+            </a:extLst>
+          </p:cNvPr>
+          <p:cNvSpPr/>
+          <p:nvPr/>
+        </p:nvSpPr>
+        <p:spPr>
+          <a:xfrm>
+            <a:off x="485029" y="5956966"/>
+            <a:ext cx="2057403" cy="571553"/>
+          </a:xfrm>
+          <a:prstGeom prst="roundRect">
             <a:avLst/>
           </a:prstGeom>
           <a:noFill/>
-        </p:spPr>
-        <p:txBody>
-          <a:bodyPr wrap="none" rtlCol="0">
-            <a:spAutoFit/>
-          </a:bodyPr>
-          <a:lstStyle/>
-          <a:p>
-            <a:pPr algn="ctr">
-              <a:spcAft>
-                <a:spcPts val="600"/>
-              </a:spcAft>
-            </a:pPr>
-            <a:r>
-              <a:rPr lang="en-US" sz="2400" dirty="0">
-                <a:latin typeface="Verdana Pro Black" panose="020B0A04030504040204" pitchFamily="34" charset="0"/>
+          <a:ln w="28575">
+            <a:noFill/>
+          </a:ln>
+        </p:spPr>
+        <p:style>
+          <a:lnRef idx="2">
+            <a:schemeClr val="accent1">
+              <a:shade val="15000"/>
+            </a:schemeClr>
+          </a:lnRef>
+          <a:fillRef idx="1">
+            <a:schemeClr val="accent1"/>
+          </a:fillRef>
+          <a:effectRef idx="0">
+            <a:schemeClr val="accent1"/>
+          </a:effectRef>
+          <a:fontRef idx="minor">
+            <a:schemeClr val="lt1"/>
+          </a:fontRef>
+        </p:style>
+        <p:txBody>
+          <a:bodyPr rtlCol="0" anchor="ctr"/>
+          <a:lstStyle/>
+          <a:p>
+            <a:pPr algn="ctr"/>
+            <a:r>
+              <a:rPr lang="en-US" sz="1400" b="1" dirty="0">
+                <a:solidFill>
+                  <a:schemeClr val="tx1"/>
+                </a:solidFill>
               </a:rPr>
-              <a:t>Model Performance </a:t>
-            </a:r>
-          </a:p>
-          <a:p>
-            <a:pPr algn="ctr">
-              <a:spcAft>
-                <a:spcPts val="600"/>
-              </a:spcAft>
-            </a:pPr>
-            <a:r>
-              <a:rPr lang="en-US" sz="2400" dirty="0">
-                <a:latin typeface="Verdana Pro Black" panose="020B0A04030504040204" pitchFamily="34" charset="0"/>
+              <a:t>Deep Learning</a:t>
+            </a:r>
+          </a:p>
+        </p:txBody>
+      </p:sp>
+      <p:sp>
+        <p:nvSpPr>
+          <p:cNvPr id="45" name="Rectangle: Rounded Corners 44">
+            <a:extLst>
+              <a:ext uri="{FF2B5EF4-FFF2-40B4-BE49-F238E27FC236}">
+                <a16:creationId xmlns:a16="http://schemas.microsoft.com/office/drawing/2014/main" id="{0208085F-2DC6-5C1C-9882-4ABDEBCDF34C}"/>
+              </a:ext>
+            </a:extLst>
+          </p:cNvPr>
+          <p:cNvSpPr/>
+          <p:nvPr/>
+        </p:nvSpPr>
+        <p:spPr>
+          <a:xfrm>
+            <a:off x="3141781" y="6013185"/>
+            <a:ext cx="1802423" cy="576072"/>
+          </a:xfrm>
+          <a:prstGeom prst="roundRect">
+            <a:avLst/>
+          </a:prstGeom>
+          <a:noFill/>
+          <a:ln w="28575">
+            <a:solidFill>
+              <a:srgbClr val="002060"/>
+            </a:solidFill>
+          </a:ln>
+        </p:spPr>
+        <p:style>
+          <a:lnRef idx="2">
+            <a:schemeClr val="accent1">
+              <a:shade val="15000"/>
+            </a:schemeClr>
+          </a:lnRef>
+          <a:fillRef idx="1">
+            <a:schemeClr val="accent1"/>
+          </a:fillRef>
+          <a:effectRef idx="0">
+            <a:schemeClr val="accent1"/>
+          </a:effectRef>
+          <a:fontRef idx="minor">
+            <a:schemeClr val="lt1"/>
+          </a:fontRef>
+        </p:style>
+        <p:txBody>
+          <a:bodyPr rtlCol="0" anchor="ctr"/>
+          <a:lstStyle/>
+          <a:p>
+            <a:pPr algn="ctr"/>
+            <a:r>
+              <a:rPr lang="en-US" sz="1200" b="1" dirty="0">
+                <a:solidFill>
+                  <a:schemeClr val="tx1"/>
+                </a:solidFill>
               </a:rPr>
-              <a:t>(Better imputation; 43 features selected by Dr. Gupta)</a:t>
-            </a:r>
+              <a:t>CNN</a:t>
+            </a:r>
+            <a:endParaRPr lang="en-US" b="1" dirty="0">
+              <a:solidFill>
+                <a:schemeClr val="tx1"/>
+              </a:solidFill>
+            </a:endParaRPr>
+          </a:p>
+        </p:txBody>
+      </p:sp>
+      <p:sp>
+        <p:nvSpPr>
+          <p:cNvPr id="46" name="Rectangle: Rounded Corners 45">
+            <a:extLst>
+              <a:ext uri="{FF2B5EF4-FFF2-40B4-BE49-F238E27FC236}">
+                <a16:creationId xmlns:a16="http://schemas.microsoft.com/office/drawing/2014/main" id="{C48B62B2-CB8C-FDCC-6698-C9AC0CC9478A}"/>
+              </a:ext>
+            </a:extLst>
+          </p:cNvPr>
+          <p:cNvSpPr/>
+          <p:nvPr/>
+        </p:nvSpPr>
+        <p:spPr>
+          <a:xfrm>
+            <a:off x="5404347" y="6017002"/>
+            <a:ext cx="1802423" cy="576072"/>
+          </a:xfrm>
+          <a:prstGeom prst="roundRect">
+            <a:avLst/>
+          </a:prstGeom>
+          <a:noFill/>
+          <a:ln w="28575">
+            <a:solidFill>
+              <a:srgbClr val="002060"/>
+            </a:solidFill>
+          </a:ln>
+        </p:spPr>
+        <p:style>
+          <a:lnRef idx="2">
+            <a:schemeClr val="accent1">
+              <a:shade val="15000"/>
+            </a:schemeClr>
+          </a:lnRef>
+          <a:fillRef idx="1">
+            <a:schemeClr val="accent1"/>
+          </a:fillRef>
+          <a:effectRef idx="0">
+            <a:schemeClr val="accent1"/>
+          </a:effectRef>
+          <a:fontRef idx="minor">
+            <a:schemeClr val="lt1"/>
+          </a:fontRef>
+        </p:style>
+        <p:txBody>
+          <a:bodyPr rtlCol="0" anchor="ctr"/>
+          <a:lstStyle/>
+          <a:p>
+            <a:pPr algn="ctr"/>
+            <a:r>
+              <a:rPr lang="en-US" sz="1200" b="1" dirty="0">
+                <a:solidFill>
+                  <a:schemeClr val="tx1"/>
+                </a:solidFill>
+              </a:rPr>
+              <a:t>Neural Networks</a:t>
+            </a:r>
+            <a:endParaRPr lang="en-US" b="1" dirty="0">
+              <a:solidFill>
+                <a:schemeClr val="tx1"/>
+              </a:solidFill>
+            </a:endParaRPr>
+          </a:p>
+        </p:txBody>
+      </p:sp>
+      <p:sp>
+        <p:nvSpPr>
+          <p:cNvPr id="51" name="Rectangle: Rounded Corners 50">
+            <a:extLst>
+              <a:ext uri="{FF2B5EF4-FFF2-40B4-BE49-F238E27FC236}">
+                <a16:creationId xmlns:a16="http://schemas.microsoft.com/office/drawing/2014/main" id="{3AF91DE4-B8E4-7E97-AA02-3F07C2E88B6E}"/>
+              </a:ext>
+            </a:extLst>
+          </p:cNvPr>
+          <p:cNvSpPr/>
+          <p:nvPr/>
+        </p:nvSpPr>
+        <p:spPr>
+          <a:xfrm>
+            <a:off x="3141781" y="2508412"/>
+            <a:ext cx="1499087" cy="576072"/>
+          </a:xfrm>
+          <a:prstGeom prst="roundRect">
+            <a:avLst/>
+          </a:prstGeom>
+          <a:noFill/>
+          <a:ln w="28575">
+            <a:solidFill>
+              <a:srgbClr val="002060"/>
+            </a:solidFill>
+          </a:ln>
+        </p:spPr>
+        <p:style>
+          <a:lnRef idx="2">
+            <a:schemeClr val="accent1">
+              <a:shade val="15000"/>
+            </a:schemeClr>
+          </a:lnRef>
+          <a:fillRef idx="1">
+            <a:schemeClr val="accent1"/>
+          </a:fillRef>
+          <a:effectRef idx="0">
+            <a:schemeClr val="accent1"/>
+          </a:effectRef>
+          <a:fontRef idx="minor">
+            <a:schemeClr val="lt1"/>
+          </a:fontRef>
+        </p:style>
+        <p:txBody>
+          <a:bodyPr rtlCol="0" anchor="ctr"/>
+          <a:lstStyle/>
+          <a:p>
+            <a:pPr algn="ctr"/>
+            <a:r>
+              <a:rPr lang="en-US" sz="1200" b="1" dirty="0" err="1">
+                <a:solidFill>
+                  <a:schemeClr val="tx1"/>
+                </a:solidFill>
+              </a:rPr>
+              <a:t>f_importances</a:t>
+            </a:r>
+            <a:r>
+              <a:rPr lang="en-US" sz="1200" b="1" dirty="0">
+                <a:solidFill>
+                  <a:schemeClr val="tx1"/>
+                </a:solidFill>
+              </a:rPr>
+              <a:t> from tree-based models</a:t>
+            </a:r>
+            <a:endParaRPr lang="en-US" b="1" dirty="0">
+              <a:solidFill>
+                <a:schemeClr val="tx1"/>
+              </a:solidFill>
+            </a:endParaRPr>
+          </a:p>
+        </p:txBody>
+      </p:sp>
+      <p:sp>
+        <p:nvSpPr>
+          <p:cNvPr id="52" name="Rectangle: Rounded Corners 51">
+            <a:extLst>
+              <a:ext uri="{FF2B5EF4-FFF2-40B4-BE49-F238E27FC236}">
+                <a16:creationId xmlns:a16="http://schemas.microsoft.com/office/drawing/2014/main" id="{12F303F2-1EDF-087B-2823-B3E7E99A226E}"/>
+              </a:ext>
+            </a:extLst>
+          </p:cNvPr>
+          <p:cNvSpPr/>
+          <p:nvPr/>
+        </p:nvSpPr>
+        <p:spPr>
+          <a:xfrm>
+            <a:off x="7715248" y="1676395"/>
+            <a:ext cx="1802423" cy="576072"/>
+          </a:xfrm>
+          <a:prstGeom prst="roundRect">
+            <a:avLst/>
+          </a:prstGeom>
+          <a:noFill/>
+          <a:ln w="28575">
+            <a:solidFill>
+              <a:srgbClr val="002060"/>
+            </a:solidFill>
+          </a:ln>
+        </p:spPr>
+        <p:style>
+          <a:lnRef idx="2">
+            <a:schemeClr val="accent1">
+              <a:shade val="15000"/>
+            </a:schemeClr>
+          </a:lnRef>
+          <a:fillRef idx="1">
+            <a:schemeClr val="accent1"/>
+          </a:fillRef>
+          <a:effectRef idx="0">
+            <a:schemeClr val="accent1"/>
+          </a:effectRef>
+          <a:fontRef idx="minor">
+            <a:schemeClr val="lt1"/>
+          </a:fontRef>
+        </p:style>
+        <p:txBody>
+          <a:bodyPr rtlCol="0" anchor="ctr"/>
+          <a:lstStyle/>
+          <a:p>
+            <a:pPr algn="ctr"/>
+            <a:r>
+              <a:rPr lang="en-US" sz="1200" b="1" dirty="0">
+                <a:solidFill>
+                  <a:schemeClr val="tx1"/>
+                </a:solidFill>
+              </a:rPr>
+              <a:t>2018-2022</a:t>
+            </a:r>
+          </a:p>
+          <a:p>
+            <a:pPr algn="ctr"/>
+            <a:r>
+              <a:rPr lang="en-US" sz="1200" b="1" dirty="0">
+                <a:solidFill>
+                  <a:schemeClr val="tx1"/>
+                </a:solidFill>
+              </a:rPr>
+              <a:t>40 features</a:t>
+            </a:r>
+            <a:endParaRPr lang="en-US" b="1" dirty="0">
+              <a:solidFill>
+                <a:schemeClr val="tx1"/>
+              </a:solidFill>
+            </a:endParaRPr>
+          </a:p>
+        </p:txBody>
+      </p:sp>
+      <p:sp>
+        <p:nvSpPr>
+          <p:cNvPr id="53" name="Rectangle: Rounded Corners 52">
+            <a:extLst>
+              <a:ext uri="{FF2B5EF4-FFF2-40B4-BE49-F238E27FC236}">
+                <a16:creationId xmlns:a16="http://schemas.microsoft.com/office/drawing/2014/main" id="{BE0C6D15-0EB3-E250-9BAA-7641A0FABA27}"/>
+              </a:ext>
+            </a:extLst>
+          </p:cNvPr>
+          <p:cNvSpPr/>
+          <p:nvPr/>
+        </p:nvSpPr>
+        <p:spPr>
+          <a:xfrm>
+            <a:off x="8015285" y="1433922"/>
+            <a:ext cx="1199423" cy="303263"/>
+          </a:xfrm>
+          <a:prstGeom prst="roundRect">
+            <a:avLst/>
+          </a:prstGeom>
+          <a:noFill/>
+          <a:ln w="28575">
+            <a:noFill/>
+          </a:ln>
+        </p:spPr>
+        <p:style>
+          <a:lnRef idx="2">
+            <a:schemeClr val="accent1">
+              <a:shade val="15000"/>
+            </a:schemeClr>
+          </a:lnRef>
+          <a:fillRef idx="1">
+            <a:schemeClr val="accent1"/>
+          </a:fillRef>
+          <a:effectRef idx="0">
+            <a:schemeClr val="accent1"/>
+          </a:effectRef>
+          <a:fontRef idx="minor">
+            <a:schemeClr val="lt1"/>
+          </a:fontRef>
+        </p:style>
+        <p:txBody>
+          <a:bodyPr rtlCol="0" anchor="ctr"/>
+          <a:lstStyle/>
+          <a:p>
+            <a:pPr algn="ctr"/>
+            <a:r>
+              <a:rPr lang="en-US" sz="1400" b="1" dirty="0">
+                <a:solidFill>
+                  <a:srgbClr val="FF0000"/>
+                </a:solidFill>
+              </a:rPr>
+              <a:t>10 models</a:t>
+            </a:r>
+            <a:endParaRPr lang="en-US" sz="2000" b="1" dirty="0">
+              <a:solidFill>
+                <a:srgbClr val="FF0000"/>
+              </a:solidFill>
+            </a:endParaRPr>
           </a:p>
         </p:txBody>
       </p:sp>
     </p:spTree>
     <p:extLst>
       <p:ext uri="{BB962C8B-B14F-4D97-AF65-F5344CB8AC3E}">
-        <p14:creationId xmlns:p14="http://schemas.microsoft.com/office/powerpoint/2010/main" val="3451681533"/>
+        <p14:creationId xmlns:p14="http://schemas.microsoft.com/office/powerpoint/2010/main" val="3699283572"/>
       </p:ext>
     </p:extLst>
   </p:cSld>
@@ -4659,54 +6923,12 @@
           <a:chExt cx="0" cy="0"/>
         </a:xfrm>
       </p:grpSpPr>
-      <p:sp>
-        <p:nvSpPr>
-          <p:cNvPr id="17" name="TextBox 16">
-            <a:extLst>
-              <a:ext uri="{FF2B5EF4-FFF2-40B4-BE49-F238E27FC236}">
-                <a16:creationId xmlns:a16="http://schemas.microsoft.com/office/drawing/2014/main" id="{370F4DFF-C31F-D441-B981-B144D4E5D343}"/>
-              </a:ext>
-            </a:extLst>
-          </p:cNvPr>
-          <p:cNvSpPr txBox="1"/>
-          <p:nvPr/>
-        </p:nvSpPr>
-        <p:spPr>
-          <a:xfrm>
-            <a:off x="3632216" y="611007"/>
-            <a:ext cx="4927566" cy="461665"/>
-          </a:xfrm>
-          <a:prstGeom prst="rect">
-            <a:avLst/>
-          </a:prstGeom>
-          <a:noFill/>
-        </p:spPr>
-        <p:txBody>
-          <a:bodyPr wrap="none" rtlCol="0">
-            <a:spAutoFit/>
-          </a:bodyPr>
-          <a:lstStyle/>
-          <a:p>
-            <a:pPr algn="ctr">
-              <a:spcAft>
-                <a:spcPts val="600"/>
-              </a:spcAft>
-            </a:pPr>
-            <a:r>
-              <a:rPr lang="en-US" sz="2400" dirty="0">
-                <a:latin typeface="Verdana Pro Black" panose="020B0A04030504040204" pitchFamily="34" charset="0"/>
-              </a:rPr>
-              <a:t>Detecting Multicollinearity</a:t>
-            </a:r>
-          </a:p>
-        </p:txBody>
-      </p:sp>
       <p:pic>
         <p:nvPicPr>
-          <p:cNvPr id="4" name="Picture 3">
-            <a:extLst>
-              <a:ext uri="{FF2B5EF4-FFF2-40B4-BE49-F238E27FC236}">
-                <a16:creationId xmlns:a16="http://schemas.microsoft.com/office/drawing/2014/main" id="{9E56061C-5094-2B01-2D2C-B1A51B7D34CC}"/>
+          <p:cNvPr id="7" name="Picture 6">
+            <a:extLst>
+              <a:ext uri="{FF2B5EF4-FFF2-40B4-BE49-F238E27FC236}">
+                <a16:creationId xmlns:a16="http://schemas.microsoft.com/office/drawing/2014/main" id="{BF13E590-8890-6AD7-27EA-5951C1D3C45C}"/>
               </a:ext>
             </a:extLst>
           </p:cNvPr>
@@ -4723,18 +6945,344 @@
         </p:blipFill>
         <p:spPr>
           <a:xfrm>
-            <a:off x="174291" y="1174634"/>
-            <a:ext cx="8039513" cy="4508732"/>
+            <a:off x="289249" y="1809023"/>
+            <a:ext cx="11749598" cy="1999406"/>
           </a:xfrm>
           <a:prstGeom prst="rect">
             <a:avLst/>
           </a:prstGeom>
         </p:spPr>
       </p:pic>
+      <p:sp>
+        <p:nvSpPr>
+          <p:cNvPr id="8" name="Rectangle 7">
+            <a:extLst>
+              <a:ext uri="{FF2B5EF4-FFF2-40B4-BE49-F238E27FC236}">
+                <a16:creationId xmlns:a16="http://schemas.microsoft.com/office/drawing/2014/main" id="{BD37BE26-7B67-87CC-3F27-67FC1777EC1E}"/>
+              </a:ext>
+            </a:extLst>
+          </p:cNvPr>
+          <p:cNvSpPr/>
+          <p:nvPr/>
+        </p:nvSpPr>
+        <p:spPr>
+          <a:xfrm>
+            <a:off x="688157" y="3506771"/>
+            <a:ext cx="10708849" cy="169683"/>
+          </a:xfrm>
+          <a:prstGeom prst="rect">
+            <a:avLst/>
+          </a:prstGeom>
+          <a:noFill/>
+          <a:ln w="28575">
+            <a:solidFill>
+              <a:srgbClr val="FFFF00"/>
+            </a:solidFill>
+          </a:ln>
+        </p:spPr>
+        <p:style>
+          <a:lnRef idx="2">
+            <a:schemeClr val="accent1">
+              <a:shade val="15000"/>
+            </a:schemeClr>
+          </a:lnRef>
+          <a:fillRef idx="1">
+            <a:schemeClr val="accent1"/>
+          </a:fillRef>
+          <a:effectRef idx="0">
+            <a:schemeClr val="accent1"/>
+          </a:effectRef>
+          <a:fontRef idx="minor">
+            <a:schemeClr val="lt1"/>
+          </a:fontRef>
+        </p:style>
+        <p:txBody>
+          <a:bodyPr rtlCol="0" anchor="ctr"/>
+          <a:lstStyle/>
+          <a:p>
+            <a:pPr algn="ctr"/>
+            <a:endParaRPr lang="en-US"/>
+          </a:p>
+        </p:txBody>
+      </p:sp>
+      <p:cxnSp>
+        <p:nvCxnSpPr>
+          <p:cNvPr id="11" name="Straight Connector 10">
+            <a:extLst>
+              <a:ext uri="{FF2B5EF4-FFF2-40B4-BE49-F238E27FC236}">
+                <a16:creationId xmlns:a16="http://schemas.microsoft.com/office/drawing/2014/main" id="{E99D9A17-1A23-8F2D-9196-A9631B90723C}"/>
+              </a:ext>
+            </a:extLst>
+          </p:cNvPr>
+          <p:cNvCxnSpPr/>
+          <p:nvPr/>
+        </p:nvCxnSpPr>
+        <p:spPr>
+          <a:xfrm>
+            <a:off x="688157" y="3297115"/>
+            <a:ext cx="10601166" cy="0"/>
+          </a:xfrm>
+          <a:prstGeom prst="line">
+            <a:avLst/>
+          </a:prstGeom>
+          <a:ln w="28575">
+            <a:solidFill>
+              <a:schemeClr val="accent4">
+                <a:lumMod val="20000"/>
+                <a:lumOff val="80000"/>
+              </a:schemeClr>
+            </a:solidFill>
+            <a:prstDash val="dash"/>
+          </a:ln>
+        </p:spPr>
+        <p:style>
+          <a:lnRef idx="1">
+            <a:schemeClr val="accent1"/>
+          </a:lnRef>
+          <a:fillRef idx="0">
+            <a:schemeClr val="accent1"/>
+          </a:fillRef>
+          <a:effectRef idx="0">
+            <a:schemeClr val="accent1"/>
+          </a:effectRef>
+          <a:fontRef idx="minor">
+            <a:schemeClr val="tx1"/>
+          </a:fontRef>
+        </p:style>
+      </p:cxnSp>
+      <p:sp>
+        <p:nvSpPr>
+          <p:cNvPr id="12" name="Rectangle 11">
+            <a:extLst>
+              <a:ext uri="{FF2B5EF4-FFF2-40B4-BE49-F238E27FC236}">
+                <a16:creationId xmlns:a16="http://schemas.microsoft.com/office/drawing/2014/main" id="{A3549DC4-40BA-1272-B8DE-5D02C5F561F5}"/>
+              </a:ext>
+            </a:extLst>
+          </p:cNvPr>
+          <p:cNvSpPr/>
+          <p:nvPr/>
+        </p:nvSpPr>
+        <p:spPr>
+          <a:xfrm>
+            <a:off x="289249" y="4380140"/>
+            <a:ext cx="572397" cy="191860"/>
+          </a:xfrm>
+          <a:prstGeom prst="rect">
+            <a:avLst/>
+          </a:prstGeom>
+          <a:noFill/>
+          <a:ln w="28575">
+            <a:solidFill>
+              <a:schemeClr val="accent4"/>
+            </a:solidFill>
+          </a:ln>
+        </p:spPr>
+        <p:style>
+          <a:lnRef idx="2">
+            <a:schemeClr val="accent1">
+              <a:shade val="15000"/>
+            </a:schemeClr>
+          </a:lnRef>
+          <a:fillRef idx="1">
+            <a:schemeClr val="accent1"/>
+          </a:fillRef>
+          <a:effectRef idx="0">
+            <a:schemeClr val="accent1"/>
+          </a:effectRef>
+          <a:fontRef idx="minor">
+            <a:schemeClr val="lt1"/>
+          </a:fontRef>
+        </p:style>
+        <p:txBody>
+          <a:bodyPr rtlCol="0" anchor="ctr"/>
+          <a:lstStyle/>
+          <a:p>
+            <a:pPr algn="ctr"/>
+            <a:endParaRPr lang="en-US"/>
+          </a:p>
+        </p:txBody>
+      </p:sp>
+      <p:sp>
+        <p:nvSpPr>
+          <p:cNvPr id="13" name="TextBox 12">
+            <a:extLst>
+              <a:ext uri="{FF2B5EF4-FFF2-40B4-BE49-F238E27FC236}">
+                <a16:creationId xmlns:a16="http://schemas.microsoft.com/office/drawing/2014/main" id="{4259E792-13EE-CA79-5EB0-A062683BBBC8}"/>
+              </a:ext>
+            </a:extLst>
+          </p:cNvPr>
+          <p:cNvSpPr txBox="1"/>
+          <p:nvPr/>
+        </p:nvSpPr>
+        <p:spPr>
+          <a:xfrm>
+            <a:off x="1037493" y="4255422"/>
+            <a:ext cx="1238481" cy="369332"/>
+          </a:xfrm>
+          <a:prstGeom prst="rect">
+            <a:avLst/>
+          </a:prstGeom>
+          <a:noFill/>
+        </p:spPr>
+        <p:txBody>
+          <a:bodyPr wrap="none" rtlCol="0">
+            <a:spAutoFit/>
+          </a:bodyPr>
+          <a:lstStyle/>
+          <a:p>
+            <a:r>
+              <a:rPr lang="en-US" dirty="0"/>
+              <a:t>Best model</a:t>
+            </a:r>
+          </a:p>
+        </p:txBody>
+      </p:sp>
+      <p:sp>
+        <p:nvSpPr>
+          <p:cNvPr id="14" name="TextBox 13">
+            <a:extLst>
+              <a:ext uri="{FF2B5EF4-FFF2-40B4-BE49-F238E27FC236}">
+                <a16:creationId xmlns:a16="http://schemas.microsoft.com/office/drawing/2014/main" id="{49F066A8-9957-6751-AD8A-343910BB811D}"/>
+              </a:ext>
+            </a:extLst>
+          </p:cNvPr>
+          <p:cNvSpPr txBox="1"/>
+          <p:nvPr/>
+        </p:nvSpPr>
+        <p:spPr>
+          <a:xfrm>
+            <a:off x="1037493" y="4713400"/>
+            <a:ext cx="1568699" cy="369332"/>
+          </a:xfrm>
+          <a:prstGeom prst="rect">
+            <a:avLst/>
+          </a:prstGeom>
+          <a:noFill/>
+        </p:spPr>
+        <p:txBody>
+          <a:bodyPr wrap="none" rtlCol="0">
+            <a:spAutoFit/>
+          </a:bodyPr>
+          <a:lstStyle/>
+          <a:p>
+            <a:r>
+              <a:rPr lang="en-US" dirty="0"/>
+              <a:t>2</a:t>
+            </a:r>
+            <a:r>
+              <a:rPr lang="en-US" baseline="30000" dirty="0"/>
+              <a:t>nd</a:t>
+            </a:r>
+            <a:r>
+              <a:rPr lang="en-US" dirty="0"/>
+              <a:t> Best model</a:t>
+            </a:r>
+          </a:p>
+        </p:txBody>
+      </p:sp>
+      <p:cxnSp>
+        <p:nvCxnSpPr>
+          <p:cNvPr id="15" name="Straight Connector 14">
+            <a:extLst>
+              <a:ext uri="{FF2B5EF4-FFF2-40B4-BE49-F238E27FC236}">
+                <a16:creationId xmlns:a16="http://schemas.microsoft.com/office/drawing/2014/main" id="{066A4A5F-3CD2-30C3-AF21-81CD605CE74D}"/>
+              </a:ext>
+            </a:extLst>
+          </p:cNvPr>
+          <p:cNvCxnSpPr>
+            <a:cxnSpLocks/>
+          </p:cNvCxnSpPr>
+          <p:nvPr/>
+        </p:nvCxnSpPr>
+        <p:spPr>
+          <a:xfrm>
+            <a:off x="289249" y="4898066"/>
+            <a:ext cx="572397" cy="0"/>
+          </a:xfrm>
+          <a:prstGeom prst="line">
+            <a:avLst/>
+          </a:prstGeom>
+          <a:ln w="28575">
+            <a:solidFill>
+              <a:schemeClr val="accent4"/>
+            </a:solidFill>
+            <a:prstDash val="dash"/>
+          </a:ln>
+        </p:spPr>
+        <p:style>
+          <a:lnRef idx="1">
+            <a:schemeClr val="accent1"/>
+          </a:lnRef>
+          <a:fillRef idx="0">
+            <a:schemeClr val="accent1"/>
+          </a:fillRef>
+          <a:effectRef idx="0">
+            <a:schemeClr val="accent1"/>
+          </a:effectRef>
+          <a:fontRef idx="minor">
+            <a:schemeClr val="tx1"/>
+          </a:fontRef>
+        </p:style>
+      </p:cxnSp>
+      <p:sp>
+        <p:nvSpPr>
+          <p:cNvPr id="17" name="TextBox 16">
+            <a:extLst>
+              <a:ext uri="{FF2B5EF4-FFF2-40B4-BE49-F238E27FC236}">
+                <a16:creationId xmlns:a16="http://schemas.microsoft.com/office/drawing/2014/main" id="{370F4DFF-C31F-D441-B981-B144D4E5D343}"/>
+              </a:ext>
+            </a:extLst>
+          </p:cNvPr>
+          <p:cNvSpPr txBox="1"/>
+          <p:nvPr/>
+        </p:nvSpPr>
+        <p:spPr>
+          <a:xfrm>
+            <a:off x="1142560" y="611007"/>
+            <a:ext cx="9906879" cy="907941"/>
+          </a:xfrm>
+          <a:prstGeom prst="rect">
+            <a:avLst/>
+          </a:prstGeom>
+          <a:noFill/>
+        </p:spPr>
+        <p:txBody>
+          <a:bodyPr wrap="none" rtlCol="0">
+            <a:spAutoFit/>
+          </a:bodyPr>
+          <a:lstStyle/>
+          <a:p>
+            <a:pPr algn="ctr">
+              <a:spcAft>
+                <a:spcPts val="600"/>
+              </a:spcAft>
+            </a:pPr>
+            <a:r>
+              <a:rPr lang="en-US" sz="2400" dirty="0">
+                <a:latin typeface="Verdana Pro Black" panose="020B0A04030504040204" pitchFamily="34" charset="0"/>
+              </a:rPr>
+              <a:t>Model Performance </a:t>
+            </a:r>
+          </a:p>
+          <a:p>
+            <a:pPr algn="ctr">
+              <a:spcAft>
+                <a:spcPts val="600"/>
+              </a:spcAft>
+            </a:pPr>
+            <a:r>
+              <a:rPr lang="en-US" sz="2400" dirty="0">
+                <a:latin typeface="Verdana Pro Black" panose="020B0A04030504040204" pitchFamily="34" charset="0"/>
+              </a:rPr>
+              <a:t>(Better imputation; 43 features selected by Dr. Gupta)</a:t>
+            </a:r>
+          </a:p>
+        </p:txBody>
+      </p:sp>
     </p:spTree>
     <p:extLst>
       <p:ext uri="{BB962C8B-B14F-4D97-AF65-F5344CB8AC3E}">
-        <p14:creationId xmlns:p14="http://schemas.microsoft.com/office/powerpoint/2010/main" val="3881185904"/>
+        <p14:creationId xmlns:p14="http://schemas.microsoft.com/office/powerpoint/2010/main" val="3451681533"/>
       </p:ext>
     </p:extLst>
   </p:cSld>
@@ -4775,8 +7323,8 @@
         </p:nvSpPr>
         <p:spPr>
           <a:xfrm>
-            <a:off x="1973108" y="391085"/>
-            <a:ext cx="7407990" cy="461665"/>
+            <a:off x="3632216" y="611007"/>
+            <a:ext cx="4927566" cy="461665"/>
           </a:xfrm>
           <a:prstGeom prst="rect">
             <a:avLst/>
@@ -4789,21 +7337,26 @@
           </a:bodyPr>
           <a:lstStyle/>
           <a:p>
+            <a:pPr algn="ctr">
+              <a:spcAft>
+                <a:spcPts val="600"/>
+              </a:spcAft>
+            </a:pPr>
             <a:r>
               <a:rPr lang="en-US" sz="2400" dirty="0">
                 <a:latin typeface="Verdana Pro Black" panose="020B0A04030504040204" pitchFamily="34" charset="0"/>
               </a:rPr>
-              <a:t>Random Forest (features included = 43)</a:t>
+              <a:t>Detecting Multicollinearity</a:t>
             </a:r>
           </a:p>
         </p:txBody>
       </p:sp>
       <p:pic>
         <p:nvPicPr>
-          <p:cNvPr id="24" name="Picture 23">
-            <a:extLst>
-              <a:ext uri="{FF2B5EF4-FFF2-40B4-BE49-F238E27FC236}">
-                <a16:creationId xmlns:a16="http://schemas.microsoft.com/office/drawing/2014/main" id="{F21C3754-1C0F-6322-97EB-BA3B61858250}"/>
+          <p:cNvPr id="4" name="Picture 3">
+            <a:extLst>
+              <a:ext uri="{FF2B5EF4-FFF2-40B4-BE49-F238E27FC236}">
+                <a16:creationId xmlns:a16="http://schemas.microsoft.com/office/drawing/2014/main" id="{9E56061C-5094-2B01-2D2C-B1A51B7D34CC}"/>
               </a:ext>
             </a:extLst>
           </p:cNvPr>
@@ -4820,226 +7373,18 @@
         </p:blipFill>
         <p:spPr>
           <a:xfrm>
-            <a:off x="1076066" y="980051"/>
-            <a:ext cx="10039866" cy="5658141"/>
+            <a:off x="174291" y="1174634"/>
+            <a:ext cx="8039513" cy="4508732"/>
           </a:xfrm>
           <a:prstGeom prst="rect">
             <a:avLst/>
           </a:prstGeom>
         </p:spPr>
       </p:pic>
-      <p:sp>
-        <p:nvSpPr>
-          <p:cNvPr id="18" name="Rectangle 17">
-            <a:extLst>
-              <a:ext uri="{FF2B5EF4-FFF2-40B4-BE49-F238E27FC236}">
-                <a16:creationId xmlns:a16="http://schemas.microsoft.com/office/drawing/2014/main" id="{90B80AAA-4A9E-CC57-3CFE-37CC02649F46}"/>
-              </a:ext>
-            </a:extLst>
-          </p:cNvPr>
-          <p:cNvSpPr/>
-          <p:nvPr/>
-        </p:nvSpPr>
-        <p:spPr>
-          <a:xfrm>
-            <a:off x="1528632" y="5161085"/>
-            <a:ext cx="246185" cy="633046"/>
-          </a:xfrm>
-          <a:prstGeom prst="rect">
-            <a:avLst/>
-          </a:prstGeom>
-          <a:noFill/>
-          <a:ln>
-            <a:solidFill>
-              <a:srgbClr val="FF0000"/>
-            </a:solidFill>
-          </a:ln>
-        </p:spPr>
-        <p:style>
-          <a:lnRef idx="2">
-            <a:schemeClr val="accent1">
-              <a:shade val="15000"/>
-            </a:schemeClr>
-          </a:lnRef>
-          <a:fillRef idx="1">
-            <a:schemeClr val="accent1"/>
-          </a:fillRef>
-          <a:effectRef idx="0">
-            <a:schemeClr val="accent1"/>
-          </a:effectRef>
-          <a:fontRef idx="minor">
-            <a:schemeClr val="lt1"/>
-          </a:fontRef>
-        </p:style>
-        <p:txBody>
-          <a:bodyPr rtlCol="0" anchor="ctr"/>
-          <a:lstStyle/>
-          <a:p>
-            <a:pPr algn="ctr"/>
-            <a:endParaRPr lang="en-US"/>
-          </a:p>
-        </p:txBody>
-      </p:sp>
-      <p:sp>
-        <p:nvSpPr>
-          <p:cNvPr id="19" name="Rectangle 18">
-            <a:extLst>
-              <a:ext uri="{FF2B5EF4-FFF2-40B4-BE49-F238E27FC236}">
-                <a16:creationId xmlns:a16="http://schemas.microsoft.com/office/drawing/2014/main" id="{D9795EFA-6208-F1AE-3BD5-E8AFB7177D67}"/>
-              </a:ext>
-            </a:extLst>
-          </p:cNvPr>
-          <p:cNvSpPr/>
-          <p:nvPr/>
-        </p:nvSpPr>
-        <p:spPr>
-          <a:xfrm>
-            <a:off x="2209799" y="5191163"/>
-            <a:ext cx="463063" cy="1447029"/>
-          </a:xfrm>
-          <a:prstGeom prst="rect">
-            <a:avLst/>
-          </a:prstGeom>
-          <a:noFill/>
-          <a:ln>
-            <a:solidFill>
-              <a:srgbClr val="FF0000"/>
-            </a:solidFill>
-          </a:ln>
-        </p:spPr>
-        <p:style>
-          <a:lnRef idx="2">
-            <a:schemeClr val="accent1">
-              <a:shade val="15000"/>
-            </a:schemeClr>
-          </a:lnRef>
-          <a:fillRef idx="1">
-            <a:schemeClr val="accent1"/>
-          </a:fillRef>
-          <a:effectRef idx="0">
-            <a:schemeClr val="accent1"/>
-          </a:effectRef>
-          <a:fontRef idx="minor">
-            <a:schemeClr val="lt1"/>
-          </a:fontRef>
-        </p:style>
-        <p:txBody>
-          <a:bodyPr rtlCol="0" anchor="ctr"/>
-          <a:lstStyle/>
-          <a:p>
-            <a:pPr algn="ctr"/>
-            <a:endParaRPr lang="en-US"/>
-          </a:p>
-        </p:txBody>
-      </p:sp>
-      <p:sp>
-        <p:nvSpPr>
-          <p:cNvPr id="22" name="Rectangle 21">
-            <a:extLst>
-              <a:ext uri="{FF2B5EF4-FFF2-40B4-BE49-F238E27FC236}">
-                <a16:creationId xmlns:a16="http://schemas.microsoft.com/office/drawing/2014/main" id="{B187F081-CEB3-F6BE-2057-CDD893E7AF0E}"/>
-              </a:ext>
-            </a:extLst>
-          </p:cNvPr>
-          <p:cNvSpPr/>
-          <p:nvPr/>
-        </p:nvSpPr>
-        <p:spPr>
-          <a:xfrm>
-            <a:off x="5515708" y="5169877"/>
-            <a:ext cx="246185" cy="723513"/>
-          </a:xfrm>
-          <a:prstGeom prst="rect">
-            <a:avLst/>
-          </a:prstGeom>
-          <a:noFill/>
-          <a:ln>
-            <a:solidFill>
-              <a:srgbClr val="FF0000"/>
-            </a:solidFill>
-          </a:ln>
-        </p:spPr>
-        <p:style>
-          <a:lnRef idx="2">
-            <a:schemeClr val="accent1">
-              <a:shade val="15000"/>
-            </a:schemeClr>
-          </a:lnRef>
-          <a:fillRef idx="1">
-            <a:schemeClr val="accent1"/>
-          </a:fillRef>
-          <a:effectRef idx="0">
-            <a:schemeClr val="accent1"/>
-          </a:effectRef>
-          <a:fontRef idx="minor">
-            <a:schemeClr val="lt1"/>
-          </a:fontRef>
-        </p:style>
-        <p:txBody>
-          <a:bodyPr rtlCol="0" anchor="ctr"/>
-          <a:lstStyle/>
-          <a:p>
-            <a:pPr algn="ctr"/>
-            <a:endParaRPr lang="en-US"/>
-          </a:p>
-        </p:txBody>
-      </p:sp>
-      <p:sp>
-        <p:nvSpPr>
-          <p:cNvPr id="25" name="Rectangle 24">
-            <a:extLst>
-              <a:ext uri="{FF2B5EF4-FFF2-40B4-BE49-F238E27FC236}">
-                <a16:creationId xmlns:a16="http://schemas.microsoft.com/office/drawing/2014/main" id="{99B4A0C1-47A9-5A9C-8953-2EC75EF45BDE}"/>
-              </a:ext>
-            </a:extLst>
-          </p:cNvPr>
-          <p:cNvSpPr/>
-          <p:nvPr/>
-        </p:nvSpPr>
-        <p:spPr>
-          <a:xfrm>
-            <a:off x="5972906" y="5197525"/>
-            <a:ext cx="246185" cy="680423"/>
-          </a:xfrm>
-          <a:prstGeom prst="rect">
-            <a:avLst/>
-          </a:prstGeom>
-          <a:noFill/>
-          <a:ln>
-            <a:solidFill>
-              <a:srgbClr val="FF0000"/>
-            </a:solidFill>
-          </a:ln>
-        </p:spPr>
-        <p:style>
-          <a:lnRef idx="2">
-            <a:schemeClr val="accent1">
-              <a:shade val="15000"/>
-            </a:schemeClr>
-          </a:lnRef>
-          <a:fillRef idx="1">
-            <a:schemeClr val="accent1"/>
-          </a:fillRef>
-          <a:effectRef idx="0">
-            <a:schemeClr val="accent1"/>
-          </a:effectRef>
-          <a:fontRef idx="minor">
-            <a:schemeClr val="lt1"/>
-          </a:fontRef>
-        </p:style>
-        <p:txBody>
-          <a:bodyPr rtlCol="0" anchor="ctr"/>
-          <a:lstStyle/>
-          <a:p>
-            <a:pPr algn="ctr"/>
-            <a:endParaRPr lang="en-US"/>
-          </a:p>
-        </p:txBody>
-      </p:sp>
     </p:spTree>
     <p:extLst>
       <p:ext uri="{BB962C8B-B14F-4D97-AF65-F5344CB8AC3E}">
-        <p14:creationId xmlns:p14="http://schemas.microsoft.com/office/powerpoint/2010/main" val="895812440"/>
+        <p14:creationId xmlns:p14="http://schemas.microsoft.com/office/powerpoint/2010/main" val="3881185904"/>
       </p:ext>
     </p:extLst>
   </p:cSld>
@@ -5066,12 +7411,49 @@
           <a:chExt cx="0" cy="0"/>
         </a:xfrm>
       </p:grpSpPr>
+      <p:sp>
+        <p:nvSpPr>
+          <p:cNvPr id="17" name="TextBox 16">
+            <a:extLst>
+              <a:ext uri="{FF2B5EF4-FFF2-40B4-BE49-F238E27FC236}">
+                <a16:creationId xmlns:a16="http://schemas.microsoft.com/office/drawing/2014/main" id="{370F4DFF-C31F-D441-B981-B144D4E5D343}"/>
+              </a:ext>
+            </a:extLst>
+          </p:cNvPr>
+          <p:cNvSpPr txBox="1"/>
+          <p:nvPr/>
+        </p:nvSpPr>
+        <p:spPr>
+          <a:xfrm>
+            <a:off x="1973108" y="391085"/>
+            <a:ext cx="7407990" cy="461665"/>
+          </a:xfrm>
+          <a:prstGeom prst="rect">
+            <a:avLst/>
+          </a:prstGeom>
+          <a:noFill/>
+        </p:spPr>
+        <p:txBody>
+          <a:bodyPr wrap="none" rtlCol="0">
+            <a:spAutoFit/>
+          </a:bodyPr>
+          <a:lstStyle/>
+          <a:p>
+            <a:r>
+              <a:rPr lang="en-US" sz="2400" dirty="0">
+                <a:latin typeface="Verdana Pro Black" panose="020B0A04030504040204" pitchFamily="34" charset="0"/>
+              </a:rPr>
+              <a:t>Random Forest (features included = 43)</a:t>
+            </a:r>
+          </a:p>
+        </p:txBody>
+      </p:sp>
       <p:pic>
         <p:nvPicPr>
-          <p:cNvPr id="4" name="Picture 3">
-            <a:extLst>
-              <a:ext uri="{FF2B5EF4-FFF2-40B4-BE49-F238E27FC236}">
-                <a16:creationId xmlns:a16="http://schemas.microsoft.com/office/drawing/2014/main" id="{4ABFBA5D-CE82-E6BD-AF21-E7525CDE5589}"/>
+          <p:cNvPr id="24" name="Picture 23">
+            <a:extLst>
+              <a:ext uri="{FF2B5EF4-FFF2-40B4-BE49-F238E27FC236}">
+                <a16:creationId xmlns:a16="http://schemas.microsoft.com/office/drawing/2014/main" id="{F21C3754-1C0F-6322-97EB-BA3B61858250}"/>
               </a:ext>
             </a:extLst>
           </p:cNvPr>
@@ -5088,8 +7470,8 @@
         </p:blipFill>
         <p:spPr>
           <a:xfrm>
-            <a:off x="2863166" y="432585"/>
-            <a:ext cx="6465663" cy="6355076"/>
+            <a:off x="1076066" y="980051"/>
+            <a:ext cx="10039866" cy="5658141"/>
           </a:xfrm>
           <a:prstGeom prst="rect">
             <a:avLst/>
@@ -5098,45 +7480,216 @@
       </p:pic>
       <p:sp>
         <p:nvSpPr>
-          <p:cNvPr id="5" name="TextBox 4">
-            <a:extLst>
-              <a:ext uri="{FF2B5EF4-FFF2-40B4-BE49-F238E27FC236}">
-                <a16:creationId xmlns:a16="http://schemas.microsoft.com/office/drawing/2014/main" id="{0CA137D2-627D-A269-2699-1B95D35FCB35}"/>
-              </a:ext>
-            </a:extLst>
-          </p:cNvPr>
-          <p:cNvSpPr txBox="1"/>
-          <p:nvPr/>
-        </p:nvSpPr>
-        <p:spPr>
-          <a:xfrm>
-            <a:off x="2690803" y="70339"/>
-            <a:ext cx="6810391" cy="400110"/>
+          <p:cNvPr id="18" name="Rectangle 17">
+            <a:extLst>
+              <a:ext uri="{FF2B5EF4-FFF2-40B4-BE49-F238E27FC236}">
+                <a16:creationId xmlns:a16="http://schemas.microsoft.com/office/drawing/2014/main" id="{90B80AAA-4A9E-CC57-3CFE-37CC02649F46}"/>
+              </a:ext>
+            </a:extLst>
+          </p:cNvPr>
+          <p:cNvSpPr/>
+          <p:nvPr/>
+        </p:nvSpPr>
+        <p:spPr>
+          <a:xfrm>
+            <a:off x="1528632" y="5161085"/>
+            <a:ext cx="246185" cy="633046"/>
           </a:xfrm>
           <a:prstGeom prst="rect">
             <a:avLst/>
           </a:prstGeom>
           <a:noFill/>
-        </p:spPr>
-        <p:txBody>
-          <a:bodyPr wrap="none" rtlCol="0">
-            <a:spAutoFit/>
-          </a:bodyPr>
-          <a:lstStyle/>
-          <a:p>
-            <a:r>
-              <a:rPr lang="en-US" sz="2000" dirty="0">
-                <a:latin typeface="Verdana Pro Black" panose="020B0A04030504040204" pitchFamily="34" charset="0"/>
-              </a:rPr>
-              <a:t>ROC-AUC Comparison (models included = 9)</a:t>
-            </a:r>
+          <a:ln>
+            <a:solidFill>
+              <a:srgbClr val="FF0000"/>
+            </a:solidFill>
+          </a:ln>
+        </p:spPr>
+        <p:style>
+          <a:lnRef idx="2">
+            <a:schemeClr val="accent1">
+              <a:shade val="15000"/>
+            </a:schemeClr>
+          </a:lnRef>
+          <a:fillRef idx="1">
+            <a:schemeClr val="accent1"/>
+          </a:fillRef>
+          <a:effectRef idx="0">
+            <a:schemeClr val="accent1"/>
+          </a:effectRef>
+          <a:fontRef idx="minor">
+            <a:schemeClr val="lt1"/>
+          </a:fontRef>
+        </p:style>
+        <p:txBody>
+          <a:bodyPr rtlCol="0" anchor="ctr"/>
+          <a:lstStyle/>
+          <a:p>
+            <a:pPr algn="ctr"/>
+            <a:endParaRPr lang="en-US"/>
+          </a:p>
+        </p:txBody>
+      </p:sp>
+      <p:sp>
+        <p:nvSpPr>
+          <p:cNvPr id="19" name="Rectangle 18">
+            <a:extLst>
+              <a:ext uri="{FF2B5EF4-FFF2-40B4-BE49-F238E27FC236}">
+                <a16:creationId xmlns:a16="http://schemas.microsoft.com/office/drawing/2014/main" id="{D9795EFA-6208-F1AE-3BD5-E8AFB7177D67}"/>
+              </a:ext>
+            </a:extLst>
+          </p:cNvPr>
+          <p:cNvSpPr/>
+          <p:nvPr/>
+        </p:nvSpPr>
+        <p:spPr>
+          <a:xfrm>
+            <a:off x="2209799" y="5191163"/>
+            <a:ext cx="463063" cy="1447029"/>
+          </a:xfrm>
+          <a:prstGeom prst="rect">
+            <a:avLst/>
+          </a:prstGeom>
+          <a:noFill/>
+          <a:ln>
+            <a:solidFill>
+              <a:srgbClr val="FF0000"/>
+            </a:solidFill>
+          </a:ln>
+        </p:spPr>
+        <p:style>
+          <a:lnRef idx="2">
+            <a:schemeClr val="accent1">
+              <a:shade val="15000"/>
+            </a:schemeClr>
+          </a:lnRef>
+          <a:fillRef idx="1">
+            <a:schemeClr val="accent1"/>
+          </a:fillRef>
+          <a:effectRef idx="0">
+            <a:schemeClr val="accent1"/>
+          </a:effectRef>
+          <a:fontRef idx="minor">
+            <a:schemeClr val="lt1"/>
+          </a:fontRef>
+        </p:style>
+        <p:txBody>
+          <a:bodyPr rtlCol="0" anchor="ctr"/>
+          <a:lstStyle/>
+          <a:p>
+            <a:pPr algn="ctr"/>
+            <a:endParaRPr lang="en-US"/>
+          </a:p>
+        </p:txBody>
+      </p:sp>
+      <p:sp>
+        <p:nvSpPr>
+          <p:cNvPr id="22" name="Rectangle 21">
+            <a:extLst>
+              <a:ext uri="{FF2B5EF4-FFF2-40B4-BE49-F238E27FC236}">
+                <a16:creationId xmlns:a16="http://schemas.microsoft.com/office/drawing/2014/main" id="{B187F081-CEB3-F6BE-2057-CDD893E7AF0E}"/>
+              </a:ext>
+            </a:extLst>
+          </p:cNvPr>
+          <p:cNvSpPr/>
+          <p:nvPr/>
+        </p:nvSpPr>
+        <p:spPr>
+          <a:xfrm>
+            <a:off x="5515708" y="5169877"/>
+            <a:ext cx="246185" cy="723513"/>
+          </a:xfrm>
+          <a:prstGeom prst="rect">
+            <a:avLst/>
+          </a:prstGeom>
+          <a:noFill/>
+          <a:ln>
+            <a:solidFill>
+              <a:srgbClr val="FF0000"/>
+            </a:solidFill>
+          </a:ln>
+        </p:spPr>
+        <p:style>
+          <a:lnRef idx="2">
+            <a:schemeClr val="accent1">
+              <a:shade val="15000"/>
+            </a:schemeClr>
+          </a:lnRef>
+          <a:fillRef idx="1">
+            <a:schemeClr val="accent1"/>
+          </a:fillRef>
+          <a:effectRef idx="0">
+            <a:schemeClr val="accent1"/>
+          </a:effectRef>
+          <a:fontRef idx="minor">
+            <a:schemeClr val="lt1"/>
+          </a:fontRef>
+        </p:style>
+        <p:txBody>
+          <a:bodyPr rtlCol="0" anchor="ctr"/>
+          <a:lstStyle/>
+          <a:p>
+            <a:pPr algn="ctr"/>
+            <a:endParaRPr lang="en-US"/>
+          </a:p>
+        </p:txBody>
+      </p:sp>
+      <p:sp>
+        <p:nvSpPr>
+          <p:cNvPr id="25" name="Rectangle 24">
+            <a:extLst>
+              <a:ext uri="{FF2B5EF4-FFF2-40B4-BE49-F238E27FC236}">
+                <a16:creationId xmlns:a16="http://schemas.microsoft.com/office/drawing/2014/main" id="{99B4A0C1-47A9-5A9C-8953-2EC75EF45BDE}"/>
+              </a:ext>
+            </a:extLst>
+          </p:cNvPr>
+          <p:cNvSpPr/>
+          <p:nvPr/>
+        </p:nvSpPr>
+        <p:spPr>
+          <a:xfrm>
+            <a:off x="5972906" y="5197525"/>
+            <a:ext cx="246185" cy="680423"/>
+          </a:xfrm>
+          <a:prstGeom prst="rect">
+            <a:avLst/>
+          </a:prstGeom>
+          <a:noFill/>
+          <a:ln>
+            <a:solidFill>
+              <a:srgbClr val="FF0000"/>
+            </a:solidFill>
+          </a:ln>
+        </p:spPr>
+        <p:style>
+          <a:lnRef idx="2">
+            <a:schemeClr val="accent1">
+              <a:shade val="15000"/>
+            </a:schemeClr>
+          </a:lnRef>
+          <a:fillRef idx="1">
+            <a:schemeClr val="accent1"/>
+          </a:fillRef>
+          <a:effectRef idx="0">
+            <a:schemeClr val="accent1"/>
+          </a:effectRef>
+          <a:fontRef idx="minor">
+            <a:schemeClr val="lt1"/>
+          </a:fontRef>
+        </p:style>
+        <p:txBody>
+          <a:bodyPr rtlCol="0" anchor="ctr"/>
+          <a:lstStyle/>
+          <a:p>
+            <a:pPr algn="ctr"/>
+            <a:endParaRPr lang="en-US"/>
           </a:p>
         </p:txBody>
       </p:sp>
     </p:spTree>
     <p:extLst>
       <p:ext uri="{BB962C8B-B14F-4D97-AF65-F5344CB8AC3E}">
-        <p14:creationId xmlns:p14="http://schemas.microsoft.com/office/powerpoint/2010/main" val="1270886077"/>
+        <p14:creationId xmlns:p14="http://schemas.microsoft.com/office/powerpoint/2010/main" val="895812440"/>
       </p:ext>
     </p:extLst>
   </p:cSld>
@@ -5165,10 +7718,10 @@
       </p:grpSpPr>
       <p:pic>
         <p:nvPicPr>
-          <p:cNvPr id="3" name="Picture 2">
-            <a:extLst>
-              <a:ext uri="{FF2B5EF4-FFF2-40B4-BE49-F238E27FC236}">
-                <a16:creationId xmlns:a16="http://schemas.microsoft.com/office/drawing/2014/main" id="{B4B57E00-101D-06D0-C8C2-C63C9894A3FE}"/>
+          <p:cNvPr id="4" name="Picture 3">
+            <a:extLst>
+              <a:ext uri="{FF2B5EF4-FFF2-40B4-BE49-F238E27FC236}">
+                <a16:creationId xmlns:a16="http://schemas.microsoft.com/office/drawing/2014/main" id="{4ABFBA5D-CE82-E6BD-AF21-E7525CDE5589}"/>
               </a:ext>
             </a:extLst>
           </p:cNvPr>
@@ -5185,8 +7738,8 @@
         </p:blipFill>
         <p:spPr>
           <a:xfrm>
-            <a:off x="333298" y="1568097"/>
-            <a:ext cx="8272250" cy="4680583"/>
+            <a:off x="2863166" y="432585"/>
+            <a:ext cx="6465663" cy="6355076"/>
           </a:xfrm>
           <a:prstGeom prst="rect">
             <a:avLst/>
@@ -5195,10 +7748,10 @@
       </p:pic>
       <p:sp>
         <p:nvSpPr>
-          <p:cNvPr id="4" name="TextBox 3">
-            <a:extLst>
-              <a:ext uri="{FF2B5EF4-FFF2-40B4-BE49-F238E27FC236}">
-                <a16:creationId xmlns:a16="http://schemas.microsoft.com/office/drawing/2014/main" id="{2953DCE4-4B81-02FE-1707-164F5BE550D6}"/>
+          <p:cNvPr id="5" name="TextBox 4">
+            <a:extLst>
+              <a:ext uri="{FF2B5EF4-FFF2-40B4-BE49-F238E27FC236}">
+                <a16:creationId xmlns:a16="http://schemas.microsoft.com/office/drawing/2014/main" id="{0CA137D2-627D-A269-2699-1B95D35FCB35}"/>
               </a:ext>
             </a:extLst>
           </p:cNvPr>
@@ -5207,8 +7760,8 @@
         </p:nvSpPr>
         <p:spPr>
           <a:xfrm>
-            <a:off x="4176147" y="615461"/>
-            <a:ext cx="3839705" cy="400110"/>
+            <a:off x="2690803" y="70339"/>
+            <a:ext cx="6810391" cy="400110"/>
           </a:xfrm>
           <a:prstGeom prst="rect">
             <a:avLst/>
@@ -5225,45 +7778,15 @@
               <a:rPr lang="en-US" sz="2000" dirty="0">
                 <a:latin typeface="Verdana Pro Black" panose="020B0A04030504040204" pitchFamily="34" charset="0"/>
               </a:rPr>
-              <a:t>Feature Selection – PCA</a:t>
-            </a:r>
-          </a:p>
-        </p:txBody>
-      </p:sp>
-      <p:pic>
-        <p:nvPicPr>
-          <p:cNvPr id="6" name="Picture 5">
-            <a:extLst>
-              <a:ext uri="{FF2B5EF4-FFF2-40B4-BE49-F238E27FC236}">
-                <a16:creationId xmlns:a16="http://schemas.microsoft.com/office/drawing/2014/main" id="{24FB88AC-0AE1-1005-1A28-21108B4FAE2A}"/>
-              </a:ext>
-            </a:extLst>
-          </p:cNvPr>
-          <p:cNvPicPr>
-            <a:picLocks noChangeAspect="1"/>
-          </p:cNvPicPr>
-          <p:nvPr/>
-        </p:nvPicPr>
-        <p:blipFill>
-          <a:blip r:embed="rId3"/>
-          <a:stretch>
-            <a:fillRect/>
-          </a:stretch>
-        </p:blipFill>
-        <p:spPr>
-          <a:xfrm>
-            <a:off x="8718089" y="3546419"/>
-            <a:ext cx="3140613" cy="723938"/>
-          </a:xfrm>
-          <a:prstGeom prst="rect">
-            <a:avLst/>
-          </a:prstGeom>
-        </p:spPr>
-      </p:pic>
+              <a:t>ROC-AUC Comparison (models included = 9)</a:t>
+            </a:r>
+          </a:p>
+        </p:txBody>
+      </p:sp>
     </p:spTree>
     <p:extLst>
       <p:ext uri="{BB962C8B-B14F-4D97-AF65-F5344CB8AC3E}">
-        <p14:creationId xmlns:p14="http://schemas.microsoft.com/office/powerpoint/2010/main" val="3190200343"/>
+        <p14:creationId xmlns:p14="http://schemas.microsoft.com/office/powerpoint/2010/main" val="1270886077"/>
       </p:ext>
     </p:extLst>
   </p:cSld>
@@ -5290,49 +7813,12 @@
           <a:chExt cx="0" cy="0"/>
         </a:xfrm>
       </p:grpSpPr>
-      <p:sp>
-        <p:nvSpPr>
-          <p:cNvPr id="4" name="TextBox 3">
-            <a:extLst>
-              <a:ext uri="{FF2B5EF4-FFF2-40B4-BE49-F238E27FC236}">
-                <a16:creationId xmlns:a16="http://schemas.microsoft.com/office/drawing/2014/main" id="{2953DCE4-4B81-02FE-1707-164F5BE550D6}"/>
-              </a:ext>
-            </a:extLst>
-          </p:cNvPr>
-          <p:cNvSpPr txBox="1"/>
-          <p:nvPr/>
-        </p:nvSpPr>
-        <p:spPr>
-          <a:xfrm>
-            <a:off x="4176147" y="615461"/>
-            <a:ext cx="3839705" cy="400110"/>
-          </a:xfrm>
-          <a:prstGeom prst="rect">
-            <a:avLst/>
-          </a:prstGeom>
-          <a:noFill/>
-        </p:spPr>
-        <p:txBody>
-          <a:bodyPr wrap="none" rtlCol="0">
-            <a:spAutoFit/>
-          </a:bodyPr>
-          <a:lstStyle/>
-          <a:p>
-            <a:r>
-              <a:rPr lang="en-US" sz="2000" dirty="0">
-                <a:latin typeface="Verdana Pro Black" panose="020B0A04030504040204" pitchFamily="34" charset="0"/>
-              </a:rPr>
-              <a:t>Feature Selection – PCA</a:t>
-            </a:r>
-          </a:p>
-        </p:txBody>
-      </p:sp>
       <p:pic>
         <p:nvPicPr>
-          <p:cNvPr id="5" name="Picture 4">
-            <a:extLst>
-              <a:ext uri="{FF2B5EF4-FFF2-40B4-BE49-F238E27FC236}">
-                <a16:creationId xmlns:a16="http://schemas.microsoft.com/office/drawing/2014/main" id="{D3C859D0-D445-98C0-79B3-F4479FBC1901}"/>
+          <p:cNvPr id="3" name="Picture 2">
+            <a:extLst>
+              <a:ext uri="{FF2B5EF4-FFF2-40B4-BE49-F238E27FC236}">
+                <a16:creationId xmlns:a16="http://schemas.microsoft.com/office/drawing/2014/main" id="{B4B57E00-101D-06D0-C8C2-C63C9894A3FE}"/>
               </a:ext>
             </a:extLst>
           </p:cNvPr>
@@ -5349,20 +7835,57 @@
         </p:blipFill>
         <p:spPr>
           <a:xfrm>
-            <a:off x="409435" y="1337560"/>
-            <a:ext cx="7152599" cy="4676377"/>
+            <a:off x="333298" y="1568097"/>
+            <a:ext cx="8272250" cy="4680583"/>
           </a:xfrm>
           <a:prstGeom prst="rect">
             <a:avLst/>
           </a:prstGeom>
         </p:spPr>
       </p:pic>
+      <p:sp>
+        <p:nvSpPr>
+          <p:cNvPr id="4" name="TextBox 3">
+            <a:extLst>
+              <a:ext uri="{FF2B5EF4-FFF2-40B4-BE49-F238E27FC236}">
+                <a16:creationId xmlns:a16="http://schemas.microsoft.com/office/drawing/2014/main" id="{2953DCE4-4B81-02FE-1707-164F5BE550D6}"/>
+              </a:ext>
+            </a:extLst>
+          </p:cNvPr>
+          <p:cNvSpPr txBox="1"/>
+          <p:nvPr/>
+        </p:nvSpPr>
+        <p:spPr>
+          <a:xfrm>
+            <a:off x="4176147" y="615461"/>
+            <a:ext cx="3839705" cy="400110"/>
+          </a:xfrm>
+          <a:prstGeom prst="rect">
+            <a:avLst/>
+          </a:prstGeom>
+          <a:noFill/>
+        </p:spPr>
+        <p:txBody>
+          <a:bodyPr wrap="none" rtlCol="0">
+            <a:spAutoFit/>
+          </a:bodyPr>
+          <a:lstStyle/>
+          <a:p>
+            <a:r>
+              <a:rPr lang="en-US" sz="2000" dirty="0">
+                <a:latin typeface="Verdana Pro Black" panose="020B0A04030504040204" pitchFamily="34" charset="0"/>
+              </a:rPr>
+              <a:t>Feature Selection – PCA</a:t>
+            </a:r>
+          </a:p>
+        </p:txBody>
+      </p:sp>
       <p:pic>
         <p:nvPicPr>
-          <p:cNvPr id="8" name="Picture 7">
-            <a:extLst>
-              <a:ext uri="{FF2B5EF4-FFF2-40B4-BE49-F238E27FC236}">
-                <a16:creationId xmlns:a16="http://schemas.microsoft.com/office/drawing/2014/main" id="{A964F329-F980-898F-7E2C-8498E89023FC}"/>
+          <p:cNvPr id="6" name="Picture 5">
+            <a:extLst>
+              <a:ext uri="{FF2B5EF4-FFF2-40B4-BE49-F238E27FC236}">
+                <a16:creationId xmlns:a16="http://schemas.microsoft.com/office/drawing/2014/main" id="{24FB88AC-0AE1-1005-1A28-21108B4FAE2A}"/>
               </a:ext>
             </a:extLst>
           </p:cNvPr>
@@ -5379,53 +7902,18 @@
         </p:blipFill>
         <p:spPr>
           <a:xfrm>
-            <a:off x="7826690" y="3261184"/>
-            <a:ext cx="3955875" cy="1302024"/>
+            <a:off x="8718089" y="3546419"/>
+            <a:ext cx="3140613" cy="723938"/>
           </a:xfrm>
           <a:prstGeom prst="rect">
             <a:avLst/>
           </a:prstGeom>
         </p:spPr>
       </p:pic>
-      <p:sp>
-        <p:nvSpPr>
-          <p:cNvPr id="11" name="TextBox 10">
-            <a:extLst>
-              <a:ext uri="{FF2B5EF4-FFF2-40B4-BE49-F238E27FC236}">
-                <a16:creationId xmlns:a16="http://schemas.microsoft.com/office/drawing/2014/main" id="{C7CCC047-E55E-7651-C9E0-FCBBA24DE746}"/>
-              </a:ext>
-            </a:extLst>
-          </p:cNvPr>
-          <p:cNvSpPr txBox="1"/>
-          <p:nvPr/>
-        </p:nvSpPr>
-        <p:spPr>
-          <a:xfrm>
-            <a:off x="8390164" y="2558533"/>
-            <a:ext cx="2828925" cy="369332"/>
-          </a:xfrm>
-          <a:prstGeom prst="rect">
-            <a:avLst/>
-          </a:prstGeom>
-          <a:noFill/>
-        </p:spPr>
-        <p:txBody>
-          <a:bodyPr wrap="square">
-            <a:spAutoFit/>
-          </a:bodyPr>
-          <a:lstStyle/>
-          <a:p>
-            <a:r>
-              <a:rPr lang="en-US" b="1" dirty="0"/>
-              <a:t>Explained Variance Ratio</a:t>
-            </a:r>
-          </a:p>
-        </p:txBody>
-      </p:sp>
     </p:spTree>
     <p:extLst>
       <p:ext uri="{BB962C8B-B14F-4D97-AF65-F5344CB8AC3E}">
-        <p14:creationId xmlns:p14="http://schemas.microsoft.com/office/powerpoint/2010/main" val="2281897566"/>
+        <p14:creationId xmlns:p14="http://schemas.microsoft.com/office/powerpoint/2010/main" val="3190200343"/>
       </p:ext>
     </p:extLst>
   </p:cSld>
@@ -5454,62 +7942,10 @@
       </p:grpSpPr>
       <p:sp>
         <p:nvSpPr>
-          <p:cNvPr id="12" name="Rectangle 11">
-            <a:extLst>
-              <a:ext uri="{FF2B5EF4-FFF2-40B4-BE49-F238E27FC236}">
-                <a16:creationId xmlns:a16="http://schemas.microsoft.com/office/drawing/2014/main" id="{A3549DC4-40BA-1272-B8DE-5D02C5F561F5}"/>
-              </a:ext>
-            </a:extLst>
-          </p:cNvPr>
-          <p:cNvSpPr/>
-          <p:nvPr/>
-        </p:nvSpPr>
-        <p:spPr>
-          <a:xfrm>
-            <a:off x="289249" y="6049396"/>
-            <a:ext cx="572397" cy="191860"/>
-          </a:xfrm>
-          <a:prstGeom prst="rect">
-            <a:avLst/>
-          </a:prstGeom>
-          <a:noFill/>
-          <a:ln w="28575">
-            <a:solidFill>
-              <a:schemeClr val="accent4"/>
-            </a:solidFill>
-          </a:ln>
-        </p:spPr>
-        <p:style>
-          <a:lnRef idx="2">
-            <a:schemeClr val="accent1">
-              <a:shade val="15000"/>
-            </a:schemeClr>
-          </a:lnRef>
-          <a:fillRef idx="1">
-            <a:schemeClr val="accent1"/>
-          </a:fillRef>
-          <a:effectRef idx="0">
-            <a:schemeClr val="accent1"/>
-          </a:effectRef>
-          <a:fontRef idx="minor">
-            <a:schemeClr val="lt1"/>
-          </a:fontRef>
-        </p:style>
-        <p:txBody>
-          <a:bodyPr rtlCol="0" anchor="ctr"/>
-          <a:lstStyle/>
-          <a:p>
-            <a:pPr algn="ctr"/>
-            <a:endParaRPr lang="en-US"/>
-          </a:p>
-        </p:txBody>
-      </p:sp>
-      <p:sp>
-        <p:nvSpPr>
-          <p:cNvPr id="13" name="TextBox 12">
-            <a:extLst>
-              <a:ext uri="{FF2B5EF4-FFF2-40B4-BE49-F238E27FC236}">
-                <a16:creationId xmlns:a16="http://schemas.microsoft.com/office/drawing/2014/main" id="{4259E792-13EE-CA79-5EB0-A062683BBBC8}"/>
+          <p:cNvPr id="4" name="TextBox 3">
+            <a:extLst>
+              <a:ext uri="{FF2B5EF4-FFF2-40B4-BE49-F238E27FC236}">
+                <a16:creationId xmlns:a16="http://schemas.microsoft.com/office/drawing/2014/main" id="{2953DCE4-4B81-02FE-1707-164F5BE550D6}"/>
               </a:ext>
             </a:extLst>
           </p:cNvPr>
@@ -5518,8 +7954,8 @@
         </p:nvSpPr>
         <p:spPr>
           <a:xfrm>
-            <a:off x="1037493" y="5924678"/>
-            <a:ext cx="1238481" cy="369332"/>
+            <a:off x="4176147" y="615461"/>
+            <a:ext cx="3839705" cy="400110"/>
           </a:xfrm>
           <a:prstGeom prst="rect">
             <a:avLst/>
@@ -5533,209 +7969,20 @@
           <a:lstStyle/>
           <a:p>
             <a:r>
-              <a:rPr lang="en-US" dirty="0"/>
-              <a:t>Best model</a:t>
-            </a:r>
-          </a:p>
-        </p:txBody>
-      </p:sp>
-      <p:sp>
-        <p:nvSpPr>
-          <p:cNvPr id="14" name="TextBox 13">
-            <a:extLst>
-              <a:ext uri="{FF2B5EF4-FFF2-40B4-BE49-F238E27FC236}">
-                <a16:creationId xmlns:a16="http://schemas.microsoft.com/office/drawing/2014/main" id="{49F066A8-9957-6751-AD8A-343910BB811D}"/>
-              </a:ext>
-            </a:extLst>
-          </p:cNvPr>
-          <p:cNvSpPr txBox="1"/>
-          <p:nvPr/>
-        </p:nvSpPr>
-        <p:spPr>
-          <a:xfrm>
-            <a:off x="1037493" y="6382656"/>
-            <a:ext cx="1568699" cy="369332"/>
-          </a:xfrm>
-          <a:prstGeom prst="rect">
-            <a:avLst/>
-          </a:prstGeom>
-          <a:noFill/>
-        </p:spPr>
-        <p:txBody>
-          <a:bodyPr wrap="none" rtlCol="0">
-            <a:spAutoFit/>
-          </a:bodyPr>
-          <a:lstStyle/>
-          <a:p>
-            <a:r>
-              <a:rPr lang="en-US" dirty="0"/>
-              <a:t>2</a:t>
-            </a:r>
-            <a:r>
-              <a:rPr lang="en-US" baseline="30000" dirty="0"/>
-              <a:t>nd</a:t>
-            </a:r>
-            <a:r>
-              <a:rPr lang="en-US" dirty="0"/>
-              <a:t> Best model</a:t>
-            </a:r>
-          </a:p>
-        </p:txBody>
-      </p:sp>
-      <p:cxnSp>
-        <p:nvCxnSpPr>
-          <p:cNvPr id="15" name="Straight Connector 14">
-            <a:extLst>
-              <a:ext uri="{FF2B5EF4-FFF2-40B4-BE49-F238E27FC236}">
-                <a16:creationId xmlns:a16="http://schemas.microsoft.com/office/drawing/2014/main" id="{066A4A5F-3CD2-30C3-AF21-81CD605CE74D}"/>
-              </a:ext>
-            </a:extLst>
-          </p:cNvPr>
-          <p:cNvCxnSpPr>
-            <a:cxnSpLocks/>
-          </p:cNvCxnSpPr>
-          <p:nvPr/>
-        </p:nvCxnSpPr>
-        <p:spPr>
-          <a:xfrm>
-            <a:off x="289249" y="6567322"/>
-            <a:ext cx="572397" cy="0"/>
-          </a:xfrm>
-          <a:prstGeom prst="line">
-            <a:avLst/>
-          </a:prstGeom>
-          <a:ln w="28575">
-            <a:solidFill>
-              <a:schemeClr val="accent4"/>
-            </a:solidFill>
-            <a:prstDash val="dash"/>
-          </a:ln>
-        </p:spPr>
-        <p:style>
-          <a:lnRef idx="1">
-            <a:schemeClr val="accent1"/>
-          </a:lnRef>
-          <a:fillRef idx="0">
-            <a:schemeClr val="accent1"/>
-          </a:fillRef>
-          <a:effectRef idx="0">
-            <a:schemeClr val="accent1"/>
-          </a:effectRef>
-          <a:fontRef idx="minor">
-            <a:schemeClr val="tx1"/>
-          </a:fontRef>
-        </p:style>
-      </p:cxnSp>
-      <p:sp>
-        <p:nvSpPr>
-          <p:cNvPr id="17" name="TextBox 16">
-            <a:extLst>
-              <a:ext uri="{FF2B5EF4-FFF2-40B4-BE49-F238E27FC236}">
-                <a16:creationId xmlns:a16="http://schemas.microsoft.com/office/drawing/2014/main" id="{370F4DFF-C31F-D441-B981-B144D4E5D343}"/>
-              </a:ext>
-            </a:extLst>
-          </p:cNvPr>
-          <p:cNvSpPr txBox="1"/>
-          <p:nvPr/>
-        </p:nvSpPr>
-        <p:spPr>
-          <a:xfrm>
-            <a:off x="1212591" y="337472"/>
-            <a:ext cx="9774855" cy="461665"/>
-          </a:xfrm>
-          <a:prstGeom prst="rect">
-            <a:avLst/>
-          </a:prstGeom>
-          <a:noFill/>
-        </p:spPr>
-        <p:txBody>
-          <a:bodyPr wrap="none" rtlCol="0">
-            <a:spAutoFit/>
-          </a:bodyPr>
-          <a:lstStyle/>
-          <a:p>
-            <a:r>
-              <a:rPr lang="en-US" sz="2400" dirty="0">
+              <a:rPr lang="en-US" sz="2000" dirty="0">
                 <a:latin typeface="Verdana Pro Black" panose="020B0A04030504040204" pitchFamily="34" charset="0"/>
               </a:rPr>
-              <a:t>Model Performance (43 f.) – </a:t>
-            </a:r>
-            <a:r>
-              <a:rPr lang="en-US" sz="2400" dirty="0">
-                <a:solidFill>
-                  <a:srgbClr val="FF0000"/>
-                </a:solidFill>
-                <a:latin typeface="Verdana Pro Black" panose="020B0A04030504040204" pitchFamily="34" charset="0"/>
-              </a:rPr>
-              <a:t>Before</a:t>
-            </a:r>
-            <a:r>
-              <a:rPr lang="en-US" sz="2400" dirty="0">
-                <a:latin typeface="Verdana Pro Black" panose="020B0A04030504040204" pitchFamily="34" charset="0"/>
-              </a:rPr>
-              <a:t> Feature Selection</a:t>
-            </a:r>
-          </a:p>
-        </p:txBody>
-      </p:sp>
-      <p:sp>
-        <p:nvSpPr>
-          <p:cNvPr id="2" name="TextBox 1">
-            <a:extLst>
-              <a:ext uri="{FF2B5EF4-FFF2-40B4-BE49-F238E27FC236}">
-                <a16:creationId xmlns:a16="http://schemas.microsoft.com/office/drawing/2014/main" id="{20769F76-CF3E-07B7-168C-C951B66803E7}"/>
-              </a:ext>
-            </a:extLst>
-          </p:cNvPr>
-          <p:cNvSpPr txBox="1"/>
-          <p:nvPr/>
-        </p:nvSpPr>
-        <p:spPr>
-          <a:xfrm>
-            <a:off x="1319851" y="3206561"/>
-            <a:ext cx="9484904" cy="461665"/>
-          </a:xfrm>
-          <a:prstGeom prst="rect">
-            <a:avLst/>
-          </a:prstGeom>
-          <a:noFill/>
-        </p:spPr>
-        <p:txBody>
-          <a:bodyPr wrap="none" rtlCol="0">
-            <a:spAutoFit/>
-          </a:bodyPr>
-          <a:lstStyle/>
-          <a:p>
-            <a:r>
-              <a:rPr lang="en-US" sz="2400" dirty="0">
-                <a:latin typeface="Verdana Pro Black" panose="020B0A04030504040204" pitchFamily="34" charset="0"/>
-              </a:rPr>
-              <a:t>Model Performance (42 f.) – </a:t>
-            </a:r>
-            <a:r>
-              <a:rPr lang="en-US" sz="2400" dirty="0">
-                <a:solidFill>
-                  <a:srgbClr val="FF0000"/>
-                </a:solidFill>
-                <a:latin typeface="Verdana Pro Black" panose="020B0A04030504040204" pitchFamily="34" charset="0"/>
-              </a:rPr>
-              <a:t>After</a:t>
-            </a:r>
-            <a:r>
-              <a:rPr lang="en-US" sz="2400" dirty="0">
-                <a:latin typeface="Verdana Pro Black" panose="020B0A04030504040204" pitchFamily="34" charset="0"/>
-              </a:rPr>
-              <a:t> Feature Selection</a:t>
+              <a:t>Feature Selection – PCA</a:t>
             </a:r>
           </a:p>
         </p:txBody>
       </p:sp>
       <p:pic>
         <p:nvPicPr>
-          <p:cNvPr id="9" name="Picture 8">
-            <a:extLst>
-              <a:ext uri="{FF2B5EF4-FFF2-40B4-BE49-F238E27FC236}">
-                <a16:creationId xmlns:a16="http://schemas.microsoft.com/office/drawing/2014/main" id="{033A0BE4-96A1-C963-1F2E-FCE4B2326EB3}"/>
+          <p:cNvPr id="5" name="Picture 4">
+            <a:extLst>
+              <a:ext uri="{FF2B5EF4-FFF2-40B4-BE49-F238E27FC236}">
+                <a16:creationId xmlns:a16="http://schemas.microsoft.com/office/drawing/2014/main" id="{D3C859D0-D445-98C0-79B3-F4479FBC1901}"/>
               </a:ext>
             </a:extLst>
           </p:cNvPr>
@@ -5752,117 +7999,20 @@
         </p:blipFill>
         <p:spPr>
           <a:xfrm>
-            <a:off x="1378734" y="952750"/>
-            <a:ext cx="9367138" cy="2122165"/>
+            <a:off x="409435" y="1337560"/>
+            <a:ext cx="7152599" cy="4676377"/>
           </a:xfrm>
           <a:prstGeom prst="rect">
             <a:avLst/>
           </a:prstGeom>
         </p:spPr>
       </p:pic>
-      <p:sp>
-        <p:nvSpPr>
-          <p:cNvPr id="8" name="Rectangle 7">
-            <a:extLst>
-              <a:ext uri="{FF2B5EF4-FFF2-40B4-BE49-F238E27FC236}">
-                <a16:creationId xmlns:a16="http://schemas.microsoft.com/office/drawing/2014/main" id="{BD37BE26-7B67-87CC-3F27-67FC1777EC1E}"/>
-              </a:ext>
-            </a:extLst>
-          </p:cNvPr>
-          <p:cNvSpPr/>
-          <p:nvPr/>
-        </p:nvSpPr>
-        <p:spPr>
-          <a:xfrm>
-            <a:off x="1472505" y="2847130"/>
-            <a:ext cx="8951638" cy="183107"/>
-          </a:xfrm>
-          <a:prstGeom prst="rect">
-            <a:avLst/>
-          </a:prstGeom>
-          <a:noFill/>
-          <a:ln w="28575">
-            <a:solidFill>
-              <a:srgbClr val="FFFF00"/>
-            </a:solidFill>
-          </a:ln>
-        </p:spPr>
-        <p:style>
-          <a:lnRef idx="2">
-            <a:schemeClr val="accent1">
-              <a:shade val="15000"/>
-            </a:schemeClr>
-          </a:lnRef>
-          <a:fillRef idx="1">
-            <a:schemeClr val="accent1"/>
-          </a:fillRef>
-          <a:effectRef idx="0">
-            <a:schemeClr val="accent1"/>
-          </a:effectRef>
-          <a:fontRef idx="minor">
-            <a:schemeClr val="lt1"/>
-          </a:fontRef>
-        </p:style>
-        <p:txBody>
-          <a:bodyPr rtlCol="0" anchor="ctr"/>
-          <a:lstStyle/>
-          <a:p>
-            <a:pPr algn="ctr"/>
-            <a:endParaRPr lang="en-US"/>
-          </a:p>
-        </p:txBody>
-      </p:sp>
-      <p:cxnSp>
-        <p:nvCxnSpPr>
-          <p:cNvPr id="11" name="Straight Connector 10">
-            <a:extLst>
-              <a:ext uri="{FF2B5EF4-FFF2-40B4-BE49-F238E27FC236}">
-                <a16:creationId xmlns:a16="http://schemas.microsoft.com/office/drawing/2014/main" id="{E99D9A17-1A23-8F2D-9196-A9631B90723C}"/>
-              </a:ext>
-            </a:extLst>
-          </p:cNvPr>
-          <p:cNvCxnSpPr/>
-          <p:nvPr/>
-        </p:nvCxnSpPr>
-        <p:spPr>
-          <a:xfrm>
-            <a:off x="1319851" y="2625406"/>
-            <a:ext cx="10601166" cy="0"/>
-          </a:xfrm>
-          <a:prstGeom prst="line">
-            <a:avLst/>
-          </a:prstGeom>
-          <a:ln w="28575">
-            <a:solidFill>
-              <a:schemeClr val="accent4">
-                <a:lumMod val="20000"/>
-                <a:lumOff val="80000"/>
-              </a:schemeClr>
-            </a:solidFill>
-            <a:prstDash val="dash"/>
-          </a:ln>
-        </p:spPr>
-        <p:style>
-          <a:lnRef idx="1">
-            <a:schemeClr val="accent1"/>
-          </a:lnRef>
-          <a:fillRef idx="0">
-            <a:schemeClr val="accent1"/>
-          </a:fillRef>
-          <a:effectRef idx="0">
-            <a:schemeClr val="accent1"/>
-          </a:effectRef>
-          <a:fontRef idx="minor">
-            <a:schemeClr val="tx1"/>
-          </a:fontRef>
-        </p:style>
-      </p:cxnSp>
       <p:pic>
         <p:nvPicPr>
-          <p:cNvPr id="16" name="Picture 15">
-            <a:extLst>
-              <a:ext uri="{FF2B5EF4-FFF2-40B4-BE49-F238E27FC236}">
-                <a16:creationId xmlns:a16="http://schemas.microsoft.com/office/drawing/2014/main" id="{552CDC15-537A-DB8A-BDF1-C0507FCE90E4}"/>
+          <p:cNvPr id="8" name="Picture 7">
+            <a:extLst>
+              <a:ext uri="{FF2B5EF4-FFF2-40B4-BE49-F238E27FC236}">
+                <a16:creationId xmlns:a16="http://schemas.microsoft.com/office/drawing/2014/main" id="{A964F329-F980-898F-7E2C-8498E89023FC}"/>
               </a:ext>
             </a:extLst>
           </p:cNvPr>
@@ -5879,8 +8029,8 @@
         </p:blipFill>
         <p:spPr>
           <a:xfrm>
-            <a:off x="1378734" y="3712549"/>
-            <a:ext cx="9367138" cy="2123483"/>
+            <a:off x="7826690" y="3261184"/>
+            <a:ext cx="3955875" cy="1302024"/>
           </a:xfrm>
           <a:prstGeom prst="rect">
             <a:avLst/>
@@ -5889,107 +8039,43 @@
       </p:pic>
       <p:sp>
         <p:nvSpPr>
-          <p:cNvPr id="18" name="Rectangle 17">
-            <a:extLst>
-              <a:ext uri="{FF2B5EF4-FFF2-40B4-BE49-F238E27FC236}">
-                <a16:creationId xmlns:a16="http://schemas.microsoft.com/office/drawing/2014/main" id="{84A4E98C-B440-84F7-2FB9-2DAC3A1315A1}"/>
-              </a:ext>
-            </a:extLst>
-          </p:cNvPr>
-          <p:cNvSpPr/>
-          <p:nvPr/>
-        </p:nvSpPr>
-        <p:spPr>
-          <a:xfrm>
-            <a:off x="1725484" y="4355945"/>
-            <a:ext cx="8741032" cy="191461"/>
+          <p:cNvPr id="11" name="TextBox 10">
+            <a:extLst>
+              <a:ext uri="{FF2B5EF4-FFF2-40B4-BE49-F238E27FC236}">
+                <a16:creationId xmlns:a16="http://schemas.microsoft.com/office/drawing/2014/main" id="{C7CCC047-E55E-7651-C9E0-FCBBA24DE746}"/>
+              </a:ext>
+            </a:extLst>
+          </p:cNvPr>
+          <p:cNvSpPr txBox="1"/>
+          <p:nvPr/>
+        </p:nvSpPr>
+        <p:spPr>
+          <a:xfrm>
+            <a:off x="8390164" y="2558533"/>
+            <a:ext cx="2828925" cy="369332"/>
           </a:xfrm>
           <a:prstGeom prst="rect">
             <a:avLst/>
           </a:prstGeom>
           <a:noFill/>
-          <a:ln w="28575">
-            <a:solidFill>
-              <a:srgbClr val="FFFF00"/>
-            </a:solidFill>
-          </a:ln>
-        </p:spPr>
-        <p:style>
-          <a:lnRef idx="2">
-            <a:schemeClr val="accent1">
-              <a:shade val="15000"/>
-            </a:schemeClr>
-          </a:lnRef>
-          <a:fillRef idx="1">
-            <a:schemeClr val="accent1"/>
-          </a:fillRef>
-          <a:effectRef idx="0">
-            <a:schemeClr val="accent1"/>
-          </a:effectRef>
-          <a:fontRef idx="minor">
-            <a:schemeClr val="lt1"/>
-          </a:fontRef>
-        </p:style>
-        <p:txBody>
-          <a:bodyPr rtlCol="0" anchor="ctr"/>
-          <a:lstStyle/>
-          <a:p>
-            <a:pPr algn="ctr"/>
-            <a:endParaRPr lang="en-US"/>
-          </a:p>
-        </p:txBody>
-      </p:sp>
-      <p:cxnSp>
-        <p:nvCxnSpPr>
-          <p:cNvPr id="6" name="Straight Connector 5">
-            <a:extLst>
-              <a:ext uri="{FF2B5EF4-FFF2-40B4-BE49-F238E27FC236}">
-                <a16:creationId xmlns:a16="http://schemas.microsoft.com/office/drawing/2014/main" id="{8683A0DD-ED7A-B376-5DAC-CDB58AAEE6B8}"/>
-              </a:ext>
-            </a:extLst>
-          </p:cNvPr>
-          <p:cNvCxnSpPr>
-            <a:cxnSpLocks/>
-          </p:cNvCxnSpPr>
-          <p:nvPr/>
-        </p:nvCxnSpPr>
-        <p:spPr>
-          <a:xfrm>
-            <a:off x="1801388" y="5166398"/>
-            <a:ext cx="8521830" cy="0"/>
-          </a:xfrm>
-          <a:prstGeom prst="line">
-            <a:avLst/>
-          </a:prstGeom>
-          <a:ln w="28575">
-            <a:solidFill>
-              <a:schemeClr val="accent4">
-                <a:lumMod val="20000"/>
-                <a:lumOff val="80000"/>
-              </a:schemeClr>
-            </a:solidFill>
-            <a:prstDash val="dash"/>
-          </a:ln>
-        </p:spPr>
-        <p:style>
-          <a:lnRef idx="1">
-            <a:schemeClr val="accent1"/>
-          </a:lnRef>
-          <a:fillRef idx="0">
-            <a:schemeClr val="accent1"/>
-          </a:fillRef>
-          <a:effectRef idx="0">
-            <a:schemeClr val="accent1"/>
-          </a:effectRef>
-          <a:fontRef idx="minor">
-            <a:schemeClr val="tx1"/>
-          </a:fontRef>
-        </p:style>
-      </p:cxnSp>
+        </p:spPr>
+        <p:txBody>
+          <a:bodyPr wrap="square">
+            <a:spAutoFit/>
+          </a:bodyPr>
+          <a:lstStyle/>
+          <a:p>
+            <a:r>
+              <a:rPr lang="en-US" b="1" dirty="0"/>
+              <a:t>Explained Variance Ratio</a:t>
+            </a:r>
+          </a:p>
+        </p:txBody>
+      </p:sp>
     </p:spTree>
     <p:extLst>
       <p:ext uri="{BB962C8B-B14F-4D97-AF65-F5344CB8AC3E}">
-        <p14:creationId xmlns:p14="http://schemas.microsoft.com/office/powerpoint/2010/main" val="1904824536"/>
+        <p14:creationId xmlns:p14="http://schemas.microsoft.com/office/powerpoint/2010/main" val="2281897566"/>
       </p:ext>
     </p:extLst>
   </p:cSld>
@@ -6018,44 +8104,542 @@
       </p:grpSpPr>
       <p:sp>
         <p:nvSpPr>
-          <p:cNvPr id="3" name="Content Placeholder 2">
-            <a:extLst>
-              <a:ext uri="{FF2B5EF4-FFF2-40B4-BE49-F238E27FC236}">
-                <a16:creationId xmlns:a16="http://schemas.microsoft.com/office/drawing/2014/main" id="{D0768018-3C4D-A040-23EB-1C0E20A06E77}"/>
-              </a:ext>
-            </a:extLst>
-          </p:cNvPr>
-          <p:cNvSpPr>
-            <a:spLocks noGrp="1"/>
-          </p:cNvSpPr>
-          <p:nvPr>
-            <p:ph idx="1"/>
-          </p:nvPr>
-        </p:nvSpPr>
-        <p:spPr>
-          <a:xfrm>
-            <a:off x="4479681" y="3109302"/>
-            <a:ext cx="3232638" cy="856029"/>
-          </a:xfrm>
-        </p:spPr>
-        <p:txBody>
-          <a:bodyPr/>
-          <a:lstStyle/>
-          <a:p>
-            <a:pPr marL="0" indent="0">
-              <a:buNone/>
-            </a:pPr>
+          <p:cNvPr id="12" name="Rectangle 11">
+            <a:extLst>
+              <a:ext uri="{FF2B5EF4-FFF2-40B4-BE49-F238E27FC236}">
+                <a16:creationId xmlns:a16="http://schemas.microsoft.com/office/drawing/2014/main" id="{A3549DC4-40BA-1272-B8DE-5D02C5F561F5}"/>
+              </a:ext>
+            </a:extLst>
+          </p:cNvPr>
+          <p:cNvSpPr/>
+          <p:nvPr/>
+        </p:nvSpPr>
+        <p:spPr>
+          <a:xfrm>
+            <a:off x="289249" y="6049396"/>
+            <a:ext cx="572397" cy="191860"/>
+          </a:xfrm>
+          <a:prstGeom prst="rect">
+            <a:avLst/>
+          </a:prstGeom>
+          <a:noFill/>
+          <a:ln w="28575">
+            <a:solidFill>
+              <a:schemeClr val="accent4"/>
+            </a:solidFill>
+          </a:ln>
+        </p:spPr>
+        <p:style>
+          <a:lnRef idx="2">
+            <a:schemeClr val="accent1">
+              <a:shade val="15000"/>
+            </a:schemeClr>
+          </a:lnRef>
+          <a:fillRef idx="1">
+            <a:schemeClr val="accent1"/>
+          </a:fillRef>
+          <a:effectRef idx="0">
+            <a:schemeClr val="accent1"/>
+          </a:effectRef>
+          <a:fontRef idx="minor">
+            <a:schemeClr val="lt1"/>
+          </a:fontRef>
+        </p:style>
+        <p:txBody>
+          <a:bodyPr rtlCol="0" anchor="ctr"/>
+          <a:lstStyle/>
+          <a:p>
+            <a:pPr algn="ctr"/>
+            <a:endParaRPr lang="en-US"/>
+          </a:p>
+        </p:txBody>
+      </p:sp>
+      <p:sp>
+        <p:nvSpPr>
+          <p:cNvPr id="13" name="TextBox 12">
+            <a:extLst>
+              <a:ext uri="{FF2B5EF4-FFF2-40B4-BE49-F238E27FC236}">
+                <a16:creationId xmlns:a16="http://schemas.microsoft.com/office/drawing/2014/main" id="{4259E792-13EE-CA79-5EB0-A062683BBBC8}"/>
+              </a:ext>
+            </a:extLst>
+          </p:cNvPr>
+          <p:cNvSpPr txBox="1"/>
+          <p:nvPr/>
+        </p:nvSpPr>
+        <p:spPr>
+          <a:xfrm>
+            <a:off x="1037493" y="5924678"/>
+            <a:ext cx="1238481" cy="369332"/>
+          </a:xfrm>
+          <a:prstGeom prst="rect">
+            <a:avLst/>
+          </a:prstGeom>
+          <a:noFill/>
+        </p:spPr>
+        <p:txBody>
+          <a:bodyPr wrap="none" rtlCol="0">
+            <a:spAutoFit/>
+          </a:bodyPr>
+          <a:lstStyle/>
+          <a:p>
             <a:r>
               <a:rPr lang="en-US" dirty="0"/>
-              <a:t>Backup Slides</a:t>
-            </a:r>
-          </a:p>
-        </p:txBody>
-      </p:sp>
+              <a:t>Best model</a:t>
+            </a:r>
+          </a:p>
+        </p:txBody>
+      </p:sp>
+      <p:sp>
+        <p:nvSpPr>
+          <p:cNvPr id="14" name="TextBox 13">
+            <a:extLst>
+              <a:ext uri="{FF2B5EF4-FFF2-40B4-BE49-F238E27FC236}">
+                <a16:creationId xmlns:a16="http://schemas.microsoft.com/office/drawing/2014/main" id="{49F066A8-9957-6751-AD8A-343910BB811D}"/>
+              </a:ext>
+            </a:extLst>
+          </p:cNvPr>
+          <p:cNvSpPr txBox="1"/>
+          <p:nvPr/>
+        </p:nvSpPr>
+        <p:spPr>
+          <a:xfrm>
+            <a:off x="1037493" y="6382656"/>
+            <a:ext cx="1568699" cy="369332"/>
+          </a:xfrm>
+          <a:prstGeom prst="rect">
+            <a:avLst/>
+          </a:prstGeom>
+          <a:noFill/>
+        </p:spPr>
+        <p:txBody>
+          <a:bodyPr wrap="none" rtlCol="0">
+            <a:spAutoFit/>
+          </a:bodyPr>
+          <a:lstStyle/>
+          <a:p>
+            <a:r>
+              <a:rPr lang="en-US" dirty="0"/>
+              <a:t>2</a:t>
+            </a:r>
+            <a:r>
+              <a:rPr lang="en-US" baseline="30000" dirty="0"/>
+              <a:t>nd</a:t>
+            </a:r>
+            <a:r>
+              <a:rPr lang="en-US" dirty="0"/>
+              <a:t> Best model</a:t>
+            </a:r>
+          </a:p>
+        </p:txBody>
+      </p:sp>
+      <p:cxnSp>
+        <p:nvCxnSpPr>
+          <p:cNvPr id="15" name="Straight Connector 14">
+            <a:extLst>
+              <a:ext uri="{FF2B5EF4-FFF2-40B4-BE49-F238E27FC236}">
+                <a16:creationId xmlns:a16="http://schemas.microsoft.com/office/drawing/2014/main" id="{066A4A5F-3CD2-30C3-AF21-81CD605CE74D}"/>
+              </a:ext>
+            </a:extLst>
+          </p:cNvPr>
+          <p:cNvCxnSpPr>
+            <a:cxnSpLocks/>
+          </p:cNvCxnSpPr>
+          <p:nvPr/>
+        </p:nvCxnSpPr>
+        <p:spPr>
+          <a:xfrm>
+            <a:off x="289249" y="6567322"/>
+            <a:ext cx="572397" cy="0"/>
+          </a:xfrm>
+          <a:prstGeom prst="line">
+            <a:avLst/>
+          </a:prstGeom>
+          <a:ln w="28575">
+            <a:solidFill>
+              <a:schemeClr val="accent4"/>
+            </a:solidFill>
+            <a:prstDash val="dash"/>
+          </a:ln>
+        </p:spPr>
+        <p:style>
+          <a:lnRef idx="1">
+            <a:schemeClr val="accent1"/>
+          </a:lnRef>
+          <a:fillRef idx="0">
+            <a:schemeClr val="accent1"/>
+          </a:fillRef>
+          <a:effectRef idx="0">
+            <a:schemeClr val="accent1"/>
+          </a:effectRef>
+          <a:fontRef idx="minor">
+            <a:schemeClr val="tx1"/>
+          </a:fontRef>
+        </p:style>
+      </p:cxnSp>
+      <p:sp>
+        <p:nvSpPr>
+          <p:cNvPr id="17" name="TextBox 16">
+            <a:extLst>
+              <a:ext uri="{FF2B5EF4-FFF2-40B4-BE49-F238E27FC236}">
+                <a16:creationId xmlns:a16="http://schemas.microsoft.com/office/drawing/2014/main" id="{370F4DFF-C31F-D441-B981-B144D4E5D343}"/>
+              </a:ext>
+            </a:extLst>
+          </p:cNvPr>
+          <p:cNvSpPr txBox="1"/>
+          <p:nvPr/>
+        </p:nvSpPr>
+        <p:spPr>
+          <a:xfrm>
+            <a:off x="1212591" y="337472"/>
+            <a:ext cx="9774855" cy="461665"/>
+          </a:xfrm>
+          <a:prstGeom prst="rect">
+            <a:avLst/>
+          </a:prstGeom>
+          <a:noFill/>
+        </p:spPr>
+        <p:txBody>
+          <a:bodyPr wrap="none" rtlCol="0">
+            <a:spAutoFit/>
+          </a:bodyPr>
+          <a:lstStyle/>
+          <a:p>
+            <a:r>
+              <a:rPr lang="en-US" sz="2400" dirty="0">
+                <a:latin typeface="Verdana Pro Black" panose="020B0A04030504040204" pitchFamily="34" charset="0"/>
+              </a:rPr>
+              <a:t>Model Performance (43 f.) – </a:t>
+            </a:r>
+            <a:r>
+              <a:rPr lang="en-US" sz="2400" dirty="0">
+                <a:solidFill>
+                  <a:srgbClr val="FF0000"/>
+                </a:solidFill>
+                <a:latin typeface="Verdana Pro Black" panose="020B0A04030504040204" pitchFamily="34" charset="0"/>
+              </a:rPr>
+              <a:t>Before</a:t>
+            </a:r>
+            <a:r>
+              <a:rPr lang="en-US" sz="2400" dirty="0">
+                <a:latin typeface="Verdana Pro Black" panose="020B0A04030504040204" pitchFamily="34" charset="0"/>
+              </a:rPr>
+              <a:t> Feature Selection</a:t>
+            </a:r>
+          </a:p>
+        </p:txBody>
+      </p:sp>
+      <p:sp>
+        <p:nvSpPr>
+          <p:cNvPr id="2" name="TextBox 1">
+            <a:extLst>
+              <a:ext uri="{FF2B5EF4-FFF2-40B4-BE49-F238E27FC236}">
+                <a16:creationId xmlns:a16="http://schemas.microsoft.com/office/drawing/2014/main" id="{20769F76-CF3E-07B7-168C-C951B66803E7}"/>
+              </a:ext>
+            </a:extLst>
+          </p:cNvPr>
+          <p:cNvSpPr txBox="1"/>
+          <p:nvPr/>
+        </p:nvSpPr>
+        <p:spPr>
+          <a:xfrm>
+            <a:off x="1319851" y="3206561"/>
+            <a:ext cx="9484904" cy="461665"/>
+          </a:xfrm>
+          <a:prstGeom prst="rect">
+            <a:avLst/>
+          </a:prstGeom>
+          <a:noFill/>
+        </p:spPr>
+        <p:txBody>
+          <a:bodyPr wrap="none" rtlCol="0">
+            <a:spAutoFit/>
+          </a:bodyPr>
+          <a:lstStyle/>
+          <a:p>
+            <a:r>
+              <a:rPr lang="en-US" sz="2400" dirty="0">
+                <a:latin typeface="Verdana Pro Black" panose="020B0A04030504040204" pitchFamily="34" charset="0"/>
+              </a:rPr>
+              <a:t>Model Performance (42 f.) – </a:t>
+            </a:r>
+            <a:r>
+              <a:rPr lang="en-US" sz="2400" dirty="0">
+                <a:solidFill>
+                  <a:srgbClr val="FF0000"/>
+                </a:solidFill>
+                <a:latin typeface="Verdana Pro Black" panose="020B0A04030504040204" pitchFamily="34" charset="0"/>
+              </a:rPr>
+              <a:t>After</a:t>
+            </a:r>
+            <a:r>
+              <a:rPr lang="en-US" sz="2400" dirty="0">
+                <a:latin typeface="Verdana Pro Black" panose="020B0A04030504040204" pitchFamily="34" charset="0"/>
+              </a:rPr>
+              <a:t> Feature Selection</a:t>
+            </a:r>
+          </a:p>
+        </p:txBody>
+      </p:sp>
+      <p:pic>
+        <p:nvPicPr>
+          <p:cNvPr id="9" name="Picture 8">
+            <a:extLst>
+              <a:ext uri="{FF2B5EF4-FFF2-40B4-BE49-F238E27FC236}">
+                <a16:creationId xmlns:a16="http://schemas.microsoft.com/office/drawing/2014/main" id="{033A0BE4-96A1-C963-1F2E-FCE4B2326EB3}"/>
+              </a:ext>
+            </a:extLst>
+          </p:cNvPr>
+          <p:cNvPicPr>
+            <a:picLocks noChangeAspect="1"/>
+          </p:cNvPicPr>
+          <p:nvPr/>
+        </p:nvPicPr>
+        <p:blipFill>
+          <a:blip r:embed="rId2"/>
+          <a:stretch>
+            <a:fillRect/>
+          </a:stretch>
+        </p:blipFill>
+        <p:spPr>
+          <a:xfrm>
+            <a:off x="1378734" y="952750"/>
+            <a:ext cx="9367138" cy="2122165"/>
+          </a:xfrm>
+          <a:prstGeom prst="rect">
+            <a:avLst/>
+          </a:prstGeom>
+        </p:spPr>
+      </p:pic>
+      <p:sp>
+        <p:nvSpPr>
+          <p:cNvPr id="8" name="Rectangle 7">
+            <a:extLst>
+              <a:ext uri="{FF2B5EF4-FFF2-40B4-BE49-F238E27FC236}">
+                <a16:creationId xmlns:a16="http://schemas.microsoft.com/office/drawing/2014/main" id="{BD37BE26-7B67-87CC-3F27-67FC1777EC1E}"/>
+              </a:ext>
+            </a:extLst>
+          </p:cNvPr>
+          <p:cNvSpPr/>
+          <p:nvPr/>
+        </p:nvSpPr>
+        <p:spPr>
+          <a:xfrm>
+            <a:off x="1472505" y="2847130"/>
+            <a:ext cx="8951638" cy="183107"/>
+          </a:xfrm>
+          <a:prstGeom prst="rect">
+            <a:avLst/>
+          </a:prstGeom>
+          <a:noFill/>
+          <a:ln w="28575">
+            <a:solidFill>
+              <a:srgbClr val="FFFF00"/>
+            </a:solidFill>
+          </a:ln>
+        </p:spPr>
+        <p:style>
+          <a:lnRef idx="2">
+            <a:schemeClr val="accent1">
+              <a:shade val="15000"/>
+            </a:schemeClr>
+          </a:lnRef>
+          <a:fillRef idx="1">
+            <a:schemeClr val="accent1"/>
+          </a:fillRef>
+          <a:effectRef idx="0">
+            <a:schemeClr val="accent1"/>
+          </a:effectRef>
+          <a:fontRef idx="minor">
+            <a:schemeClr val="lt1"/>
+          </a:fontRef>
+        </p:style>
+        <p:txBody>
+          <a:bodyPr rtlCol="0" anchor="ctr"/>
+          <a:lstStyle/>
+          <a:p>
+            <a:pPr algn="ctr"/>
+            <a:endParaRPr lang="en-US"/>
+          </a:p>
+        </p:txBody>
+      </p:sp>
+      <p:cxnSp>
+        <p:nvCxnSpPr>
+          <p:cNvPr id="11" name="Straight Connector 10">
+            <a:extLst>
+              <a:ext uri="{FF2B5EF4-FFF2-40B4-BE49-F238E27FC236}">
+                <a16:creationId xmlns:a16="http://schemas.microsoft.com/office/drawing/2014/main" id="{E99D9A17-1A23-8F2D-9196-A9631B90723C}"/>
+              </a:ext>
+            </a:extLst>
+          </p:cNvPr>
+          <p:cNvCxnSpPr/>
+          <p:nvPr/>
+        </p:nvCxnSpPr>
+        <p:spPr>
+          <a:xfrm>
+            <a:off x="1319851" y="2625406"/>
+            <a:ext cx="10601166" cy="0"/>
+          </a:xfrm>
+          <a:prstGeom prst="line">
+            <a:avLst/>
+          </a:prstGeom>
+          <a:ln w="28575">
+            <a:solidFill>
+              <a:schemeClr val="accent4">
+                <a:lumMod val="20000"/>
+                <a:lumOff val="80000"/>
+              </a:schemeClr>
+            </a:solidFill>
+            <a:prstDash val="dash"/>
+          </a:ln>
+        </p:spPr>
+        <p:style>
+          <a:lnRef idx="1">
+            <a:schemeClr val="accent1"/>
+          </a:lnRef>
+          <a:fillRef idx="0">
+            <a:schemeClr val="accent1"/>
+          </a:fillRef>
+          <a:effectRef idx="0">
+            <a:schemeClr val="accent1"/>
+          </a:effectRef>
+          <a:fontRef idx="minor">
+            <a:schemeClr val="tx1"/>
+          </a:fontRef>
+        </p:style>
+      </p:cxnSp>
+      <p:pic>
+        <p:nvPicPr>
+          <p:cNvPr id="16" name="Picture 15">
+            <a:extLst>
+              <a:ext uri="{FF2B5EF4-FFF2-40B4-BE49-F238E27FC236}">
+                <a16:creationId xmlns:a16="http://schemas.microsoft.com/office/drawing/2014/main" id="{552CDC15-537A-DB8A-BDF1-C0507FCE90E4}"/>
+              </a:ext>
+            </a:extLst>
+          </p:cNvPr>
+          <p:cNvPicPr>
+            <a:picLocks noChangeAspect="1"/>
+          </p:cNvPicPr>
+          <p:nvPr/>
+        </p:nvPicPr>
+        <p:blipFill>
+          <a:blip r:embed="rId3"/>
+          <a:stretch>
+            <a:fillRect/>
+          </a:stretch>
+        </p:blipFill>
+        <p:spPr>
+          <a:xfrm>
+            <a:off x="1378734" y="3712549"/>
+            <a:ext cx="9367138" cy="2123483"/>
+          </a:xfrm>
+          <a:prstGeom prst="rect">
+            <a:avLst/>
+          </a:prstGeom>
+        </p:spPr>
+      </p:pic>
+      <p:sp>
+        <p:nvSpPr>
+          <p:cNvPr id="18" name="Rectangle 17">
+            <a:extLst>
+              <a:ext uri="{FF2B5EF4-FFF2-40B4-BE49-F238E27FC236}">
+                <a16:creationId xmlns:a16="http://schemas.microsoft.com/office/drawing/2014/main" id="{84A4E98C-B440-84F7-2FB9-2DAC3A1315A1}"/>
+              </a:ext>
+            </a:extLst>
+          </p:cNvPr>
+          <p:cNvSpPr/>
+          <p:nvPr/>
+        </p:nvSpPr>
+        <p:spPr>
+          <a:xfrm>
+            <a:off x="1725484" y="4355945"/>
+            <a:ext cx="8741032" cy="191461"/>
+          </a:xfrm>
+          <a:prstGeom prst="rect">
+            <a:avLst/>
+          </a:prstGeom>
+          <a:noFill/>
+          <a:ln w="28575">
+            <a:solidFill>
+              <a:srgbClr val="FFFF00"/>
+            </a:solidFill>
+          </a:ln>
+        </p:spPr>
+        <p:style>
+          <a:lnRef idx="2">
+            <a:schemeClr val="accent1">
+              <a:shade val="15000"/>
+            </a:schemeClr>
+          </a:lnRef>
+          <a:fillRef idx="1">
+            <a:schemeClr val="accent1"/>
+          </a:fillRef>
+          <a:effectRef idx="0">
+            <a:schemeClr val="accent1"/>
+          </a:effectRef>
+          <a:fontRef idx="minor">
+            <a:schemeClr val="lt1"/>
+          </a:fontRef>
+        </p:style>
+        <p:txBody>
+          <a:bodyPr rtlCol="0" anchor="ctr"/>
+          <a:lstStyle/>
+          <a:p>
+            <a:pPr algn="ctr"/>
+            <a:endParaRPr lang="en-US"/>
+          </a:p>
+        </p:txBody>
+      </p:sp>
+      <p:cxnSp>
+        <p:nvCxnSpPr>
+          <p:cNvPr id="6" name="Straight Connector 5">
+            <a:extLst>
+              <a:ext uri="{FF2B5EF4-FFF2-40B4-BE49-F238E27FC236}">
+                <a16:creationId xmlns:a16="http://schemas.microsoft.com/office/drawing/2014/main" id="{8683A0DD-ED7A-B376-5DAC-CDB58AAEE6B8}"/>
+              </a:ext>
+            </a:extLst>
+          </p:cNvPr>
+          <p:cNvCxnSpPr>
+            <a:cxnSpLocks/>
+          </p:cNvCxnSpPr>
+          <p:nvPr/>
+        </p:nvCxnSpPr>
+        <p:spPr>
+          <a:xfrm>
+            <a:off x="1801388" y="5166398"/>
+            <a:ext cx="8521830" cy="0"/>
+          </a:xfrm>
+          <a:prstGeom prst="line">
+            <a:avLst/>
+          </a:prstGeom>
+          <a:ln w="28575">
+            <a:solidFill>
+              <a:schemeClr val="accent4">
+                <a:lumMod val="20000"/>
+                <a:lumOff val="80000"/>
+              </a:schemeClr>
+            </a:solidFill>
+            <a:prstDash val="dash"/>
+          </a:ln>
+        </p:spPr>
+        <p:style>
+          <a:lnRef idx="1">
+            <a:schemeClr val="accent1"/>
+          </a:lnRef>
+          <a:fillRef idx="0">
+            <a:schemeClr val="accent1"/>
+          </a:fillRef>
+          <a:effectRef idx="0">
+            <a:schemeClr val="accent1"/>
+          </a:effectRef>
+          <a:fontRef idx="minor">
+            <a:schemeClr val="tx1"/>
+          </a:fontRef>
+        </p:style>
+      </p:cxnSp>
     </p:spTree>
     <p:extLst>
       <p:ext uri="{BB962C8B-B14F-4D97-AF65-F5344CB8AC3E}">
-        <p14:creationId xmlns:p14="http://schemas.microsoft.com/office/powerpoint/2010/main" val="4215953954"/>
+        <p14:creationId xmlns:p14="http://schemas.microsoft.com/office/powerpoint/2010/main" val="1904824536"/>
       </p:ext>
     </p:extLst>
   </p:cSld>

--- a/code/Jichong/Weekly results.pptx
+++ b/code/Jichong/Weekly results.pptx
@@ -7,16 +7,17 @@
   <p:sldIdLst>
     <p:sldId id="262" r:id="rId2"/>
     <p:sldId id="267" r:id="rId3"/>
-    <p:sldId id="258" r:id="rId4"/>
-    <p:sldId id="266" r:id="rId5"/>
-    <p:sldId id="261" r:id="rId6"/>
-    <p:sldId id="259" r:id="rId7"/>
-    <p:sldId id="263" r:id="rId8"/>
-    <p:sldId id="264" r:id="rId9"/>
-    <p:sldId id="260" r:id="rId10"/>
-    <p:sldId id="265" r:id="rId11"/>
-    <p:sldId id="256" r:id="rId12"/>
-    <p:sldId id="257" r:id="rId13"/>
+    <p:sldId id="268" r:id="rId4"/>
+    <p:sldId id="258" r:id="rId5"/>
+    <p:sldId id="266" r:id="rId6"/>
+    <p:sldId id="261" r:id="rId7"/>
+    <p:sldId id="259" r:id="rId8"/>
+    <p:sldId id="263" r:id="rId9"/>
+    <p:sldId id="264" r:id="rId10"/>
+    <p:sldId id="260" r:id="rId11"/>
+    <p:sldId id="265" r:id="rId12"/>
+    <p:sldId id="256" r:id="rId13"/>
+    <p:sldId id="257" r:id="rId14"/>
   </p:sldIdLst>
   <p:sldSz cx="12192000" cy="6858000"/>
   <p:notesSz cx="6858000" cy="9144000"/>
@@ -270,7 +271,7 @@
           <a:p>
             <a:fld id="{5D3A6126-C81C-4F37-BE1D-0082D1C68D80}" type="datetimeFigureOut">
               <a:rPr lang="en-US" smtClean="0"/>
-              <a:t>3/6/2024</a:t>
+              <a:t>3/19/2024</a:t>
             </a:fld>
             <a:endParaRPr lang="en-US"/>
           </a:p>
@@ -468,7 +469,7 @@
           <a:p>
             <a:fld id="{5D3A6126-C81C-4F37-BE1D-0082D1C68D80}" type="datetimeFigureOut">
               <a:rPr lang="en-US" smtClean="0"/>
-              <a:t>3/6/2024</a:t>
+              <a:t>3/19/2024</a:t>
             </a:fld>
             <a:endParaRPr lang="en-US"/>
           </a:p>
@@ -676,7 +677,7 @@
           <a:p>
             <a:fld id="{5D3A6126-C81C-4F37-BE1D-0082D1C68D80}" type="datetimeFigureOut">
               <a:rPr lang="en-US" smtClean="0"/>
-              <a:t>3/6/2024</a:t>
+              <a:t>3/19/2024</a:t>
             </a:fld>
             <a:endParaRPr lang="en-US"/>
           </a:p>
@@ -874,7 +875,7 @@
           <a:p>
             <a:fld id="{5D3A6126-C81C-4F37-BE1D-0082D1C68D80}" type="datetimeFigureOut">
               <a:rPr lang="en-US" smtClean="0"/>
-              <a:t>3/6/2024</a:t>
+              <a:t>3/19/2024</a:t>
             </a:fld>
             <a:endParaRPr lang="en-US"/>
           </a:p>
@@ -1149,7 +1150,7 @@
           <a:p>
             <a:fld id="{5D3A6126-C81C-4F37-BE1D-0082D1C68D80}" type="datetimeFigureOut">
               <a:rPr lang="en-US" smtClean="0"/>
-              <a:t>3/6/2024</a:t>
+              <a:t>3/19/2024</a:t>
             </a:fld>
             <a:endParaRPr lang="en-US"/>
           </a:p>
@@ -1414,7 +1415,7 @@
           <a:p>
             <a:fld id="{5D3A6126-C81C-4F37-BE1D-0082D1C68D80}" type="datetimeFigureOut">
               <a:rPr lang="en-US" smtClean="0"/>
-              <a:t>3/6/2024</a:t>
+              <a:t>3/19/2024</a:t>
             </a:fld>
             <a:endParaRPr lang="en-US"/>
           </a:p>
@@ -1826,7 +1827,7 @@
           <a:p>
             <a:fld id="{5D3A6126-C81C-4F37-BE1D-0082D1C68D80}" type="datetimeFigureOut">
               <a:rPr lang="en-US" smtClean="0"/>
-              <a:t>3/6/2024</a:t>
+              <a:t>3/19/2024</a:t>
             </a:fld>
             <a:endParaRPr lang="en-US"/>
           </a:p>
@@ -1967,7 +1968,7 @@
           <a:p>
             <a:fld id="{5D3A6126-C81C-4F37-BE1D-0082D1C68D80}" type="datetimeFigureOut">
               <a:rPr lang="en-US" smtClean="0"/>
-              <a:t>3/6/2024</a:t>
+              <a:t>3/19/2024</a:t>
             </a:fld>
             <a:endParaRPr lang="en-US"/>
           </a:p>
@@ -2080,7 +2081,7 @@
           <a:p>
             <a:fld id="{5D3A6126-C81C-4F37-BE1D-0082D1C68D80}" type="datetimeFigureOut">
               <a:rPr lang="en-US" smtClean="0"/>
-              <a:t>3/6/2024</a:t>
+              <a:t>3/19/2024</a:t>
             </a:fld>
             <a:endParaRPr lang="en-US"/>
           </a:p>
@@ -2391,7 +2392,7 @@
           <a:p>
             <a:fld id="{5D3A6126-C81C-4F37-BE1D-0082D1C68D80}" type="datetimeFigureOut">
               <a:rPr lang="en-US" smtClean="0"/>
-              <a:t>3/6/2024</a:t>
+              <a:t>3/19/2024</a:t>
             </a:fld>
             <a:endParaRPr lang="en-US"/>
           </a:p>
@@ -2679,7 +2680,7 @@
           <a:p>
             <a:fld id="{5D3A6126-C81C-4F37-BE1D-0082D1C68D80}" type="datetimeFigureOut">
               <a:rPr lang="en-US" smtClean="0"/>
-              <a:t>3/6/2024</a:t>
+              <a:t>3/19/2024</a:t>
             </a:fld>
             <a:endParaRPr lang="en-US"/>
           </a:p>
@@ -2920,7 +2921,7 @@
           <a:p>
             <a:fld id="{5D3A6126-C81C-4F37-BE1D-0082D1C68D80}" type="datetimeFigureOut">
               <a:rPr lang="en-US" smtClean="0"/>
-              <a:t>3/6/2024</a:t>
+              <a:t>3/19/2024</a:t>
             </a:fld>
             <a:endParaRPr lang="en-US"/>
           </a:p>
@@ -3506,44 +3507,542 @@
       </p:grpSpPr>
       <p:sp>
         <p:nvSpPr>
-          <p:cNvPr id="3" name="Content Placeholder 2">
-            <a:extLst>
-              <a:ext uri="{FF2B5EF4-FFF2-40B4-BE49-F238E27FC236}">
-                <a16:creationId xmlns:a16="http://schemas.microsoft.com/office/drawing/2014/main" id="{D0768018-3C4D-A040-23EB-1C0E20A06E77}"/>
-              </a:ext>
-            </a:extLst>
-          </p:cNvPr>
-          <p:cNvSpPr>
-            <a:spLocks noGrp="1"/>
-          </p:cNvSpPr>
-          <p:nvPr>
-            <p:ph idx="1"/>
-          </p:nvPr>
-        </p:nvSpPr>
-        <p:spPr>
-          <a:xfrm>
-            <a:off x="4479681" y="3109302"/>
-            <a:ext cx="3232638" cy="856029"/>
-          </a:xfrm>
-        </p:spPr>
-        <p:txBody>
-          <a:bodyPr/>
-          <a:lstStyle/>
-          <a:p>
-            <a:pPr marL="0" indent="0">
-              <a:buNone/>
-            </a:pPr>
+          <p:cNvPr id="12" name="Rectangle 11">
+            <a:extLst>
+              <a:ext uri="{FF2B5EF4-FFF2-40B4-BE49-F238E27FC236}">
+                <a16:creationId xmlns:a16="http://schemas.microsoft.com/office/drawing/2014/main" id="{A3549DC4-40BA-1272-B8DE-5D02C5F561F5}"/>
+              </a:ext>
+            </a:extLst>
+          </p:cNvPr>
+          <p:cNvSpPr/>
+          <p:nvPr/>
+        </p:nvSpPr>
+        <p:spPr>
+          <a:xfrm>
+            <a:off x="289249" y="6049396"/>
+            <a:ext cx="572397" cy="191860"/>
+          </a:xfrm>
+          <a:prstGeom prst="rect">
+            <a:avLst/>
+          </a:prstGeom>
+          <a:noFill/>
+          <a:ln w="28575">
+            <a:solidFill>
+              <a:schemeClr val="accent4"/>
+            </a:solidFill>
+          </a:ln>
+        </p:spPr>
+        <p:style>
+          <a:lnRef idx="2">
+            <a:schemeClr val="accent1">
+              <a:shade val="15000"/>
+            </a:schemeClr>
+          </a:lnRef>
+          <a:fillRef idx="1">
+            <a:schemeClr val="accent1"/>
+          </a:fillRef>
+          <a:effectRef idx="0">
+            <a:schemeClr val="accent1"/>
+          </a:effectRef>
+          <a:fontRef idx="minor">
+            <a:schemeClr val="lt1"/>
+          </a:fontRef>
+        </p:style>
+        <p:txBody>
+          <a:bodyPr rtlCol="0" anchor="ctr"/>
+          <a:lstStyle/>
+          <a:p>
+            <a:pPr algn="ctr"/>
+            <a:endParaRPr lang="en-US"/>
+          </a:p>
+        </p:txBody>
+      </p:sp>
+      <p:sp>
+        <p:nvSpPr>
+          <p:cNvPr id="13" name="TextBox 12">
+            <a:extLst>
+              <a:ext uri="{FF2B5EF4-FFF2-40B4-BE49-F238E27FC236}">
+                <a16:creationId xmlns:a16="http://schemas.microsoft.com/office/drawing/2014/main" id="{4259E792-13EE-CA79-5EB0-A062683BBBC8}"/>
+              </a:ext>
+            </a:extLst>
+          </p:cNvPr>
+          <p:cNvSpPr txBox="1"/>
+          <p:nvPr/>
+        </p:nvSpPr>
+        <p:spPr>
+          <a:xfrm>
+            <a:off x="1037493" y="5924678"/>
+            <a:ext cx="1238481" cy="369332"/>
+          </a:xfrm>
+          <a:prstGeom prst="rect">
+            <a:avLst/>
+          </a:prstGeom>
+          <a:noFill/>
+        </p:spPr>
+        <p:txBody>
+          <a:bodyPr wrap="none" rtlCol="0">
+            <a:spAutoFit/>
+          </a:bodyPr>
+          <a:lstStyle/>
+          <a:p>
             <a:r>
               <a:rPr lang="en-US" dirty="0"/>
-              <a:t>Backup Slides</a:t>
-            </a:r>
-          </a:p>
-        </p:txBody>
-      </p:sp>
+              <a:t>Best model</a:t>
+            </a:r>
+          </a:p>
+        </p:txBody>
+      </p:sp>
+      <p:sp>
+        <p:nvSpPr>
+          <p:cNvPr id="14" name="TextBox 13">
+            <a:extLst>
+              <a:ext uri="{FF2B5EF4-FFF2-40B4-BE49-F238E27FC236}">
+                <a16:creationId xmlns:a16="http://schemas.microsoft.com/office/drawing/2014/main" id="{49F066A8-9957-6751-AD8A-343910BB811D}"/>
+              </a:ext>
+            </a:extLst>
+          </p:cNvPr>
+          <p:cNvSpPr txBox="1"/>
+          <p:nvPr/>
+        </p:nvSpPr>
+        <p:spPr>
+          <a:xfrm>
+            <a:off x="1037493" y="6382656"/>
+            <a:ext cx="1568699" cy="369332"/>
+          </a:xfrm>
+          <a:prstGeom prst="rect">
+            <a:avLst/>
+          </a:prstGeom>
+          <a:noFill/>
+        </p:spPr>
+        <p:txBody>
+          <a:bodyPr wrap="none" rtlCol="0">
+            <a:spAutoFit/>
+          </a:bodyPr>
+          <a:lstStyle/>
+          <a:p>
+            <a:r>
+              <a:rPr lang="en-US" dirty="0"/>
+              <a:t>2</a:t>
+            </a:r>
+            <a:r>
+              <a:rPr lang="en-US" baseline="30000" dirty="0"/>
+              <a:t>nd</a:t>
+            </a:r>
+            <a:r>
+              <a:rPr lang="en-US" dirty="0"/>
+              <a:t> Best model</a:t>
+            </a:r>
+          </a:p>
+        </p:txBody>
+      </p:sp>
+      <p:cxnSp>
+        <p:nvCxnSpPr>
+          <p:cNvPr id="15" name="Straight Connector 14">
+            <a:extLst>
+              <a:ext uri="{FF2B5EF4-FFF2-40B4-BE49-F238E27FC236}">
+                <a16:creationId xmlns:a16="http://schemas.microsoft.com/office/drawing/2014/main" id="{066A4A5F-3CD2-30C3-AF21-81CD605CE74D}"/>
+              </a:ext>
+            </a:extLst>
+          </p:cNvPr>
+          <p:cNvCxnSpPr>
+            <a:cxnSpLocks/>
+          </p:cNvCxnSpPr>
+          <p:nvPr/>
+        </p:nvCxnSpPr>
+        <p:spPr>
+          <a:xfrm>
+            <a:off x="289249" y="6567322"/>
+            <a:ext cx="572397" cy="0"/>
+          </a:xfrm>
+          <a:prstGeom prst="line">
+            <a:avLst/>
+          </a:prstGeom>
+          <a:ln w="28575">
+            <a:solidFill>
+              <a:schemeClr val="accent4"/>
+            </a:solidFill>
+            <a:prstDash val="dash"/>
+          </a:ln>
+        </p:spPr>
+        <p:style>
+          <a:lnRef idx="1">
+            <a:schemeClr val="accent1"/>
+          </a:lnRef>
+          <a:fillRef idx="0">
+            <a:schemeClr val="accent1"/>
+          </a:fillRef>
+          <a:effectRef idx="0">
+            <a:schemeClr val="accent1"/>
+          </a:effectRef>
+          <a:fontRef idx="minor">
+            <a:schemeClr val="tx1"/>
+          </a:fontRef>
+        </p:style>
+      </p:cxnSp>
+      <p:sp>
+        <p:nvSpPr>
+          <p:cNvPr id="17" name="TextBox 16">
+            <a:extLst>
+              <a:ext uri="{FF2B5EF4-FFF2-40B4-BE49-F238E27FC236}">
+                <a16:creationId xmlns:a16="http://schemas.microsoft.com/office/drawing/2014/main" id="{370F4DFF-C31F-D441-B981-B144D4E5D343}"/>
+              </a:ext>
+            </a:extLst>
+          </p:cNvPr>
+          <p:cNvSpPr txBox="1"/>
+          <p:nvPr/>
+        </p:nvSpPr>
+        <p:spPr>
+          <a:xfrm>
+            <a:off x="1212591" y="337472"/>
+            <a:ext cx="9774855" cy="461665"/>
+          </a:xfrm>
+          <a:prstGeom prst="rect">
+            <a:avLst/>
+          </a:prstGeom>
+          <a:noFill/>
+        </p:spPr>
+        <p:txBody>
+          <a:bodyPr wrap="none" rtlCol="0">
+            <a:spAutoFit/>
+          </a:bodyPr>
+          <a:lstStyle/>
+          <a:p>
+            <a:r>
+              <a:rPr lang="en-US" sz="2400" dirty="0">
+                <a:latin typeface="Verdana Pro Black" panose="020B0A04030504040204" pitchFamily="34" charset="0"/>
+              </a:rPr>
+              <a:t>Model Performance (43 f.) – </a:t>
+            </a:r>
+            <a:r>
+              <a:rPr lang="en-US" sz="2400" dirty="0">
+                <a:solidFill>
+                  <a:srgbClr val="FF0000"/>
+                </a:solidFill>
+                <a:latin typeface="Verdana Pro Black" panose="020B0A04030504040204" pitchFamily="34" charset="0"/>
+              </a:rPr>
+              <a:t>Before</a:t>
+            </a:r>
+            <a:r>
+              <a:rPr lang="en-US" sz="2400" dirty="0">
+                <a:latin typeface="Verdana Pro Black" panose="020B0A04030504040204" pitchFamily="34" charset="0"/>
+              </a:rPr>
+              <a:t> Feature Selection</a:t>
+            </a:r>
+          </a:p>
+        </p:txBody>
+      </p:sp>
+      <p:sp>
+        <p:nvSpPr>
+          <p:cNvPr id="2" name="TextBox 1">
+            <a:extLst>
+              <a:ext uri="{FF2B5EF4-FFF2-40B4-BE49-F238E27FC236}">
+                <a16:creationId xmlns:a16="http://schemas.microsoft.com/office/drawing/2014/main" id="{20769F76-CF3E-07B7-168C-C951B66803E7}"/>
+              </a:ext>
+            </a:extLst>
+          </p:cNvPr>
+          <p:cNvSpPr txBox="1"/>
+          <p:nvPr/>
+        </p:nvSpPr>
+        <p:spPr>
+          <a:xfrm>
+            <a:off x="1319851" y="3206561"/>
+            <a:ext cx="9484904" cy="461665"/>
+          </a:xfrm>
+          <a:prstGeom prst="rect">
+            <a:avLst/>
+          </a:prstGeom>
+          <a:noFill/>
+        </p:spPr>
+        <p:txBody>
+          <a:bodyPr wrap="none" rtlCol="0">
+            <a:spAutoFit/>
+          </a:bodyPr>
+          <a:lstStyle/>
+          <a:p>
+            <a:r>
+              <a:rPr lang="en-US" sz="2400" dirty="0">
+                <a:latin typeface="Verdana Pro Black" panose="020B0A04030504040204" pitchFamily="34" charset="0"/>
+              </a:rPr>
+              <a:t>Model Performance (42 f.) – </a:t>
+            </a:r>
+            <a:r>
+              <a:rPr lang="en-US" sz="2400" dirty="0">
+                <a:solidFill>
+                  <a:srgbClr val="FF0000"/>
+                </a:solidFill>
+                <a:latin typeface="Verdana Pro Black" panose="020B0A04030504040204" pitchFamily="34" charset="0"/>
+              </a:rPr>
+              <a:t>After</a:t>
+            </a:r>
+            <a:r>
+              <a:rPr lang="en-US" sz="2400" dirty="0">
+                <a:latin typeface="Verdana Pro Black" panose="020B0A04030504040204" pitchFamily="34" charset="0"/>
+              </a:rPr>
+              <a:t> Feature Selection</a:t>
+            </a:r>
+          </a:p>
+        </p:txBody>
+      </p:sp>
+      <p:pic>
+        <p:nvPicPr>
+          <p:cNvPr id="9" name="Picture 8">
+            <a:extLst>
+              <a:ext uri="{FF2B5EF4-FFF2-40B4-BE49-F238E27FC236}">
+                <a16:creationId xmlns:a16="http://schemas.microsoft.com/office/drawing/2014/main" id="{033A0BE4-96A1-C963-1F2E-FCE4B2326EB3}"/>
+              </a:ext>
+            </a:extLst>
+          </p:cNvPr>
+          <p:cNvPicPr>
+            <a:picLocks noChangeAspect="1"/>
+          </p:cNvPicPr>
+          <p:nvPr/>
+        </p:nvPicPr>
+        <p:blipFill>
+          <a:blip r:embed="rId2"/>
+          <a:stretch>
+            <a:fillRect/>
+          </a:stretch>
+        </p:blipFill>
+        <p:spPr>
+          <a:xfrm>
+            <a:off x="1378734" y="952750"/>
+            <a:ext cx="9367138" cy="2122165"/>
+          </a:xfrm>
+          <a:prstGeom prst="rect">
+            <a:avLst/>
+          </a:prstGeom>
+        </p:spPr>
+      </p:pic>
+      <p:sp>
+        <p:nvSpPr>
+          <p:cNvPr id="8" name="Rectangle 7">
+            <a:extLst>
+              <a:ext uri="{FF2B5EF4-FFF2-40B4-BE49-F238E27FC236}">
+                <a16:creationId xmlns:a16="http://schemas.microsoft.com/office/drawing/2014/main" id="{BD37BE26-7B67-87CC-3F27-67FC1777EC1E}"/>
+              </a:ext>
+            </a:extLst>
+          </p:cNvPr>
+          <p:cNvSpPr/>
+          <p:nvPr/>
+        </p:nvSpPr>
+        <p:spPr>
+          <a:xfrm>
+            <a:off x="1472505" y="2847130"/>
+            <a:ext cx="8951638" cy="183107"/>
+          </a:xfrm>
+          <a:prstGeom prst="rect">
+            <a:avLst/>
+          </a:prstGeom>
+          <a:noFill/>
+          <a:ln w="28575">
+            <a:solidFill>
+              <a:srgbClr val="FFFF00"/>
+            </a:solidFill>
+          </a:ln>
+        </p:spPr>
+        <p:style>
+          <a:lnRef idx="2">
+            <a:schemeClr val="accent1">
+              <a:shade val="15000"/>
+            </a:schemeClr>
+          </a:lnRef>
+          <a:fillRef idx="1">
+            <a:schemeClr val="accent1"/>
+          </a:fillRef>
+          <a:effectRef idx="0">
+            <a:schemeClr val="accent1"/>
+          </a:effectRef>
+          <a:fontRef idx="minor">
+            <a:schemeClr val="lt1"/>
+          </a:fontRef>
+        </p:style>
+        <p:txBody>
+          <a:bodyPr rtlCol="0" anchor="ctr"/>
+          <a:lstStyle/>
+          <a:p>
+            <a:pPr algn="ctr"/>
+            <a:endParaRPr lang="en-US"/>
+          </a:p>
+        </p:txBody>
+      </p:sp>
+      <p:cxnSp>
+        <p:nvCxnSpPr>
+          <p:cNvPr id="11" name="Straight Connector 10">
+            <a:extLst>
+              <a:ext uri="{FF2B5EF4-FFF2-40B4-BE49-F238E27FC236}">
+                <a16:creationId xmlns:a16="http://schemas.microsoft.com/office/drawing/2014/main" id="{E99D9A17-1A23-8F2D-9196-A9631B90723C}"/>
+              </a:ext>
+            </a:extLst>
+          </p:cNvPr>
+          <p:cNvCxnSpPr/>
+          <p:nvPr/>
+        </p:nvCxnSpPr>
+        <p:spPr>
+          <a:xfrm>
+            <a:off x="1319851" y="2625406"/>
+            <a:ext cx="10601166" cy="0"/>
+          </a:xfrm>
+          <a:prstGeom prst="line">
+            <a:avLst/>
+          </a:prstGeom>
+          <a:ln w="28575">
+            <a:solidFill>
+              <a:schemeClr val="accent4">
+                <a:lumMod val="20000"/>
+                <a:lumOff val="80000"/>
+              </a:schemeClr>
+            </a:solidFill>
+            <a:prstDash val="dash"/>
+          </a:ln>
+        </p:spPr>
+        <p:style>
+          <a:lnRef idx="1">
+            <a:schemeClr val="accent1"/>
+          </a:lnRef>
+          <a:fillRef idx="0">
+            <a:schemeClr val="accent1"/>
+          </a:fillRef>
+          <a:effectRef idx="0">
+            <a:schemeClr val="accent1"/>
+          </a:effectRef>
+          <a:fontRef idx="minor">
+            <a:schemeClr val="tx1"/>
+          </a:fontRef>
+        </p:style>
+      </p:cxnSp>
+      <p:pic>
+        <p:nvPicPr>
+          <p:cNvPr id="16" name="Picture 15">
+            <a:extLst>
+              <a:ext uri="{FF2B5EF4-FFF2-40B4-BE49-F238E27FC236}">
+                <a16:creationId xmlns:a16="http://schemas.microsoft.com/office/drawing/2014/main" id="{552CDC15-537A-DB8A-BDF1-C0507FCE90E4}"/>
+              </a:ext>
+            </a:extLst>
+          </p:cNvPr>
+          <p:cNvPicPr>
+            <a:picLocks noChangeAspect="1"/>
+          </p:cNvPicPr>
+          <p:nvPr/>
+        </p:nvPicPr>
+        <p:blipFill>
+          <a:blip r:embed="rId3"/>
+          <a:stretch>
+            <a:fillRect/>
+          </a:stretch>
+        </p:blipFill>
+        <p:spPr>
+          <a:xfrm>
+            <a:off x="1378734" y="3712549"/>
+            <a:ext cx="9367138" cy="2123483"/>
+          </a:xfrm>
+          <a:prstGeom prst="rect">
+            <a:avLst/>
+          </a:prstGeom>
+        </p:spPr>
+      </p:pic>
+      <p:sp>
+        <p:nvSpPr>
+          <p:cNvPr id="18" name="Rectangle 17">
+            <a:extLst>
+              <a:ext uri="{FF2B5EF4-FFF2-40B4-BE49-F238E27FC236}">
+                <a16:creationId xmlns:a16="http://schemas.microsoft.com/office/drawing/2014/main" id="{84A4E98C-B440-84F7-2FB9-2DAC3A1315A1}"/>
+              </a:ext>
+            </a:extLst>
+          </p:cNvPr>
+          <p:cNvSpPr/>
+          <p:nvPr/>
+        </p:nvSpPr>
+        <p:spPr>
+          <a:xfrm>
+            <a:off x="1725484" y="4355945"/>
+            <a:ext cx="8741032" cy="191461"/>
+          </a:xfrm>
+          <a:prstGeom prst="rect">
+            <a:avLst/>
+          </a:prstGeom>
+          <a:noFill/>
+          <a:ln w="28575">
+            <a:solidFill>
+              <a:srgbClr val="FFFF00"/>
+            </a:solidFill>
+          </a:ln>
+        </p:spPr>
+        <p:style>
+          <a:lnRef idx="2">
+            <a:schemeClr val="accent1">
+              <a:shade val="15000"/>
+            </a:schemeClr>
+          </a:lnRef>
+          <a:fillRef idx="1">
+            <a:schemeClr val="accent1"/>
+          </a:fillRef>
+          <a:effectRef idx="0">
+            <a:schemeClr val="accent1"/>
+          </a:effectRef>
+          <a:fontRef idx="minor">
+            <a:schemeClr val="lt1"/>
+          </a:fontRef>
+        </p:style>
+        <p:txBody>
+          <a:bodyPr rtlCol="0" anchor="ctr"/>
+          <a:lstStyle/>
+          <a:p>
+            <a:pPr algn="ctr"/>
+            <a:endParaRPr lang="en-US"/>
+          </a:p>
+        </p:txBody>
+      </p:sp>
+      <p:cxnSp>
+        <p:nvCxnSpPr>
+          <p:cNvPr id="6" name="Straight Connector 5">
+            <a:extLst>
+              <a:ext uri="{FF2B5EF4-FFF2-40B4-BE49-F238E27FC236}">
+                <a16:creationId xmlns:a16="http://schemas.microsoft.com/office/drawing/2014/main" id="{8683A0DD-ED7A-B376-5DAC-CDB58AAEE6B8}"/>
+              </a:ext>
+            </a:extLst>
+          </p:cNvPr>
+          <p:cNvCxnSpPr>
+            <a:cxnSpLocks/>
+          </p:cNvCxnSpPr>
+          <p:nvPr/>
+        </p:nvCxnSpPr>
+        <p:spPr>
+          <a:xfrm>
+            <a:off x="1801388" y="5166398"/>
+            <a:ext cx="8521830" cy="0"/>
+          </a:xfrm>
+          <a:prstGeom prst="line">
+            <a:avLst/>
+          </a:prstGeom>
+          <a:ln w="28575">
+            <a:solidFill>
+              <a:schemeClr val="accent4">
+                <a:lumMod val="20000"/>
+                <a:lumOff val="80000"/>
+              </a:schemeClr>
+            </a:solidFill>
+            <a:prstDash val="dash"/>
+          </a:ln>
+        </p:spPr>
+        <p:style>
+          <a:lnRef idx="1">
+            <a:schemeClr val="accent1"/>
+          </a:lnRef>
+          <a:fillRef idx="0">
+            <a:schemeClr val="accent1"/>
+          </a:fillRef>
+          <a:effectRef idx="0">
+            <a:schemeClr val="accent1"/>
+          </a:effectRef>
+          <a:fontRef idx="minor">
+            <a:schemeClr val="tx1"/>
+          </a:fontRef>
+        </p:style>
+      </p:cxnSp>
     </p:spTree>
     <p:extLst>
       <p:ext uri="{BB962C8B-B14F-4D97-AF65-F5344CB8AC3E}">
-        <p14:creationId xmlns:p14="http://schemas.microsoft.com/office/powerpoint/2010/main" val="4215953954"/>
+        <p14:creationId xmlns:p14="http://schemas.microsoft.com/office/powerpoint/2010/main" val="1904824536"/>
       </p:ext>
     </p:extLst>
   </p:cSld>
@@ -3572,6 +4071,72 @@
       </p:grpSpPr>
       <p:sp>
         <p:nvSpPr>
+          <p:cNvPr id="3" name="Content Placeholder 2">
+            <a:extLst>
+              <a:ext uri="{FF2B5EF4-FFF2-40B4-BE49-F238E27FC236}">
+                <a16:creationId xmlns:a16="http://schemas.microsoft.com/office/drawing/2014/main" id="{D0768018-3C4D-A040-23EB-1C0E20A06E77}"/>
+              </a:ext>
+            </a:extLst>
+          </p:cNvPr>
+          <p:cNvSpPr>
+            <a:spLocks noGrp="1"/>
+          </p:cNvSpPr>
+          <p:nvPr>
+            <p:ph idx="1"/>
+          </p:nvPr>
+        </p:nvSpPr>
+        <p:spPr>
+          <a:xfrm>
+            <a:off x="4479681" y="3109302"/>
+            <a:ext cx="3232638" cy="856029"/>
+          </a:xfrm>
+        </p:spPr>
+        <p:txBody>
+          <a:bodyPr/>
+          <a:lstStyle/>
+          <a:p>
+            <a:pPr marL="0" indent="0">
+              <a:buNone/>
+            </a:pPr>
+            <a:r>
+              <a:rPr lang="en-US" dirty="0"/>
+              <a:t>Backup Slides</a:t>
+            </a:r>
+          </a:p>
+        </p:txBody>
+      </p:sp>
+    </p:spTree>
+    <p:extLst>
+      <p:ext uri="{BB962C8B-B14F-4D97-AF65-F5344CB8AC3E}">
+        <p14:creationId xmlns:p14="http://schemas.microsoft.com/office/powerpoint/2010/main" val="4215953954"/>
+      </p:ext>
+    </p:extLst>
+  </p:cSld>
+  <p:clrMapOvr>
+    <a:masterClrMapping/>
+  </p:clrMapOvr>
+</p:sld>
+</file>
+
+<file path=ppt/slides/slide12.xml><?xml version="1.0" encoding="utf-8"?>
+<p:sld xmlns:a="http://schemas.openxmlformats.org/drawingml/2006/main" xmlns:r="http://schemas.openxmlformats.org/officeDocument/2006/relationships" xmlns:p="http://schemas.openxmlformats.org/presentationml/2006/main">
+  <p:cSld>
+    <p:spTree>
+      <p:nvGrpSpPr>
+        <p:cNvPr id="1" name=""/>
+        <p:cNvGrpSpPr/>
+        <p:nvPr/>
+      </p:nvGrpSpPr>
+      <p:grpSpPr>
+        <a:xfrm>
+          <a:off x="0" y="0"/>
+          <a:ext cx="0" cy="0"/>
+          <a:chOff x="0" y="0"/>
+          <a:chExt cx="0" cy="0"/>
+        </a:xfrm>
+      </p:grpSpPr>
+      <p:sp>
+        <p:nvSpPr>
           <p:cNvPr id="4" name="Rectangle: Rounded Corners 3">
             <a:extLst>
               <a:ext uri="{FF2B5EF4-FFF2-40B4-BE49-F238E27FC236}">
@@ -4129,7 +4694,7 @@
 </p:sld>
 </file>
 
-<file path=ppt/slides/slide12.xml><?xml version="1.0" encoding="utf-8"?>
+<file path=ppt/slides/slide13.xml><?xml version="1.0" encoding="utf-8"?>
 <p:sld xmlns:a="http://schemas.openxmlformats.org/drawingml/2006/main" xmlns:r="http://schemas.openxmlformats.org/officeDocument/2006/relationships" xmlns:p="http://schemas.openxmlformats.org/presentationml/2006/main">
   <p:cSld>
     <p:spTree>
@@ -5364,7 +5929,9 @@
           <a:prstGeom prst="roundRect">
             <a:avLst/>
           </a:prstGeom>
-          <a:noFill/>
+          <a:solidFill>
+            <a:srgbClr val="FFFF00"/>
+          </a:solidFill>
           <a:ln w="28575">
             <a:solidFill>
               <a:srgbClr val="002060"/>
@@ -5404,20 +5971,12 @@
           <a:p>
             <a:pPr algn="ctr"/>
             <a:r>
-              <a:rPr lang="en-US" sz="1200" b="1">
-                <a:solidFill>
-                  <a:schemeClr val="tx1"/>
-                </a:solidFill>
-              </a:rPr>
-              <a:t>126 </a:t>
-            </a:r>
-            <a:r>
               <a:rPr lang="en-US" sz="1200" b="1" dirty="0">
                 <a:solidFill>
                   <a:schemeClr val="tx1"/>
                 </a:solidFill>
               </a:rPr>
-              <a:t>features</a:t>
+              <a:t>126 features</a:t>
             </a:r>
             <a:endParaRPr lang="en-US" b="1" dirty="0">
               <a:solidFill>
@@ -6321,7 +6880,7 @@
                   <a:schemeClr val="tx1"/>
                 </a:solidFill>
               </a:rPr>
-              <a:t>Model Report</a:t>
+              <a:t>Classification Report</a:t>
             </a:r>
             <a:endParaRPr lang="en-US" b="1" dirty="0">
               <a:solidFill>
@@ -6923,61 +7482,34 @@
           <a:chExt cx="0" cy="0"/>
         </a:xfrm>
       </p:grpSpPr>
-      <p:pic>
-        <p:nvPicPr>
-          <p:cNvPr id="7" name="Picture 6">
-            <a:extLst>
-              <a:ext uri="{FF2B5EF4-FFF2-40B4-BE49-F238E27FC236}">
-                <a16:creationId xmlns:a16="http://schemas.microsoft.com/office/drawing/2014/main" id="{BF13E590-8890-6AD7-27EA-5951C1D3C45C}"/>
-              </a:ext>
-            </a:extLst>
-          </p:cNvPr>
-          <p:cNvPicPr>
-            <a:picLocks noChangeAspect="1"/>
-          </p:cNvPicPr>
-          <p:nvPr/>
-        </p:nvPicPr>
-        <p:blipFill>
-          <a:blip r:embed="rId2"/>
-          <a:stretch>
-            <a:fillRect/>
-          </a:stretch>
-        </p:blipFill>
-        <p:spPr>
-          <a:xfrm>
-            <a:off x="289249" y="1809023"/>
-            <a:ext cx="11749598" cy="1999406"/>
+      <p:sp>
+        <p:nvSpPr>
+          <p:cNvPr id="50" name="Rectangle 49">
+            <a:extLst>
+              <a:ext uri="{FF2B5EF4-FFF2-40B4-BE49-F238E27FC236}">
+                <a16:creationId xmlns:a16="http://schemas.microsoft.com/office/drawing/2014/main" id="{9E8F94BF-8D79-1AD4-F776-09A87A1D74CF}"/>
+              </a:ext>
+            </a:extLst>
+          </p:cNvPr>
+          <p:cNvSpPr/>
+          <p:nvPr/>
+        </p:nvSpPr>
+        <p:spPr>
+          <a:xfrm>
+            <a:off x="593490" y="5909937"/>
+            <a:ext cx="11113477" cy="765998"/>
           </a:xfrm>
           <a:prstGeom prst="rect">
             <a:avLst/>
           </a:prstGeom>
-        </p:spPr>
-      </p:pic>
-      <p:sp>
-        <p:nvSpPr>
-          <p:cNvPr id="8" name="Rectangle 7">
-            <a:extLst>
-              <a:ext uri="{FF2B5EF4-FFF2-40B4-BE49-F238E27FC236}">
-                <a16:creationId xmlns:a16="http://schemas.microsoft.com/office/drawing/2014/main" id="{BD37BE26-7B67-87CC-3F27-67FC1777EC1E}"/>
-              </a:ext>
-            </a:extLst>
-          </p:cNvPr>
-          <p:cNvSpPr/>
-          <p:nvPr/>
-        </p:nvSpPr>
-        <p:spPr>
-          <a:xfrm>
-            <a:off x="688157" y="3506771"/>
-            <a:ext cx="10708849" cy="169683"/>
-          </a:xfrm>
-          <a:prstGeom prst="rect">
-            <a:avLst/>
-          </a:prstGeom>
-          <a:noFill/>
-          <a:ln w="28575">
-            <a:solidFill>
-              <a:srgbClr val="FFFF00"/>
-            </a:solidFill>
+          <a:solidFill>
+            <a:schemeClr val="accent5">
+              <a:lumMod val="20000"/>
+              <a:lumOff val="80000"/>
+            </a:schemeClr>
+          </a:solidFill>
+          <a:ln>
+            <a:noFill/>
           </a:ln>
         </p:spPr>
         <p:style>
@@ -7007,32 +7539,31 @@
       </p:sp>
       <p:cxnSp>
         <p:nvCxnSpPr>
-          <p:cNvPr id="11" name="Straight Connector 10">
-            <a:extLst>
-              <a:ext uri="{FF2B5EF4-FFF2-40B4-BE49-F238E27FC236}">
-                <a16:creationId xmlns:a16="http://schemas.microsoft.com/office/drawing/2014/main" id="{E99D9A17-1A23-8F2D-9196-A9631B90723C}"/>
-              </a:ext>
-            </a:extLst>
-          </p:cNvPr>
-          <p:cNvCxnSpPr/>
+          <p:cNvPr id="66" name="Straight Arrow Connector 65">
+            <a:extLst>
+              <a:ext uri="{FF2B5EF4-FFF2-40B4-BE49-F238E27FC236}">
+                <a16:creationId xmlns:a16="http://schemas.microsoft.com/office/drawing/2014/main" id="{C70F216F-D9E4-2474-E195-7276BF6EAB42}"/>
+              </a:ext>
+            </a:extLst>
+          </p:cNvPr>
+          <p:cNvCxnSpPr>
+            <a:cxnSpLocks/>
+          </p:cNvCxnSpPr>
           <p:nvPr/>
         </p:nvCxnSpPr>
         <p:spPr>
           <a:xfrm>
-            <a:off x="688157" y="3297115"/>
-            <a:ext cx="10601166" cy="0"/>
-          </a:xfrm>
-          <a:prstGeom prst="line">
-            <a:avLst/>
-          </a:prstGeom>
-          <a:ln w="28575">
+            <a:off x="2831734" y="6339254"/>
+            <a:ext cx="5004498" cy="0"/>
+          </a:xfrm>
+          <a:prstGeom prst="straightConnector1">
+            <a:avLst/>
+          </a:prstGeom>
+          <a:ln w="57150">
             <a:solidFill>
-              <a:schemeClr val="accent4">
-                <a:lumMod val="20000"/>
-                <a:lumOff val="80000"/>
-              </a:schemeClr>
+              <a:schemeClr val="tx1"/>
             </a:solidFill>
-            <a:prstDash val="dash"/>
+            <a:tailEnd type="triangle"/>
           </a:ln>
         </p:spPr>
         <p:style>
@@ -7052,10 +7583,10 @@
       </p:cxnSp>
       <p:sp>
         <p:nvSpPr>
-          <p:cNvPr id="12" name="Rectangle 11">
-            <a:extLst>
-              <a:ext uri="{FF2B5EF4-FFF2-40B4-BE49-F238E27FC236}">
-                <a16:creationId xmlns:a16="http://schemas.microsoft.com/office/drawing/2014/main" id="{A3549DC4-40BA-1272-B8DE-5D02C5F561F5}"/>
+          <p:cNvPr id="49" name="Rectangle 48">
+            <a:extLst>
+              <a:ext uri="{FF2B5EF4-FFF2-40B4-BE49-F238E27FC236}">
+                <a16:creationId xmlns:a16="http://schemas.microsoft.com/office/drawing/2014/main" id="{737D9853-C583-64C9-5CE8-79EAACFE6945}"/>
               </a:ext>
             </a:extLst>
           </p:cNvPr>
@@ -7064,17 +7595,20 @@
         </p:nvSpPr>
         <p:spPr>
           <a:xfrm>
-            <a:off x="289249" y="4380140"/>
-            <a:ext cx="572397" cy="191860"/>
+            <a:off x="593490" y="5016315"/>
+            <a:ext cx="11113477" cy="765998"/>
           </a:xfrm>
           <a:prstGeom prst="rect">
             <a:avLst/>
           </a:prstGeom>
-          <a:noFill/>
-          <a:ln w="28575">
-            <a:solidFill>
-              <a:schemeClr val="accent4"/>
-            </a:solidFill>
+          <a:solidFill>
+            <a:schemeClr val="accent6">
+              <a:lumMod val="20000"/>
+              <a:lumOff val="80000"/>
+            </a:schemeClr>
+          </a:solidFill>
+          <a:ln>
+            <a:noFill/>
           </a:ln>
         </p:spPr>
         <p:style>
@@ -7102,90 +7636,12 @@
           </a:p>
         </p:txBody>
       </p:sp>
-      <p:sp>
-        <p:nvSpPr>
-          <p:cNvPr id="13" name="TextBox 12">
-            <a:extLst>
-              <a:ext uri="{FF2B5EF4-FFF2-40B4-BE49-F238E27FC236}">
-                <a16:creationId xmlns:a16="http://schemas.microsoft.com/office/drawing/2014/main" id="{4259E792-13EE-CA79-5EB0-A062683BBBC8}"/>
-              </a:ext>
-            </a:extLst>
-          </p:cNvPr>
-          <p:cNvSpPr txBox="1"/>
-          <p:nvPr/>
-        </p:nvSpPr>
-        <p:spPr>
-          <a:xfrm>
-            <a:off x="1037493" y="4255422"/>
-            <a:ext cx="1238481" cy="369332"/>
-          </a:xfrm>
-          <a:prstGeom prst="rect">
-            <a:avLst/>
-          </a:prstGeom>
-          <a:noFill/>
-        </p:spPr>
-        <p:txBody>
-          <a:bodyPr wrap="none" rtlCol="0">
-            <a:spAutoFit/>
-          </a:bodyPr>
-          <a:lstStyle/>
-          <a:p>
-            <a:r>
-              <a:rPr lang="en-US" dirty="0"/>
-              <a:t>Best model</a:t>
-            </a:r>
-          </a:p>
-        </p:txBody>
-      </p:sp>
-      <p:sp>
-        <p:nvSpPr>
-          <p:cNvPr id="14" name="TextBox 13">
-            <a:extLst>
-              <a:ext uri="{FF2B5EF4-FFF2-40B4-BE49-F238E27FC236}">
-                <a16:creationId xmlns:a16="http://schemas.microsoft.com/office/drawing/2014/main" id="{49F066A8-9957-6751-AD8A-343910BB811D}"/>
-              </a:ext>
-            </a:extLst>
-          </p:cNvPr>
-          <p:cNvSpPr txBox="1"/>
-          <p:nvPr/>
-        </p:nvSpPr>
-        <p:spPr>
-          <a:xfrm>
-            <a:off x="1037493" y="4713400"/>
-            <a:ext cx="1568699" cy="369332"/>
-          </a:xfrm>
-          <a:prstGeom prst="rect">
-            <a:avLst/>
-          </a:prstGeom>
-          <a:noFill/>
-        </p:spPr>
-        <p:txBody>
-          <a:bodyPr wrap="none" rtlCol="0">
-            <a:spAutoFit/>
-          </a:bodyPr>
-          <a:lstStyle/>
-          <a:p>
-            <a:r>
-              <a:rPr lang="en-US" dirty="0"/>
-              <a:t>2</a:t>
-            </a:r>
-            <a:r>
-              <a:rPr lang="en-US" baseline="30000" dirty="0"/>
-              <a:t>nd</a:t>
-            </a:r>
-            <a:r>
-              <a:rPr lang="en-US" dirty="0"/>
-              <a:t> Best model</a:t>
-            </a:r>
-          </a:p>
-        </p:txBody>
-      </p:sp>
       <p:cxnSp>
         <p:nvCxnSpPr>
-          <p:cNvPr id="15" name="Straight Connector 14">
-            <a:extLst>
-              <a:ext uri="{FF2B5EF4-FFF2-40B4-BE49-F238E27FC236}">
-                <a16:creationId xmlns:a16="http://schemas.microsoft.com/office/drawing/2014/main" id="{066A4A5F-3CD2-30C3-AF21-81CD605CE74D}"/>
+          <p:cNvPr id="64" name="Straight Arrow Connector 63">
+            <a:extLst>
+              <a:ext uri="{FF2B5EF4-FFF2-40B4-BE49-F238E27FC236}">
+                <a16:creationId xmlns:a16="http://schemas.microsoft.com/office/drawing/2014/main" id="{6FFEC9A1-73EF-0249-CFE3-2508B5865578}"/>
               </a:ext>
             </a:extLst>
           </p:cNvPr>
@@ -7195,18 +7651,18 @@
           <p:nvPr/>
         </p:nvCxnSpPr>
         <p:spPr>
-          <a:xfrm>
-            <a:off x="289249" y="4898066"/>
-            <a:ext cx="572397" cy="0"/>
-          </a:xfrm>
-          <a:prstGeom prst="line">
-            <a:avLst/>
-          </a:prstGeom>
-          <a:ln w="28575">
+          <a:xfrm flipH="1">
+            <a:off x="2669183" y="5378547"/>
+            <a:ext cx="8581293" cy="0"/>
+          </a:xfrm>
+          <a:prstGeom prst="straightConnector1">
+            <a:avLst/>
+          </a:prstGeom>
+          <a:ln w="57150">
             <a:solidFill>
-              <a:schemeClr val="accent4"/>
+              <a:schemeClr val="tx1"/>
             </a:solidFill>
-            <a:prstDash val="dash"/>
+            <a:tailEnd type="triangle"/>
           </a:ln>
         </p:spPr>
         <p:style>
@@ -7226,10 +7682,1139 @@
       </p:cxnSp>
       <p:sp>
         <p:nvSpPr>
-          <p:cNvPr id="17" name="TextBox 16">
-            <a:extLst>
-              <a:ext uri="{FF2B5EF4-FFF2-40B4-BE49-F238E27FC236}">
-                <a16:creationId xmlns:a16="http://schemas.microsoft.com/office/drawing/2014/main" id="{370F4DFF-C31F-D441-B981-B144D4E5D343}"/>
+          <p:cNvPr id="48" name="Rectangle 47">
+            <a:extLst>
+              <a:ext uri="{FF2B5EF4-FFF2-40B4-BE49-F238E27FC236}">
+                <a16:creationId xmlns:a16="http://schemas.microsoft.com/office/drawing/2014/main" id="{4CE5DD2E-FE93-3015-DB7F-2AAC4E2C0FB4}"/>
+              </a:ext>
+            </a:extLst>
+          </p:cNvPr>
+          <p:cNvSpPr/>
+          <p:nvPr/>
+        </p:nvSpPr>
+        <p:spPr>
+          <a:xfrm>
+            <a:off x="593491" y="4123793"/>
+            <a:ext cx="11113477" cy="765998"/>
+          </a:xfrm>
+          <a:prstGeom prst="rect">
+            <a:avLst/>
+          </a:prstGeom>
+          <a:solidFill>
+            <a:schemeClr val="accent2">
+              <a:lumMod val="20000"/>
+              <a:lumOff val="80000"/>
+            </a:schemeClr>
+          </a:solidFill>
+          <a:ln>
+            <a:noFill/>
+          </a:ln>
+        </p:spPr>
+        <p:style>
+          <a:lnRef idx="2">
+            <a:schemeClr val="accent1">
+              <a:shade val="15000"/>
+            </a:schemeClr>
+          </a:lnRef>
+          <a:fillRef idx="1">
+            <a:schemeClr val="accent1"/>
+          </a:fillRef>
+          <a:effectRef idx="0">
+            <a:schemeClr val="accent1"/>
+          </a:effectRef>
+          <a:fontRef idx="minor">
+            <a:schemeClr val="lt1"/>
+          </a:fontRef>
+        </p:style>
+        <p:txBody>
+          <a:bodyPr rtlCol="0" anchor="ctr"/>
+          <a:lstStyle/>
+          <a:p>
+            <a:pPr algn="ctr"/>
+            <a:endParaRPr lang="en-US"/>
+          </a:p>
+        </p:txBody>
+      </p:sp>
+      <p:cxnSp>
+        <p:nvCxnSpPr>
+          <p:cNvPr id="61" name="Straight Arrow Connector 60">
+            <a:extLst>
+              <a:ext uri="{FF2B5EF4-FFF2-40B4-BE49-F238E27FC236}">
+                <a16:creationId xmlns:a16="http://schemas.microsoft.com/office/drawing/2014/main" id="{311B3335-1BC6-59AD-3E81-473336D449B7}"/>
+              </a:ext>
+            </a:extLst>
+          </p:cNvPr>
+          <p:cNvCxnSpPr/>
+          <p:nvPr/>
+        </p:nvCxnSpPr>
+        <p:spPr>
+          <a:xfrm>
+            <a:off x="2772503" y="4514838"/>
+            <a:ext cx="8581293" cy="0"/>
+          </a:xfrm>
+          <a:prstGeom prst="straightConnector1">
+            <a:avLst/>
+          </a:prstGeom>
+          <a:ln w="57150">
+            <a:solidFill>
+              <a:schemeClr val="tx1"/>
+            </a:solidFill>
+            <a:tailEnd type="triangle"/>
+          </a:ln>
+        </p:spPr>
+        <p:style>
+          <a:lnRef idx="1">
+            <a:schemeClr val="accent1"/>
+          </a:lnRef>
+          <a:fillRef idx="0">
+            <a:schemeClr val="accent1"/>
+          </a:fillRef>
+          <a:effectRef idx="0">
+            <a:schemeClr val="accent1"/>
+          </a:effectRef>
+          <a:fontRef idx="minor">
+            <a:schemeClr val="tx1"/>
+          </a:fontRef>
+        </p:style>
+      </p:cxnSp>
+      <p:sp>
+        <p:nvSpPr>
+          <p:cNvPr id="47" name="Rectangle 46">
+            <a:extLst>
+              <a:ext uri="{FF2B5EF4-FFF2-40B4-BE49-F238E27FC236}">
+                <a16:creationId xmlns:a16="http://schemas.microsoft.com/office/drawing/2014/main" id="{0C05C0A5-7CF2-497F-4FF7-50D430F34A5C}"/>
+              </a:ext>
+            </a:extLst>
+          </p:cNvPr>
+          <p:cNvSpPr/>
+          <p:nvPr/>
+        </p:nvSpPr>
+        <p:spPr>
+          <a:xfrm>
+            <a:off x="593491" y="3275247"/>
+            <a:ext cx="11113477" cy="765998"/>
+          </a:xfrm>
+          <a:prstGeom prst="rect">
+            <a:avLst/>
+          </a:prstGeom>
+          <a:solidFill>
+            <a:schemeClr val="accent2">
+              <a:lumMod val="20000"/>
+              <a:lumOff val="80000"/>
+            </a:schemeClr>
+          </a:solidFill>
+          <a:ln>
+            <a:noFill/>
+          </a:ln>
+        </p:spPr>
+        <p:style>
+          <a:lnRef idx="2">
+            <a:schemeClr val="accent1">
+              <a:shade val="15000"/>
+            </a:schemeClr>
+          </a:lnRef>
+          <a:fillRef idx="1">
+            <a:schemeClr val="accent1"/>
+          </a:fillRef>
+          <a:effectRef idx="0">
+            <a:schemeClr val="accent1"/>
+          </a:effectRef>
+          <a:fontRef idx="minor">
+            <a:schemeClr val="lt1"/>
+          </a:fontRef>
+        </p:style>
+        <p:txBody>
+          <a:bodyPr rtlCol="0" anchor="ctr"/>
+          <a:lstStyle/>
+          <a:p>
+            <a:pPr algn="ctr"/>
+            <a:endParaRPr lang="en-US" dirty="0"/>
+          </a:p>
+        </p:txBody>
+      </p:sp>
+      <p:cxnSp>
+        <p:nvCxnSpPr>
+          <p:cNvPr id="60" name="Straight Arrow Connector 59">
+            <a:extLst>
+              <a:ext uri="{FF2B5EF4-FFF2-40B4-BE49-F238E27FC236}">
+                <a16:creationId xmlns:a16="http://schemas.microsoft.com/office/drawing/2014/main" id="{39B1072E-C188-D451-8E93-2F70C88FAE11}"/>
+              </a:ext>
+            </a:extLst>
+          </p:cNvPr>
+          <p:cNvCxnSpPr>
+            <a:cxnSpLocks/>
+          </p:cNvCxnSpPr>
+          <p:nvPr/>
+        </p:nvCxnSpPr>
+        <p:spPr>
+          <a:xfrm flipH="1">
+            <a:off x="2688967" y="3758509"/>
+            <a:ext cx="8581293" cy="0"/>
+          </a:xfrm>
+          <a:prstGeom prst="straightConnector1">
+            <a:avLst/>
+          </a:prstGeom>
+          <a:ln w="57150">
+            <a:solidFill>
+              <a:schemeClr val="tx1"/>
+            </a:solidFill>
+            <a:tailEnd type="triangle"/>
+          </a:ln>
+        </p:spPr>
+        <p:style>
+          <a:lnRef idx="1">
+            <a:schemeClr val="accent1"/>
+          </a:lnRef>
+          <a:fillRef idx="0">
+            <a:schemeClr val="accent1"/>
+          </a:fillRef>
+          <a:effectRef idx="0">
+            <a:schemeClr val="accent1"/>
+          </a:effectRef>
+          <a:fontRef idx="minor">
+            <a:schemeClr val="tx1"/>
+          </a:fontRef>
+        </p:style>
+      </p:cxnSp>
+      <p:sp>
+        <p:nvSpPr>
+          <p:cNvPr id="35" name="Rectangle 34">
+            <a:extLst>
+              <a:ext uri="{FF2B5EF4-FFF2-40B4-BE49-F238E27FC236}">
+                <a16:creationId xmlns:a16="http://schemas.microsoft.com/office/drawing/2014/main" id="{7BA54EE1-D6AE-96B6-7F5D-6A70902A853B}"/>
+              </a:ext>
+            </a:extLst>
+          </p:cNvPr>
+          <p:cNvSpPr/>
+          <p:nvPr/>
+        </p:nvSpPr>
+        <p:spPr>
+          <a:xfrm>
+            <a:off x="593492" y="2410114"/>
+            <a:ext cx="11113477" cy="765998"/>
+          </a:xfrm>
+          <a:prstGeom prst="rect">
+            <a:avLst/>
+          </a:prstGeom>
+          <a:solidFill>
+            <a:schemeClr val="accent2">
+              <a:lumMod val="20000"/>
+              <a:lumOff val="80000"/>
+            </a:schemeClr>
+          </a:solidFill>
+          <a:ln>
+            <a:noFill/>
+          </a:ln>
+        </p:spPr>
+        <p:style>
+          <a:lnRef idx="2">
+            <a:schemeClr val="accent1">
+              <a:shade val="15000"/>
+            </a:schemeClr>
+          </a:lnRef>
+          <a:fillRef idx="1">
+            <a:schemeClr val="accent1"/>
+          </a:fillRef>
+          <a:effectRef idx="0">
+            <a:schemeClr val="accent1"/>
+          </a:effectRef>
+          <a:fontRef idx="minor">
+            <a:schemeClr val="lt1"/>
+          </a:fontRef>
+        </p:style>
+        <p:txBody>
+          <a:bodyPr rtlCol="0" anchor="ctr"/>
+          <a:lstStyle/>
+          <a:p>
+            <a:pPr algn="ctr"/>
+            <a:endParaRPr lang="en-US"/>
+          </a:p>
+        </p:txBody>
+      </p:sp>
+      <p:cxnSp>
+        <p:nvCxnSpPr>
+          <p:cNvPr id="58" name="Straight Arrow Connector 57">
+            <a:extLst>
+              <a:ext uri="{FF2B5EF4-FFF2-40B4-BE49-F238E27FC236}">
+                <a16:creationId xmlns:a16="http://schemas.microsoft.com/office/drawing/2014/main" id="{BE7AF3A2-DB62-B282-E100-E2B23FBFF7CD}"/>
+              </a:ext>
+            </a:extLst>
+          </p:cNvPr>
+          <p:cNvCxnSpPr/>
+          <p:nvPr/>
+        </p:nvCxnSpPr>
+        <p:spPr>
+          <a:xfrm>
+            <a:off x="2772503" y="2885086"/>
+            <a:ext cx="8581293" cy="0"/>
+          </a:xfrm>
+          <a:prstGeom prst="straightConnector1">
+            <a:avLst/>
+          </a:prstGeom>
+          <a:ln w="57150">
+            <a:solidFill>
+              <a:schemeClr val="tx1"/>
+            </a:solidFill>
+            <a:tailEnd type="triangle"/>
+          </a:ln>
+        </p:spPr>
+        <p:style>
+          <a:lnRef idx="1">
+            <a:schemeClr val="accent1"/>
+          </a:lnRef>
+          <a:fillRef idx="0">
+            <a:schemeClr val="accent1"/>
+          </a:fillRef>
+          <a:effectRef idx="0">
+            <a:schemeClr val="accent1"/>
+          </a:effectRef>
+          <a:fontRef idx="minor">
+            <a:schemeClr val="tx1"/>
+          </a:fontRef>
+        </p:style>
+      </p:cxnSp>
+      <p:sp>
+        <p:nvSpPr>
+          <p:cNvPr id="34" name="Rectangle 33">
+            <a:extLst>
+              <a:ext uri="{FF2B5EF4-FFF2-40B4-BE49-F238E27FC236}">
+                <a16:creationId xmlns:a16="http://schemas.microsoft.com/office/drawing/2014/main" id="{39E9E919-B7E3-1987-F227-9422B5AC431B}"/>
+              </a:ext>
+            </a:extLst>
+          </p:cNvPr>
+          <p:cNvSpPr/>
+          <p:nvPr/>
+        </p:nvSpPr>
+        <p:spPr>
+          <a:xfrm>
+            <a:off x="593492" y="1583299"/>
+            <a:ext cx="11113477" cy="765998"/>
+          </a:xfrm>
+          <a:prstGeom prst="rect">
+            <a:avLst/>
+          </a:prstGeom>
+          <a:solidFill>
+            <a:schemeClr val="accent2">
+              <a:lumMod val="20000"/>
+              <a:lumOff val="80000"/>
+            </a:schemeClr>
+          </a:solidFill>
+          <a:ln>
+            <a:noFill/>
+          </a:ln>
+        </p:spPr>
+        <p:style>
+          <a:lnRef idx="2">
+            <a:schemeClr val="accent1">
+              <a:shade val="15000"/>
+            </a:schemeClr>
+          </a:lnRef>
+          <a:fillRef idx="1">
+            <a:schemeClr val="accent1"/>
+          </a:fillRef>
+          <a:effectRef idx="0">
+            <a:schemeClr val="accent1"/>
+          </a:effectRef>
+          <a:fontRef idx="minor">
+            <a:schemeClr val="lt1"/>
+          </a:fontRef>
+        </p:style>
+        <p:txBody>
+          <a:bodyPr rtlCol="0" anchor="ctr"/>
+          <a:lstStyle/>
+          <a:p>
+            <a:pPr algn="ctr"/>
+            <a:endParaRPr lang="en-US" dirty="0"/>
+          </a:p>
+        </p:txBody>
+      </p:sp>
+      <p:cxnSp>
+        <p:nvCxnSpPr>
+          <p:cNvPr id="56" name="Straight Arrow Connector 55">
+            <a:extLst>
+              <a:ext uri="{FF2B5EF4-FFF2-40B4-BE49-F238E27FC236}">
+                <a16:creationId xmlns:a16="http://schemas.microsoft.com/office/drawing/2014/main" id="{6DB5AF72-F8F1-4B47-A7C8-2A2707DCA3B3}"/>
+              </a:ext>
+            </a:extLst>
+          </p:cNvPr>
+          <p:cNvCxnSpPr>
+            <a:cxnSpLocks/>
+          </p:cNvCxnSpPr>
+          <p:nvPr/>
+        </p:nvCxnSpPr>
+        <p:spPr>
+          <a:xfrm flipH="1">
+            <a:off x="2699238" y="2013432"/>
+            <a:ext cx="8581293" cy="0"/>
+          </a:xfrm>
+          <a:prstGeom prst="straightConnector1">
+            <a:avLst/>
+          </a:prstGeom>
+          <a:ln w="57150">
+            <a:solidFill>
+              <a:schemeClr val="tx1"/>
+            </a:solidFill>
+            <a:tailEnd type="triangle"/>
+          </a:ln>
+        </p:spPr>
+        <p:style>
+          <a:lnRef idx="1">
+            <a:schemeClr val="accent1"/>
+          </a:lnRef>
+          <a:fillRef idx="0">
+            <a:schemeClr val="accent1"/>
+          </a:fillRef>
+          <a:effectRef idx="0">
+            <a:schemeClr val="accent1"/>
+          </a:effectRef>
+          <a:fontRef idx="minor">
+            <a:schemeClr val="tx1"/>
+          </a:fontRef>
+        </p:style>
+      </p:cxnSp>
+      <p:sp>
+        <p:nvSpPr>
+          <p:cNvPr id="28" name="Rectangle 27">
+            <a:extLst>
+              <a:ext uri="{FF2B5EF4-FFF2-40B4-BE49-F238E27FC236}">
+                <a16:creationId xmlns:a16="http://schemas.microsoft.com/office/drawing/2014/main" id="{273FAD57-A013-8437-C9A9-3FF73DA71CBD}"/>
+              </a:ext>
+            </a:extLst>
+          </p:cNvPr>
+          <p:cNvSpPr/>
+          <p:nvPr/>
+        </p:nvSpPr>
+        <p:spPr>
+          <a:xfrm>
+            <a:off x="593492" y="754793"/>
+            <a:ext cx="11113477" cy="765998"/>
+          </a:xfrm>
+          <a:prstGeom prst="rect">
+            <a:avLst/>
+          </a:prstGeom>
+          <a:solidFill>
+            <a:schemeClr val="accent2">
+              <a:lumMod val="20000"/>
+              <a:lumOff val="80000"/>
+            </a:schemeClr>
+          </a:solidFill>
+          <a:ln>
+            <a:noFill/>
+          </a:ln>
+        </p:spPr>
+        <p:style>
+          <a:lnRef idx="2">
+            <a:schemeClr val="accent1">
+              <a:shade val="15000"/>
+            </a:schemeClr>
+          </a:lnRef>
+          <a:fillRef idx="1">
+            <a:schemeClr val="accent1"/>
+          </a:fillRef>
+          <a:effectRef idx="0">
+            <a:schemeClr val="accent1"/>
+          </a:effectRef>
+          <a:fontRef idx="minor">
+            <a:schemeClr val="lt1"/>
+          </a:fontRef>
+        </p:style>
+        <p:txBody>
+          <a:bodyPr rtlCol="0" anchor="ctr"/>
+          <a:lstStyle/>
+          <a:p>
+            <a:pPr algn="ctr"/>
+            <a:endParaRPr lang="en-US" dirty="0"/>
+          </a:p>
+        </p:txBody>
+      </p:sp>
+      <p:sp>
+        <p:nvSpPr>
+          <p:cNvPr id="2" name="Rectangle: Rounded Corners 1">
+            <a:extLst>
+              <a:ext uri="{FF2B5EF4-FFF2-40B4-BE49-F238E27FC236}">
+                <a16:creationId xmlns:a16="http://schemas.microsoft.com/office/drawing/2014/main" id="{67F7D612-5530-C39D-D087-651EF120E0B2}"/>
+              </a:ext>
+            </a:extLst>
+          </p:cNvPr>
+          <p:cNvSpPr/>
+          <p:nvPr/>
+        </p:nvSpPr>
+        <p:spPr>
+          <a:xfrm>
+            <a:off x="485031" y="865866"/>
+            <a:ext cx="2057403" cy="576072"/>
+          </a:xfrm>
+          <a:prstGeom prst="roundRect">
+            <a:avLst/>
+          </a:prstGeom>
+          <a:noFill/>
+          <a:ln w="28575">
+            <a:noFill/>
+          </a:ln>
+        </p:spPr>
+        <p:style>
+          <a:lnRef idx="2">
+            <a:schemeClr val="accent1">
+              <a:shade val="15000"/>
+            </a:schemeClr>
+          </a:lnRef>
+          <a:fillRef idx="1">
+            <a:schemeClr val="accent1"/>
+          </a:fillRef>
+          <a:effectRef idx="0">
+            <a:schemeClr val="accent1"/>
+          </a:effectRef>
+          <a:fontRef idx="minor">
+            <a:schemeClr val="lt1"/>
+          </a:fontRef>
+        </p:style>
+        <p:txBody>
+          <a:bodyPr rtlCol="0" anchor="ctr"/>
+          <a:lstStyle/>
+          <a:p>
+            <a:pPr algn="ctr"/>
+            <a:r>
+              <a:rPr lang="en-US" sz="1400" b="1" dirty="0">
+                <a:solidFill>
+                  <a:schemeClr val="tx1"/>
+                </a:solidFill>
+              </a:rPr>
+              <a:t>Pre-processing</a:t>
+            </a:r>
+            <a:endParaRPr lang="en-US" sz="2000" b="1" dirty="0">
+              <a:solidFill>
+                <a:schemeClr val="tx1"/>
+              </a:solidFill>
+            </a:endParaRPr>
+          </a:p>
+        </p:txBody>
+      </p:sp>
+      <p:sp>
+        <p:nvSpPr>
+          <p:cNvPr id="3" name="Rectangle: Rounded Corners 2">
+            <a:extLst>
+              <a:ext uri="{FF2B5EF4-FFF2-40B4-BE49-F238E27FC236}">
+                <a16:creationId xmlns:a16="http://schemas.microsoft.com/office/drawing/2014/main" id="{4266C54E-53EB-E4EF-B7FF-D94993CA5C71}"/>
+              </a:ext>
+            </a:extLst>
+          </p:cNvPr>
+          <p:cNvSpPr/>
+          <p:nvPr/>
+        </p:nvSpPr>
+        <p:spPr>
+          <a:xfrm>
+            <a:off x="485032" y="1676395"/>
+            <a:ext cx="2057403" cy="576072"/>
+          </a:xfrm>
+          <a:prstGeom prst="roundRect">
+            <a:avLst/>
+          </a:prstGeom>
+          <a:noFill/>
+          <a:ln w="28575">
+            <a:noFill/>
+          </a:ln>
+        </p:spPr>
+        <p:style>
+          <a:lnRef idx="2">
+            <a:schemeClr val="accent1">
+              <a:shade val="15000"/>
+            </a:schemeClr>
+          </a:lnRef>
+          <a:fillRef idx="1">
+            <a:schemeClr val="accent1"/>
+          </a:fillRef>
+          <a:effectRef idx="0">
+            <a:schemeClr val="accent1"/>
+          </a:effectRef>
+          <a:fontRef idx="minor">
+            <a:schemeClr val="lt1"/>
+          </a:fontRef>
+        </p:style>
+        <p:txBody>
+          <a:bodyPr rtlCol="0" anchor="ctr"/>
+          <a:lstStyle/>
+          <a:p>
+            <a:pPr algn="ctr"/>
+            <a:r>
+              <a:rPr lang="en-US" sz="1400" b="1" dirty="0">
+                <a:solidFill>
+                  <a:schemeClr val="tx1"/>
+                </a:solidFill>
+              </a:rPr>
+              <a:t>Baseline Models</a:t>
+            </a:r>
+            <a:endParaRPr lang="en-US" sz="2000" b="1" dirty="0">
+              <a:solidFill>
+                <a:schemeClr val="tx1"/>
+              </a:solidFill>
+            </a:endParaRPr>
+          </a:p>
+        </p:txBody>
+      </p:sp>
+      <p:sp>
+        <p:nvSpPr>
+          <p:cNvPr id="5" name="Rectangle: Rounded Corners 4">
+            <a:extLst>
+              <a:ext uri="{FF2B5EF4-FFF2-40B4-BE49-F238E27FC236}">
+                <a16:creationId xmlns:a16="http://schemas.microsoft.com/office/drawing/2014/main" id="{FAB975E1-9473-604C-5897-8FB7403C2459}"/>
+              </a:ext>
+            </a:extLst>
+          </p:cNvPr>
+          <p:cNvSpPr/>
+          <p:nvPr/>
+        </p:nvSpPr>
+        <p:spPr>
+          <a:xfrm>
+            <a:off x="485031" y="2495114"/>
+            <a:ext cx="2057403" cy="576072"/>
+          </a:xfrm>
+          <a:prstGeom prst="roundRect">
+            <a:avLst/>
+          </a:prstGeom>
+          <a:noFill/>
+          <a:ln w="28575">
+            <a:noFill/>
+          </a:ln>
+        </p:spPr>
+        <p:style>
+          <a:lnRef idx="2">
+            <a:schemeClr val="accent1">
+              <a:shade val="15000"/>
+            </a:schemeClr>
+          </a:lnRef>
+          <a:fillRef idx="1">
+            <a:schemeClr val="accent1"/>
+          </a:fillRef>
+          <a:effectRef idx="0">
+            <a:schemeClr val="accent1"/>
+          </a:effectRef>
+          <a:fontRef idx="minor">
+            <a:schemeClr val="lt1"/>
+          </a:fontRef>
+        </p:style>
+        <p:txBody>
+          <a:bodyPr rtlCol="0" anchor="ctr"/>
+          <a:lstStyle/>
+          <a:p>
+            <a:pPr algn="ctr"/>
+            <a:r>
+              <a:rPr lang="en-US" sz="1400" b="1" dirty="0">
+                <a:solidFill>
+                  <a:schemeClr val="tx1"/>
+                </a:solidFill>
+              </a:rPr>
+              <a:t>Feature Selection</a:t>
+            </a:r>
+          </a:p>
+        </p:txBody>
+      </p:sp>
+      <p:sp>
+        <p:nvSpPr>
+          <p:cNvPr id="6" name="Rectangle: Rounded Corners 5">
+            <a:extLst>
+              <a:ext uri="{FF2B5EF4-FFF2-40B4-BE49-F238E27FC236}">
+                <a16:creationId xmlns:a16="http://schemas.microsoft.com/office/drawing/2014/main" id="{4CC4C955-AAB9-F2BB-C933-5898643BFDFC}"/>
+              </a:ext>
+            </a:extLst>
+          </p:cNvPr>
+          <p:cNvSpPr/>
+          <p:nvPr/>
+        </p:nvSpPr>
+        <p:spPr>
+          <a:xfrm>
+            <a:off x="485031" y="3357795"/>
+            <a:ext cx="2057403" cy="576072"/>
+          </a:xfrm>
+          <a:prstGeom prst="roundRect">
+            <a:avLst/>
+          </a:prstGeom>
+          <a:noFill/>
+          <a:ln w="28575">
+            <a:noFill/>
+          </a:ln>
+        </p:spPr>
+        <p:style>
+          <a:lnRef idx="2">
+            <a:schemeClr val="accent1">
+              <a:shade val="15000"/>
+            </a:schemeClr>
+          </a:lnRef>
+          <a:fillRef idx="1">
+            <a:schemeClr val="accent1"/>
+          </a:fillRef>
+          <a:effectRef idx="0">
+            <a:schemeClr val="accent1"/>
+          </a:effectRef>
+          <a:fontRef idx="minor">
+            <a:schemeClr val="lt1"/>
+          </a:fontRef>
+        </p:style>
+        <p:txBody>
+          <a:bodyPr rtlCol="0" anchor="ctr"/>
+          <a:lstStyle/>
+          <a:p>
+            <a:pPr algn="ctr"/>
+            <a:r>
+              <a:rPr lang="en-US" sz="1400" b="1" dirty="0">
+                <a:solidFill>
+                  <a:schemeClr val="tx1"/>
+                </a:solidFill>
+              </a:rPr>
+              <a:t>Feature Engineering</a:t>
+            </a:r>
+          </a:p>
+        </p:txBody>
+      </p:sp>
+      <p:sp>
+        <p:nvSpPr>
+          <p:cNvPr id="7" name="Rectangle: Rounded Corners 6">
+            <a:extLst>
+              <a:ext uri="{FF2B5EF4-FFF2-40B4-BE49-F238E27FC236}">
+                <a16:creationId xmlns:a16="http://schemas.microsoft.com/office/drawing/2014/main" id="{43592253-69E2-19CD-4360-90A9E0131FF9}"/>
+              </a:ext>
+            </a:extLst>
+          </p:cNvPr>
+          <p:cNvSpPr/>
+          <p:nvPr/>
+        </p:nvSpPr>
+        <p:spPr>
+          <a:xfrm>
+            <a:off x="485031" y="4229062"/>
+            <a:ext cx="2057403" cy="571552"/>
+          </a:xfrm>
+          <a:prstGeom prst="roundRect">
+            <a:avLst/>
+          </a:prstGeom>
+          <a:noFill/>
+          <a:ln w="28575">
+            <a:noFill/>
+          </a:ln>
+        </p:spPr>
+        <p:style>
+          <a:lnRef idx="2">
+            <a:schemeClr val="accent1">
+              <a:shade val="15000"/>
+            </a:schemeClr>
+          </a:lnRef>
+          <a:fillRef idx="1">
+            <a:schemeClr val="accent1"/>
+          </a:fillRef>
+          <a:effectRef idx="0">
+            <a:schemeClr val="accent1"/>
+          </a:effectRef>
+          <a:fontRef idx="minor">
+            <a:schemeClr val="lt1"/>
+          </a:fontRef>
+        </p:style>
+        <p:txBody>
+          <a:bodyPr rtlCol="0" anchor="ctr"/>
+          <a:lstStyle/>
+          <a:p>
+            <a:pPr algn="ctr"/>
+            <a:r>
+              <a:rPr lang="en-US" sz="1400" b="1" dirty="0">
+                <a:solidFill>
+                  <a:schemeClr val="tx1"/>
+                </a:solidFill>
+              </a:rPr>
+              <a:t>Synthetic Data Generation</a:t>
+            </a:r>
+          </a:p>
+        </p:txBody>
+      </p:sp>
+      <p:sp>
+        <p:nvSpPr>
+          <p:cNvPr id="9" name="Rectangle: Rounded Corners 8">
+            <a:extLst>
+              <a:ext uri="{FF2B5EF4-FFF2-40B4-BE49-F238E27FC236}">
+                <a16:creationId xmlns:a16="http://schemas.microsoft.com/office/drawing/2014/main" id="{6E8CF98C-5B3A-1A15-0740-AA7D73AFC2AD}"/>
+              </a:ext>
+            </a:extLst>
+          </p:cNvPr>
+          <p:cNvSpPr/>
+          <p:nvPr/>
+        </p:nvSpPr>
+        <p:spPr>
+          <a:xfrm>
+            <a:off x="485031" y="5137645"/>
+            <a:ext cx="2057403" cy="571553"/>
+          </a:xfrm>
+          <a:prstGeom prst="roundRect">
+            <a:avLst/>
+          </a:prstGeom>
+          <a:noFill/>
+          <a:ln w="28575">
+            <a:noFill/>
+          </a:ln>
+        </p:spPr>
+        <p:style>
+          <a:lnRef idx="2">
+            <a:schemeClr val="accent1">
+              <a:shade val="15000"/>
+            </a:schemeClr>
+          </a:lnRef>
+          <a:fillRef idx="1">
+            <a:schemeClr val="accent1"/>
+          </a:fillRef>
+          <a:effectRef idx="0">
+            <a:schemeClr val="accent1"/>
+          </a:effectRef>
+          <a:fontRef idx="minor">
+            <a:schemeClr val="lt1"/>
+          </a:fontRef>
+        </p:style>
+        <p:txBody>
+          <a:bodyPr rtlCol="0" anchor="ctr"/>
+          <a:lstStyle/>
+          <a:p>
+            <a:pPr algn="ctr"/>
+            <a:r>
+              <a:rPr lang="en-US" sz="1400" b="1" dirty="0">
+                <a:solidFill>
+                  <a:schemeClr val="tx1"/>
+                </a:solidFill>
+              </a:rPr>
+              <a:t>Post-training Analysis &amp; Feature Importance</a:t>
+            </a:r>
+          </a:p>
+        </p:txBody>
+      </p:sp>
+      <p:sp>
+        <p:nvSpPr>
+          <p:cNvPr id="14" name="Rectangle: Rounded Corners 13">
+            <a:extLst>
+              <a:ext uri="{FF2B5EF4-FFF2-40B4-BE49-F238E27FC236}">
+                <a16:creationId xmlns:a16="http://schemas.microsoft.com/office/drawing/2014/main" id="{88B8F387-AEE8-D7CE-ADA8-D0BF2473E64A}"/>
+              </a:ext>
+            </a:extLst>
+          </p:cNvPr>
+          <p:cNvSpPr/>
+          <p:nvPr/>
+        </p:nvSpPr>
+        <p:spPr>
+          <a:xfrm>
+            <a:off x="3141781" y="1676395"/>
+            <a:ext cx="1315920" cy="576072"/>
+          </a:xfrm>
+          <a:prstGeom prst="roundRect">
+            <a:avLst/>
+          </a:prstGeom>
+          <a:solidFill>
+            <a:srgbClr val="FBE5D6"/>
+          </a:solidFill>
+          <a:ln w="28575">
+            <a:solidFill>
+              <a:srgbClr val="002060"/>
+            </a:solidFill>
+          </a:ln>
+        </p:spPr>
+        <p:style>
+          <a:lnRef idx="2">
+            <a:schemeClr val="accent1">
+              <a:shade val="15000"/>
+            </a:schemeClr>
+          </a:lnRef>
+          <a:fillRef idx="1">
+            <a:schemeClr val="accent1"/>
+          </a:fillRef>
+          <a:effectRef idx="0">
+            <a:schemeClr val="accent1"/>
+          </a:effectRef>
+          <a:fontRef idx="minor">
+            <a:schemeClr val="lt1"/>
+          </a:fontRef>
+        </p:style>
+        <p:txBody>
+          <a:bodyPr rtlCol="0" anchor="ctr"/>
+          <a:lstStyle/>
+          <a:p>
+            <a:pPr algn="ctr"/>
+            <a:r>
+              <a:rPr lang="en-US" sz="1200" b="1" dirty="0">
+                <a:solidFill>
+                  <a:schemeClr val="tx1"/>
+                </a:solidFill>
+              </a:rPr>
+              <a:t>Decision Tree</a:t>
+            </a:r>
+          </a:p>
+          <a:p>
+            <a:pPr algn="ctr"/>
+            <a:r>
+              <a:rPr lang="en-US" sz="1200" b="1" dirty="0">
+                <a:solidFill>
+                  <a:schemeClr val="tx1"/>
+                </a:solidFill>
+              </a:rPr>
+              <a:t>Random Forest</a:t>
+            </a:r>
+            <a:endParaRPr lang="en-US" b="1" dirty="0">
+              <a:solidFill>
+                <a:schemeClr val="tx1"/>
+              </a:solidFill>
+            </a:endParaRPr>
+          </a:p>
+        </p:txBody>
+      </p:sp>
+      <p:sp>
+        <p:nvSpPr>
+          <p:cNvPr id="15" name="Rectangle: Rounded Corners 14">
+            <a:extLst>
+              <a:ext uri="{FF2B5EF4-FFF2-40B4-BE49-F238E27FC236}">
+                <a16:creationId xmlns:a16="http://schemas.microsoft.com/office/drawing/2014/main" id="{55E0A476-5B25-189F-FAE5-1F07E3841568}"/>
+              </a:ext>
+            </a:extLst>
+          </p:cNvPr>
+          <p:cNvSpPr/>
+          <p:nvPr/>
+        </p:nvSpPr>
+        <p:spPr>
+          <a:xfrm>
+            <a:off x="3141782" y="3357795"/>
+            <a:ext cx="1802423" cy="576072"/>
+          </a:xfrm>
+          <a:prstGeom prst="roundRect">
+            <a:avLst/>
+          </a:prstGeom>
+          <a:solidFill>
+            <a:srgbClr val="FBE5D6"/>
+          </a:solidFill>
+          <a:ln w="28575">
+            <a:solidFill>
+              <a:srgbClr val="002060"/>
+            </a:solidFill>
+          </a:ln>
+        </p:spPr>
+        <p:style>
+          <a:lnRef idx="2">
+            <a:schemeClr val="accent1">
+              <a:shade val="15000"/>
+            </a:schemeClr>
+          </a:lnRef>
+          <a:fillRef idx="1">
+            <a:schemeClr val="accent1"/>
+          </a:fillRef>
+          <a:effectRef idx="0">
+            <a:schemeClr val="accent1"/>
+          </a:effectRef>
+          <a:fontRef idx="minor">
+            <a:schemeClr val="lt1"/>
+          </a:fontRef>
+        </p:style>
+        <p:txBody>
+          <a:bodyPr rtlCol="0" anchor="ctr"/>
+          <a:lstStyle/>
+          <a:p>
+            <a:pPr algn="ctr"/>
+            <a:r>
+              <a:rPr lang="en-US" sz="1400" b="1" dirty="0" err="1">
+                <a:solidFill>
+                  <a:schemeClr val="tx1"/>
+                </a:solidFill>
+              </a:rPr>
+              <a:t>AutoFeat</a:t>
+            </a:r>
+            <a:endParaRPr lang="en-US" b="1" dirty="0">
+              <a:solidFill>
+                <a:schemeClr val="tx1"/>
+              </a:solidFill>
+            </a:endParaRPr>
+          </a:p>
+        </p:txBody>
+      </p:sp>
+      <p:sp>
+        <p:nvSpPr>
+          <p:cNvPr id="17" name="Rectangle: Rounded Corners 16">
+            <a:extLst>
+              <a:ext uri="{FF2B5EF4-FFF2-40B4-BE49-F238E27FC236}">
+                <a16:creationId xmlns:a16="http://schemas.microsoft.com/office/drawing/2014/main" id="{9A40FBB1-3DD5-9468-51BC-86BD927035E9}"/>
+              </a:ext>
+            </a:extLst>
+          </p:cNvPr>
+          <p:cNvSpPr/>
+          <p:nvPr/>
+        </p:nvSpPr>
+        <p:spPr>
+          <a:xfrm>
+            <a:off x="3148677" y="4207735"/>
+            <a:ext cx="1979737" cy="576072"/>
+          </a:xfrm>
+          <a:prstGeom prst="roundRect">
+            <a:avLst/>
+          </a:prstGeom>
+          <a:solidFill>
+            <a:srgbClr val="FBE5D6"/>
+          </a:solidFill>
+          <a:ln w="28575">
+            <a:solidFill>
+              <a:srgbClr val="002060"/>
+            </a:solidFill>
+          </a:ln>
+        </p:spPr>
+        <p:style>
+          <a:lnRef idx="2">
+            <a:schemeClr val="accent1">
+              <a:shade val="15000"/>
+            </a:schemeClr>
+          </a:lnRef>
+          <a:fillRef idx="1">
+            <a:schemeClr val="accent1"/>
+          </a:fillRef>
+          <a:effectRef idx="0">
+            <a:schemeClr val="accent1"/>
+          </a:effectRef>
+          <a:fontRef idx="minor">
+            <a:schemeClr val="lt1"/>
+          </a:fontRef>
+        </p:style>
+        <p:txBody>
+          <a:bodyPr rtlCol="0" anchor="ctr"/>
+          <a:lstStyle/>
+          <a:p>
+            <a:pPr algn="ctr"/>
+            <a:r>
+              <a:rPr lang="en-US" sz="1200" b="1" dirty="0">
+                <a:solidFill>
+                  <a:schemeClr val="tx1"/>
+                </a:solidFill>
+              </a:rPr>
+              <a:t>GANs</a:t>
+            </a:r>
+            <a:endParaRPr lang="en-US" b="1" dirty="0">
+              <a:solidFill>
+                <a:schemeClr val="tx1"/>
+              </a:solidFill>
+            </a:endParaRPr>
+          </a:p>
+        </p:txBody>
+      </p:sp>
+      <p:sp>
+        <p:nvSpPr>
+          <p:cNvPr id="18" name="Rectangle: Rounded Corners 17">
+            <a:extLst>
+              <a:ext uri="{FF2B5EF4-FFF2-40B4-BE49-F238E27FC236}">
+                <a16:creationId xmlns:a16="http://schemas.microsoft.com/office/drawing/2014/main" id="{5AB5B445-182A-A747-9021-25E8F2E3B691}"/>
+              </a:ext>
+            </a:extLst>
+          </p:cNvPr>
+          <p:cNvSpPr/>
+          <p:nvPr/>
+        </p:nvSpPr>
+        <p:spPr>
+          <a:xfrm>
+            <a:off x="5236874" y="4229062"/>
+            <a:ext cx="1979737" cy="576072"/>
+          </a:xfrm>
+          <a:prstGeom prst="roundRect">
+            <a:avLst/>
+          </a:prstGeom>
+          <a:solidFill>
+            <a:srgbClr val="FBE5D6"/>
+          </a:solidFill>
+          <a:ln w="28575">
+            <a:solidFill>
+              <a:srgbClr val="002060"/>
+            </a:solidFill>
+          </a:ln>
+        </p:spPr>
+        <p:style>
+          <a:lnRef idx="2">
+            <a:schemeClr val="accent1">
+              <a:shade val="15000"/>
+            </a:schemeClr>
+          </a:lnRef>
+          <a:fillRef idx="1">
+            <a:schemeClr val="accent1"/>
+          </a:fillRef>
+          <a:effectRef idx="0">
+            <a:schemeClr val="accent1"/>
+          </a:effectRef>
+          <a:fontRef idx="minor">
+            <a:schemeClr val="lt1"/>
+          </a:fontRef>
+        </p:style>
+        <p:txBody>
+          <a:bodyPr rtlCol="0" anchor="ctr"/>
+          <a:lstStyle/>
+          <a:p>
+            <a:pPr algn="ctr"/>
+            <a:r>
+              <a:rPr lang="en-US" sz="1200" b="1" dirty="0">
+                <a:solidFill>
+                  <a:schemeClr val="tx1"/>
+                </a:solidFill>
+              </a:rPr>
+              <a:t>Bayesian</a:t>
+            </a:r>
+            <a:endParaRPr lang="en-US" b="1" dirty="0">
+              <a:solidFill>
+                <a:schemeClr val="tx1"/>
+              </a:solidFill>
+            </a:endParaRPr>
+          </a:p>
+        </p:txBody>
+      </p:sp>
+      <p:sp>
+        <p:nvSpPr>
+          <p:cNvPr id="19" name="Arrow: Down 18">
+            <a:extLst>
+              <a:ext uri="{FF2B5EF4-FFF2-40B4-BE49-F238E27FC236}">
+                <a16:creationId xmlns:a16="http://schemas.microsoft.com/office/drawing/2014/main" id="{0A49A726-EA9D-5994-592D-FDAF3115B4C3}"/>
+              </a:ext>
+            </a:extLst>
+          </p:cNvPr>
+          <p:cNvSpPr/>
+          <p:nvPr/>
+        </p:nvSpPr>
+        <p:spPr>
+          <a:xfrm>
+            <a:off x="4889555" y="334433"/>
+            <a:ext cx="2946677" cy="461665"/>
+          </a:xfrm>
+          <a:prstGeom prst="downArrow">
+            <a:avLst>
+              <a:gd name="adj1" fmla="val 42242"/>
+              <a:gd name="adj2" fmla="val 49362"/>
+            </a:avLst>
+          </a:prstGeom>
+          <a:solidFill>
+            <a:schemeClr val="bg2"/>
+          </a:solidFill>
+          <a:ln>
+            <a:noFill/>
+          </a:ln>
+        </p:spPr>
+        <p:style>
+          <a:lnRef idx="2">
+            <a:schemeClr val="accent1">
+              <a:shade val="15000"/>
+            </a:schemeClr>
+          </a:lnRef>
+          <a:fillRef idx="1">
+            <a:schemeClr val="accent1"/>
+          </a:fillRef>
+          <a:effectRef idx="0">
+            <a:schemeClr val="accent1"/>
+          </a:effectRef>
+          <a:fontRef idx="minor">
+            <a:schemeClr val="lt1"/>
+          </a:fontRef>
+        </p:style>
+        <p:txBody>
+          <a:bodyPr rtlCol="0" anchor="ctr"/>
+          <a:lstStyle/>
+          <a:p>
+            <a:pPr algn="ctr"/>
+            <a:endParaRPr lang="en-US"/>
+          </a:p>
+        </p:txBody>
+      </p:sp>
+      <p:sp>
+        <p:nvSpPr>
+          <p:cNvPr id="4" name="TextBox 3">
+            <a:extLst>
+              <a:ext uri="{FF2B5EF4-FFF2-40B4-BE49-F238E27FC236}">
+                <a16:creationId xmlns:a16="http://schemas.microsoft.com/office/drawing/2014/main" id="{6A6636DC-C571-EDD2-B273-2EE0A9D68482}"/>
               </a:ext>
             </a:extLst>
           </p:cNvPr>
@@ -7238,8 +8823,8 @@
         </p:nvSpPr>
         <p:spPr>
           <a:xfrm>
-            <a:off x="1142560" y="611007"/>
-            <a:ext cx="9906879" cy="907941"/>
+            <a:off x="5810674" y="92013"/>
+            <a:ext cx="1027845" cy="461665"/>
           </a:xfrm>
           <a:prstGeom prst="rect">
             <a:avLst/>
@@ -7252,37 +8837,1752 @@
           </a:bodyPr>
           <a:lstStyle/>
           <a:p>
-            <a:pPr algn="ctr">
-              <a:spcAft>
-                <a:spcPts val="600"/>
-              </a:spcAft>
-            </a:pPr>
             <a:r>
               <a:rPr lang="en-US" sz="2400" dirty="0">
                 <a:latin typeface="Verdana Pro Black" panose="020B0A04030504040204" pitchFamily="34" charset="0"/>
               </a:rPr>
-              <a:t>Model Performance </a:t>
-            </a:r>
-          </a:p>
-          <a:p>
-            <a:pPr algn="ctr">
-              <a:spcAft>
-                <a:spcPts val="600"/>
-              </a:spcAft>
-            </a:pPr>
-            <a:r>
-              <a:rPr lang="en-US" sz="2400" dirty="0">
-                <a:latin typeface="Verdana Pro Black" panose="020B0A04030504040204" pitchFamily="34" charset="0"/>
+              <a:t>Data</a:t>
+            </a:r>
+          </a:p>
+        </p:txBody>
+      </p:sp>
+      <p:sp>
+        <p:nvSpPr>
+          <p:cNvPr id="20" name="Rectangle: Rounded Corners 19">
+            <a:extLst>
+              <a:ext uri="{FF2B5EF4-FFF2-40B4-BE49-F238E27FC236}">
+                <a16:creationId xmlns:a16="http://schemas.microsoft.com/office/drawing/2014/main" id="{D2C40EBE-F971-688C-25F0-1F9AD43D1166}"/>
+              </a:ext>
+            </a:extLst>
+          </p:cNvPr>
+          <p:cNvSpPr/>
+          <p:nvPr/>
+        </p:nvSpPr>
+        <p:spPr>
+          <a:xfrm>
+            <a:off x="9637857" y="2508259"/>
+            <a:ext cx="908535" cy="576072"/>
+          </a:xfrm>
+          <a:prstGeom prst="roundRect">
+            <a:avLst/>
+          </a:prstGeom>
+          <a:solidFill>
+            <a:srgbClr val="FBE5D6"/>
+          </a:solidFill>
+          <a:ln w="28575">
+            <a:solidFill>
+              <a:srgbClr val="002060"/>
+            </a:solidFill>
+          </a:ln>
+        </p:spPr>
+        <p:style>
+          <a:lnRef idx="2">
+            <a:schemeClr val="accent1">
+              <a:shade val="15000"/>
+            </a:schemeClr>
+          </a:lnRef>
+          <a:fillRef idx="1">
+            <a:schemeClr val="accent1"/>
+          </a:fillRef>
+          <a:effectRef idx="0">
+            <a:schemeClr val="accent1"/>
+          </a:effectRef>
+          <a:fontRef idx="minor">
+            <a:schemeClr val="lt1"/>
+          </a:fontRef>
+        </p:style>
+        <p:txBody>
+          <a:bodyPr rtlCol="0" anchor="ctr"/>
+          <a:lstStyle/>
+          <a:p>
+            <a:pPr algn="ctr"/>
+            <a:r>
+              <a:rPr lang="en-US" sz="1200" b="1" dirty="0">
+                <a:solidFill>
+                  <a:schemeClr val="tx1"/>
+                </a:solidFill>
               </a:rPr>
-              <a:t>(Better imputation; 43 features selected by Dr. Gupta)</a:t>
-            </a:r>
+              <a:t>PCA</a:t>
+            </a:r>
+            <a:endParaRPr lang="en-US" b="1" dirty="0">
+              <a:solidFill>
+                <a:schemeClr val="tx1"/>
+              </a:solidFill>
+            </a:endParaRPr>
+          </a:p>
+        </p:txBody>
+      </p:sp>
+      <p:sp>
+        <p:nvSpPr>
+          <p:cNvPr id="21" name="Rectangle: Rounded Corners 20">
+            <a:extLst>
+              <a:ext uri="{FF2B5EF4-FFF2-40B4-BE49-F238E27FC236}">
+                <a16:creationId xmlns:a16="http://schemas.microsoft.com/office/drawing/2014/main" id="{5BBC5284-3970-9983-CC02-3B0746DA380A}"/>
+              </a:ext>
+            </a:extLst>
+          </p:cNvPr>
+          <p:cNvSpPr/>
+          <p:nvPr/>
+        </p:nvSpPr>
+        <p:spPr>
+          <a:xfrm>
+            <a:off x="5138042" y="3354776"/>
+            <a:ext cx="1345264" cy="576072"/>
+          </a:xfrm>
+          <a:prstGeom prst="roundRect">
+            <a:avLst/>
+          </a:prstGeom>
+          <a:solidFill>
+            <a:srgbClr val="FBE5D6"/>
+          </a:solidFill>
+          <a:ln w="28575">
+            <a:solidFill>
+              <a:srgbClr val="002060"/>
+            </a:solidFill>
+          </a:ln>
+        </p:spPr>
+        <p:style>
+          <a:lnRef idx="2">
+            <a:schemeClr val="accent1">
+              <a:shade val="15000"/>
+            </a:schemeClr>
+          </a:lnRef>
+          <a:fillRef idx="1">
+            <a:schemeClr val="accent1"/>
+          </a:fillRef>
+          <a:effectRef idx="0">
+            <a:schemeClr val="accent1"/>
+          </a:effectRef>
+          <a:fontRef idx="minor">
+            <a:schemeClr val="lt1"/>
+          </a:fontRef>
+        </p:style>
+        <p:txBody>
+          <a:bodyPr rtlCol="0" anchor="ctr"/>
+          <a:lstStyle/>
+          <a:p>
+            <a:pPr algn="ctr"/>
+            <a:r>
+              <a:rPr lang="en-US" sz="1400" b="1" dirty="0" err="1">
+                <a:solidFill>
+                  <a:schemeClr val="tx1"/>
+                </a:solidFill>
+              </a:rPr>
+              <a:t>Featurewiz</a:t>
+            </a:r>
+            <a:endParaRPr lang="en-US" b="1" dirty="0">
+              <a:solidFill>
+                <a:schemeClr val="tx1"/>
+              </a:solidFill>
+            </a:endParaRPr>
+          </a:p>
+        </p:txBody>
+      </p:sp>
+      <p:sp>
+        <p:nvSpPr>
+          <p:cNvPr id="22" name="Rectangle: Rounded Corners 21">
+            <a:extLst>
+              <a:ext uri="{FF2B5EF4-FFF2-40B4-BE49-F238E27FC236}">
+                <a16:creationId xmlns:a16="http://schemas.microsoft.com/office/drawing/2014/main" id="{4F888577-EF61-21C0-9163-CB8217AB3B9C}"/>
+              </a:ext>
+            </a:extLst>
+          </p:cNvPr>
+          <p:cNvSpPr/>
+          <p:nvPr/>
+        </p:nvSpPr>
+        <p:spPr>
+          <a:xfrm>
+            <a:off x="6869160" y="2516237"/>
+            <a:ext cx="2011650" cy="576072"/>
+          </a:xfrm>
+          <a:prstGeom prst="roundRect">
+            <a:avLst/>
+          </a:prstGeom>
+          <a:solidFill>
+            <a:srgbClr val="FBE5D6"/>
+          </a:solidFill>
+          <a:ln w="28575">
+            <a:solidFill>
+              <a:srgbClr val="002060"/>
+            </a:solidFill>
+          </a:ln>
+        </p:spPr>
+        <p:style>
+          <a:lnRef idx="2">
+            <a:schemeClr val="accent1">
+              <a:shade val="15000"/>
+            </a:schemeClr>
+          </a:lnRef>
+          <a:fillRef idx="1">
+            <a:schemeClr val="accent1"/>
+          </a:fillRef>
+          <a:effectRef idx="0">
+            <a:schemeClr val="accent1"/>
+          </a:effectRef>
+          <a:fontRef idx="minor">
+            <a:schemeClr val="lt1"/>
+          </a:fontRef>
+        </p:style>
+        <p:txBody>
+          <a:bodyPr rtlCol="0" anchor="ctr"/>
+          <a:lstStyle/>
+          <a:p>
+            <a:pPr algn="ctr"/>
+            <a:r>
+              <a:rPr lang="en-US" sz="1200" b="1" dirty="0" err="1">
+                <a:solidFill>
+                  <a:schemeClr val="tx1"/>
+                </a:solidFill>
+              </a:rPr>
+              <a:t>sklearn.feature_selection</a:t>
+            </a:r>
+            <a:endParaRPr lang="en-US" sz="1200" b="1" dirty="0">
+              <a:solidFill>
+                <a:schemeClr val="tx1"/>
+              </a:solidFill>
+            </a:endParaRPr>
+          </a:p>
+        </p:txBody>
+      </p:sp>
+      <p:sp>
+        <p:nvSpPr>
+          <p:cNvPr id="26" name="Rectangle: Rounded Corners 25">
+            <a:extLst>
+              <a:ext uri="{FF2B5EF4-FFF2-40B4-BE49-F238E27FC236}">
+                <a16:creationId xmlns:a16="http://schemas.microsoft.com/office/drawing/2014/main" id="{1A8C62A1-B6D1-CE3F-7CF9-1071E8327437}"/>
+              </a:ext>
+            </a:extLst>
+          </p:cNvPr>
+          <p:cNvSpPr/>
+          <p:nvPr/>
+        </p:nvSpPr>
+        <p:spPr>
+          <a:xfrm>
+            <a:off x="6677143" y="3354776"/>
+            <a:ext cx="1345265" cy="576072"/>
+          </a:xfrm>
+          <a:prstGeom prst="roundRect">
+            <a:avLst/>
+          </a:prstGeom>
+          <a:solidFill>
+            <a:srgbClr val="FBE5D6"/>
+          </a:solidFill>
+          <a:ln w="28575">
+            <a:solidFill>
+              <a:srgbClr val="002060"/>
+            </a:solidFill>
+          </a:ln>
+        </p:spPr>
+        <p:style>
+          <a:lnRef idx="2">
+            <a:schemeClr val="accent1">
+              <a:shade val="15000"/>
+            </a:schemeClr>
+          </a:lnRef>
+          <a:fillRef idx="1">
+            <a:schemeClr val="accent1"/>
+          </a:fillRef>
+          <a:effectRef idx="0">
+            <a:schemeClr val="accent1"/>
+          </a:effectRef>
+          <a:fontRef idx="minor">
+            <a:schemeClr val="lt1"/>
+          </a:fontRef>
+        </p:style>
+        <p:txBody>
+          <a:bodyPr rtlCol="0" anchor="ctr"/>
+          <a:lstStyle/>
+          <a:p>
+            <a:pPr algn="ctr"/>
+            <a:r>
+              <a:rPr lang="en-US" sz="1400" b="1" dirty="0" err="1">
+                <a:solidFill>
+                  <a:schemeClr val="tx1"/>
+                </a:solidFill>
+              </a:rPr>
+              <a:t>Featuretools</a:t>
+            </a:r>
+            <a:r>
+              <a:rPr lang="en-US" sz="1200" b="1" dirty="0">
+                <a:solidFill>
+                  <a:schemeClr val="tx1"/>
+                </a:solidFill>
+              </a:rPr>
+              <a:t> </a:t>
+            </a:r>
+          </a:p>
+        </p:txBody>
+      </p:sp>
+      <p:sp>
+        <p:nvSpPr>
+          <p:cNvPr id="30" name="Rectangle: Rounded Corners 29">
+            <a:extLst>
+              <a:ext uri="{FF2B5EF4-FFF2-40B4-BE49-F238E27FC236}">
+                <a16:creationId xmlns:a16="http://schemas.microsoft.com/office/drawing/2014/main" id="{836C9720-FF6D-4DCE-3DF7-87367353F21A}"/>
+              </a:ext>
+            </a:extLst>
+          </p:cNvPr>
+          <p:cNvSpPr/>
+          <p:nvPr/>
+        </p:nvSpPr>
+        <p:spPr>
+          <a:xfrm>
+            <a:off x="6979613" y="5133126"/>
+            <a:ext cx="1507744" cy="576072"/>
+          </a:xfrm>
+          <a:prstGeom prst="roundRect">
+            <a:avLst/>
+          </a:prstGeom>
+          <a:solidFill>
+            <a:srgbClr val="E2F0D9"/>
+          </a:solidFill>
+          <a:ln w="28575">
+            <a:solidFill>
+              <a:srgbClr val="002060"/>
+            </a:solidFill>
+          </a:ln>
+        </p:spPr>
+        <p:style>
+          <a:lnRef idx="2">
+            <a:schemeClr val="accent1">
+              <a:shade val="15000"/>
+            </a:schemeClr>
+          </a:lnRef>
+          <a:fillRef idx="1">
+            <a:schemeClr val="accent1"/>
+          </a:fillRef>
+          <a:effectRef idx="0">
+            <a:schemeClr val="accent1"/>
+          </a:effectRef>
+          <a:fontRef idx="minor">
+            <a:schemeClr val="lt1"/>
+          </a:fontRef>
+        </p:style>
+        <p:txBody>
+          <a:bodyPr rtlCol="0" anchor="ctr"/>
+          <a:lstStyle/>
+          <a:p>
+            <a:pPr algn="ctr"/>
+            <a:r>
+              <a:rPr lang="en-US" sz="1200" b="1" dirty="0">
+                <a:solidFill>
+                  <a:schemeClr val="tx1"/>
+                </a:solidFill>
+              </a:rPr>
+              <a:t>SHAP</a:t>
+            </a:r>
+            <a:endParaRPr lang="en-US" b="1" dirty="0">
+              <a:solidFill>
+                <a:schemeClr val="tx1"/>
+              </a:solidFill>
+            </a:endParaRPr>
+          </a:p>
+        </p:txBody>
+      </p:sp>
+      <p:sp>
+        <p:nvSpPr>
+          <p:cNvPr id="31" name="Rectangle: Rounded Corners 30">
+            <a:extLst>
+              <a:ext uri="{FF2B5EF4-FFF2-40B4-BE49-F238E27FC236}">
+                <a16:creationId xmlns:a16="http://schemas.microsoft.com/office/drawing/2014/main" id="{02B50660-29CB-2366-F2AE-F3B81498EDE4}"/>
+              </a:ext>
+            </a:extLst>
+          </p:cNvPr>
+          <p:cNvSpPr/>
+          <p:nvPr/>
+        </p:nvSpPr>
+        <p:spPr>
+          <a:xfrm>
+            <a:off x="8694045" y="5133126"/>
+            <a:ext cx="1802423" cy="576072"/>
+          </a:xfrm>
+          <a:prstGeom prst="roundRect">
+            <a:avLst/>
+          </a:prstGeom>
+          <a:solidFill>
+            <a:srgbClr val="E2F0D9"/>
+          </a:solidFill>
+          <a:ln w="28575">
+            <a:solidFill>
+              <a:srgbClr val="002060"/>
+            </a:solidFill>
+          </a:ln>
+        </p:spPr>
+        <p:style>
+          <a:lnRef idx="2">
+            <a:schemeClr val="accent1">
+              <a:shade val="15000"/>
+            </a:schemeClr>
+          </a:lnRef>
+          <a:fillRef idx="1">
+            <a:schemeClr val="accent1"/>
+          </a:fillRef>
+          <a:effectRef idx="0">
+            <a:schemeClr val="accent1"/>
+          </a:effectRef>
+          <a:fontRef idx="minor">
+            <a:schemeClr val="lt1"/>
+          </a:fontRef>
+        </p:style>
+        <p:txBody>
+          <a:bodyPr rtlCol="0" anchor="ctr"/>
+          <a:lstStyle/>
+          <a:p>
+            <a:pPr algn="ctr"/>
+            <a:r>
+              <a:rPr lang="en-US" sz="1200" b="1" dirty="0">
+                <a:solidFill>
+                  <a:schemeClr val="tx1"/>
+                </a:solidFill>
+              </a:rPr>
+              <a:t>LIME</a:t>
+            </a:r>
+            <a:endParaRPr lang="en-US" b="1" dirty="0">
+              <a:solidFill>
+                <a:schemeClr val="tx1"/>
+              </a:solidFill>
+            </a:endParaRPr>
+          </a:p>
+        </p:txBody>
+      </p:sp>
+      <p:sp>
+        <p:nvSpPr>
+          <p:cNvPr id="32" name="Rectangle: Rounded Corners 31">
+            <a:extLst>
+              <a:ext uri="{FF2B5EF4-FFF2-40B4-BE49-F238E27FC236}">
+                <a16:creationId xmlns:a16="http://schemas.microsoft.com/office/drawing/2014/main" id="{B56CE608-B7CE-EFD2-A8AE-873A9CE6CF42}"/>
+              </a:ext>
+            </a:extLst>
+          </p:cNvPr>
+          <p:cNvSpPr/>
+          <p:nvPr/>
+        </p:nvSpPr>
+        <p:spPr>
+          <a:xfrm>
+            <a:off x="5180167" y="5133126"/>
+            <a:ext cx="1569426" cy="576072"/>
+          </a:xfrm>
+          <a:prstGeom prst="roundRect">
+            <a:avLst/>
+          </a:prstGeom>
+          <a:solidFill>
+            <a:srgbClr val="E2F0D9"/>
+          </a:solidFill>
+          <a:ln w="28575">
+            <a:solidFill>
+              <a:srgbClr val="002060"/>
+            </a:solidFill>
+          </a:ln>
+        </p:spPr>
+        <p:style>
+          <a:lnRef idx="2">
+            <a:schemeClr val="accent1">
+              <a:shade val="15000"/>
+            </a:schemeClr>
+          </a:lnRef>
+          <a:fillRef idx="1">
+            <a:schemeClr val="accent1"/>
+          </a:fillRef>
+          <a:effectRef idx="0">
+            <a:schemeClr val="accent1"/>
+          </a:effectRef>
+          <a:fontRef idx="minor">
+            <a:schemeClr val="lt1"/>
+          </a:fontRef>
+        </p:style>
+        <p:txBody>
+          <a:bodyPr rtlCol="0" anchor="ctr"/>
+          <a:lstStyle/>
+          <a:p>
+            <a:pPr algn="ctr"/>
+            <a:r>
+              <a:rPr lang="en-US" sz="1200" b="1" dirty="0">
+                <a:solidFill>
+                  <a:schemeClr val="tx1"/>
+                </a:solidFill>
+              </a:rPr>
+              <a:t>VIF</a:t>
+            </a:r>
+          </a:p>
+          <a:p>
+            <a:pPr algn="ctr"/>
+            <a:r>
+              <a:rPr lang="en-US" sz="1200" b="1" dirty="0" err="1">
+                <a:solidFill>
+                  <a:schemeClr val="tx1"/>
+                </a:solidFill>
+              </a:rPr>
+              <a:t>Corr</a:t>
+            </a:r>
+            <a:r>
+              <a:rPr lang="en-US" sz="1200" b="1" dirty="0">
+                <a:solidFill>
+                  <a:schemeClr val="tx1"/>
+                </a:solidFill>
+              </a:rPr>
+              <a:t> Matrix</a:t>
+            </a:r>
+            <a:endParaRPr lang="en-US" b="1" dirty="0">
+              <a:solidFill>
+                <a:schemeClr val="tx1"/>
+              </a:solidFill>
+            </a:endParaRPr>
+          </a:p>
+        </p:txBody>
+      </p:sp>
+      <p:sp>
+        <p:nvSpPr>
+          <p:cNvPr id="33" name="Rectangle: Rounded Corners 32">
+            <a:extLst>
+              <a:ext uri="{FF2B5EF4-FFF2-40B4-BE49-F238E27FC236}">
+                <a16:creationId xmlns:a16="http://schemas.microsoft.com/office/drawing/2014/main" id="{86B76A73-E9A6-4C80-C975-5431FAFECA52}"/>
+              </a:ext>
+            </a:extLst>
+          </p:cNvPr>
+          <p:cNvSpPr/>
+          <p:nvPr/>
+        </p:nvSpPr>
+        <p:spPr>
+          <a:xfrm>
+            <a:off x="3141781" y="5133126"/>
+            <a:ext cx="1802423" cy="576072"/>
+          </a:xfrm>
+          <a:prstGeom prst="roundRect">
+            <a:avLst/>
+          </a:prstGeom>
+          <a:solidFill>
+            <a:srgbClr val="E2F0D9"/>
+          </a:solidFill>
+          <a:ln w="28575">
+            <a:solidFill>
+              <a:srgbClr val="002060"/>
+            </a:solidFill>
+          </a:ln>
+        </p:spPr>
+        <p:style>
+          <a:lnRef idx="2">
+            <a:schemeClr val="accent1">
+              <a:shade val="15000"/>
+            </a:schemeClr>
+          </a:lnRef>
+          <a:fillRef idx="1">
+            <a:schemeClr val="accent1"/>
+          </a:fillRef>
+          <a:effectRef idx="0">
+            <a:schemeClr val="accent1"/>
+          </a:effectRef>
+          <a:fontRef idx="minor">
+            <a:schemeClr val="lt1"/>
+          </a:fontRef>
+        </p:style>
+        <p:txBody>
+          <a:bodyPr rtlCol="0" anchor="ctr"/>
+          <a:lstStyle/>
+          <a:p>
+            <a:pPr algn="ctr"/>
+            <a:r>
+              <a:rPr lang="en-US" sz="1200" b="1" dirty="0">
+                <a:solidFill>
+                  <a:schemeClr val="tx1"/>
+                </a:solidFill>
+              </a:rPr>
+              <a:t>Classification Report</a:t>
+            </a:r>
+            <a:endParaRPr lang="en-US" b="1" dirty="0">
+              <a:solidFill>
+                <a:schemeClr val="tx1"/>
+              </a:solidFill>
+            </a:endParaRPr>
+          </a:p>
+        </p:txBody>
+      </p:sp>
+      <p:sp>
+        <p:nvSpPr>
+          <p:cNvPr id="44" name="Rectangle: Rounded Corners 43">
+            <a:extLst>
+              <a:ext uri="{FF2B5EF4-FFF2-40B4-BE49-F238E27FC236}">
+                <a16:creationId xmlns:a16="http://schemas.microsoft.com/office/drawing/2014/main" id="{6078DAA1-03A5-E2CE-0B96-9721D8DEA747}"/>
+              </a:ext>
+            </a:extLst>
+          </p:cNvPr>
+          <p:cNvSpPr/>
+          <p:nvPr/>
+        </p:nvSpPr>
+        <p:spPr>
+          <a:xfrm>
+            <a:off x="485029" y="5956966"/>
+            <a:ext cx="2057403" cy="571553"/>
+          </a:xfrm>
+          <a:prstGeom prst="roundRect">
+            <a:avLst/>
+          </a:prstGeom>
+          <a:noFill/>
+          <a:ln w="28575">
+            <a:noFill/>
+          </a:ln>
+        </p:spPr>
+        <p:style>
+          <a:lnRef idx="2">
+            <a:schemeClr val="accent1">
+              <a:shade val="15000"/>
+            </a:schemeClr>
+          </a:lnRef>
+          <a:fillRef idx="1">
+            <a:schemeClr val="accent1"/>
+          </a:fillRef>
+          <a:effectRef idx="0">
+            <a:schemeClr val="accent1"/>
+          </a:effectRef>
+          <a:fontRef idx="minor">
+            <a:schemeClr val="lt1"/>
+          </a:fontRef>
+        </p:style>
+        <p:txBody>
+          <a:bodyPr rtlCol="0" anchor="ctr"/>
+          <a:lstStyle/>
+          <a:p>
+            <a:pPr algn="ctr"/>
+            <a:r>
+              <a:rPr lang="en-US" sz="1400" b="1" dirty="0">
+                <a:solidFill>
+                  <a:schemeClr val="tx1"/>
+                </a:solidFill>
+              </a:rPr>
+              <a:t>Deep Learning</a:t>
+            </a:r>
+          </a:p>
+        </p:txBody>
+      </p:sp>
+      <p:sp>
+        <p:nvSpPr>
+          <p:cNvPr id="45" name="Rectangle: Rounded Corners 44">
+            <a:extLst>
+              <a:ext uri="{FF2B5EF4-FFF2-40B4-BE49-F238E27FC236}">
+                <a16:creationId xmlns:a16="http://schemas.microsoft.com/office/drawing/2014/main" id="{0208085F-2DC6-5C1C-9882-4ABDEBCDF34C}"/>
+              </a:ext>
+            </a:extLst>
+          </p:cNvPr>
+          <p:cNvSpPr/>
+          <p:nvPr/>
+        </p:nvSpPr>
+        <p:spPr>
+          <a:xfrm>
+            <a:off x="3141781" y="6013185"/>
+            <a:ext cx="1802423" cy="576072"/>
+          </a:xfrm>
+          <a:prstGeom prst="roundRect">
+            <a:avLst/>
+          </a:prstGeom>
+          <a:solidFill>
+            <a:srgbClr val="DEEBF7"/>
+          </a:solidFill>
+          <a:ln w="28575">
+            <a:solidFill>
+              <a:srgbClr val="002060"/>
+            </a:solidFill>
+          </a:ln>
+        </p:spPr>
+        <p:style>
+          <a:lnRef idx="2">
+            <a:schemeClr val="accent1">
+              <a:shade val="15000"/>
+            </a:schemeClr>
+          </a:lnRef>
+          <a:fillRef idx="1">
+            <a:schemeClr val="accent1"/>
+          </a:fillRef>
+          <a:effectRef idx="0">
+            <a:schemeClr val="accent1"/>
+          </a:effectRef>
+          <a:fontRef idx="minor">
+            <a:schemeClr val="lt1"/>
+          </a:fontRef>
+        </p:style>
+        <p:txBody>
+          <a:bodyPr rtlCol="0" anchor="ctr"/>
+          <a:lstStyle/>
+          <a:p>
+            <a:pPr algn="ctr"/>
+            <a:r>
+              <a:rPr lang="en-US" sz="1200" b="1" dirty="0">
+                <a:solidFill>
+                  <a:schemeClr val="tx1"/>
+                </a:solidFill>
+              </a:rPr>
+              <a:t>CNN</a:t>
+            </a:r>
+            <a:endParaRPr lang="en-US" b="1" dirty="0">
+              <a:solidFill>
+                <a:schemeClr val="tx1"/>
+              </a:solidFill>
+            </a:endParaRPr>
+          </a:p>
+        </p:txBody>
+      </p:sp>
+      <p:sp>
+        <p:nvSpPr>
+          <p:cNvPr id="46" name="Rectangle: Rounded Corners 45">
+            <a:extLst>
+              <a:ext uri="{FF2B5EF4-FFF2-40B4-BE49-F238E27FC236}">
+                <a16:creationId xmlns:a16="http://schemas.microsoft.com/office/drawing/2014/main" id="{C48B62B2-CB8C-FDCC-6698-C9AC0CC9478A}"/>
+              </a:ext>
+            </a:extLst>
+          </p:cNvPr>
+          <p:cNvSpPr/>
+          <p:nvPr/>
+        </p:nvSpPr>
+        <p:spPr>
+          <a:xfrm>
+            <a:off x="5260726" y="6013185"/>
+            <a:ext cx="1802423" cy="576072"/>
+          </a:xfrm>
+          <a:prstGeom prst="roundRect">
+            <a:avLst/>
+          </a:prstGeom>
+          <a:solidFill>
+            <a:srgbClr val="DEEBF7"/>
+          </a:solidFill>
+          <a:ln w="28575">
+            <a:solidFill>
+              <a:srgbClr val="002060"/>
+            </a:solidFill>
+          </a:ln>
+        </p:spPr>
+        <p:style>
+          <a:lnRef idx="2">
+            <a:schemeClr val="accent1">
+              <a:shade val="15000"/>
+            </a:schemeClr>
+          </a:lnRef>
+          <a:fillRef idx="1">
+            <a:schemeClr val="accent1"/>
+          </a:fillRef>
+          <a:effectRef idx="0">
+            <a:schemeClr val="accent1"/>
+          </a:effectRef>
+          <a:fontRef idx="minor">
+            <a:schemeClr val="lt1"/>
+          </a:fontRef>
+        </p:style>
+        <p:txBody>
+          <a:bodyPr rtlCol="0" anchor="ctr"/>
+          <a:lstStyle/>
+          <a:p>
+            <a:pPr algn="ctr"/>
+            <a:r>
+              <a:rPr lang="en-US" sz="1200" b="1" dirty="0">
+                <a:solidFill>
+                  <a:schemeClr val="tx1"/>
+                </a:solidFill>
+              </a:rPr>
+              <a:t>Neural Networks</a:t>
+            </a:r>
+            <a:endParaRPr lang="en-US" b="1" dirty="0">
+              <a:solidFill>
+                <a:schemeClr val="tx1"/>
+              </a:solidFill>
+            </a:endParaRPr>
+          </a:p>
+        </p:txBody>
+      </p:sp>
+      <p:sp>
+        <p:nvSpPr>
+          <p:cNvPr id="51" name="Rectangle: Rounded Corners 50">
+            <a:extLst>
+              <a:ext uri="{FF2B5EF4-FFF2-40B4-BE49-F238E27FC236}">
+                <a16:creationId xmlns:a16="http://schemas.microsoft.com/office/drawing/2014/main" id="{3AF91DE4-B8E4-7E97-AA02-3F07C2E88B6E}"/>
+              </a:ext>
+            </a:extLst>
+          </p:cNvPr>
+          <p:cNvSpPr/>
+          <p:nvPr/>
+        </p:nvSpPr>
+        <p:spPr>
+          <a:xfrm>
+            <a:off x="3141781" y="2508412"/>
+            <a:ext cx="2954219" cy="576072"/>
+          </a:xfrm>
+          <a:prstGeom prst="roundRect">
+            <a:avLst/>
+          </a:prstGeom>
+          <a:solidFill>
+            <a:srgbClr val="FBE5D6"/>
+          </a:solidFill>
+          <a:ln w="28575">
+            <a:solidFill>
+              <a:srgbClr val="002060"/>
+            </a:solidFill>
+          </a:ln>
+        </p:spPr>
+        <p:style>
+          <a:lnRef idx="2">
+            <a:schemeClr val="accent1">
+              <a:shade val="15000"/>
+            </a:schemeClr>
+          </a:lnRef>
+          <a:fillRef idx="1">
+            <a:schemeClr val="accent1"/>
+          </a:fillRef>
+          <a:effectRef idx="0">
+            <a:schemeClr val="accent1"/>
+          </a:effectRef>
+          <a:fontRef idx="minor">
+            <a:schemeClr val="lt1"/>
+          </a:fontRef>
+        </p:style>
+        <p:txBody>
+          <a:bodyPr rtlCol="0" anchor="ctr"/>
+          <a:lstStyle/>
+          <a:p>
+            <a:pPr algn="ctr"/>
+            <a:r>
+              <a:rPr lang="en-US" sz="1200" b="1" dirty="0" err="1">
+                <a:solidFill>
+                  <a:schemeClr val="tx1"/>
+                </a:solidFill>
+              </a:rPr>
+              <a:t>f_importances</a:t>
+            </a:r>
+            <a:r>
+              <a:rPr lang="en-US" sz="1200" b="1" dirty="0">
+                <a:solidFill>
+                  <a:schemeClr val="tx1"/>
+                </a:solidFill>
+              </a:rPr>
+              <a:t> from tree-based models</a:t>
+            </a:r>
+            <a:endParaRPr lang="en-US" b="1" dirty="0">
+              <a:solidFill>
+                <a:schemeClr val="tx1"/>
+              </a:solidFill>
+            </a:endParaRPr>
+          </a:p>
+        </p:txBody>
+      </p:sp>
+      <p:sp>
+        <p:nvSpPr>
+          <p:cNvPr id="8" name="Rectangle: Rounded Corners 7">
+            <a:extLst>
+              <a:ext uri="{FF2B5EF4-FFF2-40B4-BE49-F238E27FC236}">
+                <a16:creationId xmlns:a16="http://schemas.microsoft.com/office/drawing/2014/main" id="{22645DF0-92CC-0238-EDB3-CB51722E91E3}"/>
+              </a:ext>
+            </a:extLst>
+          </p:cNvPr>
+          <p:cNvSpPr/>
+          <p:nvPr/>
+        </p:nvSpPr>
+        <p:spPr>
+          <a:xfrm>
+            <a:off x="4572039" y="1688365"/>
+            <a:ext cx="1523961" cy="576072"/>
+          </a:xfrm>
+          <a:prstGeom prst="roundRect">
+            <a:avLst/>
+          </a:prstGeom>
+          <a:solidFill>
+            <a:srgbClr val="FBE5D6"/>
+          </a:solidFill>
+          <a:ln w="28575">
+            <a:solidFill>
+              <a:srgbClr val="002060"/>
+            </a:solidFill>
+          </a:ln>
+        </p:spPr>
+        <p:style>
+          <a:lnRef idx="2">
+            <a:schemeClr val="accent1">
+              <a:shade val="15000"/>
+            </a:schemeClr>
+          </a:lnRef>
+          <a:fillRef idx="1">
+            <a:schemeClr val="accent1"/>
+          </a:fillRef>
+          <a:effectRef idx="0">
+            <a:schemeClr val="accent1"/>
+          </a:effectRef>
+          <a:fontRef idx="minor">
+            <a:schemeClr val="lt1"/>
+          </a:fontRef>
+        </p:style>
+        <p:txBody>
+          <a:bodyPr rtlCol="0" anchor="ctr"/>
+          <a:lstStyle/>
+          <a:p>
+            <a:pPr algn="ctr"/>
+            <a:r>
+              <a:rPr lang="en-US" sz="1200" b="1" dirty="0">
+                <a:solidFill>
+                  <a:schemeClr val="tx1"/>
+                </a:solidFill>
+              </a:rPr>
+              <a:t>SVM</a:t>
+            </a:r>
+          </a:p>
+          <a:p>
+            <a:pPr algn="ctr"/>
+            <a:r>
+              <a:rPr lang="en-US" sz="1200" b="1" dirty="0">
+                <a:solidFill>
+                  <a:schemeClr val="tx1"/>
+                </a:solidFill>
+              </a:rPr>
+              <a:t>Logistic Regression</a:t>
+            </a:r>
+            <a:endParaRPr lang="en-US" b="1" dirty="0">
+              <a:solidFill>
+                <a:schemeClr val="tx1"/>
+              </a:solidFill>
+            </a:endParaRPr>
+          </a:p>
+        </p:txBody>
+      </p:sp>
+      <p:sp>
+        <p:nvSpPr>
+          <p:cNvPr id="23" name="Rectangle: Rounded Corners 22">
+            <a:extLst>
+              <a:ext uri="{FF2B5EF4-FFF2-40B4-BE49-F238E27FC236}">
+                <a16:creationId xmlns:a16="http://schemas.microsoft.com/office/drawing/2014/main" id="{568B6629-6E29-0861-E010-8DA1204106CE}"/>
+              </a:ext>
+            </a:extLst>
+          </p:cNvPr>
+          <p:cNvSpPr/>
+          <p:nvPr/>
+        </p:nvSpPr>
+        <p:spPr>
+          <a:xfrm>
+            <a:off x="6197850" y="1688365"/>
+            <a:ext cx="1523961" cy="576072"/>
+          </a:xfrm>
+          <a:prstGeom prst="roundRect">
+            <a:avLst/>
+          </a:prstGeom>
+          <a:solidFill>
+            <a:srgbClr val="FBE5D6"/>
+          </a:solidFill>
+          <a:ln w="28575">
+            <a:solidFill>
+              <a:srgbClr val="002060"/>
+            </a:solidFill>
+          </a:ln>
+        </p:spPr>
+        <p:style>
+          <a:lnRef idx="2">
+            <a:schemeClr val="accent1">
+              <a:shade val="15000"/>
+            </a:schemeClr>
+          </a:lnRef>
+          <a:fillRef idx="1">
+            <a:schemeClr val="accent1"/>
+          </a:fillRef>
+          <a:effectRef idx="0">
+            <a:schemeClr val="accent1"/>
+          </a:effectRef>
+          <a:fontRef idx="minor">
+            <a:schemeClr val="lt1"/>
+          </a:fontRef>
+        </p:style>
+        <p:txBody>
+          <a:bodyPr rtlCol="0" anchor="ctr"/>
+          <a:lstStyle/>
+          <a:p>
+            <a:pPr algn="ctr"/>
+            <a:r>
+              <a:rPr lang="en-US" sz="1200" b="1" dirty="0">
+                <a:solidFill>
+                  <a:schemeClr val="tx1"/>
+                </a:solidFill>
+              </a:rPr>
+              <a:t>Gradient Boosting</a:t>
+            </a:r>
+          </a:p>
+          <a:p>
+            <a:pPr algn="ctr"/>
+            <a:r>
+              <a:rPr lang="en-US" sz="1200" b="1" dirty="0" err="1">
+                <a:solidFill>
+                  <a:schemeClr val="tx1"/>
+                </a:solidFill>
+              </a:rPr>
+              <a:t>XGBoost</a:t>
+            </a:r>
+            <a:endParaRPr lang="en-US" b="1" dirty="0">
+              <a:solidFill>
+                <a:schemeClr val="tx1"/>
+              </a:solidFill>
+            </a:endParaRPr>
+          </a:p>
+        </p:txBody>
+      </p:sp>
+      <p:sp>
+        <p:nvSpPr>
+          <p:cNvPr id="24" name="Rectangle: Rounded Corners 23">
+            <a:extLst>
+              <a:ext uri="{FF2B5EF4-FFF2-40B4-BE49-F238E27FC236}">
+                <a16:creationId xmlns:a16="http://schemas.microsoft.com/office/drawing/2014/main" id="{1FDEB56D-6108-31C6-B5B7-59F983678521}"/>
+              </a:ext>
+            </a:extLst>
+          </p:cNvPr>
+          <p:cNvSpPr/>
+          <p:nvPr/>
+        </p:nvSpPr>
+        <p:spPr>
+          <a:xfrm>
+            <a:off x="7816321" y="1688365"/>
+            <a:ext cx="1274925" cy="576072"/>
+          </a:xfrm>
+          <a:prstGeom prst="roundRect">
+            <a:avLst/>
+          </a:prstGeom>
+          <a:solidFill>
+            <a:srgbClr val="FBE5D6"/>
+          </a:solidFill>
+          <a:ln w="28575">
+            <a:solidFill>
+              <a:srgbClr val="002060"/>
+            </a:solidFill>
+          </a:ln>
+        </p:spPr>
+        <p:style>
+          <a:lnRef idx="2">
+            <a:schemeClr val="accent1">
+              <a:shade val="15000"/>
+            </a:schemeClr>
+          </a:lnRef>
+          <a:fillRef idx="1">
+            <a:schemeClr val="accent1"/>
+          </a:fillRef>
+          <a:effectRef idx="0">
+            <a:schemeClr val="accent1"/>
+          </a:effectRef>
+          <a:fontRef idx="minor">
+            <a:schemeClr val="lt1"/>
+          </a:fontRef>
+        </p:style>
+        <p:txBody>
+          <a:bodyPr rtlCol="0" anchor="ctr"/>
+          <a:lstStyle/>
+          <a:p>
+            <a:pPr algn="ctr"/>
+            <a:r>
+              <a:rPr lang="en-US" sz="1200" b="1" dirty="0" err="1">
+                <a:solidFill>
+                  <a:schemeClr val="tx1"/>
+                </a:solidFill>
+              </a:rPr>
+              <a:t>NaiveBayes</a:t>
+            </a:r>
+            <a:endParaRPr lang="en-US" sz="1200" b="1" dirty="0">
+              <a:solidFill>
+                <a:schemeClr val="tx1"/>
+              </a:solidFill>
+            </a:endParaRPr>
+          </a:p>
+          <a:p>
+            <a:pPr algn="ctr"/>
+            <a:r>
+              <a:rPr lang="en-US" sz="1200" b="1" dirty="0">
+                <a:solidFill>
+                  <a:schemeClr val="tx1"/>
+                </a:solidFill>
+              </a:rPr>
+              <a:t>KNN</a:t>
+            </a:r>
+            <a:endParaRPr lang="en-US" b="1" dirty="0">
+              <a:solidFill>
+                <a:schemeClr val="tx1"/>
+              </a:solidFill>
+            </a:endParaRPr>
+          </a:p>
+        </p:txBody>
+      </p:sp>
+      <p:sp>
+        <p:nvSpPr>
+          <p:cNvPr id="27" name="Rectangle: Rounded Corners 26">
+            <a:extLst>
+              <a:ext uri="{FF2B5EF4-FFF2-40B4-BE49-F238E27FC236}">
+                <a16:creationId xmlns:a16="http://schemas.microsoft.com/office/drawing/2014/main" id="{1A89E3AE-B35C-EF78-82D9-CB4B2CBD3514}"/>
+              </a:ext>
+            </a:extLst>
+          </p:cNvPr>
+          <p:cNvSpPr/>
+          <p:nvPr/>
+        </p:nvSpPr>
+        <p:spPr>
+          <a:xfrm>
+            <a:off x="9190914" y="1688834"/>
+            <a:ext cx="1802423" cy="576072"/>
+          </a:xfrm>
+          <a:prstGeom prst="roundRect">
+            <a:avLst/>
+          </a:prstGeom>
+          <a:solidFill>
+            <a:srgbClr val="FFFF00"/>
+          </a:solidFill>
+          <a:ln w="28575">
+            <a:solidFill>
+              <a:srgbClr val="002060"/>
+            </a:solidFill>
+          </a:ln>
+        </p:spPr>
+        <p:style>
+          <a:lnRef idx="2">
+            <a:schemeClr val="accent1">
+              <a:shade val="15000"/>
+            </a:schemeClr>
+          </a:lnRef>
+          <a:fillRef idx="1">
+            <a:schemeClr val="accent1"/>
+          </a:fillRef>
+          <a:effectRef idx="0">
+            <a:schemeClr val="accent1"/>
+          </a:effectRef>
+          <a:fontRef idx="minor">
+            <a:schemeClr val="lt1"/>
+          </a:fontRef>
+        </p:style>
+        <p:txBody>
+          <a:bodyPr rtlCol="0" anchor="ctr"/>
+          <a:lstStyle/>
+          <a:p>
+            <a:pPr algn="ctr"/>
+            <a:r>
+              <a:rPr lang="en-US" sz="1200" b="1" dirty="0">
+                <a:solidFill>
+                  <a:schemeClr val="tx1"/>
+                </a:solidFill>
+              </a:rPr>
+              <a:t>TPOT</a:t>
+            </a:r>
+            <a:endParaRPr lang="en-US" b="1" dirty="0">
+              <a:solidFill>
+                <a:schemeClr val="tx1"/>
+              </a:solidFill>
+            </a:endParaRPr>
+          </a:p>
+        </p:txBody>
+      </p:sp>
+      <p:cxnSp>
+        <p:nvCxnSpPr>
+          <p:cNvPr id="38" name="Straight Arrow Connector 37">
+            <a:extLst>
+              <a:ext uri="{FF2B5EF4-FFF2-40B4-BE49-F238E27FC236}">
+                <a16:creationId xmlns:a16="http://schemas.microsoft.com/office/drawing/2014/main" id="{15D3A0A6-8E26-A631-AF37-D151E05A054C}"/>
+              </a:ext>
+            </a:extLst>
+          </p:cNvPr>
+          <p:cNvCxnSpPr/>
+          <p:nvPr/>
+        </p:nvCxnSpPr>
+        <p:spPr>
+          <a:xfrm>
+            <a:off x="2699238" y="1137792"/>
+            <a:ext cx="8581293" cy="0"/>
+          </a:xfrm>
+          <a:prstGeom prst="straightConnector1">
+            <a:avLst/>
+          </a:prstGeom>
+          <a:ln w="57150">
+            <a:solidFill>
+              <a:schemeClr val="tx1"/>
+            </a:solidFill>
+            <a:tailEnd type="triangle"/>
+          </a:ln>
+        </p:spPr>
+        <p:style>
+          <a:lnRef idx="1">
+            <a:schemeClr val="accent1"/>
+          </a:lnRef>
+          <a:fillRef idx="0">
+            <a:schemeClr val="accent1"/>
+          </a:fillRef>
+          <a:effectRef idx="0">
+            <a:schemeClr val="accent1"/>
+          </a:effectRef>
+          <a:fontRef idx="minor">
+            <a:schemeClr val="tx1"/>
+          </a:fontRef>
+        </p:style>
+      </p:cxnSp>
+      <p:sp>
+        <p:nvSpPr>
+          <p:cNvPr id="10" name="Rectangle: Rounded Corners 9">
+            <a:extLst>
+              <a:ext uri="{FF2B5EF4-FFF2-40B4-BE49-F238E27FC236}">
+                <a16:creationId xmlns:a16="http://schemas.microsoft.com/office/drawing/2014/main" id="{8AB2AFC4-FC04-6BAD-A7B3-F269BA8DFD7A}"/>
+              </a:ext>
+            </a:extLst>
+          </p:cNvPr>
+          <p:cNvSpPr/>
+          <p:nvPr/>
+        </p:nvSpPr>
+        <p:spPr>
+          <a:xfrm>
+            <a:off x="3141784" y="865866"/>
+            <a:ext cx="1802423" cy="576072"/>
+          </a:xfrm>
+          <a:prstGeom prst="roundRect">
+            <a:avLst/>
+          </a:prstGeom>
+          <a:solidFill>
+            <a:srgbClr val="FBE5D6"/>
+          </a:solidFill>
+          <a:ln w="28575">
+            <a:solidFill>
+              <a:srgbClr val="002060"/>
+            </a:solidFill>
+          </a:ln>
+        </p:spPr>
+        <p:style>
+          <a:lnRef idx="2">
+            <a:schemeClr val="accent1">
+              <a:shade val="15000"/>
+            </a:schemeClr>
+          </a:lnRef>
+          <a:fillRef idx="1">
+            <a:schemeClr val="accent1"/>
+          </a:fillRef>
+          <a:effectRef idx="0">
+            <a:schemeClr val="accent1"/>
+          </a:effectRef>
+          <a:fontRef idx="minor">
+            <a:schemeClr val="lt1"/>
+          </a:fontRef>
+        </p:style>
+        <p:txBody>
+          <a:bodyPr rtlCol="0" anchor="ctr"/>
+          <a:lstStyle/>
+          <a:p>
+            <a:pPr algn="ctr"/>
+            <a:r>
+              <a:rPr lang="en-US" sz="1200" b="1" dirty="0">
+                <a:solidFill>
+                  <a:schemeClr val="tx1"/>
+                </a:solidFill>
+              </a:rPr>
+              <a:t>Imputation</a:t>
+            </a:r>
+            <a:endParaRPr lang="en-US" b="1" dirty="0">
+              <a:solidFill>
+                <a:schemeClr val="tx1"/>
+              </a:solidFill>
+            </a:endParaRPr>
+          </a:p>
+        </p:txBody>
+      </p:sp>
+      <p:sp>
+        <p:nvSpPr>
+          <p:cNvPr id="12" name="Rectangle: Rounded Corners 11">
+            <a:extLst>
+              <a:ext uri="{FF2B5EF4-FFF2-40B4-BE49-F238E27FC236}">
+                <a16:creationId xmlns:a16="http://schemas.microsoft.com/office/drawing/2014/main" id="{C44D7D54-7324-4565-D62B-2127277D503D}"/>
+              </a:ext>
+            </a:extLst>
+          </p:cNvPr>
+          <p:cNvSpPr/>
+          <p:nvPr/>
+        </p:nvSpPr>
+        <p:spPr>
+          <a:xfrm>
+            <a:off x="5052663" y="865866"/>
+            <a:ext cx="1802423" cy="576072"/>
+          </a:xfrm>
+          <a:prstGeom prst="roundRect">
+            <a:avLst/>
+          </a:prstGeom>
+          <a:solidFill>
+            <a:srgbClr val="FBE5D6"/>
+          </a:solidFill>
+          <a:ln w="28575">
+            <a:solidFill>
+              <a:srgbClr val="002060"/>
+            </a:solidFill>
+          </a:ln>
+        </p:spPr>
+        <p:style>
+          <a:lnRef idx="2">
+            <a:schemeClr val="accent1">
+              <a:shade val="15000"/>
+            </a:schemeClr>
+          </a:lnRef>
+          <a:fillRef idx="1">
+            <a:schemeClr val="accent1"/>
+          </a:fillRef>
+          <a:effectRef idx="0">
+            <a:schemeClr val="accent1"/>
+          </a:effectRef>
+          <a:fontRef idx="minor">
+            <a:schemeClr val="lt1"/>
+          </a:fontRef>
+        </p:style>
+        <p:txBody>
+          <a:bodyPr rtlCol="0" anchor="ctr"/>
+          <a:lstStyle/>
+          <a:p>
+            <a:pPr algn="ctr"/>
+            <a:r>
+              <a:rPr lang="en-US" sz="1200" b="1" dirty="0">
+                <a:solidFill>
+                  <a:schemeClr val="tx1"/>
+                </a:solidFill>
+              </a:rPr>
+              <a:t>Encoding</a:t>
+            </a:r>
+            <a:endParaRPr lang="en-US" b="1" dirty="0">
+              <a:solidFill>
+                <a:schemeClr val="tx1"/>
+              </a:solidFill>
+            </a:endParaRPr>
+          </a:p>
+        </p:txBody>
+      </p:sp>
+      <p:sp>
+        <p:nvSpPr>
+          <p:cNvPr id="25" name="Rectangle: Rounded Corners 24">
+            <a:extLst>
+              <a:ext uri="{FF2B5EF4-FFF2-40B4-BE49-F238E27FC236}">
+                <a16:creationId xmlns:a16="http://schemas.microsoft.com/office/drawing/2014/main" id="{2194FDEC-BEEF-3328-2CBD-7B4261D77BF2}"/>
+              </a:ext>
+            </a:extLst>
+          </p:cNvPr>
+          <p:cNvSpPr/>
+          <p:nvPr/>
+        </p:nvSpPr>
+        <p:spPr>
+          <a:xfrm>
+            <a:off x="8861295" y="867119"/>
+            <a:ext cx="1802423" cy="576072"/>
+          </a:xfrm>
+          <a:prstGeom prst="roundRect">
+            <a:avLst/>
+          </a:prstGeom>
+          <a:solidFill>
+            <a:srgbClr val="FFFF00"/>
+          </a:solidFill>
+          <a:ln w="28575">
+            <a:solidFill>
+              <a:srgbClr val="002060"/>
+            </a:solidFill>
+          </a:ln>
+        </p:spPr>
+        <p:style>
+          <a:lnRef idx="2">
+            <a:schemeClr val="accent1">
+              <a:shade val="15000"/>
+            </a:schemeClr>
+          </a:lnRef>
+          <a:fillRef idx="1">
+            <a:schemeClr val="accent1"/>
+          </a:fillRef>
+          <a:effectRef idx="0">
+            <a:schemeClr val="accent1"/>
+          </a:effectRef>
+          <a:fontRef idx="minor">
+            <a:schemeClr val="lt1"/>
+          </a:fontRef>
+        </p:style>
+        <p:txBody>
+          <a:bodyPr rtlCol="0" anchor="ctr"/>
+          <a:lstStyle/>
+          <a:p>
+            <a:pPr algn="ctr"/>
+            <a:r>
+              <a:rPr lang="en-US" sz="1200" b="1" dirty="0">
+                <a:solidFill>
+                  <a:schemeClr val="tx1"/>
+                </a:solidFill>
+              </a:rPr>
+              <a:t>Caret</a:t>
+            </a:r>
+            <a:endParaRPr lang="en-US" b="1" dirty="0">
+              <a:solidFill>
+                <a:schemeClr val="tx1"/>
+              </a:solidFill>
+            </a:endParaRPr>
+          </a:p>
+        </p:txBody>
+      </p:sp>
+      <p:sp>
+        <p:nvSpPr>
+          <p:cNvPr id="11" name="Rectangle: Rounded Corners 10">
+            <a:extLst>
+              <a:ext uri="{FF2B5EF4-FFF2-40B4-BE49-F238E27FC236}">
+                <a16:creationId xmlns:a16="http://schemas.microsoft.com/office/drawing/2014/main" id="{FF47F619-3D64-6793-7903-B309AE851786}"/>
+              </a:ext>
+            </a:extLst>
+          </p:cNvPr>
+          <p:cNvSpPr/>
+          <p:nvPr/>
+        </p:nvSpPr>
+        <p:spPr>
+          <a:xfrm>
+            <a:off x="6973774" y="873960"/>
+            <a:ext cx="1802423" cy="576072"/>
+          </a:xfrm>
+          <a:prstGeom prst="roundRect">
+            <a:avLst/>
+          </a:prstGeom>
+          <a:solidFill>
+            <a:srgbClr val="FBE5D6"/>
+          </a:solidFill>
+          <a:ln w="28575">
+            <a:solidFill>
+              <a:srgbClr val="002060"/>
+            </a:solidFill>
+          </a:ln>
+        </p:spPr>
+        <p:style>
+          <a:lnRef idx="2">
+            <a:schemeClr val="accent1">
+              <a:shade val="15000"/>
+            </a:schemeClr>
+          </a:lnRef>
+          <a:fillRef idx="1">
+            <a:schemeClr val="accent1"/>
+          </a:fillRef>
+          <a:effectRef idx="0">
+            <a:schemeClr val="accent1"/>
+          </a:effectRef>
+          <a:fontRef idx="minor">
+            <a:schemeClr val="lt1"/>
+          </a:fontRef>
+        </p:style>
+        <p:txBody>
+          <a:bodyPr rtlCol="0" anchor="ctr"/>
+          <a:lstStyle/>
+          <a:p>
+            <a:pPr algn="ctr"/>
+            <a:r>
+              <a:rPr lang="en-US" sz="1200" b="1" dirty="0">
+                <a:solidFill>
+                  <a:schemeClr val="tx1"/>
+                </a:solidFill>
+              </a:rPr>
+              <a:t>Standardization</a:t>
+            </a:r>
+            <a:endParaRPr lang="en-US" b="1" dirty="0">
+              <a:solidFill>
+                <a:schemeClr val="tx1"/>
+              </a:solidFill>
+            </a:endParaRPr>
+          </a:p>
+        </p:txBody>
+      </p:sp>
+      <p:sp>
+        <p:nvSpPr>
+          <p:cNvPr id="55" name="Arc 54">
+            <a:extLst>
+              <a:ext uri="{FF2B5EF4-FFF2-40B4-BE49-F238E27FC236}">
+                <a16:creationId xmlns:a16="http://schemas.microsoft.com/office/drawing/2014/main" id="{9ABDBA02-1DDE-18B3-61FB-DDCF5EB6606C}"/>
+              </a:ext>
+            </a:extLst>
+          </p:cNvPr>
+          <p:cNvSpPr/>
+          <p:nvPr/>
+        </p:nvSpPr>
+        <p:spPr>
+          <a:xfrm>
+            <a:off x="10914209" y="1140009"/>
+            <a:ext cx="656496" cy="873423"/>
+          </a:xfrm>
+          <a:prstGeom prst="arc">
+            <a:avLst>
+              <a:gd name="adj1" fmla="val 16200000"/>
+              <a:gd name="adj2" fmla="val 5785124"/>
+            </a:avLst>
+          </a:prstGeom>
+          <a:ln w="57150">
+            <a:solidFill>
+              <a:schemeClr val="tx1"/>
+            </a:solidFill>
+          </a:ln>
+        </p:spPr>
+        <p:style>
+          <a:lnRef idx="1">
+            <a:schemeClr val="accent1"/>
+          </a:lnRef>
+          <a:fillRef idx="0">
+            <a:schemeClr val="accent1"/>
+          </a:fillRef>
+          <a:effectRef idx="0">
+            <a:schemeClr val="accent1"/>
+          </a:effectRef>
+          <a:fontRef idx="minor">
+            <a:schemeClr val="tx1"/>
+          </a:fontRef>
+        </p:style>
+        <p:txBody>
+          <a:bodyPr rtlCol="0" anchor="ctr"/>
+          <a:lstStyle/>
+          <a:p>
+            <a:pPr algn="ctr"/>
+            <a:endParaRPr lang="en-US"/>
+          </a:p>
+        </p:txBody>
+      </p:sp>
+      <p:sp>
+        <p:nvSpPr>
+          <p:cNvPr id="57" name="Arc 56">
+            <a:extLst>
+              <a:ext uri="{FF2B5EF4-FFF2-40B4-BE49-F238E27FC236}">
+                <a16:creationId xmlns:a16="http://schemas.microsoft.com/office/drawing/2014/main" id="{A8A03687-775C-CD45-CE27-63DF65C9FB87}"/>
+              </a:ext>
+            </a:extLst>
+          </p:cNvPr>
+          <p:cNvSpPr/>
+          <p:nvPr/>
+        </p:nvSpPr>
+        <p:spPr>
+          <a:xfrm flipH="1">
+            <a:off x="2444255" y="2011663"/>
+            <a:ext cx="656496" cy="873423"/>
+          </a:xfrm>
+          <a:prstGeom prst="arc">
+            <a:avLst>
+              <a:gd name="adj1" fmla="val 16200000"/>
+              <a:gd name="adj2" fmla="val 5785124"/>
+            </a:avLst>
+          </a:prstGeom>
+          <a:ln w="57150">
+            <a:solidFill>
+              <a:schemeClr val="tx1"/>
+            </a:solidFill>
+          </a:ln>
+        </p:spPr>
+        <p:style>
+          <a:lnRef idx="1">
+            <a:schemeClr val="accent1"/>
+          </a:lnRef>
+          <a:fillRef idx="0">
+            <a:schemeClr val="accent1"/>
+          </a:fillRef>
+          <a:effectRef idx="0">
+            <a:schemeClr val="accent1"/>
+          </a:effectRef>
+          <a:fontRef idx="minor">
+            <a:schemeClr val="tx1"/>
+          </a:fontRef>
+        </p:style>
+        <p:txBody>
+          <a:bodyPr rtlCol="0" anchor="ctr"/>
+          <a:lstStyle/>
+          <a:p>
+            <a:pPr algn="ctr"/>
+            <a:endParaRPr lang="en-US"/>
+          </a:p>
+        </p:txBody>
+      </p:sp>
+      <p:sp>
+        <p:nvSpPr>
+          <p:cNvPr id="59" name="Arc 58">
+            <a:extLst>
+              <a:ext uri="{FF2B5EF4-FFF2-40B4-BE49-F238E27FC236}">
+                <a16:creationId xmlns:a16="http://schemas.microsoft.com/office/drawing/2014/main" id="{706EC078-9089-1DED-5DEE-FE52816B643A}"/>
+              </a:ext>
+            </a:extLst>
+          </p:cNvPr>
+          <p:cNvSpPr/>
+          <p:nvPr/>
+        </p:nvSpPr>
+        <p:spPr>
+          <a:xfrm>
+            <a:off x="10942012" y="2885086"/>
+            <a:ext cx="656496" cy="873423"/>
+          </a:xfrm>
+          <a:prstGeom prst="arc">
+            <a:avLst>
+              <a:gd name="adj1" fmla="val 16200000"/>
+              <a:gd name="adj2" fmla="val 5785124"/>
+            </a:avLst>
+          </a:prstGeom>
+          <a:ln w="57150">
+            <a:solidFill>
+              <a:schemeClr val="tx1"/>
+            </a:solidFill>
+          </a:ln>
+        </p:spPr>
+        <p:style>
+          <a:lnRef idx="1">
+            <a:schemeClr val="accent1"/>
+          </a:lnRef>
+          <a:fillRef idx="0">
+            <a:schemeClr val="accent1"/>
+          </a:fillRef>
+          <a:effectRef idx="0">
+            <a:schemeClr val="accent1"/>
+          </a:effectRef>
+          <a:fontRef idx="minor">
+            <a:schemeClr val="tx1"/>
+          </a:fontRef>
+        </p:style>
+        <p:txBody>
+          <a:bodyPr rtlCol="0" anchor="ctr"/>
+          <a:lstStyle/>
+          <a:p>
+            <a:pPr algn="ctr"/>
+            <a:endParaRPr lang="en-US"/>
+          </a:p>
+        </p:txBody>
+      </p:sp>
+      <p:sp>
+        <p:nvSpPr>
+          <p:cNvPr id="62" name="Arc 61">
+            <a:extLst>
+              <a:ext uri="{FF2B5EF4-FFF2-40B4-BE49-F238E27FC236}">
+                <a16:creationId xmlns:a16="http://schemas.microsoft.com/office/drawing/2014/main" id="{B5BB28A7-0106-3C6C-941C-475D5D103016}"/>
+              </a:ext>
+            </a:extLst>
+          </p:cNvPr>
+          <p:cNvSpPr/>
+          <p:nvPr/>
+        </p:nvSpPr>
+        <p:spPr>
+          <a:xfrm flipH="1">
+            <a:off x="2516055" y="3728419"/>
+            <a:ext cx="648943" cy="786420"/>
+          </a:xfrm>
+          <a:prstGeom prst="arc">
+            <a:avLst>
+              <a:gd name="adj1" fmla="val 16200000"/>
+              <a:gd name="adj2" fmla="val 5785124"/>
+            </a:avLst>
+          </a:prstGeom>
+          <a:ln w="57150">
+            <a:solidFill>
+              <a:schemeClr val="tx1"/>
+            </a:solidFill>
+          </a:ln>
+        </p:spPr>
+        <p:style>
+          <a:lnRef idx="1">
+            <a:schemeClr val="accent1"/>
+          </a:lnRef>
+          <a:fillRef idx="0">
+            <a:schemeClr val="accent1"/>
+          </a:fillRef>
+          <a:effectRef idx="0">
+            <a:schemeClr val="accent1"/>
+          </a:effectRef>
+          <a:fontRef idx="minor">
+            <a:schemeClr val="tx1"/>
+          </a:fontRef>
+        </p:style>
+        <p:txBody>
+          <a:bodyPr rtlCol="0" anchor="ctr"/>
+          <a:lstStyle/>
+          <a:p>
+            <a:pPr algn="ctr"/>
+            <a:endParaRPr lang="en-US"/>
+          </a:p>
+        </p:txBody>
+      </p:sp>
+      <p:sp>
+        <p:nvSpPr>
+          <p:cNvPr id="63" name="Arc 62">
+            <a:extLst>
+              <a:ext uri="{FF2B5EF4-FFF2-40B4-BE49-F238E27FC236}">
+                <a16:creationId xmlns:a16="http://schemas.microsoft.com/office/drawing/2014/main" id="{8039B07D-A344-5140-1FD9-E2191034FCD8}"/>
+              </a:ext>
+            </a:extLst>
+          </p:cNvPr>
+          <p:cNvSpPr/>
+          <p:nvPr/>
+        </p:nvSpPr>
+        <p:spPr>
+          <a:xfrm>
+            <a:off x="10873886" y="4506792"/>
+            <a:ext cx="656496" cy="873423"/>
+          </a:xfrm>
+          <a:prstGeom prst="arc">
+            <a:avLst>
+              <a:gd name="adj1" fmla="val 16200000"/>
+              <a:gd name="adj2" fmla="val 5785124"/>
+            </a:avLst>
+          </a:prstGeom>
+          <a:ln w="57150">
+            <a:solidFill>
+              <a:schemeClr val="tx1"/>
+            </a:solidFill>
+          </a:ln>
+        </p:spPr>
+        <p:style>
+          <a:lnRef idx="1">
+            <a:schemeClr val="accent1"/>
+          </a:lnRef>
+          <a:fillRef idx="0">
+            <a:schemeClr val="accent1"/>
+          </a:fillRef>
+          <a:effectRef idx="0">
+            <a:schemeClr val="accent1"/>
+          </a:effectRef>
+          <a:fontRef idx="minor">
+            <a:schemeClr val="tx1"/>
+          </a:fontRef>
+        </p:style>
+        <p:txBody>
+          <a:bodyPr rtlCol="0" anchor="ctr"/>
+          <a:lstStyle/>
+          <a:p>
+            <a:pPr algn="ctr"/>
+            <a:endParaRPr lang="en-US"/>
+          </a:p>
+        </p:txBody>
+      </p:sp>
+      <p:sp>
+        <p:nvSpPr>
+          <p:cNvPr id="65" name="Arc 64">
+            <a:extLst>
+              <a:ext uri="{FF2B5EF4-FFF2-40B4-BE49-F238E27FC236}">
+                <a16:creationId xmlns:a16="http://schemas.microsoft.com/office/drawing/2014/main" id="{58A740B3-DC30-654E-148D-8AAE755FDC29}"/>
+              </a:ext>
+            </a:extLst>
+          </p:cNvPr>
+          <p:cNvSpPr/>
+          <p:nvPr/>
+        </p:nvSpPr>
+        <p:spPr>
+          <a:xfrm flipH="1">
+            <a:off x="2484443" y="5376880"/>
+            <a:ext cx="616308" cy="962374"/>
+          </a:xfrm>
+          <a:prstGeom prst="arc">
+            <a:avLst>
+              <a:gd name="adj1" fmla="val 16200000"/>
+              <a:gd name="adj2" fmla="val 5785124"/>
+            </a:avLst>
+          </a:prstGeom>
+          <a:ln w="57150">
+            <a:solidFill>
+              <a:schemeClr val="tx1"/>
+            </a:solidFill>
+          </a:ln>
+        </p:spPr>
+        <p:style>
+          <a:lnRef idx="1">
+            <a:schemeClr val="accent1"/>
+          </a:lnRef>
+          <a:fillRef idx="0">
+            <a:schemeClr val="accent1"/>
+          </a:fillRef>
+          <a:effectRef idx="0">
+            <a:schemeClr val="accent1"/>
+          </a:effectRef>
+          <a:fontRef idx="minor">
+            <a:schemeClr val="tx1"/>
+          </a:fontRef>
+        </p:style>
+        <p:txBody>
+          <a:bodyPr rtlCol="0" anchor="ctr"/>
+          <a:lstStyle/>
+          <a:p>
+            <a:pPr algn="ctr"/>
+            <a:endParaRPr lang="en-US"/>
           </a:p>
         </p:txBody>
       </p:sp>
     </p:spTree>
     <p:extLst>
       <p:ext uri="{BB962C8B-B14F-4D97-AF65-F5344CB8AC3E}">
-        <p14:creationId xmlns:p14="http://schemas.microsoft.com/office/powerpoint/2010/main" val="3451681533"/>
+        <p14:creationId xmlns:p14="http://schemas.microsoft.com/office/powerpoint/2010/main" val="3619149865"/>
       </p:ext>
     </p:extLst>
   </p:cSld>
@@ -7309,54 +10609,12 @@
           <a:chExt cx="0" cy="0"/>
         </a:xfrm>
       </p:grpSpPr>
-      <p:sp>
-        <p:nvSpPr>
-          <p:cNvPr id="17" name="TextBox 16">
-            <a:extLst>
-              <a:ext uri="{FF2B5EF4-FFF2-40B4-BE49-F238E27FC236}">
-                <a16:creationId xmlns:a16="http://schemas.microsoft.com/office/drawing/2014/main" id="{370F4DFF-C31F-D441-B981-B144D4E5D343}"/>
-              </a:ext>
-            </a:extLst>
-          </p:cNvPr>
-          <p:cNvSpPr txBox="1"/>
-          <p:nvPr/>
-        </p:nvSpPr>
-        <p:spPr>
-          <a:xfrm>
-            <a:off x="3632216" y="611007"/>
-            <a:ext cx="4927566" cy="461665"/>
-          </a:xfrm>
-          <a:prstGeom prst="rect">
-            <a:avLst/>
-          </a:prstGeom>
-          <a:noFill/>
-        </p:spPr>
-        <p:txBody>
-          <a:bodyPr wrap="none" rtlCol="0">
-            <a:spAutoFit/>
-          </a:bodyPr>
-          <a:lstStyle/>
-          <a:p>
-            <a:pPr algn="ctr">
-              <a:spcAft>
-                <a:spcPts val="600"/>
-              </a:spcAft>
-            </a:pPr>
-            <a:r>
-              <a:rPr lang="en-US" sz="2400" dirty="0">
-                <a:latin typeface="Verdana Pro Black" panose="020B0A04030504040204" pitchFamily="34" charset="0"/>
-              </a:rPr>
-              <a:t>Detecting Multicollinearity</a:t>
-            </a:r>
-          </a:p>
-        </p:txBody>
-      </p:sp>
       <p:pic>
         <p:nvPicPr>
-          <p:cNvPr id="4" name="Picture 3">
-            <a:extLst>
-              <a:ext uri="{FF2B5EF4-FFF2-40B4-BE49-F238E27FC236}">
-                <a16:creationId xmlns:a16="http://schemas.microsoft.com/office/drawing/2014/main" id="{9E56061C-5094-2B01-2D2C-B1A51B7D34CC}"/>
+          <p:cNvPr id="7" name="Picture 6">
+            <a:extLst>
+              <a:ext uri="{FF2B5EF4-FFF2-40B4-BE49-F238E27FC236}">
+                <a16:creationId xmlns:a16="http://schemas.microsoft.com/office/drawing/2014/main" id="{BF13E590-8890-6AD7-27EA-5951C1D3C45C}"/>
               </a:ext>
             </a:extLst>
           </p:cNvPr>
@@ -7373,18 +10631,344 @@
         </p:blipFill>
         <p:spPr>
           <a:xfrm>
-            <a:off x="174291" y="1174634"/>
-            <a:ext cx="8039513" cy="4508732"/>
+            <a:off x="289249" y="1809023"/>
+            <a:ext cx="11749598" cy="1999406"/>
           </a:xfrm>
           <a:prstGeom prst="rect">
             <a:avLst/>
           </a:prstGeom>
         </p:spPr>
       </p:pic>
+      <p:sp>
+        <p:nvSpPr>
+          <p:cNvPr id="8" name="Rectangle 7">
+            <a:extLst>
+              <a:ext uri="{FF2B5EF4-FFF2-40B4-BE49-F238E27FC236}">
+                <a16:creationId xmlns:a16="http://schemas.microsoft.com/office/drawing/2014/main" id="{BD37BE26-7B67-87CC-3F27-67FC1777EC1E}"/>
+              </a:ext>
+            </a:extLst>
+          </p:cNvPr>
+          <p:cNvSpPr/>
+          <p:nvPr/>
+        </p:nvSpPr>
+        <p:spPr>
+          <a:xfrm>
+            <a:off x="688157" y="3506771"/>
+            <a:ext cx="10708849" cy="169683"/>
+          </a:xfrm>
+          <a:prstGeom prst="rect">
+            <a:avLst/>
+          </a:prstGeom>
+          <a:noFill/>
+          <a:ln w="28575">
+            <a:solidFill>
+              <a:srgbClr val="FFFF00"/>
+            </a:solidFill>
+          </a:ln>
+        </p:spPr>
+        <p:style>
+          <a:lnRef idx="2">
+            <a:schemeClr val="accent1">
+              <a:shade val="15000"/>
+            </a:schemeClr>
+          </a:lnRef>
+          <a:fillRef idx="1">
+            <a:schemeClr val="accent1"/>
+          </a:fillRef>
+          <a:effectRef idx="0">
+            <a:schemeClr val="accent1"/>
+          </a:effectRef>
+          <a:fontRef idx="minor">
+            <a:schemeClr val="lt1"/>
+          </a:fontRef>
+        </p:style>
+        <p:txBody>
+          <a:bodyPr rtlCol="0" anchor="ctr"/>
+          <a:lstStyle/>
+          <a:p>
+            <a:pPr algn="ctr"/>
+            <a:endParaRPr lang="en-US"/>
+          </a:p>
+        </p:txBody>
+      </p:sp>
+      <p:cxnSp>
+        <p:nvCxnSpPr>
+          <p:cNvPr id="11" name="Straight Connector 10">
+            <a:extLst>
+              <a:ext uri="{FF2B5EF4-FFF2-40B4-BE49-F238E27FC236}">
+                <a16:creationId xmlns:a16="http://schemas.microsoft.com/office/drawing/2014/main" id="{E99D9A17-1A23-8F2D-9196-A9631B90723C}"/>
+              </a:ext>
+            </a:extLst>
+          </p:cNvPr>
+          <p:cNvCxnSpPr/>
+          <p:nvPr/>
+        </p:nvCxnSpPr>
+        <p:spPr>
+          <a:xfrm>
+            <a:off x="688157" y="3297115"/>
+            <a:ext cx="10601166" cy="0"/>
+          </a:xfrm>
+          <a:prstGeom prst="line">
+            <a:avLst/>
+          </a:prstGeom>
+          <a:ln w="28575">
+            <a:solidFill>
+              <a:schemeClr val="accent4">
+                <a:lumMod val="20000"/>
+                <a:lumOff val="80000"/>
+              </a:schemeClr>
+            </a:solidFill>
+            <a:prstDash val="dash"/>
+          </a:ln>
+        </p:spPr>
+        <p:style>
+          <a:lnRef idx="1">
+            <a:schemeClr val="accent1"/>
+          </a:lnRef>
+          <a:fillRef idx="0">
+            <a:schemeClr val="accent1"/>
+          </a:fillRef>
+          <a:effectRef idx="0">
+            <a:schemeClr val="accent1"/>
+          </a:effectRef>
+          <a:fontRef idx="minor">
+            <a:schemeClr val="tx1"/>
+          </a:fontRef>
+        </p:style>
+      </p:cxnSp>
+      <p:sp>
+        <p:nvSpPr>
+          <p:cNvPr id="12" name="Rectangle 11">
+            <a:extLst>
+              <a:ext uri="{FF2B5EF4-FFF2-40B4-BE49-F238E27FC236}">
+                <a16:creationId xmlns:a16="http://schemas.microsoft.com/office/drawing/2014/main" id="{A3549DC4-40BA-1272-B8DE-5D02C5F561F5}"/>
+              </a:ext>
+            </a:extLst>
+          </p:cNvPr>
+          <p:cNvSpPr/>
+          <p:nvPr/>
+        </p:nvSpPr>
+        <p:spPr>
+          <a:xfrm>
+            <a:off x="289249" y="4380140"/>
+            <a:ext cx="572397" cy="191860"/>
+          </a:xfrm>
+          <a:prstGeom prst="rect">
+            <a:avLst/>
+          </a:prstGeom>
+          <a:noFill/>
+          <a:ln w="28575">
+            <a:solidFill>
+              <a:schemeClr val="accent4"/>
+            </a:solidFill>
+          </a:ln>
+        </p:spPr>
+        <p:style>
+          <a:lnRef idx="2">
+            <a:schemeClr val="accent1">
+              <a:shade val="15000"/>
+            </a:schemeClr>
+          </a:lnRef>
+          <a:fillRef idx="1">
+            <a:schemeClr val="accent1"/>
+          </a:fillRef>
+          <a:effectRef idx="0">
+            <a:schemeClr val="accent1"/>
+          </a:effectRef>
+          <a:fontRef idx="minor">
+            <a:schemeClr val="lt1"/>
+          </a:fontRef>
+        </p:style>
+        <p:txBody>
+          <a:bodyPr rtlCol="0" anchor="ctr"/>
+          <a:lstStyle/>
+          <a:p>
+            <a:pPr algn="ctr"/>
+            <a:endParaRPr lang="en-US"/>
+          </a:p>
+        </p:txBody>
+      </p:sp>
+      <p:sp>
+        <p:nvSpPr>
+          <p:cNvPr id="13" name="TextBox 12">
+            <a:extLst>
+              <a:ext uri="{FF2B5EF4-FFF2-40B4-BE49-F238E27FC236}">
+                <a16:creationId xmlns:a16="http://schemas.microsoft.com/office/drawing/2014/main" id="{4259E792-13EE-CA79-5EB0-A062683BBBC8}"/>
+              </a:ext>
+            </a:extLst>
+          </p:cNvPr>
+          <p:cNvSpPr txBox="1"/>
+          <p:nvPr/>
+        </p:nvSpPr>
+        <p:spPr>
+          <a:xfrm>
+            <a:off x="1037493" y="4255422"/>
+            <a:ext cx="1238481" cy="369332"/>
+          </a:xfrm>
+          <a:prstGeom prst="rect">
+            <a:avLst/>
+          </a:prstGeom>
+          <a:noFill/>
+        </p:spPr>
+        <p:txBody>
+          <a:bodyPr wrap="none" rtlCol="0">
+            <a:spAutoFit/>
+          </a:bodyPr>
+          <a:lstStyle/>
+          <a:p>
+            <a:r>
+              <a:rPr lang="en-US" dirty="0"/>
+              <a:t>Best model</a:t>
+            </a:r>
+          </a:p>
+        </p:txBody>
+      </p:sp>
+      <p:sp>
+        <p:nvSpPr>
+          <p:cNvPr id="14" name="TextBox 13">
+            <a:extLst>
+              <a:ext uri="{FF2B5EF4-FFF2-40B4-BE49-F238E27FC236}">
+                <a16:creationId xmlns:a16="http://schemas.microsoft.com/office/drawing/2014/main" id="{49F066A8-9957-6751-AD8A-343910BB811D}"/>
+              </a:ext>
+            </a:extLst>
+          </p:cNvPr>
+          <p:cNvSpPr txBox="1"/>
+          <p:nvPr/>
+        </p:nvSpPr>
+        <p:spPr>
+          <a:xfrm>
+            <a:off x="1037493" y="4713400"/>
+            <a:ext cx="1568699" cy="369332"/>
+          </a:xfrm>
+          <a:prstGeom prst="rect">
+            <a:avLst/>
+          </a:prstGeom>
+          <a:noFill/>
+        </p:spPr>
+        <p:txBody>
+          <a:bodyPr wrap="none" rtlCol="0">
+            <a:spAutoFit/>
+          </a:bodyPr>
+          <a:lstStyle/>
+          <a:p>
+            <a:r>
+              <a:rPr lang="en-US" dirty="0"/>
+              <a:t>2</a:t>
+            </a:r>
+            <a:r>
+              <a:rPr lang="en-US" baseline="30000" dirty="0"/>
+              <a:t>nd</a:t>
+            </a:r>
+            <a:r>
+              <a:rPr lang="en-US" dirty="0"/>
+              <a:t> Best model</a:t>
+            </a:r>
+          </a:p>
+        </p:txBody>
+      </p:sp>
+      <p:cxnSp>
+        <p:nvCxnSpPr>
+          <p:cNvPr id="15" name="Straight Connector 14">
+            <a:extLst>
+              <a:ext uri="{FF2B5EF4-FFF2-40B4-BE49-F238E27FC236}">
+                <a16:creationId xmlns:a16="http://schemas.microsoft.com/office/drawing/2014/main" id="{066A4A5F-3CD2-30C3-AF21-81CD605CE74D}"/>
+              </a:ext>
+            </a:extLst>
+          </p:cNvPr>
+          <p:cNvCxnSpPr>
+            <a:cxnSpLocks/>
+          </p:cNvCxnSpPr>
+          <p:nvPr/>
+        </p:nvCxnSpPr>
+        <p:spPr>
+          <a:xfrm>
+            <a:off x="289249" y="4898066"/>
+            <a:ext cx="572397" cy="0"/>
+          </a:xfrm>
+          <a:prstGeom prst="line">
+            <a:avLst/>
+          </a:prstGeom>
+          <a:ln w="28575">
+            <a:solidFill>
+              <a:schemeClr val="accent4"/>
+            </a:solidFill>
+            <a:prstDash val="dash"/>
+          </a:ln>
+        </p:spPr>
+        <p:style>
+          <a:lnRef idx="1">
+            <a:schemeClr val="accent1"/>
+          </a:lnRef>
+          <a:fillRef idx="0">
+            <a:schemeClr val="accent1"/>
+          </a:fillRef>
+          <a:effectRef idx="0">
+            <a:schemeClr val="accent1"/>
+          </a:effectRef>
+          <a:fontRef idx="minor">
+            <a:schemeClr val="tx1"/>
+          </a:fontRef>
+        </p:style>
+      </p:cxnSp>
+      <p:sp>
+        <p:nvSpPr>
+          <p:cNvPr id="17" name="TextBox 16">
+            <a:extLst>
+              <a:ext uri="{FF2B5EF4-FFF2-40B4-BE49-F238E27FC236}">
+                <a16:creationId xmlns:a16="http://schemas.microsoft.com/office/drawing/2014/main" id="{370F4DFF-C31F-D441-B981-B144D4E5D343}"/>
+              </a:ext>
+            </a:extLst>
+          </p:cNvPr>
+          <p:cNvSpPr txBox="1"/>
+          <p:nvPr/>
+        </p:nvSpPr>
+        <p:spPr>
+          <a:xfrm>
+            <a:off x="1142560" y="611007"/>
+            <a:ext cx="9906879" cy="907941"/>
+          </a:xfrm>
+          <a:prstGeom prst="rect">
+            <a:avLst/>
+          </a:prstGeom>
+          <a:noFill/>
+        </p:spPr>
+        <p:txBody>
+          <a:bodyPr wrap="none" rtlCol="0">
+            <a:spAutoFit/>
+          </a:bodyPr>
+          <a:lstStyle/>
+          <a:p>
+            <a:pPr algn="ctr">
+              <a:spcAft>
+                <a:spcPts val="600"/>
+              </a:spcAft>
+            </a:pPr>
+            <a:r>
+              <a:rPr lang="en-US" sz="2400" dirty="0">
+                <a:latin typeface="Verdana Pro Black" panose="020B0A04030504040204" pitchFamily="34" charset="0"/>
+              </a:rPr>
+              <a:t>Model Performance </a:t>
+            </a:r>
+          </a:p>
+          <a:p>
+            <a:pPr algn="ctr">
+              <a:spcAft>
+                <a:spcPts val="600"/>
+              </a:spcAft>
+            </a:pPr>
+            <a:r>
+              <a:rPr lang="en-US" sz="2400" dirty="0">
+                <a:latin typeface="Verdana Pro Black" panose="020B0A04030504040204" pitchFamily="34" charset="0"/>
+              </a:rPr>
+              <a:t>(Better imputation; 43 features selected by Dr. Gupta)</a:t>
+            </a:r>
+          </a:p>
+        </p:txBody>
+      </p:sp>
     </p:spTree>
     <p:extLst>
       <p:ext uri="{BB962C8B-B14F-4D97-AF65-F5344CB8AC3E}">
-        <p14:creationId xmlns:p14="http://schemas.microsoft.com/office/powerpoint/2010/main" val="3881185904"/>
+        <p14:creationId xmlns:p14="http://schemas.microsoft.com/office/powerpoint/2010/main" val="3451681533"/>
       </p:ext>
     </p:extLst>
   </p:cSld>
@@ -7425,8 +11009,8 @@
         </p:nvSpPr>
         <p:spPr>
           <a:xfrm>
-            <a:off x="1973108" y="391085"/>
-            <a:ext cx="7407990" cy="461665"/>
+            <a:off x="3632216" y="611007"/>
+            <a:ext cx="4927566" cy="461665"/>
           </a:xfrm>
           <a:prstGeom prst="rect">
             <a:avLst/>
@@ -7439,21 +11023,26 @@
           </a:bodyPr>
           <a:lstStyle/>
           <a:p>
+            <a:pPr algn="ctr">
+              <a:spcAft>
+                <a:spcPts val="600"/>
+              </a:spcAft>
+            </a:pPr>
             <a:r>
               <a:rPr lang="en-US" sz="2400" dirty="0">
                 <a:latin typeface="Verdana Pro Black" panose="020B0A04030504040204" pitchFamily="34" charset="0"/>
               </a:rPr>
-              <a:t>Random Forest (features included = 43)</a:t>
+              <a:t>Detecting Multicollinearity</a:t>
             </a:r>
           </a:p>
         </p:txBody>
       </p:sp>
       <p:pic>
         <p:nvPicPr>
-          <p:cNvPr id="24" name="Picture 23">
-            <a:extLst>
-              <a:ext uri="{FF2B5EF4-FFF2-40B4-BE49-F238E27FC236}">
-                <a16:creationId xmlns:a16="http://schemas.microsoft.com/office/drawing/2014/main" id="{F21C3754-1C0F-6322-97EB-BA3B61858250}"/>
+          <p:cNvPr id="4" name="Picture 3">
+            <a:extLst>
+              <a:ext uri="{FF2B5EF4-FFF2-40B4-BE49-F238E27FC236}">
+                <a16:creationId xmlns:a16="http://schemas.microsoft.com/office/drawing/2014/main" id="{9E56061C-5094-2B01-2D2C-B1A51B7D34CC}"/>
               </a:ext>
             </a:extLst>
           </p:cNvPr>
@@ -7470,226 +11059,18 @@
         </p:blipFill>
         <p:spPr>
           <a:xfrm>
-            <a:off x="1076066" y="980051"/>
-            <a:ext cx="10039866" cy="5658141"/>
+            <a:off x="174291" y="1174634"/>
+            <a:ext cx="8039513" cy="4508732"/>
           </a:xfrm>
           <a:prstGeom prst="rect">
             <a:avLst/>
           </a:prstGeom>
         </p:spPr>
       </p:pic>
-      <p:sp>
-        <p:nvSpPr>
-          <p:cNvPr id="18" name="Rectangle 17">
-            <a:extLst>
-              <a:ext uri="{FF2B5EF4-FFF2-40B4-BE49-F238E27FC236}">
-                <a16:creationId xmlns:a16="http://schemas.microsoft.com/office/drawing/2014/main" id="{90B80AAA-4A9E-CC57-3CFE-37CC02649F46}"/>
-              </a:ext>
-            </a:extLst>
-          </p:cNvPr>
-          <p:cNvSpPr/>
-          <p:nvPr/>
-        </p:nvSpPr>
-        <p:spPr>
-          <a:xfrm>
-            <a:off x="1528632" y="5161085"/>
-            <a:ext cx="246185" cy="633046"/>
-          </a:xfrm>
-          <a:prstGeom prst="rect">
-            <a:avLst/>
-          </a:prstGeom>
-          <a:noFill/>
-          <a:ln>
-            <a:solidFill>
-              <a:srgbClr val="FF0000"/>
-            </a:solidFill>
-          </a:ln>
-        </p:spPr>
-        <p:style>
-          <a:lnRef idx="2">
-            <a:schemeClr val="accent1">
-              <a:shade val="15000"/>
-            </a:schemeClr>
-          </a:lnRef>
-          <a:fillRef idx="1">
-            <a:schemeClr val="accent1"/>
-          </a:fillRef>
-          <a:effectRef idx="0">
-            <a:schemeClr val="accent1"/>
-          </a:effectRef>
-          <a:fontRef idx="minor">
-            <a:schemeClr val="lt1"/>
-          </a:fontRef>
-        </p:style>
-        <p:txBody>
-          <a:bodyPr rtlCol="0" anchor="ctr"/>
-          <a:lstStyle/>
-          <a:p>
-            <a:pPr algn="ctr"/>
-            <a:endParaRPr lang="en-US"/>
-          </a:p>
-        </p:txBody>
-      </p:sp>
-      <p:sp>
-        <p:nvSpPr>
-          <p:cNvPr id="19" name="Rectangle 18">
-            <a:extLst>
-              <a:ext uri="{FF2B5EF4-FFF2-40B4-BE49-F238E27FC236}">
-                <a16:creationId xmlns:a16="http://schemas.microsoft.com/office/drawing/2014/main" id="{D9795EFA-6208-F1AE-3BD5-E8AFB7177D67}"/>
-              </a:ext>
-            </a:extLst>
-          </p:cNvPr>
-          <p:cNvSpPr/>
-          <p:nvPr/>
-        </p:nvSpPr>
-        <p:spPr>
-          <a:xfrm>
-            <a:off x="2209799" y="5191163"/>
-            <a:ext cx="463063" cy="1447029"/>
-          </a:xfrm>
-          <a:prstGeom prst="rect">
-            <a:avLst/>
-          </a:prstGeom>
-          <a:noFill/>
-          <a:ln>
-            <a:solidFill>
-              <a:srgbClr val="FF0000"/>
-            </a:solidFill>
-          </a:ln>
-        </p:spPr>
-        <p:style>
-          <a:lnRef idx="2">
-            <a:schemeClr val="accent1">
-              <a:shade val="15000"/>
-            </a:schemeClr>
-          </a:lnRef>
-          <a:fillRef idx="1">
-            <a:schemeClr val="accent1"/>
-          </a:fillRef>
-          <a:effectRef idx="0">
-            <a:schemeClr val="accent1"/>
-          </a:effectRef>
-          <a:fontRef idx="minor">
-            <a:schemeClr val="lt1"/>
-          </a:fontRef>
-        </p:style>
-        <p:txBody>
-          <a:bodyPr rtlCol="0" anchor="ctr"/>
-          <a:lstStyle/>
-          <a:p>
-            <a:pPr algn="ctr"/>
-            <a:endParaRPr lang="en-US"/>
-          </a:p>
-        </p:txBody>
-      </p:sp>
-      <p:sp>
-        <p:nvSpPr>
-          <p:cNvPr id="22" name="Rectangle 21">
-            <a:extLst>
-              <a:ext uri="{FF2B5EF4-FFF2-40B4-BE49-F238E27FC236}">
-                <a16:creationId xmlns:a16="http://schemas.microsoft.com/office/drawing/2014/main" id="{B187F081-CEB3-F6BE-2057-CDD893E7AF0E}"/>
-              </a:ext>
-            </a:extLst>
-          </p:cNvPr>
-          <p:cNvSpPr/>
-          <p:nvPr/>
-        </p:nvSpPr>
-        <p:spPr>
-          <a:xfrm>
-            <a:off x="5515708" y="5169877"/>
-            <a:ext cx="246185" cy="723513"/>
-          </a:xfrm>
-          <a:prstGeom prst="rect">
-            <a:avLst/>
-          </a:prstGeom>
-          <a:noFill/>
-          <a:ln>
-            <a:solidFill>
-              <a:srgbClr val="FF0000"/>
-            </a:solidFill>
-          </a:ln>
-        </p:spPr>
-        <p:style>
-          <a:lnRef idx="2">
-            <a:schemeClr val="accent1">
-              <a:shade val="15000"/>
-            </a:schemeClr>
-          </a:lnRef>
-          <a:fillRef idx="1">
-            <a:schemeClr val="accent1"/>
-          </a:fillRef>
-          <a:effectRef idx="0">
-            <a:schemeClr val="accent1"/>
-          </a:effectRef>
-          <a:fontRef idx="minor">
-            <a:schemeClr val="lt1"/>
-          </a:fontRef>
-        </p:style>
-        <p:txBody>
-          <a:bodyPr rtlCol="0" anchor="ctr"/>
-          <a:lstStyle/>
-          <a:p>
-            <a:pPr algn="ctr"/>
-            <a:endParaRPr lang="en-US"/>
-          </a:p>
-        </p:txBody>
-      </p:sp>
-      <p:sp>
-        <p:nvSpPr>
-          <p:cNvPr id="25" name="Rectangle 24">
-            <a:extLst>
-              <a:ext uri="{FF2B5EF4-FFF2-40B4-BE49-F238E27FC236}">
-                <a16:creationId xmlns:a16="http://schemas.microsoft.com/office/drawing/2014/main" id="{99B4A0C1-47A9-5A9C-8953-2EC75EF45BDE}"/>
-              </a:ext>
-            </a:extLst>
-          </p:cNvPr>
-          <p:cNvSpPr/>
-          <p:nvPr/>
-        </p:nvSpPr>
-        <p:spPr>
-          <a:xfrm>
-            <a:off x="5972906" y="5197525"/>
-            <a:ext cx="246185" cy="680423"/>
-          </a:xfrm>
-          <a:prstGeom prst="rect">
-            <a:avLst/>
-          </a:prstGeom>
-          <a:noFill/>
-          <a:ln>
-            <a:solidFill>
-              <a:srgbClr val="FF0000"/>
-            </a:solidFill>
-          </a:ln>
-        </p:spPr>
-        <p:style>
-          <a:lnRef idx="2">
-            <a:schemeClr val="accent1">
-              <a:shade val="15000"/>
-            </a:schemeClr>
-          </a:lnRef>
-          <a:fillRef idx="1">
-            <a:schemeClr val="accent1"/>
-          </a:fillRef>
-          <a:effectRef idx="0">
-            <a:schemeClr val="accent1"/>
-          </a:effectRef>
-          <a:fontRef idx="minor">
-            <a:schemeClr val="lt1"/>
-          </a:fontRef>
-        </p:style>
-        <p:txBody>
-          <a:bodyPr rtlCol="0" anchor="ctr"/>
-          <a:lstStyle/>
-          <a:p>
-            <a:pPr algn="ctr"/>
-            <a:endParaRPr lang="en-US"/>
-          </a:p>
-        </p:txBody>
-      </p:sp>
     </p:spTree>
     <p:extLst>
       <p:ext uri="{BB962C8B-B14F-4D97-AF65-F5344CB8AC3E}">
-        <p14:creationId xmlns:p14="http://schemas.microsoft.com/office/powerpoint/2010/main" val="895812440"/>
+        <p14:creationId xmlns:p14="http://schemas.microsoft.com/office/powerpoint/2010/main" val="3881185904"/>
       </p:ext>
     </p:extLst>
   </p:cSld>
@@ -7716,12 +11097,49 @@
           <a:chExt cx="0" cy="0"/>
         </a:xfrm>
       </p:grpSpPr>
+      <p:sp>
+        <p:nvSpPr>
+          <p:cNvPr id="17" name="TextBox 16">
+            <a:extLst>
+              <a:ext uri="{FF2B5EF4-FFF2-40B4-BE49-F238E27FC236}">
+                <a16:creationId xmlns:a16="http://schemas.microsoft.com/office/drawing/2014/main" id="{370F4DFF-C31F-D441-B981-B144D4E5D343}"/>
+              </a:ext>
+            </a:extLst>
+          </p:cNvPr>
+          <p:cNvSpPr txBox="1"/>
+          <p:nvPr/>
+        </p:nvSpPr>
+        <p:spPr>
+          <a:xfrm>
+            <a:off x="1973108" y="391085"/>
+            <a:ext cx="7407990" cy="461665"/>
+          </a:xfrm>
+          <a:prstGeom prst="rect">
+            <a:avLst/>
+          </a:prstGeom>
+          <a:noFill/>
+        </p:spPr>
+        <p:txBody>
+          <a:bodyPr wrap="none" rtlCol="0">
+            <a:spAutoFit/>
+          </a:bodyPr>
+          <a:lstStyle/>
+          <a:p>
+            <a:r>
+              <a:rPr lang="en-US" sz="2400" dirty="0">
+                <a:latin typeface="Verdana Pro Black" panose="020B0A04030504040204" pitchFamily="34" charset="0"/>
+              </a:rPr>
+              <a:t>Random Forest (features included = 43)</a:t>
+            </a:r>
+          </a:p>
+        </p:txBody>
+      </p:sp>
       <p:pic>
         <p:nvPicPr>
-          <p:cNvPr id="4" name="Picture 3">
-            <a:extLst>
-              <a:ext uri="{FF2B5EF4-FFF2-40B4-BE49-F238E27FC236}">
-                <a16:creationId xmlns:a16="http://schemas.microsoft.com/office/drawing/2014/main" id="{4ABFBA5D-CE82-E6BD-AF21-E7525CDE5589}"/>
+          <p:cNvPr id="24" name="Picture 23">
+            <a:extLst>
+              <a:ext uri="{FF2B5EF4-FFF2-40B4-BE49-F238E27FC236}">
+                <a16:creationId xmlns:a16="http://schemas.microsoft.com/office/drawing/2014/main" id="{F21C3754-1C0F-6322-97EB-BA3B61858250}"/>
               </a:ext>
             </a:extLst>
           </p:cNvPr>
@@ -7738,8 +11156,8 @@
         </p:blipFill>
         <p:spPr>
           <a:xfrm>
-            <a:off x="2863166" y="432585"/>
-            <a:ext cx="6465663" cy="6355076"/>
+            <a:off x="1076066" y="980051"/>
+            <a:ext cx="10039866" cy="5658141"/>
           </a:xfrm>
           <a:prstGeom prst="rect">
             <a:avLst/>
@@ -7748,45 +11166,216 @@
       </p:pic>
       <p:sp>
         <p:nvSpPr>
-          <p:cNvPr id="5" name="TextBox 4">
-            <a:extLst>
-              <a:ext uri="{FF2B5EF4-FFF2-40B4-BE49-F238E27FC236}">
-                <a16:creationId xmlns:a16="http://schemas.microsoft.com/office/drawing/2014/main" id="{0CA137D2-627D-A269-2699-1B95D35FCB35}"/>
-              </a:ext>
-            </a:extLst>
-          </p:cNvPr>
-          <p:cNvSpPr txBox="1"/>
-          <p:nvPr/>
-        </p:nvSpPr>
-        <p:spPr>
-          <a:xfrm>
-            <a:off x="2690803" y="70339"/>
-            <a:ext cx="6810391" cy="400110"/>
+          <p:cNvPr id="18" name="Rectangle 17">
+            <a:extLst>
+              <a:ext uri="{FF2B5EF4-FFF2-40B4-BE49-F238E27FC236}">
+                <a16:creationId xmlns:a16="http://schemas.microsoft.com/office/drawing/2014/main" id="{90B80AAA-4A9E-CC57-3CFE-37CC02649F46}"/>
+              </a:ext>
+            </a:extLst>
+          </p:cNvPr>
+          <p:cNvSpPr/>
+          <p:nvPr/>
+        </p:nvSpPr>
+        <p:spPr>
+          <a:xfrm>
+            <a:off x="1528632" y="5161085"/>
+            <a:ext cx="246185" cy="633046"/>
           </a:xfrm>
           <a:prstGeom prst="rect">
             <a:avLst/>
           </a:prstGeom>
           <a:noFill/>
-        </p:spPr>
-        <p:txBody>
-          <a:bodyPr wrap="none" rtlCol="0">
-            <a:spAutoFit/>
-          </a:bodyPr>
-          <a:lstStyle/>
-          <a:p>
-            <a:r>
-              <a:rPr lang="en-US" sz="2000" dirty="0">
-                <a:latin typeface="Verdana Pro Black" panose="020B0A04030504040204" pitchFamily="34" charset="0"/>
-              </a:rPr>
-              <a:t>ROC-AUC Comparison (models included = 9)</a:t>
-            </a:r>
+          <a:ln>
+            <a:solidFill>
+              <a:srgbClr val="FF0000"/>
+            </a:solidFill>
+          </a:ln>
+        </p:spPr>
+        <p:style>
+          <a:lnRef idx="2">
+            <a:schemeClr val="accent1">
+              <a:shade val="15000"/>
+            </a:schemeClr>
+          </a:lnRef>
+          <a:fillRef idx="1">
+            <a:schemeClr val="accent1"/>
+          </a:fillRef>
+          <a:effectRef idx="0">
+            <a:schemeClr val="accent1"/>
+          </a:effectRef>
+          <a:fontRef idx="minor">
+            <a:schemeClr val="lt1"/>
+          </a:fontRef>
+        </p:style>
+        <p:txBody>
+          <a:bodyPr rtlCol="0" anchor="ctr"/>
+          <a:lstStyle/>
+          <a:p>
+            <a:pPr algn="ctr"/>
+            <a:endParaRPr lang="en-US"/>
+          </a:p>
+        </p:txBody>
+      </p:sp>
+      <p:sp>
+        <p:nvSpPr>
+          <p:cNvPr id="19" name="Rectangle 18">
+            <a:extLst>
+              <a:ext uri="{FF2B5EF4-FFF2-40B4-BE49-F238E27FC236}">
+                <a16:creationId xmlns:a16="http://schemas.microsoft.com/office/drawing/2014/main" id="{D9795EFA-6208-F1AE-3BD5-E8AFB7177D67}"/>
+              </a:ext>
+            </a:extLst>
+          </p:cNvPr>
+          <p:cNvSpPr/>
+          <p:nvPr/>
+        </p:nvSpPr>
+        <p:spPr>
+          <a:xfrm>
+            <a:off x="2209799" y="5191163"/>
+            <a:ext cx="463063" cy="1447029"/>
+          </a:xfrm>
+          <a:prstGeom prst="rect">
+            <a:avLst/>
+          </a:prstGeom>
+          <a:noFill/>
+          <a:ln>
+            <a:solidFill>
+              <a:srgbClr val="FF0000"/>
+            </a:solidFill>
+          </a:ln>
+        </p:spPr>
+        <p:style>
+          <a:lnRef idx="2">
+            <a:schemeClr val="accent1">
+              <a:shade val="15000"/>
+            </a:schemeClr>
+          </a:lnRef>
+          <a:fillRef idx="1">
+            <a:schemeClr val="accent1"/>
+          </a:fillRef>
+          <a:effectRef idx="0">
+            <a:schemeClr val="accent1"/>
+          </a:effectRef>
+          <a:fontRef idx="minor">
+            <a:schemeClr val="lt1"/>
+          </a:fontRef>
+        </p:style>
+        <p:txBody>
+          <a:bodyPr rtlCol="0" anchor="ctr"/>
+          <a:lstStyle/>
+          <a:p>
+            <a:pPr algn="ctr"/>
+            <a:endParaRPr lang="en-US"/>
+          </a:p>
+        </p:txBody>
+      </p:sp>
+      <p:sp>
+        <p:nvSpPr>
+          <p:cNvPr id="22" name="Rectangle 21">
+            <a:extLst>
+              <a:ext uri="{FF2B5EF4-FFF2-40B4-BE49-F238E27FC236}">
+                <a16:creationId xmlns:a16="http://schemas.microsoft.com/office/drawing/2014/main" id="{B187F081-CEB3-F6BE-2057-CDD893E7AF0E}"/>
+              </a:ext>
+            </a:extLst>
+          </p:cNvPr>
+          <p:cNvSpPr/>
+          <p:nvPr/>
+        </p:nvSpPr>
+        <p:spPr>
+          <a:xfrm>
+            <a:off x="5515708" y="5169877"/>
+            <a:ext cx="246185" cy="723513"/>
+          </a:xfrm>
+          <a:prstGeom prst="rect">
+            <a:avLst/>
+          </a:prstGeom>
+          <a:noFill/>
+          <a:ln>
+            <a:solidFill>
+              <a:srgbClr val="FF0000"/>
+            </a:solidFill>
+          </a:ln>
+        </p:spPr>
+        <p:style>
+          <a:lnRef idx="2">
+            <a:schemeClr val="accent1">
+              <a:shade val="15000"/>
+            </a:schemeClr>
+          </a:lnRef>
+          <a:fillRef idx="1">
+            <a:schemeClr val="accent1"/>
+          </a:fillRef>
+          <a:effectRef idx="0">
+            <a:schemeClr val="accent1"/>
+          </a:effectRef>
+          <a:fontRef idx="minor">
+            <a:schemeClr val="lt1"/>
+          </a:fontRef>
+        </p:style>
+        <p:txBody>
+          <a:bodyPr rtlCol="0" anchor="ctr"/>
+          <a:lstStyle/>
+          <a:p>
+            <a:pPr algn="ctr"/>
+            <a:endParaRPr lang="en-US"/>
+          </a:p>
+        </p:txBody>
+      </p:sp>
+      <p:sp>
+        <p:nvSpPr>
+          <p:cNvPr id="25" name="Rectangle 24">
+            <a:extLst>
+              <a:ext uri="{FF2B5EF4-FFF2-40B4-BE49-F238E27FC236}">
+                <a16:creationId xmlns:a16="http://schemas.microsoft.com/office/drawing/2014/main" id="{99B4A0C1-47A9-5A9C-8953-2EC75EF45BDE}"/>
+              </a:ext>
+            </a:extLst>
+          </p:cNvPr>
+          <p:cNvSpPr/>
+          <p:nvPr/>
+        </p:nvSpPr>
+        <p:spPr>
+          <a:xfrm>
+            <a:off x="5972906" y="5197525"/>
+            <a:ext cx="246185" cy="680423"/>
+          </a:xfrm>
+          <a:prstGeom prst="rect">
+            <a:avLst/>
+          </a:prstGeom>
+          <a:noFill/>
+          <a:ln>
+            <a:solidFill>
+              <a:srgbClr val="FF0000"/>
+            </a:solidFill>
+          </a:ln>
+        </p:spPr>
+        <p:style>
+          <a:lnRef idx="2">
+            <a:schemeClr val="accent1">
+              <a:shade val="15000"/>
+            </a:schemeClr>
+          </a:lnRef>
+          <a:fillRef idx="1">
+            <a:schemeClr val="accent1"/>
+          </a:fillRef>
+          <a:effectRef idx="0">
+            <a:schemeClr val="accent1"/>
+          </a:effectRef>
+          <a:fontRef idx="minor">
+            <a:schemeClr val="lt1"/>
+          </a:fontRef>
+        </p:style>
+        <p:txBody>
+          <a:bodyPr rtlCol="0" anchor="ctr"/>
+          <a:lstStyle/>
+          <a:p>
+            <a:pPr algn="ctr"/>
+            <a:endParaRPr lang="en-US"/>
           </a:p>
         </p:txBody>
       </p:sp>
     </p:spTree>
     <p:extLst>
       <p:ext uri="{BB962C8B-B14F-4D97-AF65-F5344CB8AC3E}">
-        <p14:creationId xmlns:p14="http://schemas.microsoft.com/office/powerpoint/2010/main" val="1270886077"/>
+        <p14:creationId xmlns:p14="http://schemas.microsoft.com/office/powerpoint/2010/main" val="895812440"/>
       </p:ext>
     </p:extLst>
   </p:cSld>
@@ -7815,10 +11404,10 @@
       </p:grpSpPr>
       <p:pic>
         <p:nvPicPr>
-          <p:cNvPr id="3" name="Picture 2">
-            <a:extLst>
-              <a:ext uri="{FF2B5EF4-FFF2-40B4-BE49-F238E27FC236}">
-                <a16:creationId xmlns:a16="http://schemas.microsoft.com/office/drawing/2014/main" id="{B4B57E00-101D-06D0-C8C2-C63C9894A3FE}"/>
+          <p:cNvPr id="4" name="Picture 3">
+            <a:extLst>
+              <a:ext uri="{FF2B5EF4-FFF2-40B4-BE49-F238E27FC236}">
+                <a16:creationId xmlns:a16="http://schemas.microsoft.com/office/drawing/2014/main" id="{4ABFBA5D-CE82-E6BD-AF21-E7525CDE5589}"/>
               </a:ext>
             </a:extLst>
           </p:cNvPr>
@@ -7835,8 +11424,8 @@
         </p:blipFill>
         <p:spPr>
           <a:xfrm>
-            <a:off x="333298" y="1568097"/>
-            <a:ext cx="8272250" cy="4680583"/>
+            <a:off x="2863166" y="432585"/>
+            <a:ext cx="6465663" cy="6355076"/>
           </a:xfrm>
           <a:prstGeom prst="rect">
             <a:avLst/>
@@ -7845,10 +11434,10 @@
       </p:pic>
       <p:sp>
         <p:nvSpPr>
-          <p:cNvPr id="4" name="TextBox 3">
-            <a:extLst>
-              <a:ext uri="{FF2B5EF4-FFF2-40B4-BE49-F238E27FC236}">
-                <a16:creationId xmlns:a16="http://schemas.microsoft.com/office/drawing/2014/main" id="{2953DCE4-4B81-02FE-1707-164F5BE550D6}"/>
+          <p:cNvPr id="5" name="TextBox 4">
+            <a:extLst>
+              <a:ext uri="{FF2B5EF4-FFF2-40B4-BE49-F238E27FC236}">
+                <a16:creationId xmlns:a16="http://schemas.microsoft.com/office/drawing/2014/main" id="{0CA137D2-627D-A269-2699-1B95D35FCB35}"/>
               </a:ext>
             </a:extLst>
           </p:cNvPr>
@@ -7857,8 +11446,8 @@
         </p:nvSpPr>
         <p:spPr>
           <a:xfrm>
-            <a:off x="4176147" y="615461"/>
-            <a:ext cx="3839705" cy="400110"/>
+            <a:off x="2690803" y="70339"/>
+            <a:ext cx="6810391" cy="400110"/>
           </a:xfrm>
           <a:prstGeom prst="rect">
             <a:avLst/>
@@ -7875,45 +11464,15 @@
               <a:rPr lang="en-US" sz="2000" dirty="0">
                 <a:latin typeface="Verdana Pro Black" panose="020B0A04030504040204" pitchFamily="34" charset="0"/>
               </a:rPr>
-              <a:t>Feature Selection – PCA</a:t>
-            </a:r>
-          </a:p>
-        </p:txBody>
-      </p:sp>
-      <p:pic>
-        <p:nvPicPr>
-          <p:cNvPr id="6" name="Picture 5">
-            <a:extLst>
-              <a:ext uri="{FF2B5EF4-FFF2-40B4-BE49-F238E27FC236}">
-                <a16:creationId xmlns:a16="http://schemas.microsoft.com/office/drawing/2014/main" id="{24FB88AC-0AE1-1005-1A28-21108B4FAE2A}"/>
-              </a:ext>
-            </a:extLst>
-          </p:cNvPr>
-          <p:cNvPicPr>
-            <a:picLocks noChangeAspect="1"/>
-          </p:cNvPicPr>
-          <p:nvPr/>
-        </p:nvPicPr>
-        <p:blipFill>
-          <a:blip r:embed="rId3"/>
-          <a:stretch>
-            <a:fillRect/>
-          </a:stretch>
-        </p:blipFill>
-        <p:spPr>
-          <a:xfrm>
-            <a:off x="8718089" y="3546419"/>
-            <a:ext cx="3140613" cy="723938"/>
-          </a:xfrm>
-          <a:prstGeom prst="rect">
-            <a:avLst/>
-          </a:prstGeom>
-        </p:spPr>
-      </p:pic>
+              <a:t>ROC-AUC Comparison (models included = 9)</a:t>
+            </a:r>
+          </a:p>
+        </p:txBody>
+      </p:sp>
     </p:spTree>
     <p:extLst>
       <p:ext uri="{BB962C8B-B14F-4D97-AF65-F5344CB8AC3E}">
-        <p14:creationId xmlns:p14="http://schemas.microsoft.com/office/powerpoint/2010/main" val="3190200343"/>
+        <p14:creationId xmlns:p14="http://schemas.microsoft.com/office/powerpoint/2010/main" val="1270886077"/>
       </p:ext>
     </p:extLst>
   </p:cSld>
@@ -7940,49 +11499,12 @@
           <a:chExt cx="0" cy="0"/>
         </a:xfrm>
       </p:grpSpPr>
-      <p:sp>
-        <p:nvSpPr>
-          <p:cNvPr id="4" name="TextBox 3">
-            <a:extLst>
-              <a:ext uri="{FF2B5EF4-FFF2-40B4-BE49-F238E27FC236}">
-                <a16:creationId xmlns:a16="http://schemas.microsoft.com/office/drawing/2014/main" id="{2953DCE4-4B81-02FE-1707-164F5BE550D6}"/>
-              </a:ext>
-            </a:extLst>
-          </p:cNvPr>
-          <p:cNvSpPr txBox="1"/>
-          <p:nvPr/>
-        </p:nvSpPr>
-        <p:spPr>
-          <a:xfrm>
-            <a:off x="4176147" y="615461"/>
-            <a:ext cx="3839705" cy="400110"/>
-          </a:xfrm>
-          <a:prstGeom prst="rect">
-            <a:avLst/>
-          </a:prstGeom>
-          <a:noFill/>
-        </p:spPr>
-        <p:txBody>
-          <a:bodyPr wrap="none" rtlCol="0">
-            <a:spAutoFit/>
-          </a:bodyPr>
-          <a:lstStyle/>
-          <a:p>
-            <a:r>
-              <a:rPr lang="en-US" sz="2000" dirty="0">
-                <a:latin typeface="Verdana Pro Black" panose="020B0A04030504040204" pitchFamily="34" charset="0"/>
-              </a:rPr>
-              <a:t>Feature Selection – PCA</a:t>
-            </a:r>
-          </a:p>
-        </p:txBody>
-      </p:sp>
       <p:pic>
         <p:nvPicPr>
-          <p:cNvPr id="5" name="Picture 4">
-            <a:extLst>
-              <a:ext uri="{FF2B5EF4-FFF2-40B4-BE49-F238E27FC236}">
-                <a16:creationId xmlns:a16="http://schemas.microsoft.com/office/drawing/2014/main" id="{D3C859D0-D445-98C0-79B3-F4479FBC1901}"/>
+          <p:cNvPr id="3" name="Picture 2">
+            <a:extLst>
+              <a:ext uri="{FF2B5EF4-FFF2-40B4-BE49-F238E27FC236}">
+                <a16:creationId xmlns:a16="http://schemas.microsoft.com/office/drawing/2014/main" id="{B4B57E00-101D-06D0-C8C2-C63C9894A3FE}"/>
               </a:ext>
             </a:extLst>
           </p:cNvPr>
@@ -7999,20 +11521,57 @@
         </p:blipFill>
         <p:spPr>
           <a:xfrm>
-            <a:off x="409435" y="1337560"/>
-            <a:ext cx="7152599" cy="4676377"/>
+            <a:off x="333298" y="1568097"/>
+            <a:ext cx="8272250" cy="4680583"/>
           </a:xfrm>
           <a:prstGeom prst="rect">
             <a:avLst/>
           </a:prstGeom>
         </p:spPr>
       </p:pic>
+      <p:sp>
+        <p:nvSpPr>
+          <p:cNvPr id="4" name="TextBox 3">
+            <a:extLst>
+              <a:ext uri="{FF2B5EF4-FFF2-40B4-BE49-F238E27FC236}">
+                <a16:creationId xmlns:a16="http://schemas.microsoft.com/office/drawing/2014/main" id="{2953DCE4-4B81-02FE-1707-164F5BE550D6}"/>
+              </a:ext>
+            </a:extLst>
+          </p:cNvPr>
+          <p:cNvSpPr txBox="1"/>
+          <p:nvPr/>
+        </p:nvSpPr>
+        <p:spPr>
+          <a:xfrm>
+            <a:off x="4176147" y="615461"/>
+            <a:ext cx="3839705" cy="400110"/>
+          </a:xfrm>
+          <a:prstGeom prst="rect">
+            <a:avLst/>
+          </a:prstGeom>
+          <a:noFill/>
+        </p:spPr>
+        <p:txBody>
+          <a:bodyPr wrap="none" rtlCol="0">
+            <a:spAutoFit/>
+          </a:bodyPr>
+          <a:lstStyle/>
+          <a:p>
+            <a:r>
+              <a:rPr lang="en-US" sz="2000" dirty="0">
+                <a:latin typeface="Verdana Pro Black" panose="020B0A04030504040204" pitchFamily="34" charset="0"/>
+              </a:rPr>
+              <a:t>Feature Selection – PCA</a:t>
+            </a:r>
+          </a:p>
+        </p:txBody>
+      </p:sp>
       <p:pic>
         <p:nvPicPr>
-          <p:cNvPr id="8" name="Picture 7">
-            <a:extLst>
-              <a:ext uri="{FF2B5EF4-FFF2-40B4-BE49-F238E27FC236}">
-                <a16:creationId xmlns:a16="http://schemas.microsoft.com/office/drawing/2014/main" id="{A964F329-F980-898F-7E2C-8498E89023FC}"/>
+          <p:cNvPr id="6" name="Picture 5">
+            <a:extLst>
+              <a:ext uri="{FF2B5EF4-FFF2-40B4-BE49-F238E27FC236}">
+                <a16:creationId xmlns:a16="http://schemas.microsoft.com/office/drawing/2014/main" id="{24FB88AC-0AE1-1005-1A28-21108B4FAE2A}"/>
               </a:ext>
             </a:extLst>
           </p:cNvPr>
@@ -8029,53 +11588,18 @@
         </p:blipFill>
         <p:spPr>
           <a:xfrm>
-            <a:off x="7826690" y="3261184"/>
-            <a:ext cx="3955875" cy="1302024"/>
+            <a:off x="8718089" y="3546419"/>
+            <a:ext cx="3140613" cy="723938"/>
           </a:xfrm>
           <a:prstGeom prst="rect">
             <a:avLst/>
           </a:prstGeom>
         </p:spPr>
       </p:pic>
-      <p:sp>
-        <p:nvSpPr>
-          <p:cNvPr id="11" name="TextBox 10">
-            <a:extLst>
-              <a:ext uri="{FF2B5EF4-FFF2-40B4-BE49-F238E27FC236}">
-                <a16:creationId xmlns:a16="http://schemas.microsoft.com/office/drawing/2014/main" id="{C7CCC047-E55E-7651-C9E0-FCBBA24DE746}"/>
-              </a:ext>
-            </a:extLst>
-          </p:cNvPr>
-          <p:cNvSpPr txBox="1"/>
-          <p:nvPr/>
-        </p:nvSpPr>
-        <p:spPr>
-          <a:xfrm>
-            <a:off x="8390164" y="2558533"/>
-            <a:ext cx="2828925" cy="369332"/>
-          </a:xfrm>
-          <a:prstGeom prst="rect">
-            <a:avLst/>
-          </a:prstGeom>
-          <a:noFill/>
-        </p:spPr>
-        <p:txBody>
-          <a:bodyPr wrap="square">
-            <a:spAutoFit/>
-          </a:bodyPr>
-          <a:lstStyle/>
-          <a:p>
-            <a:r>
-              <a:rPr lang="en-US" b="1" dirty="0"/>
-              <a:t>Explained Variance Ratio</a:t>
-            </a:r>
-          </a:p>
-        </p:txBody>
-      </p:sp>
     </p:spTree>
     <p:extLst>
       <p:ext uri="{BB962C8B-B14F-4D97-AF65-F5344CB8AC3E}">
-        <p14:creationId xmlns:p14="http://schemas.microsoft.com/office/powerpoint/2010/main" val="2281897566"/>
+        <p14:creationId xmlns:p14="http://schemas.microsoft.com/office/powerpoint/2010/main" val="3190200343"/>
       </p:ext>
     </p:extLst>
   </p:cSld>
@@ -8104,62 +11628,10 @@
       </p:grpSpPr>
       <p:sp>
         <p:nvSpPr>
-          <p:cNvPr id="12" name="Rectangle 11">
-            <a:extLst>
-              <a:ext uri="{FF2B5EF4-FFF2-40B4-BE49-F238E27FC236}">
-                <a16:creationId xmlns:a16="http://schemas.microsoft.com/office/drawing/2014/main" id="{A3549DC4-40BA-1272-B8DE-5D02C5F561F5}"/>
-              </a:ext>
-            </a:extLst>
-          </p:cNvPr>
-          <p:cNvSpPr/>
-          <p:nvPr/>
-        </p:nvSpPr>
-        <p:spPr>
-          <a:xfrm>
-            <a:off x="289249" y="6049396"/>
-            <a:ext cx="572397" cy="191860"/>
-          </a:xfrm>
-          <a:prstGeom prst="rect">
-            <a:avLst/>
-          </a:prstGeom>
-          <a:noFill/>
-          <a:ln w="28575">
-            <a:solidFill>
-              <a:schemeClr val="accent4"/>
-            </a:solidFill>
-          </a:ln>
-        </p:spPr>
-        <p:style>
-          <a:lnRef idx="2">
-            <a:schemeClr val="accent1">
-              <a:shade val="15000"/>
-            </a:schemeClr>
-          </a:lnRef>
-          <a:fillRef idx="1">
-            <a:schemeClr val="accent1"/>
-          </a:fillRef>
-          <a:effectRef idx="0">
-            <a:schemeClr val="accent1"/>
-          </a:effectRef>
-          <a:fontRef idx="minor">
-            <a:schemeClr val="lt1"/>
-          </a:fontRef>
-        </p:style>
-        <p:txBody>
-          <a:bodyPr rtlCol="0" anchor="ctr"/>
-          <a:lstStyle/>
-          <a:p>
-            <a:pPr algn="ctr"/>
-            <a:endParaRPr lang="en-US"/>
-          </a:p>
-        </p:txBody>
-      </p:sp>
-      <p:sp>
-        <p:nvSpPr>
-          <p:cNvPr id="13" name="TextBox 12">
-            <a:extLst>
-              <a:ext uri="{FF2B5EF4-FFF2-40B4-BE49-F238E27FC236}">
-                <a16:creationId xmlns:a16="http://schemas.microsoft.com/office/drawing/2014/main" id="{4259E792-13EE-CA79-5EB0-A062683BBBC8}"/>
+          <p:cNvPr id="4" name="TextBox 3">
+            <a:extLst>
+              <a:ext uri="{FF2B5EF4-FFF2-40B4-BE49-F238E27FC236}">
+                <a16:creationId xmlns:a16="http://schemas.microsoft.com/office/drawing/2014/main" id="{2953DCE4-4B81-02FE-1707-164F5BE550D6}"/>
               </a:ext>
             </a:extLst>
           </p:cNvPr>
@@ -8168,8 +11640,8 @@
         </p:nvSpPr>
         <p:spPr>
           <a:xfrm>
-            <a:off x="1037493" y="5924678"/>
-            <a:ext cx="1238481" cy="369332"/>
+            <a:off x="4176147" y="615461"/>
+            <a:ext cx="3839705" cy="400110"/>
           </a:xfrm>
           <a:prstGeom prst="rect">
             <a:avLst/>
@@ -8183,209 +11655,20 @@
           <a:lstStyle/>
           <a:p>
             <a:r>
-              <a:rPr lang="en-US" dirty="0"/>
-              <a:t>Best model</a:t>
-            </a:r>
-          </a:p>
-        </p:txBody>
-      </p:sp>
-      <p:sp>
-        <p:nvSpPr>
-          <p:cNvPr id="14" name="TextBox 13">
-            <a:extLst>
-              <a:ext uri="{FF2B5EF4-FFF2-40B4-BE49-F238E27FC236}">
-                <a16:creationId xmlns:a16="http://schemas.microsoft.com/office/drawing/2014/main" id="{49F066A8-9957-6751-AD8A-343910BB811D}"/>
-              </a:ext>
-            </a:extLst>
-          </p:cNvPr>
-          <p:cNvSpPr txBox="1"/>
-          <p:nvPr/>
-        </p:nvSpPr>
-        <p:spPr>
-          <a:xfrm>
-            <a:off x="1037493" y="6382656"/>
-            <a:ext cx="1568699" cy="369332"/>
-          </a:xfrm>
-          <a:prstGeom prst="rect">
-            <a:avLst/>
-          </a:prstGeom>
-          <a:noFill/>
-        </p:spPr>
-        <p:txBody>
-          <a:bodyPr wrap="none" rtlCol="0">
-            <a:spAutoFit/>
-          </a:bodyPr>
-          <a:lstStyle/>
-          <a:p>
-            <a:r>
-              <a:rPr lang="en-US" dirty="0"/>
-              <a:t>2</a:t>
-            </a:r>
-            <a:r>
-              <a:rPr lang="en-US" baseline="30000" dirty="0"/>
-              <a:t>nd</a:t>
-            </a:r>
-            <a:r>
-              <a:rPr lang="en-US" dirty="0"/>
-              <a:t> Best model</a:t>
-            </a:r>
-          </a:p>
-        </p:txBody>
-      </p:sp>
-      <p:cxnSp>
-        <p:nvCxnSpPr>
-          <p:cNvPr id="15" name="Straight Connector 14">
-            <a:extLst>
-              <a:ext uri="{FF2B5EF4-FFF2-40B4-BE49-F238E27FC236}">
-                <a16:creationId xmlns:a16="http://schemas.microsoft.com/office/drawing/2014/main" id="{066A4A5F-3CD2-30C3-AF21-81CD605CE74D}"/>
-              </a:ext>
-            </a:extLst>
-          </p:cNvPr>
-          <p:cNvCxnSpPr>
-            <a:cxnSpLocks/>
-          </p:cNvCxnSpPr>
-          <p:nvPr/>
-        </p:nvCxnSpPr>
-        <p:spPr>
-          <a:xfrm>
-            <a:off x="289249" y="6567322"/>
-            <a:ext cx="572397" cy="0"/>
-          </a:xfrm>
-          <a:prstGeom prst="line">
-            <a:avLst/>
-          </a:prstGeom>
-          <a:ln w="28575">
-            <a:solidFill>
-              <a:schemeClr val="accent4"/>
-            </a:solidFill>
-            <a:prstDash val="dash"/>
-          </a:ln>
-        </p:spPr>
-        <p:style>
-          <a:lnRef idx="1">
-            <a:schemeClr val="accent1"/>
-          </a:lnRef>
-          <a:fillRef idx="0">
-            <a:schemeClr val="accent1"/>
-          </a:fillRef>
-          <a:effectRef idx="0">
-            <a:schemeClr val="accent1"/>
-          </a:effectRef>
-          <a:fontRef idx="minor">
-            <a:schemeClr val="tx1"/>
-          </a:fontRef>
-        </p:style>
-      </p:cxnSp>
-      <p:sp>
-        <p:nvSpPr>
-          <p:cNvPr id="17" name="TextBox 16">
-            <a:extLst>
-              <a:ext uri="{FF2B5EF4-FFF2-40B4-BE49-F238E27FC236}">
-                <a16:creationId xmlns:a16="http://schemas.microsoft.com/office/drawing/2014/main" id="{370F4DFF-C31F-D441-B981-B144D4E5D343}"/>
-              </a:ext>
-            </a:extLst>
-          </p:cNvPr>
-          <p:cNvSpPr txBox="1"/>
-          <p:nvPr/>
-        </p:nvSpPr>
-        <p:spPr>
-          <a:xfrm>
-            <a:off x="1212591" y="337472"/>
-            <a:ext cx="9774855" cy="461665"/>
-          </a:xfrm>
-          <a:prstGeom prst="rect">
-            <a:avLst/>
-          </a:prstGeom>
-          <a:noFill/>
-        </p:spPr>
-        <p:txBody>
-          <a:bodyPr wrap="none" rtlCol="0">
-            <a:spAutoFit/>
-          </a:bodyPr>
-          <a:lstStyle/>
-          <a:p>
-            <a:r>
-              <a:rPr lang="en-US" sz="2400" dirty="0">
+              <a:rPr lang="en-US" sz="2000" dirty="0">
                 <a:latin typeface="Verdana Pro Black" panose="020B0A04030504040204" pitchFamily="34" charset="0"/>
               </a:rPr>
-              <a:t>Model Performance (43 f.) – </a:t>
-            </a:r>
-            <a:r>
-              <a:rPr lang="en-US" sz="2400" dirty="0">
-                <a:solidFill>
-                  <a:srgbClr val="FF0000"/>
-                </a:solidFill>
-                <a:latin typeface="Verdana Pro Black" panose="020B0A04030504040204" pitchFamily="34" charset="0"/>
-              </a:rPr>
-              <a:t>Before</a:t>
-            </a:r>
-            <a:r>
-              <a:rPr lang="en-US" sz="2400" dirty="0">
-                <a:latin typeface="Verdana Pro Black" panose="020B0A04030504040204" pitchFamily="34" charset="0"/>
-              </a:rPr>
-              <a:t> Feature Selection</a:t>
-            </a:r>
-          </a:p>
-        </p:txBody>
-      </p:sp>
-      <p:sp>
-        <p:nvSpPr>
-          <p:cNvPr id="2" name="TextBox 1">
-            <a:extLst>
-              <a:ext uri="{FF2B5EF4-FFF2-40B4-BE49-F238E27FC236}">
-                <a16:creationId xmlns:a16="http://schemas.microsoft.com/office/drawing/2014/main" id="{20769F76-CF3E-07B7-168C-C951B66803E7}"/>
-              </a:ext>
-            </a:extLst>
-          </p:cNvPr>
-          <p:cNvSpPr txBox="1"/>
-          <p:nvPr/>
-        </p:nvSpPr>
-        <p:spPr>
-          <a:xfrm>
-            <a:off x="1319851" y="3206561"/>
-            <a:ext cx="9484904" cy="461665"/>
-          </a:xfrm>
-          <a:prstGeom prst="rect">
-            <a:avLst/>
-          </a:prstGeom>
-          <a:noFill/>
-        </p:spPr>
-        <p:txBody>
-          <a:bodyPr wrap="none" rtlCol="0">
-            <a:spAutoFit/>
-          </a:bodyPr>
-          <a:lstStyle/>
-          <a:p>
-            <a:r>
-              <a:rPr lang="en-US" sz="2400" dirty="0">
-                <a:latin typeface="Verdana Pro Black" panose="020B0A04030504040204" pitchFamily="34" charset="0"/>
-              </a:rPr>
-              <a:t>Model Performance (42 f.) – </a:t>
-            </a:r>
-            <a:r>
-              <a:rPr lang="en-US" sz="2400" dirty="0">
-                <a:solidFill>
-                  <a:srgbClr val="FF0000"/>
-                </a:solidFill>
-                <a:latin typeface="Verdana Pro Black" panose="020B0A04030504040204" pitchFamily="34" charset="0"/>
-              </a:rPr>
-              <a:t>After</a:t>
-            </a:r>
-            <a:r>
-              <a:rPr lang="en-US" sz="2400" dirty="0">
-                <a:latin typeface="Verdana Pro Black" panose="020B0A04030504040204" pitchFamily="34" charset="0"/>
-              </a:rPr>
-              <a:t> Feature Selection</a:t>
+              <a:t>Feature Selection – PCA</a:t>
             </a:r>
           </a:p>
         </p:txBody>
       </p:sp>
       <p:pic>
         <p:nvPicPr>
-          <p:cNvPr id="9" name="Picture 8">
-            <a:extLst>
-              <a:ext uri="{FF2B5EF4-FFF2-40B4-BE49-F238E27FC236}">
-                <a16:creationId xmlns:a16="http://schemas.microsoft.com/office/drawing/2014/main" id="{033A0BE4-96A1-C963-1F2E-FCE4B2326EB3}"/>
+          <p:cNvPr id="5" name="Picture 4">
+            <a:extLst>
+              <a:ext uri="{FF2B5EF4-FFF2-40B4-BE49-F238E27FC236}">
+                <a16:creationId xmlns:a16="http://schemas.microsoft.com/office/drawing/2014/main" id="{D3C859D0-D445-98C0-79B3-F4479FBC1901}"/>
               </a:ext>
             </a:extLst>
           </p:cNvPr>
@@ -8402,117 +11685,20 @@
         </p:blipFill>
         <p:spPr>
           <a:xfrm>
-            <a:off x="1378734" y="952750"/>
-            <a:ext cx="9367138" cy="2122165"/>
+            <a:off x="409435" y="1337560"/>
+            <a:ext cx="7152599" cy="4676377"/>
           </a:xfrm>
           <a:prstGeom prst="rect">
             <a:avLst/>
           </a:prstGeom>
         </p:spPr>
       </p:pic>
-      <p:sp>
-        <p:nvSpPr>
-          <p:cNvPr id="8" name="Rectangle 7">
-            <a:extLst>
-              <a:ext uri="{FF2B5EF4-FFF2-40B4-BE49-F238E27FC236}">
-                <a16:creationId xmlns:a16="http://schemas.microsoft.com/office/drawing/2014/main" id="{BD37BE26-7B67-87CC-3F27-67FC1777EC1E}"/>
-              </a:ext>
-            </a:extLst>
-          </p:cNvPr>
-          <p:cNvSpPr/>
-          <p:nvPr/>
-        </p:nvSpPr>
-        <p:spPr>
-          <a:xfrm>
-            <a:off x="1472505" y="2847130"/>
-            <a:ext cx="8951638" cy="183107"/>
-          </a:xfrm>
-          <a:prstGeom prst="rect">
-            <a:avLst/>
-          </a:prstGeom>
-          <a:noFill/>
-          <a:ln w="28575">
-            <a:solidFill>
-              <a:srgbClr val="FFFF00"/>
-            </a:solidFill>
-          </a:ln>
-        </p:spPr>
-        <p:style>
-          <a:lnRef idx="2">
-            <a:schemeClr val="accent1">
-              <a:shade val="15000"/>
-            </a:schemeClr>
-          </a:lnRef>
-          <a:fillRef idx="1">
-            <a:schemeClr val="accent1"/>
-          </a:fillRef>
-          <a:effectRef idx="0">
-            <a:schemeClr val="accent1"/>
-          </a:effectRef>
-          <a:fontRef idx="minor">
-            <a:schemeClr val="lt1"/>
-          </a:fontRef>
-        </p:style>
-        <p:txBody>
-          <a:bodyPr rtlCol="0" anchor="ctr"/>
-          <a:lstStyle/>
-          <a:p>
-            <a:pPr algn="ctr"/>
-            <a:endParaRPr lang="en-US"/>
-          </a:p>
-        </p:txBody>
-      </p:sp>
-      <p:cxnSp>
-        <p:nvCxnSpPr>
-          <p:cNvPr id="11" name="Straight Connector 10">
-            <a:extLst>
-              <a:ext uri="{FF2B5EF4-FFF2-40B4-BE49-F238E27FC236}">
-                <a16:creationId xmlns:a16="http://schemas.microsoft.com/office/drawing/2014/main" id="{E99D9A17-1A23-8F2D-9196-A9631B90723C}"/>
-              </a:ext>
-            </a:extLst>
-          </p:cNvPr>
-          <p:cNvCxnSpPr/>
-          <p:nvPr/>
-        </p:nvCxnSpPr>
-        <p:spPr>
-          <a:xfrm>
-            <a:off x="1319851" y="2625406"/>
-            <a:ext cx="10601166" cy="0"/>
-          </a:xfrm>
-          <a:prstGeom prst="line">
-            <a:avLst/>
-          </a:prstGeom>
-          <a:ln w="28575">
-            <a:solidFill>
-              <a:schemeClr val="accent4">
-                <a:lumMod val="20000"/>
-                <a:lumOff val="80000"/>
-              </a:schemeClr>
-            </a:solidFill>
-            <a:prstDash val="dash"/>
-          </a:ln>
-        </p:spPr>
-        <p:style>
-          <a:lnRef idx="1">
-            <a:schemeClr val="accent1"/>
-          </a:lnRef>
-          <a:fillRef idx="0">
-            <a:schemeClr val="accent1"/>
-          </a:fillRef>
-          <a:effectRef idx="0">
-            <a:schemeClr val="accent1"/>
-          </a:effectRef>
-          <a:fontRef idx="minor">
-            <a:schemeClr val="tx1"/>
-          </a:fontRef>
-        </p:style>
-      </p:cxnSp>
       <p:pic>
         <p:nvPicPr>
-          <p:cNvPr id="16" name="Picture 15">
-            <a:extLst>
-              <a:ext uri="{FF2B5EF4-FFF2-40B4-BE49-F238E27FC236}">
-                <a16:creationId xmlns:a16="http://schemas.microsoft.com/office/drawing/2014/main" id="{552CDC15-537A-DB8A-BDF1-C0507FCE90E4}"/>
+          <p:cNvPr id="8" name="Picture 7">
+            <a:extLst>
+              <a:ext uri="{FF2B5EF4-FFF2-40B4-BE49-F238E27FC236}">
+                <a16:creationId xmlns:a16="http://schemas.microsoft.com/office/drawing/2014/main" id="{A964F329-F980-898F-7E2C-8498E89023FC}"/>
               </a:ext>
             </a:extLst>
           </p:cNvPr>
@@ -8529,8 +11715,8 @@
         </p:blipFill>
         <p:spPr>
           <a:xfrm>
-            <a:off x="1378734" y="3712549"/>
-            <a:ext cx="9367138" cy="2123483"/>
+            <a:off x="7826690" y="3261184"/>
+            <a:ext cx="3955875" cy="1302024"/>
           </a:xfrm>
           <a:prstGeom prst="rect">
             <a:avLst/>
@@ -8539,107 +11725,43 @@
       </p:pic>
       <p:sp>
         <p:nvSpPr>
-          <p:cNvPr id="18" name="Rectangle 17">
-            <a:extLst>
-              <a:ext uri="{FF2B5EF4-FFF2-40B4-BE49-F238E27FC236}">
-                <a16:creationId xmlns:a16="http://schemas.microsoft.com/office/drawing/2014/main" id="{84A4E98C-B440-84F7-2FB9-2DAC3A1315A1}"/>
-              </a:ext>
-            </a:extLst>
-          </p:cNvPr>
-          <p:cNvSpPr/>
-          <p:nvPr/>
-        </p:nvSpPr>
-        <p:spPr>
-          <a:xfrm>
-            <a:off x="1725484" y="4355945"/>
-            <a:ext cx="8741032" cy="191461"/>
+          <p:cNvPr id="11" name="TextBox 10">
+            <a:extLst>
+              <a:ext uri="{FF2B5EF4-FFF2-40B4-BE49-F238E27FC236}">
+                <a16:creationId xmlns:a16="http://schemas.microsoft.com/office/drawing/2014/main" id="{C7CCC047-E55E-7651-C9E0-FCBBA24DE746}"/>
+              </a:ext>
+            </a:extLst>
+          </p:cNvPr>
+          <p:cNvSpPr txBox="1"/>
+          <p:nvPr/>
+        </p:nvSpPr>
+        <p:spPr>
+          <a:xfrm>
+            <a:off x="8390164" y="2558533"/>
+            <a:ext cx="2828925" cy="369332"/>
           </a:xfrm>
           <a:prstGeom prst="rect">
             <a:avLst/>
           </a:prstGeom>
           <a:noFill/>
-          <a:ln w="28575">
-            <a:solidFill>
-              <a:srgbClr val="FFFF00"/>
-            </a:solidFill>
-          </a:ln>
-        </p:spPr>
-        <p:style>
-          <a:lnRef idx="2">
-            <a:schemeClr val="accent1">
-              <a:shade val="15000"/>
-            </a:schemeClr>
-          </a:lnRef>
-          <a:fillRef idx="1">
-            <a:schemeClr val="accent1"/>
-          </a:fillRef>
-          <a:effectRef idx="0">
-            <a:schemeClr val="accent1"/>
-          </a:effectRef>
-          <a:fontRef idx="minor">
-            <a:schemeClr val="lt1"/>
-          </a:fontRef>
-        </p:style>
-        <p:txBody>
-          <a:bodyPr rtlCol="0" anchor="ctr"/>
-          <a:lstStyle/>
-          <a:p>
-            <a:pPr algn="ctr"/>
-            <a:endParaRPr lang="en-US"/>
-          </a:p>
-        </p:txBody>
-      </p:sp>
-      <p:cxnSp>
-        <p:nvCxnSpPr>
-          <p:cNvPr id="6" name="Straight Connector 5">
-            <a:extLst>
-              <a:ext uri="{FF2B5EF4-FFF2-40B4-BE49-F238E27FC236}">
-                <a16:creationId xmlns:a16="http://schemas.microsoft.com/office/drawing/2014/main" id="{8683A0DD-ED7A-B376-5DAC-CDB58AAEE6B8}"/>
-              </a:ext>
-            </a:extLst>
-          </p:cNvPr>
-          <p:cNvCxnSpPr>
-            <a:cxnSpLocks/>
-          </p:cNvCxnSpPr>
-          <p:nvPr/>
-        </p:nvCxnSpPr>
-        <p:spPr>
-          <a:xfrm>
-            <a:off x="1801388" y="5166398"/>
-            <a:ext cx="8521830" cy="0"/>
-          </a:xfrm>
-          <a:prstGeom prst="line">
-            <a:avLst/>
-          </a:prstGeom>
-          <a:ln w="28575">
-            <a:solidFill>
-              <a:schemeClr val="accent4">
-                <a:lumMod val="20000"/>
-                <a:lumOff val="80000"/>
-              </a:schemeClr>
-            </a:solidFill>
-            <a:prstDash val="dash"/>
-          </a:ln>
-        </p:spPr>
-        <p:style>
-          <a:lnRef idx="1">
-            <a:schemeClr val="accent1"/>
-          </a:lnRef>
-          <a:fillRef idx="0">
-            <a:schemeClr val="accent1"/>
-          </a:fillRef>
-          <a:effectRef idx="0">
-            <a:schemeClr val="accent1"/>
-          </a:effectRef>
-          <a:fontRef idx="minor">
-            <a:schemeClr val="tx1"/>
-          </a:fontRef>
-        </p:style>
-      </p:cxnSp>
+        </p:spPr>
+        <p:txBody>
+          <a:bodyPr wrap="square">
+            <a:spAutoFit/>
+          </a:bodyPr>
+          <a:lstStyle/>
+          <a:p>
+            <a:r>
+              <a:rPr lang="en-US" b="1" dirty="0"/>
+              <a:t>Explained Variance Ratio</a:t>
+            </a:r>
+          </a:p>
+        </p:txBody>
+      </p:sp>
     </p:spTree>
     <p:extLst>
       <p:ext uri="{BB962C8B-B14F-4D97-AF65-F5344CB8AC3E}">
-        <p14:creationId xmlns:p14="http://schemas.microsoft.com/office/powerpoint/2010/main" val="1904824536"/>
+        <p14:creationId xmlns:p14="http://schemas.microsoft.com/office/powerpoint/2010/main" val="2281897566"/>
       </p:ext>
     </p:extLst>
   </p:cSld>
